--- a/trunk/Slides/20090604_Ihc_AgileAcceptanceTesting.pptx
+++ b/trunk/Slides/20090604_Ihc_AgileAcceptanceTesting.pptx
@@ -5,7 +5,7 @@
     <p:sldMasterId id="2147483732" r:id="rId1"/>
   </p:sldMasterIdLst>
   <p:notesMasterIdLst>
-    <p:notesMasterId r:id="rId29"/>
+    <p:notesMasterId r:id="rId32"/>
   </p:notesMasterIdLst>
   <p:sldIdLst>
     <p:sldId id="256" r:id="rId2"/>
@@ -22,19 +22,22 @@
     <p:sldId id="265" r:id="rId13"/>
     <p:sldId id="257" r:id="rId14"/>
     <p:sldId id="275" r:id="rId15"/>
-    <p:sldId id="279" r:id="rId16"/>
-    <p:sldId id="280" r:id="rId17"/>
-    <p:sldId id="287" r:id="rId18"/>
-    <p:sldId id="278" r:id="rId19"/>
-    <p:sldId id="286" r:id="rId20"/>
-    <p:sldId id="268" r:id="rId21"/>
-    <p:sldId id="288" r:id="rId22"/>
-    <p:sldId id="269" r:id="rId23"/>
-    <p:sldId id="270" r:id="rId24"/>
-    <p:sldId id="271" r:id="rId25"/>
-    <p:sldId id="289" r:id="rId26"/>
-    <p:sldId id="264" r:id="rId27"/>
-    <p:sldId id="285" r:id="rId28"/>
+    <p:sldId id="291" r:id="rId16"/>
+    <p:sldId id="292" r:id="rId17"/>
+    <p:sldId id="293" r:id="rId18"/>
+    <p:sldId id="279" r:id="rId19"/>
+    <p:sldId id="280" r:id="rId20"/>
+    <p:sldId id="287" r:id="rId21"/>
+    <p:sldId id="278" r:id="rId22"/>
+    <p:sldId id="286" r:id="rId23"/>
+    <p:sldId id="268" r:id="rId24"/>
+    <p:sldId id="288" r:id="rId25"/>
+    <p:sldId id="269" r:id="rId26"/>
+    <p:sldId id="270" r:id="rId27"/>
+    <p:sldId id="271" r:id="rId28"/>
+    <p:sldId id="289" r:id="rId29"/>
+    <p:sldId id="264" r:id="rId30"/>
+    <p:sldId id="285" r:id="rId31"/>
   </p:sldIdLst>
   <p:sldSz cx="9144000" cy="6858000" type="screen4x3"/>
   <p:notesSz cx="6858000" cy="9144000"/>
@@ -617,25 +620,17 @@
           </a:bodyPr>
           <a:lstStyle/>
           <a:p>
-            <a:pPr lvl="1">
-              <a:buFontTx/>
-              <a:buChar char="-"/>
-            </a:pPr>
+            <a:r>
+              <a:rPr lang="nl-BE" dirty="0" smtClean="0">
+                <a:hlinkClick r:id="rId3"/>
+              </a:rPr>
+              <a:t>http://stackoverflow.com/questions/249580/how-do-i-add-fitnesse-pages-to-version-control</a:t>
+            </a:r>
+            <a:r>
+              <a:rPr lang="nl-BE" dirty="0" smtClean="0"/>
+              <a:t> </a:t>
+            </a:r>
             <a:endParaRPr lang="nl-BE" baseline="0" dirty="0" smtClean="0"/>
-          </a:p>
-          <a:p>
-            <a:pPr>
-              <a:buFontTx/>
-              <a:buChar char="-"/>
-            </a:pPr>
-            <a:endParaRPr lang="nl-BE" baseline="0" dirty="0" smtClean="0"/>
-          </a:p>
-          <a:p>
-            <a:pPr>
-              <a:buFontTx/>
-              <a:buChar char="-"/>
-            </a:pPr>
-            <a:endParaRPr lang="nl-BE" dirty="0" smtClean="0"/>
           </a:p>
         </p:txBody>
       </p:sp>
@@ -717,25 +712,7 @@
           </a:bodyPr>
           <a:lstStyle/>
           <a:p>
-            <a:pPr lvl="1">
-              <a:buFontTx/>
-              <a:buChar char="-"/>
-            </a:pPr>
             <a:endParaRPr lang="nl-BE" baseline="0" dirty="0" smtClean="0"/>
-          </a:p>
-          <a:p>
-            <a:pPr>
-              <a:buFontTx/>
-              <a:buChar char="-"/>
-            </a:pPr>
-            <a:endParaRPr lang="nl-BE" baseline="0" dirty="0" smtClean="0"/>
-          </a:p>
-          <a:p>
-            <a:pPr>
-              <a:buFontTx/>
-              <a:buChar char="-"/>
-            </a:pPr>
-            <a:endParaRPr lang="nl-BE" dirty="0" smtClean="0"/>
           </a:p>
         </p:txBody>
       </p:sp>
@@ -819,17 +796,116 @@
           <a:p>
             <a:r>
               <a:rPr lang="nl-BE" dirty="0" smtClean="0"/>
-              <a:t>Automated</a:t>
+              <a:t>1</a:t>
+            </a:r>
+            <a:r>
+              <a:rPr lang="nl-BE" baseline="30000" dirty="0" smtClean="0"/>
+              <a:t>e</a:t>
+            </a:r>
+            <a:r>
+              <a:rPr lang="nl-BE" dirty="0" smtClean="0"/>
+              <a:t> test: Snack order</a:t>
             </a:r>
             <a:r>
               <a:rPr lang="nl-BE" baseline="0" dirty="0" smtClean="0"/>
-              <a:t> Build (vroeger-&gt; op einde iteratie)</a:t>
+              <a:t> zonder credit, credit toevoegen, snack orderen (columnFixture)</a:t>
             </a:r>
           </a:p>
           <a:p>
             <a:r>
               <a:rPr lang="nl-BE" baseline="0" dirty="0" smtClean="0"/>
-              <a:t>CI Environment (evt te schrappen)</a:t>
+              <a:t>2</a:t>
+            </a:r>
+            <a:r>
+              <a:rPr lang="nl-BE" baseline="30000" dirty="0" smtClean="0"/>
+              <a:t>e</a:t>
+            </a:r>
+            <a:r>
+              <a:rPr lang="nl-BE" baseline="0" dirty="0" smtClean="0"/>
+              <a:t> test: current orders opvragen (blanco) – order plaatsen (hergebruik bovenste fixture) – orders opvragen (rowfixture &amp; setup: orders leegmaken+credits op 0)</a:t>
+            </a:r>
+          </a:p>
+          <a:p>
+            <a:r>
+              <a:rPr lang="nl-BE" baseline="0" dirty="0" smtClean="0"/>
+              <a:t>Acceptatie door PO (iteratie gedaan)</a:t>
+            </a:r>
+          </a:p>
+          <a:p>
+            <a:r>
+              <a:rPr lang="nl-BE" dirty="0" smtClean="0"/>
+              <a:t>3</a:t>
+            </a:r>
+            <a:r>
+              <a:rPr lang="nl-BE" baseline="30000" dirty="0" smtClean="0"/>
+              <a:t>e</a:t>
+            </a:r>
+            <a:r>
+              <a:rPr lang="nl-BE" dirty="0" smtClean="0"/>
+              <a:t> test:</a:t>
+            </a:r>
+            <a:r>
+              <a:rPr lang="nl-BE" baseline="0" dirty="0" smtClean="0"/>
+              <a:t> credits afchecken, user credit geven, snack order, check credit (</a:t>
+            </a:r>
+            <a:r>
+              <a:rPr lang="nl-BE" sz="1200" kern="1200" dirty="0" smtClean="0">
+                <a:solidFill>
+                  <a:schemeClr val="tx1"/>
+                </a:solidFill>
+                <a:latin typeface="+mn-lt"/>
+                <a:ea typeface="+mn-ea"/>
+                <a:cs typeface="+mn-cs"/>
+              </a:rPr>
+              <a:t>DoFixture)</a:t>
+            </a:r>
+            <a:endParaRPr lang="nl-BE" baseline="0" dirty="0" smtClean="0"/>
+          </a:p>
+          <a:p>
+            <a:pPr marL="0" marR="0" indent="0" algn="l" defTabSz="914400" rtl="0" eaLnBrk="1" fontAlgn="auto" latinLnBrk="0" hangingPunct="1">
+              <a:lnSpc>
+                <a:spcPct val="100000"/>
+              </a:lnSpc>
+              <a:spcBef>
+                <a:spcPts val="0"/>
+              </a:spcBef>
+              <a:spcAft>
+                <a:spcPts val="0"/>
+              </a:spcAft>
+              <a:buClrTx/>
+              <a:buSzTx/>
+              <a:buFontTx/>
+              <a:buNone/>
+              <a:tabLst/>
+              <a:defRPr/>
+            </a:pPr>
+            <a:r>
+              <a:rPr lang="nl-BE" baseline="0" dirty="0" smtClean="0"/>
+              <a:t>Structuur in Wiki? Geaccepteerde testen falen? Move naar acceptance suite.</a:t>
+            </a:r>
+          </a:p>
+          <a:p>
+            <a:r>
+              <a:rPr lang="nl-BE" dirty="0" smtClean="0"/>
+              <a:t>Integratie van Agile</a:t>
+            </a:r>
+            <a:r>
+              <a:rPr lang="nl-BE" baseline="0" dirty="0" smtClean="0"/>
+              <a:t> Acceptance Testing in iteratie.</a:t>
+            </a:r>
+          </a:p>
+          <a:p>
+            <a:r>
+              <a:rPr lang="nl-BE" baseline="0" dirty="0" smtClean="0"/>
+              <a:t>4</a:t>
+            </a:r>
+            <a:r>
+              <a:rPr lang="nl-BE" baseline="30000" dirty="0" smtClean="0"/>
+              <a:t>e</a:t>
+            </a:r>
+            <a:r>
+              <a:rPr lang="nl-BE" baseline="0" dirty="0" smtClean="0"/>
+              <a:t> test: inloggen van een user (ActionFixture)</a:t>
             </a:r>
             <a:endParaRPr lang="nl-BE" dirty="0"/>
           </a:p>
@@ -1013,48 +1089,25 @@
           </a:bodyPr>
           <a:lstStyle/>
           <a:p>
+            <a:pPr lvl="1">
+              <a:buFontTx/>
+              <a:buChar char="-"/>
+            </a:pPr>
+            <a:endParaRPr lang="nl-BE" baseline="0" dirty="0" smtClean="0"/>
+          </a:p>
+          <a:p>
             <a:pPr>
               <a:buFontTx/>
               <a:buChar char="-"/>
             </a:pPr>
-            <a:r>
-              <a:rPr lang="nl-BE" dirty="0" smtClean="0"/>
-              <a:t>Rode</a:t>
-            </a:r>
-            <a:r>
-              <a:rPr lang="nl-BE" baseline="0" dirty="0" smtClean="0"/>
-              <a:t> testen toevoegen aan groenen</a:t>
-            </a:r>
+            <a:endParaRPr lang="nl-BE" baseline="0" dirty="0" smtClean="0"/>
           </a:p>
           <a:p>
             <a:pPr>
               <a:buFontTx/>
               <a:buChar char="-"/>
             </a:pPr>
-            <a:r>
-              <a:rPr lang="nl-BE" baseline="0" dirty="0" smtClean="0"/>
-              <a:t>Groenen zijn geaccepteerd – alarm! Awereness!</a:t>
-            </a:r>
-          </a:p>
-          <a:p>
-            <a:pPr>
-              <a:buFontTx/>
-              <a:buChar char="-"/>
-            </a:pPr>
-            <a:r>
-              <a:rPr lang="nl-BE" baseline="0" dirty="0" smtClean="0"/>
-              <a:t>Build should fail by regression tests, not by Work In Progress.</a:t>
-            </a:r>
-          </a:p>
-          <a:p>
-            <a:pPr>
-              <a:buFontTx/>
-              <a:buChar char="-"/>
-            </a:pPr>
-            <a:r>
-              <a:rPr lang="nl-BE" baseline="0" dirty="0" smtClean="0"/>
-              <a:t>Should we demo build integration? Ask the audience</a:t>
-            </a:r>
+            <a:endParaRPr lang="nl-BE" dirty="0" smtClean="0"/>
           </a:p>
         </p:txBody>
       </p:sp>
@@ -1232,7 +1285,25 @@
           </a:bodyPr>
           <a:lstStyle/>
           <a:p>
-            <a:endParaRPr lang="nl-BE" dirty="0"/>
+            <a:pPr lvl="1">
+              <a:buFontTx/>
+              <a:buChar char="-"/>
+            </a:pPr>
+            <a:endParaRPr lang="nl-BE" baseline="0" dirty="0" smtClean="0"/>
+          </a:p>
+          <a:p>
+            <a:pPr>
+              <a:buFontTx/>
+              <a:buChar char="-"/>
+            </a:pPr>
+            <a:endParaRPr lang="nl-BE" baseline="0" dirty="0" smtClean="0"/>
+          </a:p>
+          <a:p>
+            <a:pPr>
+              <a:buFontTx/>
+              <a:buChar char="-"/>
+            </a:pPr>
+            <a:endParaRPr lang="nl-BE" dirty="0" smtClean="0"/>
           </a:p>
         </p:txBody>
       </p:sp>
@@ -1314,7 +1385,48 @@
           </a:bodyPr>
           <a:lstStyle/>
           <a:p>
-            <a:endParaRPr lang="nl-BE" dirty="0"/>
+            <a:pPr>
+              <a:buFontTx/>
+              <a:buChar char="-"/>
+            </a:pPr>
+            <a:r>
+              <a:rPr lang="nl-BE" dirty="0" smtClean="0"/>
+              <a:t>Rode</a:t>
+            </a:r>
+            <a:r>
+              <a:rPr lang="nl-BE" baseline="0" dirty="0" smtClean="0"/>
+              <a:t> testen toevoegen aan groenen</a:t>
+            </a:r>
+          </a:p>
+          <a:p>
+            <a:pPr>
+              <a:buFontTx/>
+              <a:buChar char="-"/>
+            </a:pPr>
+            <a:r>
+              <a:rPr lang="nl-BE" baseline="0" dirty="0" smtClean="0"/>
+              <a:t>Groenen zijn geaccepteerd – alarm! Awereness!</a:t>
+            </a:r>
+          </a:p>
+          <a:p>
+            <a:pPr>
+              <a:buFontTx/>
+              <a:buChar char="-"/>
+            </a:pPr>
+            <a:r>
+              <a:rPr lang="nl-BE" baseline="0" dirty="0" smtClean="0"/>
+              <a:t>Build should fail by regression tests, not by Work In Progress.</a:t>
+            </a:r>
+          </a:p>
+          <a:p>
+            <a:pPr>
+              <a:buFontTx/>
+              <a:buChar char="-"/>
+            </a:pPr>
+            <a:r>
+              <a:rPr lang="nl-BE" baseline="0" dirty="0" smtClean="0"/>
+              <a:t>Should we demo build integration? Ask the audience</a:t>
+            </a:r>
           </a:p>
         </p:txBody>
       </p:sp>
@@ -1396,6 +1508,20 @@
           </a:bodyPr>
           <a:lstStyle/>
           <a:p>
+            <a:r>
+              <a:rPr lang="nl-BE" dirty="0" smtClean="0"/>
+              <a:t>Automated</a:t>
+            </a:r>
+            <a:r>
+              <a:rPr lang="nl-BE" baseline="0" dirty="0" smtClean="0"/>
+              <a:t> Build (vroeger-&gt; op einde iteratie)</a:t>
+            </a:r>
+          </a:p>
+          <a:p>
+            <a:r>
+              <a:rPr lang="nl-BE" baseline="0" dirty="0" smtClean="0"/>
+              <a:t>CI Environment (evt te schrappen)</a:t>
+            </a:r>
             <a:endParaRPr lang="nl-BE" dirty="0"/>
           </a:p>
         </p:txBody>
@@ -1596,6 +1722,252 @@
 </p:notes>
 </file>
 
+<file path=ppt/notesSlides/notesSlide20.xml><?xml version="1.0" encoding="utf-8"?>
+<p:notes xmlns:a="http://schemas.openxmlformats.org/drawingml/2006/main" xmlns:r="http://schemas.openxmlformats.org/officeDocument/2006/relationships" xmlns:p="http://schemas.openxmlformats.org/presentationml/2006/main">
+  <p:cSld>
+    <p:spTree>
+      <p:nvGrpSpPr>
+        <p:cNvPr id="1" name=""/>
+        <p:cNvGrpSpPr/>
+        <p:nvPr/>
+      </p:nvGrpSpPr>
+      <p:grpSpPr>
+        <a:xfrm>
+          <a:off x="0" y="0"/>
+          <a:ext cx="0" cy="0"/>
+          <a:chOff x="0" y="0"/>
+          <a:chExt cx="0" cy="0"/>
+        </a:xfrm>
+      </p:grpSpPr>
+      <p:sp>
+        <p:nvSpPr>
+          <p:cNvPr id="2" name="Slide Image Placeholder 1"/>
+          <p:cNvSpPr>
+            <a:spLocks noGrp="1" noRot="1" noChangeAspect="1"/>
+          </p:cNvSpPr>
+          <p:nvPr>
+            <p:ph type="sldImg"/>
+          </p:nvPr>
+        </p:nvSpPr>
+        <p:spPr/>
+      </p:sp>
+      <p:sp>
+        <p:nvSpPr>
+          <p:cNvPr id="3" name="Notes Placeholder 2"/>
+          <p:cNvSpPr>
+            <a:spLocks noGrp="1"/>
+          </p:cNvSpPr>
+          <p:nvPr>
+            <p:ph type="body" idx="1"/>
+          </p:nvPr>
+        </p:nvSpPr>
+        <p:spPr/>
+        <p:txBody>
+          <a:bodyPr>
+            <a:normAutofit/>
+          </a:bodyPr>
+          <a:lstStyle/>
+          <a:p>
+            <a:endParaRPr lang="nl-BE" dirty="0"/>
+          </a:p>
+        </p:txBody>
+      </p:sp>
+      <p:sp>
+        <p:nvSpPr>
+          <p:cNvPr id="4" name="Slide Number Placeholder 3"/>
+          <p:cNvSpPr>
+            <a:spLocks noGrp="1"/>
+          </p:cNvSpPr>
+          <p:nvPr>
+            <p:ph type="sldNum" sz="quarter" idx="10"/>
+          </p:nvPr>
+        </p:nvSpPr>
+        <p:spPr/>
+        <p:txBody>
+          <a:bodyPr/>
+          <a:lstStyle/>
+          <a:p>
+            <a:fld id="{A95F721D-B08F-41E9-83C2-423A43044BB2}" type="slidenum">
+              <a:rPr lang="nl-BE" smtClean="0"/>
+              <a:pPr/>
+              <a:t>26</a:t>
+            </a:fld>
+            <a:endParaRPr lang="nl-BE"/>
+          </a:p>
+        </p:txBody>
+      </p:sp>
+    </p:spTree>
+  </p:cSld>
+  <p:clrMapOvr>
+    <a:masterClrMapping/>
+  </p:clrMapOvr>
+</p:notes>
+</file>
+
+<file path=ppt/notesSlides/notesSlide21.xml><?xml version="1.0" encoding="utf-8"?>
+<p:notes xmlns:a="http://schemas.openxmlformats.org/drawingml/2006/main" xmlns:r="http://schemas.openxmlformats.org/officeDocument/2006/relationships" xmlns:p="http://schemas.openxmlformats.org/presentationml/2006/main">
+  <p:cSld>
+    <p:spTree>
+      <p:nvGrpSpPr>
+        <p:cNvPr id="1" name=""/>
+        <p:cNvGrpSpPr/>
+        <p:nvPr/>
+      </p:nvGrpSpPr>
+      <p:grpSpPr>
+        <a:xfrm>
+          <a:off x="0" y="0"/>
+          <a:ext cx="0" cy="0"/>
+          <a:chOff x="0" y="0"/>
+          <a:chExt cx="0" cy="0"/>
+        </a:xfrm>
+      </p:grpSpPr>
+      <p:sp>
+        <p:nvSpPr>
+          <p:cNvPr id="2" name="Slide Image Placeholder 1"/>
+          <p:cNvSpPr>
+            <a:spLocks noGrp="1" noRot="1" noChangeAspect="1"/>
+          </p:cNvSpPr>
+          <p:nvPr>
+            <p:ph type="sldImg"/>
+          </p:nvPr>
+        </p:nvSpPr>
+        <p:spPr/>
+      </p:sp>
+      <p:sp>
+        <p:nvSpPr>
+          <p:cNvPr id="3" name="Notes Placeholder 2"/>
+          <p:cNvSpPr>
+            <a:spLocks noGrp="1"/>
+          </p:cNvSpPr>
+          <p:nvPr>
+            <p:ph type="body" idx="1"/>
+          </p:nvPr>
+        </p:nvSpPr>
+        <p:spPr/>
+        <p:txBody>
+          <a:bodyPr>
+            <a:normAutofit/>
+          </a:bodyPr>
+          <a:lstStyle/>
+          <a:p>
+            <a:endParaRPr lang="nl-BE" dirty="0"/>
+          </a:p>
+        </p:txBody>
+      </p:sp>
+      <p:sp>
+        <p:nvSpPr>
+          <p:cNvPr id="4" name="Slide Number Placeholder 3"/>
+          <p:cNvSpPr>
+            <a:spLocks noGrp="1"/>
+          </p:cNvSpPr>
+          <p:nvPr>
+            <p:ph type="sldNum" sz="quarter" idx="10"/>
+          </p:nvPr>
+        </p:nvSpPr>
+        <p:spPr/>
+        <p:txBody>
+          <a:bodyPr/>
+          <a:lstStyle/>
+          <a:p>
+            <a:fld id="{A95F721D-B08F-41E9-83C2-423A43044BB2}" type="slidenum">
+              <a:rPr lang="nl-BE" smtClean="0"/>
+              <a:pPr/>
+              <a:t>27</a:t>
+            </a:fld>
+            <a:endParaRPr lang="nl-BE"/>
+          </a:p>
+        </p:txBody>
+      </p:sp>
+    </p:spTree>
+  </p:cSld>
+  <p:clrMapOvr>
+    <a:masterClrMapping/>
+  </p:clrMapOvr>
+</p:notes>
+</file>
+
+<file path=ppt/notesSlides/notesSlide22.xml><?xml version="1.0" encoding="utf-8"?>
+<p:notes xmlns:a="http://schemas.openxmlformats.org/drawingml/2006/main" xmlns:r="http://schemas.openxmlformats.org/officeDocument/2006/relationships" xmlns:p="http://schemas.openxmlformats.org/presentationml/2006/main">
+  <p:cSld>
+    <p:spTree>
+      <p:nvGrpSpPr>
+        <p:cNvPr id="1" name=""/>
+        <p:cNvGrpSpPr/>
+        <p:nvPr/>
+      </p:nvGrpSpPr>
+      <p:grpSpPr>
+        <a:xfrm>
+          <a:off x="0" y="0"/>
+          <a:ext cx="0" cy="0"/>
+          <a:chOff x="0" y="0"/>
+          <a:chExt cx="0" cy="0"/>
+        </a:xfrm>
+      </p:grpSpPr>
+      <p:sp>
+        <p:nvSpPr>
+          <p:cNvPr id="2" name="Slide Image Placeholder 1"/>
+          <p:cNvSpPr>
+            <a:spLocks noGrp="1" noRot="1" noChangeAspect="1"/>
+          </p:cNvSpPr>
+          <p:nvPr>
+            <p:ph type="sldImg"/>
+          </p:nvPr>
+        </p:nvSpPr>
+        <p:spPr/>
+      </p:sp>
+      <p:sp>
+        <p:nvSpPr>
+          <p:cNvPr id="3" name="Notes Placeholder 2"/>
+          <p:cNvSpPr>
+            <a:spLocks noGrp="1"/>
+          </p:cNvSpPr>
+          <p:nvPr>
+            <p:ph type="body" idx="1"/>
+          </p:nvPr>
+        </p:nvSpPr>
+        <p:spPr/>
+        <p:txBody>
+          <a:bodyPr>
+            <a:normAutofit/>
+          </a:bodyPr>
+          <a:lstStyle/>
+          <a:p>
+            <a:endParaRPr lang="nl-BE" dirty="0"/>
+          </a:p>
+        </p:txBody>
+      </p:sp>
+      <p:sp>
+        <p:nvSpPr>
+          <p:cNvPr id="4" name="Slide Number Placeholder 3"/>
+          <p:cNvSpPr>
+            <a:spLocks noGrp="1"/>
+          </p:cNvSpPr>
+          <p:nvPr>
+            <p:ph type="sldNum" sz="quarter" idx="10"/>
+          </p:nvPr>
+        </p:nvSpPr>
+        <p:spPr/>
+        <p:txBody>
+          <a:bodyPr/>
+          <a:lstStyle/>
+          <a:p>
+            <a:fld id="{A95F721D-B08F-41E9-83C2-423A43044BB2}" type="slidenum">
+              <a:rPr lang="nl-BE" smtClean="0"/>
+              <a:pPr/>
+              <a:t>28</a:t>
+            </a:fld>
+            <a:endParaRPr lang="nl-BE"/>
+          </a:p>
+        </p:txBody>
+      </p:sp>
+    </p:spTree>
+  </p:cSld>
+  <p:clrMapOvr>
+    <a:masterClrMapping/>
+  </p:clrMapOvr>
+</p:notes>
+</file>
+
 <file path=ppt/notesSlides/notesSlide3.xml><?xml version="1.0" encoding="utf-8"?>
 <p:notes xmlns:a="http://schemas.openxmlformats.org/drawingml/2006/main" xmlns:r="http://schemas.openxmlformats.org/officeDocument/2006/relationships" xmlns:p="http://schemas.openxmlformats.org/presentationml/2006/main">
   <p:cSld>
@@ -2281,23 +2653,7 @@
           </a:bodyPr>
           <a:lstStyle/>
           <a:p>
-            <a:r>
-              <a:rPr lang="nl-BE" dirty="0" smtClean="0"/>
-              <a:t>Cards- Misschien moeten we een hands-on lab voorzien waarbij stap voor stap</a:t>
-            </a:r>
-            <a:r>
-              <a:rPr lang="nl-BE" baseline="0" dirty="0" smtClean="0"/>
-              <a:t> uitgelegd staat wat er dient te gebeuren.</a:t>
-            </a:r>
-          </a:p>
-          <a:p>
             <a:endParaRPr lang="nl-BE" baseline="0" dirty="0" smtClean="0"/>
-          </a:p>
-          <a:p>
-            <a:r>
-              <a:rPr lang="nl-BE" baseline="0" dirty="0" smtClean="0"/>
-              <a:t>Rood? Ik zit vast!</a:t>
-            </a:r>
           </a:p>
         </p:txBody>
       </p:sp>
@@ -2379,120 +2735,7 @@
           </a:bodyPr>
           <a:lstStyle/>
           <a:p>
-            <a:r>
-              <a:rPr lang="nl-BE" dirty="0" smtClean="0"/>
-              <a:t>1</a:t>
-            </a:r>
-            <a:r>
-              <a:rPr lang="nl-BE" baseline="30000" dirty="0" smtClean="0"/>
-              <a:t>e</a:t>
-            </a:r>
-            <a:r>
-              <a:rPr lang="nl-BE" dirty="0" smtClean="0"/>
-              <a:t> test: Snack order</a:t>
-            </a:r>
-            <a:r>
-              <a:rPr lang="nl-BE" baseline="0" dirty="0" smtClean="0"/>
-              <a:t> zonder credit, credit toevoegen, snack orderen (columnFixture)</a:t>
-            </a:r>
-          </a:p>
-          <a:p>
-            <a:r>
-              <a:rPr lang="nl-BE" baseline="0" dirty="0" smtClean="0"/>
-              <a:t>2</a:t>
-            </a:r>
-            <a:r>
-              <a:rPr lang="nl-BE" baseline="30000" dirty="0" smtClean="0"/>
-              <a:t>e</a:t>
-            </a:r>
-            <a:r>
-              <a:rPr lang="nl-BE" baseline="0" dirty="0" smtClean="0"/>
-              <a:t> test: current orders opvragen (blanco) – order plaatsen (hergebruik bovenste fixture) – orders opvragen (rowfixture &amp; setup: orders leegmaken+credits op 0)</a:t>
-            </a:r>
-          </a:p>
-          <a:p>
-            <a:r>
-              <a:rPr lang="nl-BE" baseline="0" dirty="0" smtClean="0"/>
-              <a:t>Acceptatie door PO (iteratie gedaan)</a:t>
-            </a:r>
-          </a:p>
-          <a:p>
-            <a:r>
-              <a:rPr lang="nl-BE" dirty="0" smtClean="0"/>
-              <a:t>3</a:t>
-            </a:r>
-            <a:r>
-              <a:rPr lang="nl-BE" baseline="30000" dirty="0" smtClean="0"/>
-              <a:t>e</a:t>
-            </a:r>
-            <a:r>
-              <a:rPr lang="nl-BE" dirty="0" smtClean="0"/>
-              <a:t> test:</a:t>
-            </a:r>
-            <a:r>
-              <a:rPr lang="nl-BE" baseline="0" dirty="0" smtClean="0"/>
-              <a:t> credits afchecken, user credit geven, snack order, check credit (</a:t>
-            </a:r>
-            <a:r>
-              <a:rPr lang="nl-BE" sz="1200" kern="1200" dirty="0" smtClean="0">
-                <a:solidFill>
-                  <a:schemeClr val="tx1"/>
-                </a:solidFill>
-                <a:latin typeface="+mn-lt"/>
-                <a:ea typeface="+mn-ea"/>
-                <a:cs typeface="+mn-cs"/>
-              </a:rPr>
-              <a:t>DoFixture)</a:t>
-            </a:r>
             <a:endParaRPr lang="nl-BE" baseline="0" dirty="0" smtClean="0"/>
-          </a:p>
-          <a:p>
-            <a:pPr marL="0" marR="0" indent="0" algn="l" defTabSz="914400" rtl="0" eaLnBrk="1" fontAlgn="auto" latinLnBrk="0" hangingPunct="1">
-              <a:lnSpc>
-                <a:spcPct val="100000"/>
-              </a:lnSpc>
-              <a:spcBef>
-                <a:spcPts val="0"/>
-              </a:spcBef>
-              <a:spcAft>
-                <a:spcPts val="0"/>
-              </a:spcAft>
-              <a:buClrTx/>
-              <a:buSzTx/>
-              <a:buFontTx/>
-              <a:buNone/>
-              <a:tabLst/>
-              <a:defRPr/>
-            </a:pPr>
-            <a:r>
-              <a:rPr lang="nl-BE" baseline="0" dirty="0" smtClean="0"/>
-              <a:t>Structuur in Wiki? Geaccepteerde testen falen? Move naar acceptance suite.</a:t>
-            </a:r>
-          </a:p>
-          <a:p>
-            <a:r>
-              <a:rPr lang="nl-BE" dirty="0" smtClean="0"/>
-              <a:t>Integratie van Agile</a:t>
-            </a:r>
-            <a:r>
-              <a:rPr lang="nl-BE" baseline="0" dirty="0" smtClean="0"/>
-              <a:t> Acceptance Testing in iteratie.</a:t>
-            </a:r>
-          </a:p>
-          <a:p>
-            <a:r>
-              <a:rPr lang="nl-BE" baseline="0" dirty="0" smtClean="0"/>
-              <a:t>4</a:t>
-            </a:r>
-            <a:r>
-              <a:rPr lang="nl-BE" baseline="30000" dirty="0" smtClean="0"/>
-              <a:t>e</a:t>
-            </a:r>
-            <a:r>
-              <a:rPr lang="nl-BE" baseline="0" dirty="0" smtClean="0"/>
-              <a:t> test: inloggen van een user (ActionFixture)</a:t>
-            </a:r>
-            <a:endParaRPr lang="nl-BE" dirty="0"/>
           </a:p>
         </p:txBody>
       </p:sp>
@@ -8624,7 +8867,7 @@
         <p:spPr/>
         <p:txBody>
           <a:bodyPr>
-            <a:normAutofit lnSpcReduction="10000"/>
+            <a:normAutofit/>
           </a:bodyPr>
           <a:lstStyle/>
           <a:p>
@@ -8643,13 +8886,6 @@
             <a:r>
               <a:rPr lang="nl-BE" b="1" i="1" dirty="0" smtClean="0"/>
               <a:t>Setup Fitnesse</a:t>
-            </a:r>
-          </a:p>
-          <a:p>
-            <a:pPr marL="880110" lvl="1" indent="-514350"/>
-            <a:r>
-              <a:rPr lang="nl-BE" b="1" dirty="0" smtClean="0"/>
-              <a:t>Setup Fitnesse from the zip download</a:t>
             </a:r>
           </a:p>
           <a:p>
@@ -8732,6 +8968,1446 @@
 </file>
 
 <file path=ppt/slides/slide15.xml><?xml version="1.0" encoding="utf-8"?>
+<p:sld xmlns:a="http://schemas.openxmlformats.org/drawingml/2006/main" xmlns:r="http://schemas.openxmlformats.org/officeDocument/2006/relationships" xmlns:p="http://schemas.openxmlformats.org/presentationml/2006/main">
+  <p:cSld>
+    <p:spTree>
+      <p:nvGrpSpPr>
+        <p:cNvPr id="1" name=""/>
+        <p:cNvGrpSpPr/>
+        <p:nvPr/>
+      </p:nvGrpSpPr>
+      <p:grpSpPr>
+        <a:xfrm>
+          <a:off x="0" y="0"/>
+          <a:ext cx="0" cy="0"/>
+          <a:chOff x="0" y="0"/>
+          <a:chExt cx="0" cy="0"/>
+        </a:xfrm>
+      </p:grpSpPr>
+      <p:sp>
+        <p:nvSpPr>
+          <p:cNvPr id="2" name="Content Placeholder 1"/>
+          <p:cNvSpPr>
+            <a:spLocks noGrp="1"/>
+          </p:cNvSpPr>
+          <p:nvPr>
+            <p:ph idx="1"/>
+          </p:nvPr>
+        </p:nvSpPr>
+        <p:spPr/>
+        <p:txBody>
+          <a:bodyPr>
+            <a:normAutofit/>
+          </a:bodyPr>
+          <a:lstStyle/>
+          <a:p>
+            <a:pPr marL="880110" lvl="1" indent="-514350"/>
+            <a:endParaRPr lang="nl-BE" i="1" dirty="0" smtClean="0"/>
+          </a:p>
+          <a:p>
+            <a:pPr marL="624078" indent="-514350"/>
+            <a:r>
+              <a:rPr lang="nl-BE" dirty="0" smtClean="0"/>
+              <a:t>Latest version of FitNesse</a:t>
+            </a:r>
+          </a:p>
+          <a:p>
+            <a:pPr marL="880110" lvl="1" indent="-514350"/>
+            <a:r>
+              <a:rPr lang="en-US" sz="2000" u="sng" dirty="0" smtClean="0">
+                <a:hlinkClick r:id="rId3"/>
+              </a:rPr>
+              <a:t>http://</a:t>
+            </a:r>
+            <a:r>
+              <a:rPr lang="en-US" sz="2000" u="sng" dirty="0" smtClean="0">
+                <a:hlinkClick r:id="rId3"/>
+              </a:rPr>
+              <a:t>fitnesse.org/FitNesseDevelopment.DownLoad</a:t>
+            </a:r>
+            <a:endParaRPr lang="en-US" sz="2000" u="sng" dirty="0" smtClean="0"/>
+          </a:p>
+          <a:p>
+            <a:pPr marL="880110" lvl="1" indent="-514350"/>
+            <a:r>
+              <a:rPr lang="en-US" sz="2000" dirty="0" smtClean="0"/>
+              <a:t>Unzip into a directory of your choice (</a:t>
+            </a:r>
+            <a:r>
+              <a:rPr lang="en-US" sz="2000" dirty="0" err="1" smtClean="0"/>
+              <a:t>f.e</a:t>
+            </a:r>
+            <a:r>
+              <a:rPr lang="en-US" sz="2000" dirty="0" smtClean="0"/>
+              <a:t>. d:\Fitnesse)</a:t>
+            </a:r>
+            <a:endParaRPr lang="en-US" sz="2000" dirty="0" smtClean="0"/>
+          </a:p>
+          <a:p>
+            <a:pPr marL="624078" indent="-514350">
+              <a:buNone/>
+            </a:pPr>
+            <a:endParaRPr lang="nl-BE" dirty="0" smtClean="0"/>
+          </a:p>
+          <a:p>
+            <a:pPr marL="624078" indent="-514350"/>
+            <a:r>
+              <a:rPr lang="nl-BE" dirty="0" smtClean="0"/>
+              <a:t>.Net 2.0 testrunner</a:t>
+            </a:r>
+          </a:p>
+          <a:p>
+            <a:pPr marL="880110" lvl="1" indent="-514350"/>
+            <a:r>
+              <a:rPr lang="en-US" sz="2000" u="sng" dirty="0" smtClean="0">
+                <a:hlinkClick r:id="rId4"/>
+              </a:rPr>
+              <a:t>http://sourceforge.net/projects/fitnessedotnet</a:t>
+            </a:r>
+            <a:r>
+              <a:rPr lang="en-US" sz="2000" u="sng" dirty="0" smtClean="0">
+                <a:hlinkClick r:id="rId4"/>
+              </a:rPr>
+              <a:t>/</a:t>
+            </a:r>
+            <a:endParaRPr lang="en-US" sz="2000" u="sng" dirty="0" smtClean="0"/>
+          </a:p>
+          <a:p>
+            <a:pPr marL="880110" lvl="1" indent="-514350"/>
+            <a:r>
+              <a:rPr lang="en-US" sz="2000" dirty="0" smtClean="0"/>
+              <a:t>Unzip to d:\Fitnesse\Dotnet2</a:t>
+            </a:r>
+            <a:endParaRPr lang="nl-BE" sz="2000" dirty="0" smtClean="0"/>
+          </a:p>
+          <a:p>
+            <a:pPr marL="624078" indent="-514350"/>
+            <a:endParaRPr lang="nl-BE" dirty="0" smtClean="0"/>
+          </a:p>
+          <a:p>
+            <a:pPr marL="624078" indent="-514350"/>
+            <a:r>
+              <a:rPr lang="nl-BE" dirty="0" smtClean="0"/>
+              <a:t>Java Runtime Environment</a:t>
+            </a:r>
+          </a:p>
+          <a:p>
+            <a:pPr marL="880110" lvl="1" indent="-514350"/>
+            <a:r>
+              <a:rPr lang="nl-BE" sz="2000" dirty="0" smtClean="0">
+                <a:hlinkClick r:id="rId5"/>
+              </a:rPr>
+              <a:t>http://developers.sun.com/downloads/top.jsp</a:t>
+            </a:r>
+            <a:endParaRPr lang="nl-BE" sz="2000" dirty="0" smtClean="0"/>
+          </a:p>
+          <a:p>
+            <a:pPr marL="624078" indent="-514350"/>
+            <a:endParaRPr lang="nl-BE" i="1" dirty="0" smtClean="0"/>
+          </a:p>
+        </p:txBody>
+      </p:sp>
+      <p:sp>
+        <p:nvSpPr>
+          <p:cNvPr id="3" name="Title 2"/>
+          <p:cNvSpPr>
+            <a:spLocks noGrp="1"/>
+          </p:cNvSpPr>
+          <p:nvPr>
+            <p:ph type="title"/>
+          </p:nvPr>
+        </p:nvSpPr>
+        <p:spPr/>
+        <p:txBody>
+          <a:bodyPr>
+            <a:normAutofit fontScale="90000"/>
+          </a:bodyPr>
+          <a:lstStyle/>
+          <a:p>
+            <a:pPr algn="ctr"/>
+            <a:r>
+              <a:rPr lang="nl-BE" dirty="0" smtClean="0"/>
+              <a:t>FitNesse Setup (1/3)</a:t>
+            </a:r>
+            <a:r>
+              <a:rPr lang="nl-BE" sz="3600" dirty="0" smtClean="0"/>
+              <a:t/>
+            </a:r>
+            <a:br>
+              <a:rPr lang="nl-BE" sz="3600" dirty="0" smtClean="0"/>
+            </a:br>
+            <a:r>
+              <a:rPr lang="nl-BE" sz="3600" dirty="0" smtClean="0">
+                <a:solidFill>
+                  <a:schemeClr val="bg2">
+                    <a:lumMod val="50000"/>
+                  </a:schemeClr>
+                </a:solidFill>
+              </a:rPr>
+              <a:t>Getting the sources</a:t>
+            </a:r>
+            <a:endParaRPr lang="nl-BE" sz="3600" dirty="0"/>
+          </a:p>
+        </p:txBody>
+      </p:sp>
+      <p:pic>
+        <p:nvPicPr>
+          <p:cNvPr id="6" name="Picture 2"/>
+          <p:cNvPicPr>
+            <a:picLocks noChangeAspect="1" noChangeArrowheads="1"/>
+          </p:cNvPicPr>
+          <p:nvPr/>
+        </p:nvPicPr>
+        <p:blipFill>
+          <a:blip r:embed="rId6" cstate="print"/>
+          <a:srcRect/>
+          <a:stretch>
+            <a:fillRect/>
+          </a:stretch>
+        </p:blipFill>
+        <p:spPr bwMode="auto">
+          <a:xfrm>
+            <a:off x="7643834" y="241436"/>
+            <a:ext cx="1237258" cy="1258738"/>
+          </a:xfrm>
+          <a:prstGeom prst="rect">
+            <a:avLst/>
+          </a:prstGeom>
+          <a:noFill/>
+          <a:ln w="9525">
+            <a:noFill/>
+            <a:miter lim="800000"/>
+            <a:headEnd/>
+            <a:tailEnd/>
+          </a:ln>
+          <a:effectLst/>
+        </p:spPr>
+      </p:pic>
+      <p:pic>
+        <p:nvPicPr>
+          <p:cNvPr id="7" name="Picture 2"/>
+          <p:cNvPicPr>
+            <a:picLocks noChangeAspect="1" noChangeArrowheads="1"/>
+          </p:cNvPicPr>
+          <p:nvPr/>
+        </p:nvPicPr>
+        <p:blipFill>
+          <a:blip r:embed="rId6" cstate="print"/>
+          <a:srcRect/>
+          <a:stretch>
+            <a:fillRect/>
+          </a:stretch>
+        </p:blipFill>
+        <p:spPr bwMode="auto">
+          <a:xfrm>
+            <a:off x="500034" y="241436"/>
+            <a:ext cx="1237258" cy="1258738"/>
+          </a:xfrm>
+          <a:prstGeom prst="rect">
+            <a:avLst/>
+          </a:prstGeom>
+          <a:noFill/>
+          <a:ln w="9525">
+            <a:noFill/>
+            <a:miter lim="800000"/>
+            <a:headEnd/>
+            <a:tailEnd/>
+          </a:ln>
+          <a:effectLst/>
+        </p:spPr>
+      </p:pic>
+    </p:spTree>
+  </p:cSld>
+  <p:clrMapOvr>
+    <a:masterClrMapping/>
+  </p:clrMapOvr>
+  <p:timing>
+    <p:tnLst>
+      <p:par>
+        <p:cTn id="1" dur="indefinite" restart="never" nodeType="tmRoot">
+          <p:childTnLst>
+            <p:seq concurrent="1" nextAc="seek">
+              <p:cTn id="2" dur="indefinite" nodeType="mainSeq">
+                <p:childTnLst>
+                  <p:par>
+                    <p:cTn id="3" fill="hold">
+                      <p:stCondLst>
+                        <p:cond delay="indefinite"/>
+                      </p:stCondLst>
+                      <p:childTnLst>
+                        <p:par>
+                          <p:cTn id="4" fill="hold">
+                            <p:stCondLst>
+                              <p:cond delay="0"/>
+                            </p:stCondLst>
+                            <p:childTnLst>
+                              <p:par>
+                                <p:cTn id="5" presetID="1" presetClass="entr" presetSubtype="0" fill="hold" nodeType="clickEffect">
+                                  <p:stCondLst>
+                                    <p:cond delay="0"/>
+                                  </p:stCondLst>
+                                  <p:childTnLst>
+                                    <p:set>
+                                      <p:cBhvr>
+                                        <p:cTn id="6" dur="1" fill="hold">
+                                          <p:stCondLst>
+                                            <p:cond delay="0"/>
+                                          </p:stCondLst>
+                                        </p:cTn>
+                                        <p:tgtEl>
+                                          <p:spTgt spid="2">
+                                            <p:txEl>
+                                              <p:pRg st="1" end="1"/>
+                                            </p:txEl>
+                                          </p:spTgt>
+                                        </p:tgtEl>
+                                        <p:attrNameLst>
+                                          <p:attrName>style.visibility</p:attrName>
+                                        </p:attrNameLst>
+                                      </p:cBhvr>
+                                      <p:to>
+                                        <p:strVal val="visible"/>
+                                      </p:to>
+                                    </p:set>
+                                  </p:childTnLst>
+                                </p:cTn>
+                              </p:par>
+                              <p:par>
+                                <p:cTn id="7" presetID="1" presetClass="entr" presetSubtype="0" fill="hold" nodeType="withEffect">
+                                  <p:stCondLst>
+                                    <p:cond delay="0"/>
+                                  </p:stCondLst>
+                                  <p:childTnLst>
+                                    <p:set>
+                                      <p:cBhvr>
+                                        <p:cTn id="8" dur="1" fill="hold">
+                                          <p:stCondLst>
+                                            <p:cond delay="0"/>
+                                          </p:stCondLst>
+                                        </p:cTn>
+                                        <p:tgtEl>
+                                          <p:spTgt spid="2">
+                                            <p:txEl>
+                                              <p:pRg st="2" end="2"/>
+                                            </p:txEl>
+                                          </p:spTgt>
+                                        </p:tgtEl>
+                                        <p:attrNameLst>
+                                          <p:attrName>style.visibility</p:attrName>
+                                        </p:attrNameLst>
+                                      </p:cBhvr>
+                                      <p:to>
+                                        <p:strVal val="visible"/>
+                                      </p:to>
+                                    </p:set>
+                                  </p:childTnLst>
+                                </p:cTn>
+                              </p:par>
+                              <p:par>
+                                <p:cTn id="9" presetID="1" presetClass="entr" presetSubtype="0" fill="hold" nodeType="withEffect">
+                                  <p:stCondLst>
+                                    <p:cond delay="0"/>
+                                  </p:stCondLst>
+                                  <p:childTnLst>
+                                    <p:set>
+                                      <p:cBhvr>
+                                        <p:cTn id="10" dur="1" fill="hold">
+                                          <p:stCondLst>
+                                            <p:cond delay="0"/>
+                                          </p:stCondLst>
+                                        </p:cTn>
+                                        <p:tgtEl>
+                                          <p:spTgt spid="2">
+                                            <p:txEl>
+                                              <p:pRg st="3" end="3"/>
+                                            </p:txEl>
+                                          </p:spTgt>
+                                        </p:tgtEl>
+                                        <p:attrNameLst>
+                                          <p:attrName>style.visibility</p:attrName>
+                                        </p:attrNameLst>
+                                      </p:cBhvr>
+                                      <p:to>
+                                        <p:strVal val="visible"/>
+                                      </p:to>
+                                    </p:set>
+                                  </p:childTnLst>
+                                </p:cTn>
+                              </p:par>
+                            </p:childTnLst>
+                          </p:cTn>
+                        </p:par>
+                      </p:childTnLst>
+                    </p:cTn>
+                  </p:par>
+                  <p:par>
+                    <p:cTn id="11" fill="hold">
+                      <p:stCondLst>
+                        <p:cond delay="indefinite"/>
+                      </p:stCondLst>
+                      <p:childTnLst>
+                        <p:par>
+                          <p:cTn id="12" fill="hold">
+                            <p:stCondLst>
+                              <p:cond delay="0"/>
+                            </p:stCondLst>
+                            <p:childTnLst>
+                              <p:par>
+                                <p:cTn id="13" presetID="1" presetClass="entr" presetSubtype="0" fill="hold" nodeType="clickEffect">
+                                  <p:stCondLst>
+                                    <p:cond delay="0"/>
+                                  </p:stCondLst>
+                                  <p:childTnLst>
+                                    <p:set>
+                                      <p:cBhvr>
+                                        <p:cTn id="14" dur="1" fill="hold">
+                                          <p:stCondLst>
+                                            <p:cond delay="0"/>
+                                          </p:stCondLst>
+                                        </p:cTn>
+                                        <p:tgtEl>
+                                          <p:spTgt spid="2">
+                                            <p:txEl>
+                                              <p:pRg st="5" end="5"/>
+                                            </p:txEl>
+                                          </p:spTgt>
+                                        </p:tgtEl>
+                                        <p:attrNameLst>
+                                          <p:attrName>style.visibility</p:attrName>
+                                        </p:attrNameLst>
+                                      </p:cBhvr>
+                                      <p:to>
+                                        <p:strVal val="visible"/>
+                                      </p:to>
+                                    </p:set>
+                                  </p:childTnLst>
+                                </p:cTn>
+                              </p:par>
+                              <p:par>
+                                <p:cTn id="15" presetID="1" presetClass="entr" presetSubtype="0" fill="hold" nodeType="withEffect">
+                                  <p:stCondLst>
+                                    <p:cond delay="0"/>
+                                  </p:stCondLst>
+                                  <p:childTnLst>
+                                    <p:set>
+                                      <p:cBhvr>
+                                        <p:cTn id="16" dur="1" fill="hold">
+                                          <p:stCondLst>
+                                            <p:cond delay="0"/>
+                                          </p:stCondLst>
+                                        </p:cTn>
+                                        <p:tgtEl>
+                                          <p:spTgt spid="2">
+                                            <p:txEl>
+                                              <p:pRg st="6" end="6"/>
+                                            </p:txEl>
+                                          </p:spTgt>
+                                        </p:tgtEl>
+                                        <p:attrNameLst>
+                                          <p:attrName>style.visibility</p:attrName>
+                                        </p:attrNameLst>
+                                      </p:cBhvr>
+                                      <p:to>
+                                        <p:strVal val="visible"/>
+                                      </p:to>
+                                    </p:set>
+                                  </p:childTnLst>
+                                </p:cTn>
+                              </p:par>
+                              <p:par>
+                                <p:cTn id="17" presetID="1" presetClass="entr" presetSubtype="0" fill="hold" nodeType="withEffect">
+                                  <p:stCondLst>
+                                    <p:cond delay="0"/>
+                                  </p:stCondLst>
+                                  <p:childTnLst>
+                                    <p:set>
+                                      <p:cBhvr>
+                                        <p:cTn id="18" dur="1" fill="hold">
+                                          <p:stCondLst>
+                                            <p:cond delay="0"/>
+                                          </p:stCondLst>
+                                        </p:cTn>
+                                        <p:tgtEl>
+                                          <p:spTgt spid="2">
+                                            <p:txEl>
+                                              <p:pRg st="7" end="7"/>
+                                            </p:txEl>
+                                          </p:spTgt>
+                                        </p:tgtEl>
+                                        <p:attrNameLst>
+                                          <p:attrName>style.visibility</p:attrName>
+                                        </p:attrNameLst>
+                                      </p:cBhvr>
+                                      <p:to>
+                                        <p:strVal val="visible"/>
+                                      </p:to>
+                                    </p:set>
+                                  </p:childTnLst>
+                                </p:cTn>
+                              </p:par>
+                            </p:childTnLst>
+                          </p:cTn>
+                        </p:par>
+                      </p:childTnLst>
+                    </p:cTn>
+                  </p:par>
+                  <p:par>
+                    <p:cTn id="19" fill="hold">
+                      <p:stCondLst>
+                        <p:cond delay="indefinite"/>
+                      </p:stCondLst>
+                      <p:childTnLst>
+                        <p:par>
+                          <p:cTn id="20" fill="hold">
+                            <p:stCondLst>
+                              <p:cond delay="0"/>
+                            </p:stCondLst>
+                            <p:childTnLst>
+                              <p:par>
+                                <p:cTn id="21" presetID="1" presetClass="entr" presetSubtype="0" fill="hold" nodeType="clickEffect">
+                                  <p:stCondLst>
+                                    <p:cond delay="0"/>
+                                  </p:stCondLst>
+                                  <p:childTnLst>
+                                    <p:set>
+                                      <p:cBhvr>
+                                        <p:cTn id="22" dur="1" fill="hold">
+                                          <p:stCondLst>
+                                            <p:cond delay="0"/>
+                                          </p:stCondLst>
+                                        </p:cTn>
+                                        <p:tgtEl>
+                                          <p:spTgt spid="2">
+                                            <p:txEl>
+                                              <p:pRg st="9" end="9"/>
+                                            </p:txEl>
+                                          </p:spTgt>
+                                        </p:tgtEl>
+                                        <p:attrNameLst>
+                                          <p:attrName>style.visibility</p:attrName>
+                                        </p:attrNameLst>
+                                      </p:cBhvr>
+                                      <p:to>
+                                        <p:strVal val="visible"/>
+                                      </p:to>
+                                    </p:set>
+                                  </p:childTnLst>
+                                </p:cTn>
+                              </p:par>
+                              <p:par>
+                                <p:cTn id="23" presetID="1" presetClass="entr" presetSubtype="0" fill="hold" nodeType="withEffect">
+                                  <p:stCondLst>
+                                    <p:cond delay="0"/>
+                                  </p:stCondLst>
+                                  <p:childTnLst>
+                                    <p:set>
+                                      <p:cBhvr>
+                                        <p:cTn id="24" dur="1" fill="hold">
+                                          <p:stCondLst>
+                                            <p:cond delay="0"/>
+                                          </p:stCondLst>
+                                        </p:cTn>
+                                        <p:tgtEl>
+                                          <p:spTgt spid="2">
+                                            <p:txEl>
+                                              <p:pRg st="10" end="10"/>
+                                            </p:txEl>
+                                          </p:spTgt>
+                                        </p:tgtEl>
+                                        <p:attrNameLst>
+                                          <p:attrName>style.visibility</p:attrName>
+                                        </p:attrNameLst>
+                                      </p:cBhvr>
+                                      <p:to>
+                                        <p:strVal val="visible"/>
+                                      </p:to>
+                                    </p:set>
+                                  </p:childTnLst>
+                                </p:cTn>
+                              </p:par>
+                            </p:childTnLst>
+                          </p:cTn>
+                        </p:par>
+                      </p:childTnLst>
+                    </p:cTn>
+                  </p:par>
+                </p:childTnLst>
+              </p:cTn>
+              <p:prevCondLst>
+                <p:cond evt="onPrev" delay="0">
+                  <p:tgtEl>
+                    <p:sldTgt/>
+                  </p:tgtEl>
+                </p:cond>
+              </p:prevCondLst>
+              <p:nextCondLst>
+                <p:cond evt="onNext" delay="0">
+                  <p:tgtEl>
+                    <p:sldTgt/>
+                  </p:tgtEl>
+                </p:cond>
+              </p:nextCondLst>
+            </p:seq>
+          </p:childTnLst>
+        </p:cTn>
+      </p:par>
+    </p:tnLst>
+  </p:timing>
+</p:sld>
+</file>
+
+<file path=ppt/slides/slide16.xml><?xml version="1.0" encoding="utf-8"?>
+<p:sld xmlns:a="http://schemas.openxmlformats.org/drawingml/2006/main" xmlns:r="http://schemas.openxmlformats.org/officeDocument/2006/relationships" xmlns:p="http://schemas.openxmlformats.org/presentationml/2006/main">
+  <p:cSld>
+    <p:spTree>
+      <p:nvGrpSpPr>
+        <p:cNvPr id="1" name=""/>
+        <p:cNvGrpSpPr/>
+        <p:nvPr/>
+      </p:nvGrpSpPr>
+      <p:grpSpPr>
+        <a:xfrm>
+          <a:off x="0" y="0"/>
+          <a:ext cx="0" cy="0"/>
+          <a:chOff x="0" y="0"/>
+          <a:chExt cx="0" cy="0"/>
+        </a:xfrm>
+      </p:grpSpPr>
+      <p:sp>
+        <p:nvSpPr>
+          <p:cNvPr id="2" name="Content Placeholder 1"/>
+          <p:cNvSpPr>
+            <a:spLocks noGrp="1"/>
+          </p:cNvSpPr>
+          <p:nvPr>
+            <p:ph idx="1"/>
+          </p:nvPr>
+        </p:nvSpPr>
+        <p:spPr/>
+        <p:txBody>
+          <a:bodyPr>
+            <a:normAutofit/>
+          </a:bodyPr>
+          <a:lstStyle/>
+          <a:p>
+            <a:pPr marL="880110" lvl="1" indent="-514350"/>
+            <a:endParaRPr lang="nl-BE" i="1" dirty="0" smtClean="0"/>
+          </a:p>
+          <a:p>
+            <a:pPr marL="624078" indent="-514350"/>
+            <a:r>
+              <a:rPr lang="nl-BE" dirty="0" smtClean="0"/>
+              <a:t>Customize port FitNesse is running on</a:t>
+            </a:r>
+            <a:endParaRPr lang="nl-BE" dirty="0" smtClean="0"/>
+          </a:p>
+          <a:p>
+            <a:pPr marL="624078" indent="-514350"/>
+            <a:r>
+              <a:rPr lang="nl-BE" dirty="0" smtClean="0"/>
+              <a:t>Location of java.exe</a:t>
+            </a:r>
+            <a:endParaRPr lang="nl-BE" dirty="0" smtClean="0"/>
+          </a:p>
+          <a:p>
+            <a:pPr marL="624078" indent="-514350"/>
+            <a:r>
+              <a:rPr lang="nl-BE" dirty="0" smtClean="0"/>
+              <a:t>Optional: disable versioning system</a:t>
+            </a:r>
+          </a:p>
+          <a:p>
+            <a:pPr marL="624078" indent="-514350"/>
+            <a:endParaRPr lang="nl-BE" i="1" dirty="0" smtClean="0"/>
+          </a:p>
+          <a:p>
+            <a:pPr marL="624078" indent="-514350"/>
+            <a:r>
+              <a:rPr lang="nl-BE" dirty="0" smtClean="0"/>
+              <a:t>run.bat:</a:t>
+            </a:r>
+          </a:p>
+          <a:p>
+            <a:pPr marL="880110" lvl="1" indent="-514350"/>
+            <a:r>
+              <a:rPr lang="en-US" sz="1600" b="1" dirty="0" err="1" smtClean="0"/>
+              <a:t>jre</a:t>
+            </a:r>
+            <a:r>
+              <a:rPr lang="en-US" sz="1600" b="1" dirty="0" smtClean="0"/>
+              <a:t>\bin\</a:t>
+            </a:r>
+            <a:r>
+              <a:rPr lang="en-US" sz="1600" dirty="0" smtClean="0"/>
+              <a:t>java </a:t>
+            </a:r>
+            <a:r>
+              <a:rPr lang="en-US" sz="1600" dirty="0" smtClean="0"/>
+              <a:t>-jar fitnesse.jar %1 %2 %3 %4 %5 </a:t>
+            </a:r>
+            <a:r>
+              <a:rPr lang="en-US" sz="1600" b="1" dirty="0" smtClean="0"/>
+              <a:t>-p </a:t>
+            </a:r>
+            <a:r>
+              <a:rPr lang="en-US" sz="1600" b="1" dirty="0" smtClean="0"/>
+              <a:t>8888 –e 0</a:t>
+            </a:r>
+          </a:p>
+          <a:p>
+            <a:pPr marL="880110" lvl="1" indent="-514350"/>
+            <a:endParaRPr lang="en-US" sz="1600" b="1" dirty="0" smtClean="0"/>
+          </a:p>
+          <a:p>
+            <a:pPr marL="624078" indent="-514350"/>
+            <a:r>
+              <a:rPr lang="nl-BE" dirty="0" smtClean="0"/>
+              <a:t>stop.bat:</a:t>
+            </a:r>
+          </a:p>
+          <a:p>
+            <a:pPr marL="880110" lvl="1" indent="-514350"/>
+            <a:r>
+              <a:rPr lang="en-US" sz="1600" b="1" dirty="0" err="1" smtClean="0"/>
+              <a:t>jre</a:t>
+            </a:r>
+            <a:r>
+              <a:rPr lang="en-US" sz="1600" b="1" dirty="0" smtClean="0"/>
+              <a:t>\bin\</a:t>
+            </a:r>
+            <a:r>
+              <a:rPr lang="en-US" sz="1600" dirty="0" smtClean="0"/>
+              <a:t>java -cp fitnesse.jar </a:t>
+            </a:r>
+            <a:r>
+              <a:rPr lang="en-US" sz="1600" dirty="0" err="1" smtClean="0"/>
+              <a:t>fitnesse.Shutdown</a:t>
+            </a:r>
+            <a:r>
+              <a:rPr lang="en-US" sz="1600" dirty="0" smtClean="0"/>
+              <a:t> %1 %2 %3 %4 %5 –</a:t>
+            </a:r>
+            <a:r>
+              <a:rPr lang="en-US" sz="1600" b="1" dirty="0" smtClean="0"/>
+              <a:t>p 8888</a:t>
+            </a:r>
+            <a:endParaRPr lang="nl-BE" sz="1600" dirty="0" smtClean="0"/>
+          </a:p>
+          <a:p>
+            <a:pPr marL="624078" indent="-514350"/>
+            <a:endParaRPr lang="nl-BE" dirty="0" smtClean="0"/>
+          </a:p>
+        </p:txBody>
+      </p:sp>
+      <p:sp>
+        <p:nvSpPr>
+          <p:cNvPr id="3" name="Title 2"/>
+          <p:cNvSpPr>
+            <a:spLocks noGrp="1"/>
+          </p:cNvSpPr>
+          <p:nvPr>
+            <p:ph type="title"/>
+          </p:nvPr>
+        </p:nvSpPr>
+        <p:spPr/>
+        <p:txBody>
+          <a:bodyPr>
+            <a:normAutofit fontScale="90000"/>
+          </a:bodyPr>
+          <a:lstStyle/>
+          <a:p>
+            <a:pPr algn="ctr"/>
+            <a:r>
+              <a:rPr lang="nl-BE" dirty="0" smtClean="0"/>
+              <a:t>FitNesse Setup (2/3)</a:t>
+            </a:r>
+            <a:r>
+              <a:rPr lang="nl-BE" sz="3600" dirty="0" smtClean="0"/>
+              <a:t/>
+            </a:r>
+            <a:br>
+              <a:rPr lang="nl-BE" sz="3600" dirty="0" smtClean="0"/>
+            </a:br>
+            <a:r>
+              <a:rPr lang="nl-BE" sz="3600" dirty="0" smtClean="0">
+                <a:solidFill>
+                  <a:schemeClr val="bg2">
+                    <a:lumMod val="50000"/>
+                  </a:schemeClr>
+                </a:solidFill>
+              </a:rPr>
+              <a:t>Custmize run.bat / stop.bat</a:t>
+            </a:r>
+            <a:endParaRPr lang="nl-BE" sz="3600" dirty="0"/>
+          </a:p>
+        </p:txBody>
+      </p:sp>
+      <p:pic>
+        <p:nvPicPr>
+          <p:cNvPr id="6" name="Picture 2"/>
+          <p:cNvPicPr>
+            <a:picLocks noChangeAspect="1" noChangeArrowheads="1"/>
+          </p:cNvPicPr>
+          <p:nvPr/>
+        </p:nvPicPr>
+        <p:blipFill>
+          <a:blip r:embed="rId3" cstate="print"/>
+          <a:srcRect/>
+          <a:stretch>
+            <a:fillRect/>
+          </a:stretch>
+        </p:blipFill>
+        <p:spPr bwMode="auto">
+          <a:xfrm>
+            <a:off x="7643834" y="241436"/>
+            <a:ext cx="1237258" cy="1258738"/>
+          </a:xfrm>
+          <a:prstGeom prst="rect">
+            <a:avLst/>
+          </a:prstGeom>
+          <a:noFill/>
+          <a:ln w="9525">
+            <a:noFill/>
+            <a:miter lim="800000"/>
+            <a:headEnd/>
+            <a:tailEnd/>
+          </a:ln>
+          <a:effectLst/>
+        </p:spPr>
+      </p:pic>
+      <p:pic>
+        <p:nvPicPr>
+          <p:cNvPr id="7" name="Picture 2"/>
+          <p:cNvPicPr>
+            <a:picLocks noChangeAspect="1" noChangeArrowheads="1"/>
+          </p:cNvPicPr>
+          <p:nvPr/>
+        </p:nvPicPr>
+        <p:blipFill>
+          <a:blip r:embed="rId3" cstate="print"/>
+          <a:srcRect/>
+          <a:stretch>
+            <a:fillRect/>
+          </a:stretch>
+        </p:blipFill>
+        <p:spPr bwMode="auto">
+          <a:xfrm>
+            <a:off x="500034" y="241436"/>
+            <a:ext cx="1237258" cy="1258738"/>
+          </a:xfrm>
+          <a:prstGeom prst="rect">
+            <a:avLst/>
+          </a:prstGeom>
+          <a:noFill/>
+          <a:ln w="9525">
+            <a:noFill/>
+            <a:miter lim="800000"/>
+            <a:headEnd/>
+            <a:tailEnd/>
+          </a:ln>
+          <a:effectLst/>
+        </p:spPr>
+      </p:pic>
+    </p:spTree>
+  </p:cSld>
+  <p:clrMapOvr>
+    <a:masterClrMapping/>
+  </p:clrMapOvr>
+  <p:timing>
+    <p:tnLst>
+      <p:par>
+        <p:cTn id="1" dur="indefinite" restart="never" nodeType="tmRoot">
+          <p:childTnLst>
+            <p:seq concurrent="1" nextAc="seek">
+              <p:cTn id="2" dur="indefinite" nodeType="mainSeq">
+                <p:childTnLst>
+                  <p:par>
+                    <p:cTn id="3" fill="hold">
+                      <p:stCondLst>
+                        <p:cond delay="indefinite"/>
+                      </p:stCondLst>
+                      <p:childTnLst>
+                        <p:par>
+                          <p:cTn id="4" fill="hold">
+                            <p:stCondLst>
+                              <p:cond delay="0"/>
+                            </p:stCondLst>
+                            <p:childTnLst>
+                              <p:par>
+                                <p:cTn id="5" presetID="1" presetClass="entr" presetSubtype="0" fill="hold" nodeType="clickEffect">
+                                  <p:stCondLst>
+                                    <p:cond delay="0"/>
+                                  </p:stCondLst>
+                                  <p:childTnLst>
+                                    <p:set>
+                                      <p:cBhvr>
+                                        <p:cTn id="6" dur="1" fill="hold">
+                                          <p:stCondLst>
+                                            <p:cond delay="0"/>
+                                          </p:stCondLst>
+                                        </p:cTn>
+                                        <p:tgtEl>
+                                          <p:spTgt spid="2">
+                                            <p:txEl>
+                                              <p:pRg st="1" end="1"/>
+                                            </p:txEl>
+                                          </p:spTgt>
+                                        </p:tgtEl>
+                                        <p:attrNameLst>
+                                          <p:attrName>style.visibility</p:attrName>
+                                        </p:attrNameLst>
+                                      </p:cBhvr>
+                                      <p:to>
+                                        <p:strVal val="visible"/>
+                                      </p:to>
+                                    </p:set>
+                                  </p:childTnLst>
+                                </p:cTn>
+                              </p:par>
+                            </p:childTnLst>
+                          </p:cTn>
+                        </p:par>
+                      </p:childTnLst>
+                    </p:cTn>
+                  </p:par>
+                  <p:par>
+                    <p:cTn id="7" fill="hold">
+                      <p:stCondLst>
+                        <p:cond delay="indefinite"/>
+                      </p:stCondLst>
+                      <p:childTnLst>
+                        <p:par>
+                          <p:cTn id="8" fill="hold">
+                            <p:stCondLst>
+                              <p:cond delay="0"/>
+                            </p:stCondLst>
+                            <p:childTnLst>
+                              <p:par>
+                                <p:cTn id="9" presetID="1" presetClass="entr" presetSubtype="0" fill="hold" nodeType="clickEffect">
+                                  <p:stCondLst>
+                                    <p:cond delay="0"/>
+                                  </p:stCondLst>
+                                  <p:childTnLst>
+                                    <p:set>
+                                      <p:cBhvr>
+                                        <p:cTn id="10" dur="1" fill="hold">
+                                          <p:stCondLst>
+                                            <p:cond delay="0"/>
+                                          </p:stCondLst>
+                                        </p:cTn>
+                                        <p:tgtEl>
+                                          <p:spTgt spid="2">
+                                            <p:txEl>
+                                              <p:pRg st="2" end="2"/>
+                                            </p:txEl>
+                                          </p:spTgt>
+                                        </p:tgtEl>
+                                        <p:attrNameLst>
+                                          <p:attrName>style.visibility</p:attrName>
+                                        </p:attrNameLst>
+                                      </p:cBhvr>
+                                      <p:to>
+                                        <p:strVal val="visible"/>
+                                      </p:to>
+                                    </p:set>
+                                  </p:childTnLst>
+                                </p:cTn>
+                              </p:par>
+                            </p:childTnLst>
+                          </p:cTn>
+                        </p:par>
+                      </p:childTnLst>
+                    </p:cTn>
+                  </p:par>
+                  <p:par>
+                    <p:cTn id="11" fill="hold">
+                      <p:stCondLst>
+                        <p:cond delay="indefinite"/>
+                      </p:stCondLst>
+                      <p:childTnLst>
+                        <p:par>
+                          <p:cTn id="12" fill="hold">
+                            <p:stCondLst>
+                              <p:cond delay="0"/>
+                            </p:stCondLst>
+                            <p:childTnLst>
+                              <p:par>
+                                <p:cTn id="13" presetID="1" presetClass="entr" presetSubtype="0" fill="hold" nodeType="clickEffect">
+                                  <p:stCondLst>
+                                    <p:cond delay="0"/>
+                                  </p:stCondLst>
+                                  <p:childTnLst>
+                                    <p:set>
+                                      <p:cBhvr>
+                                        <p:cTn id="14" dur="1" fill="hold">
+                                          <p:stCondLst>
+                                            <p:cond delay="0"/>
+                                          </p:stCondLst>
+                                        </p:cTn>
+                                        <p:tgtEl>
+                                          <p:spTgt spid="2">
+                                            <p:txEl>
+                                              <p:pRg st="3" end="3"/>
+                                            </p:txEl>
+                                          </p:spTgt>
+                                        </p:tgtEl>
+                                        <p:attrNameLst>
+                                          <p:attrName>style.visibility</p:attrName>
+                                        </p:attrNameLst>
+                                      </p:cBhvr>
+                                      <p:to>
+                                        <p:strVal val="visible"/>
+                                      </p:to>
+                                    </p:set>
+                                  </p:childTnLst>
+                                </p:cTn>
+                              </p:par>
+                            </p:childTnLst>
+                          </p:cTn>
+                        </p:par>
+                      </p:childTnLst>
+                    </p:cTn>
+                  </p:par>
+                  <p:par>
+                    <p:cTn id="15" fill="hold">
+                      <p:stCondLst>
+                        <p:cond delay="indefinite"/>
+                      </p:stCondLst>
+                      <p:childTnLst>
+                        <p:par>
+                          <p:cTn id="16" fill="hold">
+                            <p:stCondLst>
+                              <p:cond delay="0"/>
+                            </p:stCondLst>
+                            <p:childTnLst>
+                              <p:par>
+                                <p:cTn id="17" presetID="1" presetClass="entr" presetSubtype="0" fill="hold" nodeType="clickEffect">
+                                  <p:stCondLst>
+                                    <p:cond delay="0"/>
+                                  </p:stCondLst>
+                                  <p:childTnLst>
+                                    <p:set>
+                                      <p:cBhvr>
+                                        <p:cTn id="18" dur="1" fill="hold">
+                                          <p:stCondLst>
+                                            <p:cond delay="0"/>
+                                          </p:stCondLst>
+                                        </p:cTn>
+                                        <p:tgtEl>
+                                          <p:spTgt spid="2">
+                                            <p:txEl>
+                                              <p:pRg st="5" end="5"/>
+                                            </p:txEl>
+                                          </p:spTgt>
+                                        </p:tgtEl>
+                                        <p:attrNameLst>
+                                          <p:attrName>style.visibility</p:attrName>
+                                        </p:attrNameLst>
+                                      </p:cBhvr>
+                                      <p:to>
+                                        <p:strVal val="visible"/>
+                                      </p:to>
+                                    </p:set>
+                                  </p:childTnLst>
+                                </p:cTn>
+                              </p:par>
+                              <p:par>
+                                <p:cTn id="19" presetID="1" presetClass="entr" presetSubtype="0" fill="hold" nodeType="withEffect">
+                                  <p:stCondLst>
+                                    <p:cond delay="0"/>
+                                  </p:stCondLst>
+                                  <p:childTnLst>
+                                    <p:set>
+                                      <p:cBhvr>
+                                        <p:cTn id="20" dur="1" fill="hold">
+                                          <p:stCondLst>
+                                            <p:cond delay="0"/>
+                                          </p:stCondLst>
+                                        </p:cTn>
+                                        <p:tgtEl>
+                                          <p:spTgt spid="2">
+                                            <p:txEl>
+                                              <p:pRg st="6" end="6"/>
+                                            </p:txEl>
+                                          </p:spTgt>
+                                        </p:tgtEl>
+                                        <p:attrNameLst>
+                                          <p:attrName>style.visibility</p:attrName>
+                                        </p:attrNameLst>
+                                      </p:cBhvr>
+                                      <p:to>
+                                        <p:strVal val="visible"/>
+                                      </p:to>
+                                    </p:set>
+                                  </p:childTnLst>
+                                </p:cTn>
+                              </p:par>
+                            </p:childTnLst>
+                          </p:cTn>
+                        </p:par>
+                      </p:childTnLst>
+                    </p:cTn>
+                  </p:par>
+                  <p:par>
+                    <p:cTn id="21" fill="hold">
+                      <p:stCondLst>
+                        <p:cond delay="indefinite"/>
+                      </p:stCondLst>
+                      <p:childTnLst>
+                        <p:par>
+                          <p:cTn id="22" fill="hold">
+                            <p:stCondLst>
+                              <p:cond delay="0"/>
+                            </p:stCondLst>
+                            <p:childTnLst>
+                              <p:par>
+                                <p:cTn id="23" presetID="1" presetClass="entr" presetSubtype="0" fill="hold" nodeType="clickEffect">
+                                  <p:stCondLst>
+                                    <p:cond delay="0"/>
+                                  </p:stCondLst>
+                                  <p:childTnLst>
+                                    <p:set>
+                                      <p:cBhvr>
+                                        <p:cTn id="24" dur="1" fill="hold">
+                                          <p:stCondLst>
+                                            <p:cond delay="0"/>
+                                          </p:stCondLst>
+                                        </p:cTn>
+                                        <p:tgtEl>
+                                          <p:spTgt spid="2">
+                                            <p:txEl>
+                                              <p:pRg st="8" end="8"/>
+                                            </p:txEl>
+                                          </p:spTgt>
+                                        </p:tgtEl>
+                                        <p:attrNameLst>
+                                          <p:attrName>style.visibility</p:attrName>
+                                        </p:attrNameLst>
+                                      </p:cBhvr>
+                                      <p:to>
+                                        <p:strVal val="visible"/>
+                                      </p:to>
+                                    </p:set>
+                                  </p:childTnLst>
+                                </p:cTn>
+                              </p:par>
+                              <p:par>
+                                <p:cTn id="25" presetID="1" presetClass="entr" presetSubtype="0" fill="hold" nodeType="withEffect">
+                                  <p:stCondLst>
+                                    <p:cond delay="0"/>
+                                  </p:stCondLst>
+                                  <p:childTnLst>
+                                    <p:set>
+                                      <p:cBhvr>
+                                        <p:cTn id="26" dur="1" fill="hold">
+                                          <p:stCondLst>
+                                            <p:cond delay="0"/>
+                                          </p:stCondLst>
+                                        </p:cTn>
+                                        <p:tgtEl>
+                                          <p:spTgt spid="2">
+                                            <p:txEl>
+                                              <p:pRg st="9" end="9"/>
+                                            </p:txEl>
+                                          </p:spTgt>
+                                        </p:tgtEl>
+                                        <p:attrNameLst>
+                                          <p:attrName>style.visibility</p:attrName>
+                                        </p:attrNameLst>
+                                      </p:cBhvr>
+                                      <p:to>
+                                        <p:strVal val="visible"/>
+                                      </p:to>
+                                    </p:set>
+                                  </p:childTnLst>
+                                </p:cTn>
+                              </p:par>
+                            </p:childTnLst>
+                          </p:cTn>
+                        </p:par>
+                      </p:childTnLst>
+                    </p:cTn>
+                  </p:par>
+                </p:childTnLst>
+              </p:cTn>
+              <p:prevCondLst>
+                <p:cond evt="onPrev" delay="0">
+                  <p:tgtEl>
+                    <p:sldTgt/>
+                  </p:tgtEl>
+                </p:cond>
+              </p:prevCondLst>
+              <p:nextCondLst>
+                <p:cond evt="onNext" delay="0">
+                  <p:tgtEl>
+                    <p:sldTgt/>
+                  </p:tgtEl>
+                </p:cond>
+              </p:nextCondLst>
+            </p:seq>
+          </p:childTnLst>
+        </p:cTn>
+      </p:par>
+    </p:tnLst>
+  </p:timing>
+</p:sld>
+</file>
+
+<file path=ppt/slides/slide17.xml><?xml version="1.0" encoding="utf-8"?>
+<p:sld xmlns:a="http://schemas.openxmlformats.org/drawingml/2006/main" xmlns:r="http://schemas.openxmlformats.org/officeDocument/2006/relationships" xmlns:p="http://schemas.openxmlformats.org/presentationml/2006/main">
+  <p:cSld>
+    <p:spTree>
+      <p:nvGrpSpPr>
+        <p:cNvPr id="1" name=""/>
+        <p:cNvGrpSpPr/>
+        <p:nvPr/>
+      </p:nvGrpSpPr>
+      <p:grpSpPr>
+        <a:xfrm>
+          <a:off x="0" y="0"/>
+          <a:ext cx="0" cy="0"/>
+          <a:chOff x="0" y="0"/>
+          <a:chExt cx="0" cy="0"/>
+        </a:xfrm>
+      </p:grpSpPr>
+      <p:sp>
+        <p:nvSpPr>
+          <p:cNvPr id="2" name="Content Placeholder 1"/>
+          <p:cNvSpPr>
+            <a:spLocks noGrp="1"/>
+          </p:cNvSpPr>
+          <p:nvPr>
+            <p:ph idx="1"/>
+          </p:nvPr>
+        </p:nvSpPr>
+        <p:spPr/>
+        <p:txBody>
+          <a:bodyPr>
+            <a:normAutofit/>
+          </a:bodyPr>
+          <a:lstStyle/>
+          <a:p>
+            <a:pPr marL="880110" lvl="1" indent="-514350"/>
+            <a:endParaRPr lang="nl-BE" i="1" dirty="0" smtClean="0"/>
+          </a:p>
+          <a:p>
+            <a:pPr marL="624078" indent="-514350"/>
+            <a:r>
+              <a:rPr lang="en-US" u="sng" dirty="0" smtClean="0">
+                <a:hlinkClick r:id="rId3"/>
+              </a:rPr>
+              <a:t>http://localhost:888/?edit</a:t>
+            </a:r>
+            <a:endParaRPr lang="nl-BE" dirty="0" smtClean="0"/>
+          </a:p>
+          <a:p>
+            <a:pPr marL="624078" indent="-514350"/>
+            <a:endParaRPr lang="nl-BE" dirty="0" smtClean="0"/>
+          </a:p>
+          <a:p>
+            <a:r>
+              <a:rPr lang="en-US" dirty="0" smtClean="0"/>
+              <a:t>!path classes</a:t>
+            </a:r>
+            <a:endParaRPr lang="nl-BE" dirty="0" smtClean="0"/>
+          </a:p>
+          <a:p>
+            <a:pPr>
+              <a:buNone/>
+            </a:pPr>
+            <a:r>
+              <a:rPr lang="en-US" dirty="0" smtClean="0"/>
+              <a:t>	!</a:t>
+            </a:r>
+            <a:r>
+              <a:rPr lang="en-US" dirty="0" smtClean="0"/>
+              <a:t>path fitnesse.jar</a:t>
+            </a:r>
+            <a:endParaRPr lang="nl-BE" dirty="0" smtClean="0"/>
+          </a:p>
+          <a:p>
+            <a:pPr>
+              <a:buNone/>
+            </a:pPr>
+            <a:r>
+              <a:rPr lang="en-US" dirty="0" smtClean="0"/>
+              <a:t> </a:t>
+            </a:r>
+            <a:endParaRPr lang="nl-BE" dirty="0" smtClean="0"/>
+          </a:p>
+          <a:p>
+            <a:pPr>
+              <a:buNone/>
+            </a:pPr>
+            <a:r>
+              <a:rPr lang="en-US" b="1" dirty="0" smtClean="0"/>
+              <a:t>	!</a:t>
+            </a:r>
+            <a:r>
+              <a:rPr lang="en-US" b="1" dirty="0" smtClean="0"/>
+              <a:t>path dotnet2\*.dll </a:t>
+            </a:r>
+            <a:endParaRPr lang="nl-BE" dirty="0" smtClean="0"/>
+          </a:p>
+          <a:p>
+            <a:pPr>
+              <a:buNone/>
+            </a:pPr>
+            <a:r>
+              <a:rPr lang="en-US" b="1" dirty="0" smtClean="0"/>
+              <a:t>	!</a:t>
+            </a:r>
+            <a:r>
+              <a:rPr lang="en-US" b="1" dirty="0" smtClean="0"/>
+              <a:t>define COMMAND_PATTERN {%m %p} </a:t>
+            </a:r>
+            <a:br>
+              <a:rPr lang="en-US" b="1" dirty="0" smtClean="0"/>
+            </a:br>
+            <a:r>
+              <a:rPr lang="en-US" b="1" dirty="0" smtClean="0"/>
+              <a:t>!define TEST_RUNNER {dotnet2\FitServer.exe} </a:t>
+            </a:r>
+            <a:br>
+              <a:rPr lang="en-US" b="1" dirty="0" smtClean="0"/>
+            </a:br>
+            <a:r>
+              <a:rPr lang="en-US" b="1" dirty="0" smtClean="0"/>
+              <a:t>!define PATH_SEPARATOR {;}</a:t>
+            </a:r>
+            <a:endParaRPr lang="nl-BE" dirty="0" smtClean="0"/>
+          </a:p>
+          <a:p>
+            <a:pPr marL="624078" indent="-514350"/>
+            <a:endParaRPr lang="nl-BE" dirty="0" smtClean="0"/>
+          </a:p>
+        </p:txBody>
+      </p:sp>
+      <p:sp>
+        <p:nvSpPr>
+          <p:cNvPr id="3" name="Title 2"/>
+          <p:cNvSpPr>
+            <a:spLocks noGrp="1"/>
+          </p:cNvSpPr>
+          <p:nvPr>
+            <p:ph type="title"/>
+          </p:nvPr>
+        </p:nvSpPr>
+        <p:spPr/>
+        <p:txBody>
+          <a:bodyPr>
+            <a:normAutofit fontScale="90000"/>
+          </a:bodyPr>
+          <a:lstStyle/>
+          <a:p>
+            <a:pPr algn="ctr"/>
+            <a:r>
+              <a:rPr lang="nl-BE" dirty="0" smtClean="0"/>
+              <a:t>FitNesse Setup (3/3)</a:t>
+            </a:r>
+            <a:r>
+              <a:rPr lang="nl-BE" sz="3600" dirty="0" smtClean="0"/>
+              <a:t/>
+            </a:r>
+            <a:br>
+              <a:rPr lang="nl-BE" sz="3600" dirty="0" smtClean="0"/>
+            </a:br>
+            <a:r>
+              <a:rPr lang="nl-BE" sz="3600" dirty="0" smtClean="0">
+                <a:solidFill>
+                  <a:schemeClr val="bg2">
+                    <a:lumMod val="50000"/>
+                  </a:schemeClr>
+                </a:solidFill>
+              </a:rPr>
+              <a:t>Custmize Root page</a:t>
+            </a:r>
+            <a:endParaRPr lang="nl-BE" sz="3600" dirty="0"/>
+          </a:p>
+        </p:txBody>
+      </p:sp>
+      <p:pic>
+        <p:nvPicPr>
+          <p:cNvPr id="5" name="Picture 2"/>
+          <p:cNvPicPr>
+            <a:picLocks noChangeAspect="1" noChangeArrowheads="1"/>
+          </p:cNvPicPr>
+          <p:nvPr/>
+        </p:nvPicPr>
+        <p:blipFill>
+          <a:blip r:embed="rId4" cstate="print"/>
+          <a:srcRect/>
+          <a:stretch>
+            <a:fillRect/>
+          </a:stretch>
+        </p:blipFill>
+        <p:spPr bwMode="auto">
+          <a:xfrm>
+            <a:off x="7643834" y="241436"/>
+            <a:ext cx="1237258" cy="1258738"/>
+          </a:xfrm>
+          <a:prstGeom prst="rect">
+            <a:avLst/>
+          </a:prstGeom>
+          <a:noFill/>
+          <a:ln w="9525">
+            <a:noFill/>
+            <a:miter lim="800000"/>
+            <a:headEnd/>
+            <a:tailEnd/>
+          </a:ln>
+          <a:effectLst/>
+        </p:spPr>
+      </p:pic>
+      <p:pic>
+        <p:nvPicPr>
+          <p:cNvPr id="6" name="Picture 2"/>
+          <p:cNvPicPr>
+            <a:picLocks noChangeAspect="1" noChangeArrowheads="1"/>
+          </p:cNvPicPr>
+          <p:nvPr/>
+        </p:nvPicPr>
+        <p:blipFill>
+          <a:blip r:embed="rId4" cstate="print"/>
+          <a:srcRect/>
+          <a:stretch>
+            <a:fillRect/>
+          </a:stretch>
+        </p:blipFill>
+        <p:spPr bwMode="auto">
+          <a:xfrm>
+            <a:off x="500034" y="241436"/>
+            <a:ext cx="1237258" cy="1258738"/>
+          </a:xfrm>
+          <a:prstGeom prst="rect">
+            <a:avLst/>
+          </a:prstGeom>
+          <a:noFill/>
+          <a:ln w="9525">
+            <a:noFill/>
+            <a:miter lim="800000"/>
+            <a:headEnd/>
+            <a:tailEnd/>
+          </a:ln>
+          <a:effectLst/>
+        </p:spPr>
+      </p:pic>
+    </p:spTree>
+  </p:cSld>
+  <p:clrMapOvr>
+    <a:masterClrMapping/>
+  </p:clrMapOvr>
+  <p:timing>
+    <p:tnLst>
+      <p:par>
+        <p:cTn id="1" dur="indefinite" restart="never" nodeType="tmRoot"/>
+      </p:par>
+    </p:tnLst>
+  </p:timing>
+</p:sld>
+</file>
+
+<file path=ppt/slides/slide18.xml><?xml version="1.0" encoding="utf-8"?>
 <p:sld xmlns:a="http://schemas.openxmlformats.org/drawingml/2006/main" xmlns:r="http://schemas.openxmlformats.org/officeDocument/2006/relationships" xmlns:p="http://schemas.openxmlformats.org/presentationml/2006/main">
   <p:cSld>
     <p:spTree>
@@ -8887,7 +10563,7 @@
 </p:sld>
 </file>
 
-<file path=ppt/slides/slide16.xml><?xml version="1.0" encoding="utf-8"?>
+<file path=ppt/slides/slide19.xml><?xml version="1.0" encoding="utf-8"?>
 <p:sld xmlns:a="http://schemas.openxmlformats.org/drawingml/2006/main" xmlns:r="http://schemas.openxmlformats.org/officeDocument/2006/relationships" xmlns:p="http://schemas.openxmlformats.org/presentationml/2006/main">
   <p:cSld>
     <p:spTree>
@@ -10228,7 +11904,771 @@
 </p:sld>
 </file>
 
-<file path=ppt/slides/slide17.xml><?xml version="1.0" encoding="utf-8"?>
+<file path=ppt/slides/slide2.xml><?xml version="1.0" encoding="utf-8"?>
+<p:sld xmlns:a="http://schemas.openxmlformats.org/drawingml/2006/main" xmlns:r="http://schemas.openxmlformats.org/officeDocument/2006/relationships" xmlns:p="http://schemas.openxmlformats.org/presentationml/2006/main">
+  <p:cSld>
+    <p:spTree>
+      <p:nvGrpSpPr>
+        <p:cNvPr id="1" name=""/>
+        <p:cNvGrpSpPr/>
+        <p:nvPr/>
+      </p:nvGrpSpPr>
+      <p:grpSpPr>
+        <a:xfrm>
+          <a:off x="0" y="0"/>
+          <a:ext cx="0" cy="0"/>
+          <a:chOff x="0" y="0"/>
+          <a:chExt cx="0" cy="0"/>
+        </a:xfrm>
+      </p:grpSpPr>
+      <p:sp>
+        <p:nvSpPr>
+          <p:cNvPr id="3" name="Content Placeholder 2"/>
+          <p:cNvSpPr>
+            <a:spLocks noGrp="1"/>
+          </p:cNvSpPr>
+          <p:nvPr>
+            <p:ph idx="1"/>
+          </p:nvPr>
+        </p:nvSpPr>
+        <p:spPr/>
+        <p:txBody>
+          <a:bodyPr>
+            <a:normAutofit fontScale="92500" lnSpcReduction="10000"/>
+          </a:bodyPr>
+          <a:lstStyle/>
+          <a:p>
+            <a:r>
+              <a:rPr lang="nl-BE" dirty="0" smtClean="0"/>
+              <a:t>Michel Grootjans</a:t>
+            </a:r>
+          </a:p>
+          <a:p>
+            <a:pPr lvl="1"/>
+            <a:r>
+              <a:rPr lang="nl-BE" dirty="0" smtClean="0"/>
+              <a:t>Enterprise Architect </a:t>
+            </a:r>
+          </a:p>
+          <a:p>
+            <a:pPr lvl="1"/>
+            <a:r>
+              <a:rPr lang="nl-BE" sz="1600" dirty="0" smtClean="0">
+                <a:hlinkClick r:id="rId2"/>
+              </a:rPr>
+              <a:t>             http://www.linkedin.com/in/michelgrootjans</a:t>
+            </a:r>
+            <a:endParaRPr lang="nl-BE" sz="1600" dirty="0" smtClean="0"/>
+          </a:p>
+          <a:p>
+            <a:pPr lvl="1"/>
+            <a:r>
+              <a:rPr lang="nl-BE" sz="1600" dirty="0" smtClean="0">
+                <a:hlinkClick r:id="rId3"/>
+              </a:rPr>
+              <a:t>michel.grootjans@ilean.be</a:t>
+            </a:r>
+            <a:r>
+              <a:rPr lang="nl-BE" sz="1600" dirty="0" smtClean="0"/>
+              <a:t>	 </a:t>
+            </a:r>
+          </a:p>
+          <a:p>
+            <a:pPr lvl="1"/>
+            <a:endParaRPr lang="nl-BE" dirty="0" smtClean="0"/>
+          </a:p>
+          <a:p>
+            <a:r>
+              <a:rPr lang="nl-BE" dirty="0" smtClean="0"/>
+              <a:t>Pascal Mestdach</a:t>
+            </a:r>
+          </a:p>
+          <a:p>
+            <a:pPr lvl="1"/>
+            <a:r>
+              <a:rPr lang="nl-BE" dirty="0" smtClean="0"/>
+              <a:t>Solution Architect</a:t>
+            </a:r>
+          </a:p>
+          <a:p>
+            <a:pPr lvl="1"/>
+            <a:r>
+              <a:rPr lang="nl-BE" sz="1600" dirty="0" smtClean="0">
+                <a:hlinkClick r:id="rId4"/>
+              </a:rPr>
+              <a:t>             http://www.linkedin.com/in/pascalmestdach</a:t>
+            </a:r>
+            <a:r>
+              <a:rPr lang="nl-BE" sz="1600" dirty="0" smtClean="0"/>
+              <a:t> </a:t>
+            </a:r>
+          </a:p>
+          <a:p>
+            <a:pPr lvl="1"/>
+            <a:r>
+              <a:rPr lang="nl-BE" sz="1600" dirty="0" smtClean="0">
+                <a:hlinkClick r:id="rId5"/>
+              </a:rPr>
+              <a:t>pascal.mestdach@infohos.be</a:t>
+            </a:r>
+          </a:p>
+          <a:p>
+            <a:pPr lvl="1">
+              <a:buNone/>
+            </a:pPr>
+            <a:endParaRPr lang="nl-BE" sz="1600" dirty="0" smtClean="0"/>
+          </a:p>
+          <a:p>
+            <a:r>
+              <a:rPr lang="nl-BE" dirty="0" smtClean="0"/>
+              <a:t>Download material:</a:t>
+            </a:r>
+          </a:p>
+          <a:p>
+            <a:pPr lvl="1"/>
+            <a:r>
+              <a:rPr lang="nl-BE" sz="1700" dirty="0" smtClean="0"/>
+              <a:t>On google code: </a:t>
+            </a:r>
+          </a:p>
+          <a:p>
+            <a:pPr lvl="2"/>
+            <a:r>
+              <a:rPr lang="nl-BE" sz="1500" dirty="0" smtClean="0">
+                <a:hlinkClick r:id="rId6"/>
+              </a:rPr>
+              <a:t>http://code.google.com/p/agileacceptancetesting/</a:t>
+            </a:r>
+            <a:r>
+              <a:rPr lang="nl-BE" sz="1500" dirty="0" smtClean="0"/>
+              <a:t> </a:t>
+            </a:r>
+          </a:p>
+          <a:p>
+            <a:pPr lvl="1"/>
+            <a:r>
+              <a:rPr lang="nl-BE" sz="1600" dirty="0" smtClean="0"/>
+              <a:t>Checkout in svn: </a:t>
+            </a:r>
+          </a:p>
+          <a:p>
+            <a:pPr lvl="2"/>
+            <a:r>
+              <a:rPr lang="nl-BE" sz="1400" dirty="0" smtClean="0">
+                <a:hlinkClick r:id="rId7"/>
+              </a:rPr>
+              <a:t>https://agileacceptancetesting.googlecode.com/svn/trunk</a:t>
+            </a:r>
+            <a:r>
+              <a:rPr lang="nl-BE" sz="1400" dirty="0" smtClean="0"/>
+              <a:t> </a:t>
+            </a:r>
+          </a:p>
+        </p:txBody>
+      </p:sp>
+      <p:sp>
+        <p:nvSpPr>
+          <p:cNvPr id="2" name="Title 1"/>
+          <p:cNvSpPr>
+            <a:spLocks noGrp="1"/>
+          </p:cNvSpPr>
+          <p:nvPr>
+            <p:ph type="title"/>
+          </p:nvPr>
+        </p:nvSpPr>
+        <p:spPr/>
+        <p:txBody>
+          <a:bodyPr/>
+          <a:lstStyle/>
+          <a:p>
+            <a:r>
+              <a:rPr lang="nl-BE" dirty="0" smtClean="0"/>
+              <a:t>Biography Presenters</a:t>
+            </a:r>
+            <a:endParaRPr lang="nl-BE" dirty="0"/>
+          </a:p>
+        </p:txBody>
+      </p:sp>
+      <p:pic>
+        <p:nvPicPr>
+          <p:cNvPr id="5" name="Picture 4" descr="iLean.jpg"/>
+          <p:cNvPicPr>
+            <a:picLocks noChangeAspect="1"/>
+          </p:cNvPicPr>
+          <p:nvPr/>
+        </p:nvPicPr>
+        <p:blipFill>
+          <a:blip r:embed="rId8" cstate="print"/>
+          <a:stretch>
+            <a:fillRect/>
+          </a:stretch>
+        </p:blipFill>
+        <p:spPr>
+          <a:xfrm>
+            <a:off x="5143504" y="1428736"/>
+            <a:ext cx="1028700" cy="704850"/>
+          </a:xfrm>
+          <a:prstGeom prst="rect">
+            <a:avLst/>
+          </a:prstGeom>
+        </p:spPr>
+      </p:pic>
+      <p:pic>
+        <p:nvPicPr>
+          <p:cNvPr id="6" name="Picture 5" descr="Ihc.png"/>
+          <p:cNvPicPr>
+            <a:picLocks noChangeAspect="1"/>
+          </p:cNvPicPr>
+          <p:nvPr/>
+        </p:nvPicPr>
+        <p:blipFill>
+          <a:blip r:embed="rId9" cstate="print"/>
+          <a:stretch>
+            <a:fillRect/>
+          </a:stretch>
+        </p:blipFill>
+        <p:spPr>
+          <a:xfrm>
+            <a:off x="5129217" y="3000372"/>
+            <a:ext cx="942981" cy="642942"/>
+          </a:xfrm>
+          <a:prstGeom prst="rect">
+            <a:avLst/>
+          </a:prstGeom>
+        </p:spPr>
+      </p:pic>
+      <p:pic>
+        <p:nvPicPr>
+          <p:cNvPr id="7" name="Picture 6" descr="linkedIn.png"/>
+          <p:cNvPicPr>
+            <a:picLocks noChangeAspect="1"/>
+          </p:cNvPicPr>
+          <p:nvPr/>
+        </p:nvPicPr>
+        <p:blipFill>
+          <a:blip r:embed="rId10" cstate="print"/>
+          <a:stretch>
+            <a:fillRect/>
+          </a:stretch>
+        </p:blipFill>
+        <p:spPr>
+          <a:xfrm>
+            <a:off x="1187366" y="2214554"/>
+            <a:ext cx="785818" cy="211312"/>
+          </a:xfrm>
+          <a:prstGeom prst="rect">
+            <a:avLst/>
+          </a:prstGeom>
+        </p:spPr>
+      </p:pic>
+      <p:pic>
+        <p:nvPicPr>
+          <p:cNvPr id="8" name="Picture 7" descr="linkedIn.png"/>
+          <p:cNvPicPr>
+            <a:picLocks noChangeAspect="1"/>
+          </p:cNvPicPr>
+          <p:nvPr/>
+        </p:nvPicPr>
+        <p:blipFill>
+          <a:blip r:embed="rId10" cstate="print"/>
+          <a:stretch>
+            <a:fillRect/>
+          </a:stretch>
+        </p:blipFill>
+        <p:spPr>
+          <a:xfrm>
+            <a:off x="1178902" y="3750264"/>
+            <a:ext cx="785818" cy="211312"/>
+          </a:xfrm>
+          <a:prstGeom prst="rect">
+            <a:avLst/>
+          </a:prstGeom>
+        </p:spPr>
+      </p:pic>
+    </p:spTree>
+  </p:cSld>
+  <p:clrMapOvr>
+    <a:masterClrMapping/>
+  </p:clrMapOvr>
+  <p:timing>
+    <p:tnLst>
+      <p:par>
+        <p:cTn id="1" dur="indefinite" restart="never" nodeType="tmRoot">
+          <p:childTnLst>
+            <p:seq concurrent="1" nextAc="seek">
+              <p:cTn id="2" dur="indefinite" nodeType="mainSeq">
+                <p:childTnLst>
+                  <p:par>
+                    <p:cTn id="3" fill="hold">
+                      <p:stCondLst>
+                        <p:cond delay="indefinite"/>
+                        <p:cond evt="onBegin" delay="0">
+                          <p:tn val="2"/>
+                        </p:cond>
+                      </p:stCondLst>
+                      <p:childTnLst>
+                        <p:par>
+                          <p:cTn id="4" fill="hold">
+                            <p:stCondLst>
+                              <p:cond delay="0"/>
+                            </p:stCondLst>
+                            <p:childTnLst>
+                              <p:par>
+                                <p:cTn id="5" presetID="1" presetClass="entr" presetSubtype="0" fill="hold" grpId="0" nodeType="withEffect">
+                                  <p:stCondLst>
+                                    <p:cond delay="0"/>
+                                  </p:stCondLst>
+                                  <p:childTnLst>
+                                    <p:set>
+                                      <p:cBhvr>
+                                        <p:cTn id="6" dur="1" fill="hold">
+                                          <p:stCondLst>
+                                            <p:cond delay="0"/>
+                                          </p:stCondLst>
+                                        </p:cTn>
+                                        <p:tgtEl>
+                                          <p:spTgt spid="3">
+                                            <p:txEl>
+                                              <p:pRg st="0" end="0"/>
+                                            </p:txEl>
+                                          </p:spTgt>
+                                        </p:tgtEl>
+                                        <p:attrNameLst>
+                                          <p:attrName>style.visibility</p:attrName>
+                                        </p:attrNameLst>
+                                      </p:cBhvr>
+                                      <p:to>
+                                        <p:strVal val="visible"/>
+                                      </p:to>
+                                    </p:set>
+                                  </p:childTnLst>
+                                </p:cTn>
+                              </p:par>
+                              <p:par>
+                                <p:cTn id="7" presetID="1" presetClass="entr" presetSubtype="0" fill="hold" grpId="0" nodeType="withEffect">
+                                  <p:stCondLst>
+                                    <p:cond delay="0"/>
+                                  </p:stCondLst>
+                                  <p:childTnLst>
+                                    <p:set>
+                                      <p:cBhvr>
+                                        <p:cTn id="8" dur="1" fill="hold">
+                                          <p:stCondLst>
+                                            <p:cond delay="0"/>
+                                          </p:stCondLst>
+                                        </p:cTn>
+                                        <p:tgtEl>
+                                          <p:spTgt spid="3">
+                                            <p:txEl>
+                                              <p:pRg st="1" end="1"/>
+                                            </p:txEl>
+                                          </p:spTgt>
+                                        </p:tgtEl>
+                                        <p:attrNameLst>
+                                          <p:attrName>style.visibility</p:attrName>
+                                        </p:attrNameLst>
+                                      </p:cBhvr>
+                                      <p:to>
+                                        <p:strVal val="visible"/>
+                                      </p:to>
+                                    </p:set>
+                                  </p:childTnLst>
+                                </p:cTn>
+                              </p:par>
+                              <p:par>
+                                <p:cTn id="9" presetID="1" presetClass="entr" presetSubtype="0" fill="hold" grpId="0" nodeType="withEffect">
+                                  <p:stCondLst>
+                                    <p:cond delay="0"/>
+                                  </p:stCondLst>
+                                  <p:childTnLst>
+                                    <p:set>
+                                      <p:cBhvr>
+                                        <p:cTn id="10" dur="1" fill="hold">
+                                          <p:stCondLst>
+                                            <p:cond delay="0"/>
+                                          </p:stCondLst>
+                                        </p:cTn>
+                                        <p:tgtEl>
+                                          <p:spTgt spid="3">
+                                            <p:txEl>
+                                              <p:pRg st="2" end="2"/>
+                                            </p:txEl>
+                                          </p:spTgt>
+                                        </p:tgtEl>
+                                        <p:attrNameLst>
+                                          <p:attrName>style.visibility</p:attrName>
+                                        </p:attrNameLst>
+                                      </p:cBhvr>
+                                      <p:to>
+                                        <p:strVal val="visible"/>
+                                      </p:to>
+                                    </p:set>
+                                  </p:childTnLst>
+                                </p:cTn>
+                              </p:par>
+                              <p:par>
+                                <p:cTn id="11" presetID="1" presetClass="entr" presetSubtype="0" fill="hold" grpId="0" nodeType="withEffect">
+                                  <p:stCondLst>
+                                    <p:cond delay="0"/>
+                                  </p:stCondLst>
+                                  <p:childTnLst>
+                                    <p:set>
+                                      <p:cBhvr>
+                                        <p:cTn id="12" dur="1" fill="hold">
+                                          <p:stCondLst>
+                                            <p:cond delay="0"/>
+                                          </p:stCondLst>
+                                        </p:cTn>
+                                        <p:tgtEl>
+                                          <p:spTgt spid="3">
+                                            <p:txEl>
+                                              <p:pRg st="3" end="3"/>
+                                            </p:txEl>
+                                          </p:spTgt>
+                                        </p:tgtEl>
+                                        <p:attrNameLst>
+                                          <p:attrName>style.visibility</p:attrName>
+                                        </p:attrNameLst>
+                                      </p:cBhvr>
+                                      <p:to>
+                                        <p:strVal val="visible"/>
+                                      </p:to>
+                                    </p:set>
+                                  </p:childTnLst>
+                                </p:cTn>
+                              </p:par>
+                              <p:par>
+                                <p:cTn id="13" presetID="1" presetClass="entr" presetSubtype="0" fill="hold" grpId="0" nodeType="withEffect">
+                                  <p:stCondLst>
+                                    <p:cond delay="0"/>
+                                  </p:stCondLst>
+                                  <p:childTnLst>
+                                    <p:set>
+                                      <p:cBhvr>
+                                        <p:cTn id="14" dur="1" fill="hold">
+                                          <p:stCondLst>
+                                            <p:cond delay="0"/>
+                                          </p:stCondLst>
+                                        </p:cTn>
+                                        <p:tgtEl>
+                                          <p:spTgt spid="3">
+                                            <p:txEl>
+                                              <p:pRg st="5" end="5"/>
+                                            </p:txEl>
+                                          </p:spTgt>
+                                        </p:tgtEl>
+                                        <p:attrNameLst>
+                                          <p:attrName>style.visibility</p:attrName>
+                                        </p:attrNameLst>
+                                      </p:cBhvr>
+                                      <p:to>
+                                        <p:strVal val="visible"/>
+                                      </p:to>
+                                    </p:set>
+                                  </p:childTnLst>
+                                </p:cTn>
+                              </p:par>
+                              <p:par>
+                                <p:cTn id="15" presetID="1" presetClass="entr" presetSubtype="0" fill="hold" grpId="0" nodeType="withEffect">
+                                  <p:stCondLst>
+                                    <p:cond delay="0"/>
+                                  </p:stCondLst>
+                                  <p:childTnLst>
+                                    <p:set>
+                                      <p:cBhvr>
+                                        <p:cTn id="16" dur="1" fill="hold">
+                                          <p:stCondLst>
+                                            <p:cond delay="0"/>
+                                          </p:stCondLst>
+                                        </p:cTn>
+                                        <p:tgtEl>
+                                          <p:spTgt spid="3">
+                                            <p:txEl>
+                                              <p:pRg st="6" end="6"/>
+                                            </p:txEl>
+                                          </p:spTgt>
+                                        </p:tgtEl>
+                                        <p:attrNameLst>
+                                          <p:attrName>style.visibility</p:attrName>
+                                        </p:attrNameLst>
+                                      </p:cBhvr>
+                                      <p:to>
+                                        <p:strVal val="visible"/>
+                                      </p:to>
+                                    </p:set>
+                                  </p:childTnLst>
+                                </p:cTn>
+                              </p:par>
+                              <p:par>
+                                <p:cTn id="17" presetID="1" presetClass="entr" presetSubtype="0" fill="hold" grpId="0" nodeType="withEffect">
+                                  <p:stCondLst>
+                                    <p:cond delay="0"/>
+                                  </p:stCondLst>
+                                  <p:childTnLst>
+                                    <p:set>
+                                      <p:cBhvr>
+                                        <p:cTn id="18" dur="1" fill="hold">
+                                          <p:stCondLst>
+                                            <p:cond delay="0"/>
+                                          </p:stCondLst>
+                                        </p:cTn>
+                                        <p:tgtEl>
+                                          <p:spTgt spid="3">
+                                            <p:txEl>
+                                              <p:pRg st="7" end="7"/>
+                                            </p:txEl>
+                                          </p:spTgt>
+                                        </p:tgtEl>
+                                        <p:attrNameLst>
+                                          <p:attrName>style.visibility</p:attrName>
+                                        </p:attrNameLst>
+                                      </p:cBhvr>
+                                      <p:to>
+                                        <p:strVal val="visible"/>
+                                      </p:to>
+                                    </p:set>
+                                  </p:childTnLst>
+                                </p:cTn>
+                              </p:par>
+                              <p:par>
+                                <p:cTn id="19" presetID="1" presetClass="entr" presetSubtype="0" fill="hold" grpId="0" nodeType="withEffect">
+                                  <p:stCondLst>
+                                    <p:cond delay="0"/>
+                                  </p:stCondLst>
+                                  <p:childTnLst>
+                                    <p:set>
+                                      <p:cBhvr>
+                                        <p:cTn id="20" dur="1" fill="hold">
+                                          <p:stCondLst>
+                                            <p:cond delay="0"/>
+                                          </p:stCondLst>
+                                        </p:cTn>
+                                        <p:tgtEl>
+                                          <p:spTgt spid="3">
+                                            <p:txEl>
+                                              <p:pRg st="8" end="8"/>
+                                            </p:txEl>
+                                          </p:spTgt>
+                                        </p:tgtEl>
+                                        <p:attrNameLst>
+                                          <p:attrName>style.visibility</p:attrName>
+                                        </p:attrNameLst>
+                                      </p:cBhvr>
+                                      <p:to>
+                                        <p:strVal val="visible"/>
+                                      </p:to>
+                                    </p:set>
+                                  </p:childTnLst>
+                                </p:cTn>
+                              </p:par>
+                            </p:childTnLst>
+                          </p:cTn>
+                        </p:par>
+                      </p:childTnLst>
+                    </p:cTn>
+                  </p:par>
+                  <p:par>
+                    <p:cTn id="21" fill="hold">
+                      <p:stCondLst>
+                        <p:cond delay="indefinite"/>
+                      </p:stCondLst>
+                      <p:childTnLst>
+                        <p:par>
+                          <p:cTn id="22" fill="hold">
+                            <p:stCondLst>
+                              <p:cond delay="0"/>
+                            </p:stCondLst>
+                            <p:childTnLst>
+                              <p:par>
+                                <p:cTn id="23" presetID="1" presetClass="entr" presetSubtype="0" fill="hold" grpId="0" nodeType="clickEffect">
+                                  <p:stCondLst>
+                                    <p:cond delay="0"/>
+                                  </p:stCondLst>
+                                  <p:childTnLst>
+                                    <p:set>
+                                      <p:cBhvr>
+                                        <p:cTn id="24" dur="1" fill="hold">
+                                          <p:stCondLst>
+                                            <p:cond delay="0"/>
+                                          </p:stCondLst>
+                                        </p:cTn>
+                                        <p:tgtEl>
+                                          <p:spTgt spid="3">
+                                            <p:txEl>
+                                              <p:pRg st="10" end="10"/>
+                                            </p:txEl>
+                                          </p:spTgt>
+                                        </p:tgtEl>
+                                        <p:attrNameLst>
+                                          <p:attrName>style.visibility</p:attrName>
+                                        </p:attrNameLst>
+                                      </p:cBhvr>
+                                      <p:to>
+                                        <p:strVal val="visible"/>
+                                      </p:to>
+                                    </p:set>
+                                  </p:childTnLst>
+                                </p:cTn>
+                              </p:par>
+                              <p:par>
+                                <p:cTn id="25" presetID="1" presetClass="entr" presetSubtype="0" fill="hold" grpId="0" nodeType="withEffect">
+                                  <p:stCondLst>
+                                    <p:cond delay="0"/>
+                                  </p:stCondLst>
+                                  <p:childTnLst>
+                                    <p:set>
+                                      <p:cBhvr>
+                                        <p:cTn id="26" dur="1" fill="hold">
+                                          <p:stCondLst>
+                                            <p:cond delay="0"/>
+                                          </p:stCondLst>
+                                        </p:cTn>
+                                        <p:tgtEl>
+                                          <p:spTgt spid="3">
+                                            <p:txEl>
+                                              <p:pRg st="11" end="11"/>
+                                            </p:txEl>
+                                          </p:spTgt>
+                                        </p:tgtEl>
+                                        <p:attrNameLst>
+                                          <p:attrName>style.visibility</p:attrName>
+                                        </p:attrNameLst>
+                                      </p:cBhvr>
+                                      <p:to>
+                                        <p:strVal val="visible"/>
+                                      </p:to>
+                                    </p:set>
+                                  </p:childTnLst>
+                                </p:cTn>
+                              </p:par>
+                              <p:par>
+                                <p:cTn id="27" presetID="1" presetClass="entr" presetSubtype="0" fill="hold" grpId="0" nodeType="withEffect">
+                                  <p:stCondLst>
+                                    <p:cond delay="0"/>
+                                  </p:stCondLst>
+                                  <p:childTnLst>
+                                    <p:set>
+                                      <p:cBhvr>
+                                        <p:cTn id="28" dur="1" fill="hold">
+                                          <p:stCondLst>
+                                            <p:cond delay="0"/>
+                                          </p:stCondLst>
+                                        </p:cTn>
+                                        <p:tgtEl>
+                                          <p:spTgt spid="3">
+                                            <p:txEl>
+                                              <p:pRg st="12" end="12"/>
+                                            </p:txEl>
+                                          </p:spTgt>
+                                        </p:tgtEl>
+                                        <p:attrNameLst>
+                                          <p:attrName>style.visibility</p:attrName>
+                                        </p:attrNameLst>
+                                      </p:cBhvr>
+                                      <p:to>
+                                        <p:strVal val="visible"/>
+                                      </p:to>
+                                    </p:set>
+                                  </p:childTnLst>
+                                </p:cTn>
+                              </p:par>
+                              <p:par>
+                                <p:cTn id="29" presetID="1" presetClass="entr" presetSubtype="0" fill="hold" grpId="0" nodeType="withEffect">
+                                  <p:stCondLst>
+                                    <p:cond delay="0"/>
+                                  </p:stCondLst>
+                                  <p:childTnLst>
+                                    <p:set>
+                                      <p:cBhvr>
+                                        <p:cTn id="30" dur="1" fill="hold">
+                                          <p:stCondLst>
+                                            <p:cond delay="0"/>
+                                          </p:stCondLst>
+                                        </p:cTn>
+                                        <p:tgtEl>
+                                          <p:spTgt spid="3">
+                                            <p:txEl>
+                                              <p:pRg st="13" end="13"/>
+                                            </p:txEl>
+                                          </p:spTgt>
+                                        </p:tgtEl>
+                                        <p:attrNameLst>
+                                          <p:attrName>style.visibility</p:attrName>
+                                        </p:attrNameLst>
+                                      </p:cBhvr>
+                                      <p:to>
+                                        <p:strVal val="visible"/>
+                                      </p:to>
+                                    </p:set>
+                                  </p:childTnLst>
+                                </p:cTn>
+                              </p:par>
+                              <p:par>
+                                <p:cTn id="31" presetID="1" presetClass="entr" presetSubtype="0" fill="hold" grpId="0" nodeType="withEffect">
+                                  <p:stCondLst>
+                                    <p:cond delay="0"/>
+                                  </p:stCondLst>
+                                  <p:childTnLst>
+                                    <p:set>
+                                      <p:cBhvr>
+                                        <p:cTn id="32" dur="1" fill="hold">
+                                          <p:stCondLst>
+                                            <p:cond delay="0"/>
+                                          </p:stCondLst>
+                                        </p:cTn>
+                                        <p:tgtEl>
+                                          <p:spTgt spid="3">
+                                            <p:txEl>
+                                              <p:pRg st="14" end="14"/>
+                                            </p:txEl>
+                                          </p:spTgt>
+                                        </p:tgtEl>
+                                        <p:attrNameLst>
+                                          <p:attrName>style.visibility</p:attrName>
+                                        </p:attrNameLst>
+                                      </p:cBhvr>
+                                      <p:to>
+                                        <p:strVal val="visible"/>
+                                      </p:to>
+                                    </p:set>
+                                  </p:childTnLst>
+                                </p:cTn>
+                              </p:par>
+                            </p:childTnLst>
+                          </p:cTn>
+                        </p:par>
+                      </p:childTnLst>
+                    </p:cTn>
+                  </p:par>
+                </p:childTnLst>
+              </p:cTn>
+              <p:prevCondLst>
+                <p:cond evt="onPrev" delay="0">
+                  <p:tgtEl>
+                    <p:sldTgt/>
+                  </p:tgtEl>
+                </p:cond>
+              </p:prevCondLst>
+              <p:nextCondLst>
+                <p:cond evt="onNext" delay="0">
+                  <p:tgtEl>
+                    <p:sldTgt/>
+                  </p:tgtEl>
+                </p:cond>
+              </p:nextCondLst>
+            </p:seq>
+          </p:childTnLst>
+        </p:cTn>
+      </p:par>
+    </p:tnLst>
+    <p:bldLst>
+      <p:bldP spid="3" grpId="0" uiExpand="1" build="p"/>
+    </p:bldLst>
+  </p:timing>
+</p:sld>
+</file>
+
+<file path=ppt/slides/slide20.xml><?xml version="1.0" encoding="utf-8"?>
 <p:sld xmlns:a="http://schemas.openxmlformats.org/drawingml/2006/main" xmlns:r="http://schemas.openxmlformats.org/officeDocument/2006/relationships" xmlns:p="http://schemas.openxmlformats.org/presentationml/2006/main">
   <p:cSld>
     <p:spTree>
@@ -10862,7 +13302,7 @@
 </p:sld>
 </file>
 
-<file path=ppt/slides/slide18.xml><?xml version="1.0" encoding="utf-8"?>
+<file path=ppt/slides/slide21.xml><?xml version="1.0" encoding="utf-8"?>
 <p:sld xmlns:a="http://schemas.openxmlformats.org/drawingml/2006/main" xmlns:r="http://schemas.openxmlformats.org/officeDocument/2006/relationships" xmlns:p="http://schemas.openxmlformats.org/presentationml/2006/main">
   <p:cSld>
     <p:spTree>
@@ -11018,7 +13458,7 @@
 </p:sld>
 </file>
 
-<file path=ppt/slides/slide19.xml><?xml version="1.0" encoding="utf-8"?>
+<file path=ppt/slides/slide22.xml><?xml version="1.0" encoding="utf-8"?>
 <p:sld xmlns:a="http://schemas.openxmlformats.org/drawingml/2006/main" xmlns:r="http://schemas.openxmlformats.org/officeDocument/2006/relationships" xmlns:p="http://schemas.openxmlformats.org/presentationml/2006/main">
   <p:cSld>
     <p:spTree>
@@ -11736,7 +14176,7 @@
 </p:sld>
 </file>
 
-<file path=ppt/slides/slide2.xml><?xml version="1.0" encoding="utf-8"?>
+<file path=ppt/slides/slide23.xml><?xml version="1.0" encoding="utf-8"?>
 <p:sld xmlns:a="http://schemas.openxmlformats.org/drawingml/2006/main" xmlns:r="http://schemas.openxmlformats.org/officeDocument/2006/relationships" xmlns:p="http://schemas.openxmlformats.org/presentationml/2006/main">
   <p:cSld>
     <p:spTree>
@@ -11766,770 +14206,6 @@
         <p:spPr/>
         <p:txBody>
           <a:bodyPr>
-            <a:normAutofit fontScale="92500" lnSpcReduction="10000"/>
-          </a:bodyPr>
-          <a:lstStyle/>
-          <a:p>
-            <a:r>
-              <a:rPr lang="nl-BE" dirty="0" smtClean="0"/>
-              <a:t>Michel Grootjans</a:t>
-            </a:r>
-          </a:p>
-          <a:p>
-            <a:pPr lvl="1"/>
-            <a:r>
-              <a:rPr lang="nl-BE" dirty="0" smtClean="0"/>
-              <a:t>Enterprise Architect </a:t>
-            </a:r>
-          </a:p>
-          <a:p>
-            <a:pPr lvl="1"/>
-            <a:r>
-              <a:rPr lang="nl-BE" sz="1600" dirty="0" smtClean="0">
-                <a:hlinkClick r:id="rId2"/>
-              </a:rPr>
-              <a:t>             http://www.linkedin.com/in/michelgrootjans</a:t>
-            </a:r>
-            <a:endParaRPr lang="nl-BE" sz="1600" dirty="0" smtClean="0"/>
-          </a:p>
-          <a:p>
-            <a:pPr lvl="1"/>
-            <a:r>
-              <a:rPr lang="nl-BE" sz="1600" dirty="0" smtClean="0">
-                <a:hlinkClick r:id="rId3"/>
-              </a:rPr>
-              <a:t>michel.grootjans@ilean.be</a:t>
-            </a:r>
-            <a:r>
-              <a:rPr lang="nl-BE" sz="1600" dirty="0" smtClean="0"/>
-              <a:t>	 </a:t>
-            </a:r>
-          </a:p>
-          <a:p>
-            <a:pPr lvl="1"/>
-            <a:endParaRPr lang="nl-BE" dirty="0" smtClean="0"/>
-          </a:p>
-          <a:p>
-            <a:r>
-              <a:rPr lang="nl-BE" dirty="0" smtClean="0"/>
-              <a:t>Pascal Mestdach</a:t>
-            </a:r>
-          </a:p>
-          <a:p>
-            <a:pPr lvl="1"/>
-            <a:r>
-              <a:rPr lang="nl-BE" dirty="0" smtClean="0"/>
-              <a:t>Solution Architect</a:t>
-            </a:r>
-          </a:p>
-          <a:p>
-            <a:pPr lvl="1"/>
-            <a:r>
-              <a:rPr lang="nl-BE" sz="1600" dirty="0" smtClean="0">
-                <a:hlinkClick r:id="rId4"/>
-              </a:rPr>
-              <a:t>             http://www.linkedin.com/in/pascalmestdach</a:t>
-            </a:r>
-            <a:r>
-              <a:rPr lang="nl-BE" sz="1600" dirty="0" smtClean="0"/>
-              <a:t> </a:t>
-            </a:r>
-          </a:p>
-          <a:p>
-            <a:pPr lvl="1"/>
-            <a:r>
-              <a:rPr lang="nl-BE" sz="1600" dirty="0" smtClean="0">
-                <a:hlinkClick r:id="rId5"/>
-              </a:rPr>
-              <a:t>pascal.mestdach@infohos.be</a:t>
-            </a:r>
-          </a:p>
-          <a:p>
-            <a:pPr lvl="1">
-              <a:buNone/>
-            </a:pPr>
-            <a:endParaRPr lang="nl-BE" sz="1600" dirty="0" smtClean="0"/>
-          </a:p>
-          <a:p>
-            <a:r>
-              <a:rPr lang="nl-BE" dirty="0" smtClean="0"/>
-              <a:t>Download material:</a:t>
-            </a:r>
-          </a:p>
-          <a:p>
-            <a:pPr lvl="1"/>
-            <a:r>
-              <a:rPr lang="nl-BE" sz="1700" dirty="0" smtClean="0"/>
-              <a:t>On google code: </a:t>
-            </a:r>
-          </a:p>
-          <a:p>
-            <a:pPr lvl="2"/>
-            <a:r>
-              <a:rPr lang="nl-BE" sz="1500" dirty="0" smtClean="0">
-                <a:hlinkClick r:id="rId6"/>
-              </a:rPr>
-              <a:t>http://code.google.com/p/agileacceptancetesting/</a:t>
-            </a:r>
-            <a:r>
-              <a:rPr lang="nl-BE" sz="1500" dirty="0" smtClean="0"/>
-              <a:t> </a:t>
-            </a:r>
-          </a:p>
-          <a:p>
-            <a:pPr lvl="1"/>
-            <a:r>
-              <a:rPr lang="nl-BE" sz="1600" dirty="0" smtClean="0"/>
-              <a:t>Checkout in svn: </a:t>
-            </a:r>
-          </a:p>
-          <a:p>
-            <a:pPr lvl="2"/>
-            <a:r>
-              <a:rPr lang="nl-BE" sz="1400" dirty="0" smtClean="0">
-                <a:hlinkClick r:id="rId7"/>
-              </a:rPr>
-              <a:t>https://agileacceptancetesting.googlecode.com/svn/trunk</a:t>
-            </a:r>
-            <a:r>
-              <a:rPr lang="nl-BE" sz="1400" dirty="0" smtClean="0"/>
-              <a:t> </a:t>
-            </a:r>
-          </a:p>
-        </p:txBody>
-      </p:sp>
-      <p:sp>
-        <p:nvSpPr>
-          <p:cNvPr id="2" name="Title 1"/>
-          <p:cNvSpPr>
-            <a:spLocks noGrp="1"/>
-          </p:cNvSpPr>
-          <p:nvPr>
-            <p:ph type="title"/>
-          </p:nvPr>
-        </p:nvSpPr>
-        <p:spPr/>
-        <p:txBody>
-          <a:bodyPr/>
-          <a:lstStyle/>
-          <a:p>
-            <a:r>
-              <a:rPr lang="nl-BE" dirty="0" smtClean="0"/>
-              <a:t>Biography Presenters</a:t>
-            </a:r>
-            <a:endParaRPr lang="nl-BE" dirty="0"/>
-          </a:p>
-        </p:txBody>
-      </p:sp>
-      <p:pic>
-        <p:nvPicPr>
-          <p:cNvPr id="5" name="Picture 4" descr="iLean.jpg"/>
-          <p:cNvPicPr>
-            <a:picLocks noChangeAspect="1"/>
-          </p:cNvPicPr>
-          <p:nvPr/>
-        </p:nvPicPr>
-        <p:blipFill>
-          <a:blip r:embed="rId8" cstate="print"/>
-          <a:stretch>
-            <a:fillRect/>
-          </a:stretch>
-        </p:blipFill>
-        <p:spPr>
-          <a:xfrm>
-            <a:off x="5143504" y="1428736"/>
-            <a:ext cx="1028700" cy="704850"/>
-          </a:xfrm>
-          <a:prstGeom prst="rect">
-            <a:avLst/>
-          </a:prstGeom>
-        </p:spPr>
-      </p:pic>
-      <p:pic>
-        <p:nvPicPr>
-          <p:cNvPr id="6" name="Picture 5" descr="Ihc.png"/>
-          <p:cNvPicPr>
-            <a:picLocks noChangeAspect="1"/>
-          </p:cNvPicPr>
-          <p:nvPr/>
-        </p:nvPicPr>
-        <p:blipFill>
-          <a:blip r:embed="rId9" cstate="print"/>
-          <a:stretch>
-            <a:fillRect/>
-          </a:stretch>
-        </p:blipFill>
-        <p:spPr>
-          <a:xfrm>
-            <a:off x="5129217" y="3000372"/>
-            <a:ext cx="942981" cy="642942"/>
-          </a:xfrm>
-          <a:prstGeom prst="rect">
-            <a:avLst/>
-          </a:prstGeom>
-        </p:spPr>
-      </p:pic>
-      <p:pic>
-        <p:nvPicPr>
-          <p:cNvPr id="7" name="Picture 6" descr="linkedIn.png"/>
-          <p:cNvPicPr>
-            <a:picLocks noChangeAspect="1"/>
-          </p:cNvPicPr>
-          <p:nvPr/>
-        </p:nvPicPr>
-        <p:blipFill>
-          <a:blip r:embed="rId10" cstate="print"/>
-          <a:stretch>
-            <a:fillRect/>
-          </a:stretch>
-        </p:blipFill>
-        <p:spPr>
-          <a:xfrm>
-            <a:off x="1187366" y="2214554"/>
-            <a:ext cx="785818" cy="211312"/>
-          </a:xfrm>
-          <a:prstGeom prst="rect">
-            <a:avLst/>
-          </a:prstGeom>
-        </p:spPr>
-      </p:pic>
-      <p:pic>
-        <p:nvPicPr>
-          <p:cNvPr id="8" name="Picture 7" descr="linkedIn.png"/>
-          <p:cNvPicPr>
-            <a:picLocks noChangeAspect="1"/>
-          </p:cNvPicPr>
-          <p:nvPr/>
-        </p:nvPicPr>
-        <p:blipFill>
-          <a:blip r:embed="rId10" cstate="print"/>
-          <a:stretch>
-            <a:fillRect/>
-          </a:stretch>
-        </p:blipFill>
-        <p:spPr>
-          <a:xfrm>
-            <a:off x="1178902" y="3750264"/>
-            <a:ext cx="785818" cy="211312"/>
-          </a:xfrm>
-          <a:prstGeom prst="rect">
-            <a:avLst/>
-          </a:prstGeom>
-        </p:spPr>
-      </p:pic>
-    </p:spTree>
-  </p:cSld>
-  <p:clrMapOvr>
-    <a:masterClrMapping/>
-  </p:clrMapOvr>
-  <p:timing>
-    <p:tnLst>
-      <p:par>
-        <p:cTn id="1" dur="indefinite" restart="never" nodeType="tmRoot">
-          <p:childTnLst>
-            <p:seq concurrent="1" nextAc="seek">
-              <p:cTn id="2" dur="indefinite" nodeType="mainSeq">
-                <p:childTnLst>
-                  <p:par>
-                    <p:cTn id="3" fill="hold">
-                      <p:stCondLst>
-                        <p:cond delay="indefinite"/>
-                        <p:cond evt="onBegin" delay="0">
-                          <p:tn val="2"/>
-                        </p:cond>
-                      </p:stCondLst>
-                      <p:childTnLst>
-                        <p:par>
-                          <p:cTn id="4" fill="hold">
-                            <p:stCondLst>
-                              <p:cond delay="0"/>
-                            </p:stCondLst>
-                            <p:childTnLst>
-                              <p:par>
-                                <p:cTn id="5" presetID="1" presetClass="entr" presetSubtype="0" fill="hold" grpId="0" nodeType="withEffect">
-                                  <p:stCondLst>
-                                    <p:cond delay="0"/>
-                                  </p:stCondLst>
-                                  <p:childTnLst>
-                                    <p:set>
-                                      <p:cBhvr>
-                                        <p:cTn id="6" dur="1" fill="hold">
-                                          <p:stCondLst>
-                                            <p:cond delay="0"/>
-                                          </p:stCondLst>
-                                        </p:cTn>
-                                        <p:tgtEl>
-                                          <p:spTgt spid="3">
-                                            <p:txEl>
-                                              <p:pRg st="0" end="0"/>
-                                            </p:txEl>
-                                          </p:spTgt>
-                                        </p:tgtEl>
-                                        <p:attrNameLst>
-                                          <p:attrName>style.visibility</p:attrName>
-                                        </p:attrNameLst>
-                                      </p:cBhvr>
-                                      <p:to>
-                                        <p:strVal val="visible"/>
-                                      </p:to>
-                                    </p:set>
-                                  </p:childTnLst>
-                                </p:cTn>
-                              </p:par>
-                              <p:par>
-                                <p:cTn id="7" presetID="1" presetClass="entr" presetSubtype="0" fill="hold" grpId="0" nodeType="withEffect">
-                                  <p:stCondLst>
-                                    <p:cond delay="0"/>
-                                  </p:stCondLst>
-                                  <p:childTnLst>
-                                    <p:set>
-                                      <p:cBhvr>
-                                        <p:cTn id="8" dur="1" fill="hold">
-                                          <p:stCondLst>
-                                            <p:cond delay="0"/>
-                                          </p:stCondLst>
-                                        </p:cTn>
-                                        <p:tgtEl>
-                                          <p:spTgt spid="3">
-                                            <p:txEl>
-                                              <p:pRg st="1" end="1"/>
-                                            </p:txEl>
-                                          </p:spTgt>
-                                        </p:tgtEl>
-                                        <p:attrNameLst>
-                                          <p:attrName>style.visibility</p:attrName>
-                                        </p:attrNameLst>
-                                      </p:cBhvr>
-                                      <p:to>
-                                        <p:strVal val="visible"/>
-                                      </p:to>
-                                    </p:set>
-                                  </p:childTnLst>
-                                </p:cTn>
-                              </p:par>
-                              <p:par>
-                                <p:cTn id="9" presetID="1" presetClass="entr" presetSubtype="0" fill="hold" grpId="0" nodeType="withEffect">
-                                  <p:stCondLst>
-                                    <p:cond delay="0"/>
-                                  </p:stCondLst>
-                                  <p:childTnLst>
-                                    <p:set>
-                                      <p:cBhvr>
-                                        <p:cTn id="10" dur="1" fill="hold">
-                                          <p:stCondLst>
-                                            <p:cond delay="0"/>
-                                          </p:stCondLst>
-                                        </p:cTn>
-                                        <p:tgtEl>
-                                          <p:spTgt spid="3">
-                                            <p:txEl>
-                                              <p:pRg st="2" end="2"/>
-                                            </p:txEl>
-                                          </p:spTgt>
-                                        </p:tgtEl>
-                                        <p:attrNameLst>
-                                          <p:attrName>style.visibility</p:attrName>
-                                        </p:attrNameLst>
-                                      </p:cBhvr>
-                                      <p:to>
-                                        <p:strVal val="visible"/>
-                                      </p:to>
-                                    </p:set>
-                                  </p:childTnLst>
-                                </p:cTn>
-                              </p:par>
-                              <p:par>
-                                <p:cTn id="11" presetID="1" presetClass="entr" presetSubtype="0" fill="hold" grpId="0" nodeType="withEffect">
-                                  <p:stCondLst>
-                                    <p:cond delay="0"/>
-                                  </p:stCondLst>
-                                  <p:childTnLst>
-                                    <p:set>
-                                      <p:cBhvr>
-                                        <p:cTn id="12" dur="1" fill="hold">
-                                          <p:stCondLst>
-                                            <p:cond delay="0"/>
-                                          </p:stCondLst>
-                                        </p:cTn>
-                                        <p:tgtEl>
-                                          <p:spTgt spid="3">
-                                            <p:txEl>
-                                              <p:pRg st="3" end="3"/>
-                                            </p:txEl>
-                                          </p:spTgt>
-                                        </p:tgtEl>
-                                        <p:attrNameLst>
-                                          <p:attrName>style.visibility</p:attrName>
-                                        </p:attrNameLst>
-                                      </p:cBhvr>
-                                      <p:to>
-                                        <p:strVal val="visible"/>
-                                      </p:to>
-                                    </p:set>
-                                  </p:childTnLst>
-                                </p:cTn>
-                              </p:par>
-                              <p:par>
-                                <p:cTn id="13" presetID="1" presetClass="entr" presetSubtype="0" fill="hold" grpId="0" nodeType="withEffect">
-                                  <p:stCondLst>
-                                    <p:cond delay="0"/>
-                                  </p:stCondLst>
-                                  <p:childTnLst>
-                                    <p:set>
-                                      <p:cBhvr>
-                                        <p:cTn id="14" dur="1" fill="hold">
-                                          <p:stCondLst>
-                                            <p:cond delay="0"/>
-                                          </p:stCondLst>
-                                        </p:cTn>
-                                        <p:tgtEl>
-                                          <p:spTgt spid="3">
-                                            <p:txEl>
-                                              <p:pRg st="5" end="5"/>
-                                            </p:txEl>
-                                          </p:spTgt>
-                                        </p:tgtEl>
-                                        <p:attrNameLst>
-                                          <p:attrName>style.visibility</p:attrName>
-                                        </p:attrNameLst>
-                                      </p:cBhvr>
-                                      <p:to>
-                                        <p:strVal val="visible"/>
-                                      </p:to>
-                                    </p:set>
-                                  </p:childTnLst>
-                                </p:cTn>
-                              </p:par>
-                              <p:par>
-                                <p:cTn id="15" presetID="1" presetClass="entr" presetSubtype="0" fill="hold" grpId="0" nodeType="withEffect">
-                                  <p:stCondLst>
-                                    <p:cond delay="0"/>
-                                  </p:stCondLst>
-                                  <p:childTnLst>
-                                    <p:set>
-                                      <p:cBhvr>
-                                        <p:cTn id="16" dur="1" fill="hold">
-                                          <p:stCondLst>
-                                            <p:cond delay="0"/>
-                                          </p:stCondLst>
-                                        </p:cTn>
-                                        <p:tgtEl>
-                                          <p:spTgt spid="3">
-                                            <p:txEl>
-                                              <p:pRg st="6" end="6"/>
-                                            </p:txEl>
-                                          </p:spTgt>
-                                        </p:tgtEl>
-                                        <p:attrNameLst>
-                                          <p:attrName>style.visibility</p:attrName>
-                                        </p:attrNameLst>
-                                      </p:cBhvr>
-                                      <p:to>
-                                        <p:strVal val="visible"/>
-                                      </p:to>
-                                    </p:set>
-                                  </p:childTnLst>
-                                </p:cTn>
-                              </p:par>
-                              <p:par>
-                                <p:cTn id="17" presetID="1" presetClass="entr" presetSubtype="0" fill="hold" grpId="0" nodeType="withEffect">
-                                  <p:stCondLst>
-                                    <p:cond delay="0"/>
-                                  </p:stCondLst>
-                                  <p:childTnLst>
-                                    <p:set>
-                                      <p:cBhvr>
-                                        <p:cTn id="18" dur="1" fill="hold">
-                                          <p:stCondLst>
-                                            <p:cond delay="0"/>
-                                          </p:stCondLst>
-                                        </p:cTn>
-                                        <p:tgtEl>
-                                          <p:spTgt spid="3">
-                                            <p:txEl>
-                                              <p:pRg st="7" end="7"/>
-                                            </p:txEl>
-                                          </p:spTgt>
-                                        </p:tgtEl>
-                                        <p:attrNameLst>
-                                          <p:attrName>style.visibility</p:attrName>
-                                        </p:attrNameLst>
-                                      </p:cBhvr>
-                                      <p:to>
-                                        <p:strVal val="visible"/>
-                                      </p:to>
-                                    </p:set>
-                                  </p:childTnLst>
-                                </p:cTn>
-                              </p:par>
-                              <p:par>
-                                <p:cTn id="19" presetID="1" presetClass="entr" presetSubtype="0" fill="hold" grpId="0" nodeType="withEffect">
-                                  <p:stCondLst>
-                                    <p:cond delay="0"/>
-                                  </p:stCondLst>
-                                  <p:childTnLst>
-                                    <p:set>
-                                      <p:cBhvr>
-                                        <p:cTn id="20" dur="1" fill="hold">
-                                          <p:stCondLst>
-                                            <p:cond delay="0"/>
-                                          </p:stCondLst>
-                                        </p:cTn>
-                                        <p:tgtEl>
-                                          <p:spTgt spid="3">
-                                            <p:txEl>
-                                              <p:pRg st="8" end="8"/>
-                                            </p:txEl>
-                                          </p:spTgt>
-                                        </p:tgtEl>
-                                        <p:attrNameLst>
-                                          <p:attrName>style.visibility</p:attrName>
-                                        </p:attrNameLst>
-                                      </p:cBhvr>
-                                      <p:to>
-                                        <p:strVal val="visible"/>
-                                      </p:to>
-                                    </p:set>
-                                  </p:childTnLst>
-                                </p:cTn>
-                              </p:par>
-                            </p:childTnLst>
-                          </p:cTn>
-                        </p:par>
-                      </p:childTnLst>
-                    </p:cTn>
-                  </p:par>
-                  <p:par>
-                    <p:cTn id="21" fill="hold">
-                      <p:stCondLst>
-                        <p:cond delay="indefinite"/>
-                      </p:stCondLst>
-                      <p:childTnLst>
-                        <p:par>
-                          <p:cTn id="22" fill="hold">
-                            <p:stCondLst>
-                              <p:cond delay="0"/>
-                            </p:stCondLst>
-                            <p:childTnLst>
-                              <p:par>
-                                <p:cTn id="23" presetID="1" presetClass="entr" presetSubtype="0" fill="hold" grpId="0" nodeType="clickEffect">
-                                  <p:stCondLst>
-                                    <p:cond delay="0"/>
-                                  </p:stCondLst>
-                                  <p:childTnLst>
-                                    <p:set>
-                                      <p:cBhvr>
-                                        <p:cTn id="24" dur="1" fill="hold">
-                                          <p:stCondLst>
-                                            <p:cond delay="0"/>
-                                          </p:stCondLst>
-                                        </p:cTn>
-                                        <p:tgtEl>
-                                          <p:spTgt spid="3">
-                                            <p:txEl>
-                                              <p:pRg st="10" end="10"/>
-                                            </p:txEl>
-                                          </p:spTgt>
-                                        </p:tgtEl>
-                                        <p:attrNameLst>
-                                          <p:attrName>style.visibility</p:attrName>
-                                        </p:attrNameLst>
-                                      </p:cBhvr>
-                                      <p:to>
-                                        <p:strVal val="visible"/>
-                                      </p:to>
-                                    </p:set>
-                                  </p:childTnLst>
-                                </p:cTn>
-                              </p:par>
-                              <p:par>
-                                <p:cTn id="25" presetID="1" presetClass="entr" presetSubtype="0" fill="hold" grpId="0" nodeType="withEffect">
-                                  <p:stCondLst>
-                                    <p:cond delay="0"/>
-                                  </p:stCondLst>
-                                  <p:childTnLst>
-                                    <p:set>
-                                      <p:cBhvr>
-                                        <p:cTn id="26" dur="1" fill="hold">
-                                          <p:stCondLst>
-                                            <p:cond delay="0"/>
-                                          </p:stCondLst>
-                                        </p:cTn>
-                                        <p:tgtEl>
-                                          <p:spTgt spid="3">
-                                            <p:txEl>
-                                              <p:pRg st="11" end="11"/>
-                                            </p:txEl>
-                                          </p:spTgt>
-                                        </p:tgtEl>
-                                        <p:attrNameLst>
-                                          <p:attrName>style.visibility</p:attrName>
-                                        </p:attrNameLst>
-                                      </p:cBhvr>
-                                      <p:to>
-                                        <p:strVal val="visible"/>
-                                      </p:to>
-                                    </p:set>
-                                  </p:childTnLst>
-                                </p:cTn>
-                              </p:par>
-                              <p:par>
-                                <p:cTn id="27" presetID="1" presetClass="entr" presetSubtype="0" fill="hold" grpId="0" nodeType="withEffect">
-                                  <p:stCondLst>
-                                    <p:cond delay="0"/>
-                                  </p:stCondLst>
-                                  <p:childTnLst>
-                                    <p:set>
-                                      <p:cBhvr>
-                                        <p:cTn id="28" dur="1" fill="hold">
-                                          <p:stCondLst>
-                                            <p:cond delay="0"/>
-                                          </p:stCondLst>
-                                        </p:cTn>
-                                        <p:tgtEl>
-                                          <p:spTgt spid="3">
-                                            <p:txEl>
-                                              <p:pRg st="12" end="12"/>
-                                            </p:txEl>
-                                          </p:spTgt>
-                                        </p:tgtEl>
-                                        <p:attrNameLst>
-                                          <p:attrName>style.visibility</p:attrName>
-                                        </p:attrNameLst>
-                                      </p:cBhvr>
-                                      <p:to>
-                                        <p:strVal val="visible"/>
-                                      </p:to>
-                                    </p:set>
-                                  </p:childTnLst>
-                                </p:cTn>
-                              </p:par>
-                              <p:par>
-                                <p:cTn id="29" presetID="1" presetClass="entr" presetSubtype="0" fill="hold" grpId="0" nodeType="withEffect">
-                                  <p:stCondLst>
-                                    <p:cond delay="0"/>
-                                  </p:stCondLst>
-                                  <p:childTnLst>
-                                    <p:set>
-                                      <p:cBhvr>
-                                        <p:cTn id="30" dur="1" fill="hold">
-                                          <p:stCondLst>
-                                            <p:cond delay="0"/>
-                                          </p:stCondLst>
-                                        </p:cTn>
-                                        <p:tgtEl>
-                                          <p:spTgt spid="3">
-                                            <p:txEl>
-                                              <p:pRg st="13" end="13"/>
-                                            </p:txEl>
-                                          </p:spTgt>
-                                        </p:tgtEl>
-                                        <p:attrNameLst>
-                                          <p:attrName>style.visibility</p:attrName>
-                                        </p:attrNameLst>
-                                      </p:cBhvr>
-                                      <p:to>
-                                        <p:strVal val="visible"/>
-                                      </p:to>
-                                    </p:set>
-                                  </p:childTnLst>
-                                </p:cTn>
-                              </p:par>
-                              <p:par>
-                                <p:cTn id="31" presetID="1" presetClass="entr" presetSubtype="0" fill="hold" grpId="0" nodeType="withEffect">
-                                  <p:stCondLst>
-                                    <p:cond delay="0"/>
-                                  </p:stCondLst>
-                                  <p:childTnLst>
-                                    <p:set>
-                                      <p:cBhvr>
-                                        <p:cTn id="32" dur="1" fill="hold">
-                                          <p:stCondLst>
-                                            <p:cond delay="0"/>
-                                          </p:stCondLst>
-                                        </p:cTn>
-                                        <p:tgtEl>
-                                          <p:spTgt spid="3">
-                                            <p:txEl>
-                                              <p:pRg st="14" end="14"/>
-                                            </p:txEl>
-                                          </p:spTgt>
-                                        </p:tgtEl>
-                                        <p:attrNameLst>
-                                          <p:attrName>style.visibility</p:attrName>
-                                        </p:attrNameLst>
-                                      </p:cBhvr>
-                                      <p:to>
-                                        <p:strVal val="visible"/>
-                                      </p:to>
-                                    </p:set>
-                                  </p:childTnLst>
-                                </p:cTn>
-                              </p:par>
-                            </p:childTnLst>
-                          </p:cTn>
-                        </p:par>
-                      </p:childTnLst>
-                    </p:cTn>
-                  </p:par>
-                </p:childTnLst>
-              </p:cTn>
-              <p:prevCondLst>
-                <p:cond evt="onPrev" delay="0">
-                  <p:tgtEl>
-                    <p:sldTgt/>
-                  </p:tgtEl>
-                </p:cond>
-              </p:prevCondLst>
-              <p:nextCondLst>
-                <p:cond evt="onNext" delay="0">
-                  <p:tgtEl>
-                    <p:sldTgt/>
-                  </p:tgtEl>
-                </p:cond>
-              </p:nextCondLst>
-            </p:seq>
-          </p:childTnLst>
-        </p:cTn>
-      </p:par>
-    </p:tnLst>
-    <p:bldLst>
-      <p:bldP spid="3" grpId="0" uiExpand="1" build="p"/>
-    </p:bldLst>
-  </p:timing>
-</p:sld>
-</file>
-
-<file path=ppt/slides/slide20.xml><?xml version="1.0" encoding="utf-8"?>
-<p:sld xmlns:a="http://schemas.openxmlformats.org/drawingml/2006/main" xmlns:r="http://schemas.openxmlformats.org/officeDocument/2006/relationships" xmlns:p="http://schemas.openxmlformats.org/presentationml/2006/main">
-  <p:cSld>
-    <p:spTree>
-      <p:nvGrpSpPr>
-        <p:cNvPr id="1" name=""/>
-        <p:cNvGrpSpPr/>
-        <p:nvPr/>
-      </p:nvGrpSpPr>
-      <p:grpSpPr>
-        <a:xfrm>
-          <a:off x="0" y="0"/>
-          <a:ext cx="0" cy="0"/>
-          <a:chOff x="0" y="0"/>
-          <a:chExt cx="0" cy="0"/>
-        </a:xfrm>
-      </p:grpSpPr>
-      <p:sp>
-        <p:nvSpPr>
-          <p:cNvPr id="3" name="Content Placeholder 2"/>
-          <p:cNvSpPr>
-            <a:spLocks noGrp="1"/>
-          </p:cNvSpPr>
-          <p:nvPr>
-            <p:ph idx="1"/>
-          </p:nvPr>
-        </p:nvSpPr>
-        <p:spPr/>
-        <p:txBody>
-          <a:bodyPr>
             <a:normAutofit/>
           </a:bodyPr>
           <a:lstStyle/>
@@ -12603,7 +14279,7 @@
 </p:sld>
 </file>
 
-<file path=ppt/slides/slide21.xml><?xml version="1.0" encoding="utf-8"?>
+<file path=ppt/slides/slide24.xml><?xml version="1.0" encoding="utf-8"?>
 <p:sld xmlns:a="http://schemas.openxmlformats.org/drawingml/2006/main" xmlns:r="http://schemas.openxmlformats.org/officeDocument/2006/relationships" xmlns:p="http://schemas.openxmlformats.org/presentationml/2006/main">
   <p:cSld>
     <p:spTree>
@@ -12759,7 +14435,7 @@
 </p:sld>
 </file>
 
-<file path=ppt/slides/slide22.xml><?xml version="1.0" encoding="utf-8"?>
+<file path=ppt/slides/slide25.xml><?xml version="1.0" encoding="utf-8"?>
 <p:sld xmlns:a="http://schemas.openxmlformats.org/drawingml/2006/main" xmlns:r="http://schemas.openxmlformats.org/officeDocument/2006/relationships" xmlns:p="http://schemas.openxmlformats.org/presentationml/2006/main">
   <p:cSld>
     <p:spTree>
@@ -13170,7 +14846,7 @@
 </p:sld>
 </file>
 
-<file path=ppt/slides/slide23.xml><?xml version="1.0" encoding="utf-8"?>
+<file path=ppt/slides/slide26.xml><?xml version="1.0" encoding="utf-8"?>
 <p:sld xmlns:a="http://schemas.openxmlformats.org/drawingml/2006/main" xmlns:r="http://schemas.openxmlformats.org/officeDocument/2006/relationships" xmlns:p="http://schemas.openxmlformats.org/presentationml/2006/main">
   <p:cSld>
     <p:spTree>
@@ -13517,7 +15193,7 @@
 </p:sld>
 </file>
 
-<file path=ppt/slides/slide24.xml><?xml version="1.0" encoding="utf-8"?>
+<file path=ppt/slides/slide27.xml><?xml version="1.0" encoding="utf-8"?>
 <p:sld xmlns:a="http://schemas.openxmlformats.org/drawingml/2006/main" xmlns:r="http://schemas.openxmlformats.org/officeDocument/2006/relationships" xmlns:p="http://schemas.openxmlformats.org/presentationml/2006/main">
   <p:cSld>
     <p:spTree>
@@ -13864,7 +15540,7 @@
 </p:sld>
 </file>
 
-<file path=ppt/slides/slide25.xml><?xml version="1.0" encoding="utf-8"?>
+<file path=ppt/slides/slide28.xml><?xml version="1.0" encoding="utf-8"?>
 <p:sld xmlns:a="http://schemas.openxmlformats.org/drawingml/2006/main" xmlns:r="http://schemas.openxmlformats.org/officeDocument/2006/relationships" xmlns:p="http://schemas.openxmlformats.org/presentationml/2006/main">
   <p:cSld>
     <p:spTree>
@@ -13995,7 +15671,7 @@
 </p:sld>
 </file>
 
-<file path=ppt/slides/slide26.xml><?xml version="1.0" encoding="utf-8"?>
+<file path=ppt/slides/slide29.xml><?xml version="1.0" encoding="utf-8"?>
 <p:sld xmlns:a="http://schemas.openxmlformats.org/drawingml/2006/main" xmlns:r="http://schemas.openxmlformats.org/officeDocument/2006/relationships" xmlns:p="http://schemas.openxmlformats.org/presentationml/2006/main">
   <p:cSld>
     <p:spTree>
@@ -14894,7 +16570,162 @@
 </p:sld>
 </file>
 
-<file path=ppt/slides/slide27.xml><?xml version="1.0" encoding="utf-8"?>
+<file path=ppt/slides/slide3.xml><?xml version="1.0" encoding="utf-8"?>
+<p:sld xmlns:a="http://schemas.openxmlformats.org/drawingml/2006/main" xmlns:r="http://schemas.openxmlformats.org/officeDocument/2006/relationships" xmlns:p="http://schemas.openxmlformats.org/presentationml/2006/main">
+  <p:cSld>
+    <p:spTree>
+      <p:nvGrpSpPr>
+        <p:cNvPr id="1" name=""/>
+        <p:cNvGrpSpPr/>
+        <p:nvPr/>
+      </p:nvGrpSpPr>
+      <p:grpSpPr>
+        <a:xfrm>
+          <a:off x="0" y="0"/>
+          <a:ext cx="0" cy="0"/>
+          <a:chOff x="0" y="0"/>
+          <a:chExt cx="0" cy="0"/>
+        </a:xfrm>
+      </p:grpSpPr>
+      <p:sp>
+        <p:nvSpPr>
+          <p:cNvPr id="2" name="Content Placeholder 1"/>
+          <p:cNvSpPr>
+            <a:spLocks noGrp="1"/>
+          </p:cNvSpPr>
+          <p:nvPr>
+            <p:ph idx="1"/>
+          </p:nvPr>
+        </p:nvSpPr>
+        <p:spPr/>
+        <p:txBody>
+          <a:bodyPr/>
+          <a:lstStyle/>
+          <a:p>
+            <a:pPr marL="624078" indent="-514350"/>
+            <a:r>
+              <a:rPr lang="nl-BE" b="1" i="1" dirty="0" smtClean="0"/>
+              <a:t>Specification Workshop</a:t>
+            </a:r>
+          </a:p>
+          <a:p>
+            <a:pPr marL="624078" indent="-514350"/>
+            <a:endParaRPr lang="nl-BE" i="1" dirty="0" smtClean="0"/>
+          </a:p>
+          <a:p>
+            <a:pPr marL="624078" indent="-514350"/>
+            <a:r>
+              <a:rPr lang="nl-BE" dirty="0" smtClean="0"/>
+              <a:t>Setup Fitnesse</a:t>
+            </a:r>
+          </a:p>
+          <a:p>
+            <a:pPr marL="624078" indent="-514350"/>
+            <a:endParaRPr lang="nl-BE" i="1" dirty="0" smtClean="0"/>
+          </a:p>
+          <a:p>
+            <a:pPr marL="624078" indent="-514350"/>
+            <a:r>
+              <a:rPr lang="nl-BE" dirty="0" smtClean="0"/>
+              <a:t>Iteration 1</a:t>
+            </a:r>
+          </a:p>
+          <a:p>
+            <a:pPr marL="624078" indent="-514350"/>
+            <a:endParaRPr lang="nl-BE" i="1" dirty="0" smtClean="0"/>
+          </a:p>
+          <a:p>
+            <a:pPr marL="624078" indent="-514350"/>
+            <a:r>
+              <a:rPr lang="nl-BE" dirty="0" smtClean="0"/>
+              <a:t>Iteration 2</a:t>
+            </a:r>
+          </a:p>
+          <a:p>
+            <a:pPr marL="624078" indent="-514350"/>
+            <a:endParaRPr lang="nl-BE" i="1" dirty="0" smtClean="0"/>
+          </a:p>
+          <a:p>
+            <a:pPr marL="624078" indent="-514350"/>
+            <a:r>
+              <a:rPr lang="nl-BE" dirty="0" smtClean="0"/>
+              <a:t>What’s in it for you?</a:t>
+            </a:r>
+            <a:endParaRPr lang="nl-BE" i="1" dirty="0" smtClean="0"/>
+          </a:p>
+          <a:p>
+            <a:pPr marL="624078" indent="-514350"/>
+            <a:endParaRPr lang="nl-BE" i="1" dirty="0" smtClean="0"/>
+          </a:p>
+        </p:txBody>
+      </p:sp>
+      <p:sp>
+        <p:nvSpPr>
+          <p:cNvPr id="3" name="Title 2"/>
+          <p:cNvSpPr>
+            <a:spLocks noGrp="1"/>
+          </p:cNvSpPr>
+          <p:nvPr>
+            <p:ph type="title"/>
+          </p:nvPr>
+        </p:nvSpPr>
+        <p:spPr/>
+        <p:txBody>
+          <a:bodyPr>
+            <a:normAutofit fontScale="90000"/>
+          </a:bodyPr>
+          <a:lstStyle/>
+          <a:p>
+            <a:r>
+              <a:rPr lang="nl-BE" sz="3600" dirty="0" smtClean="0"/>
+              <a:t>Agile Acceptance Testing with Fitnesse</a:t>
+            </a:r>
+            <a:endParaRPr lang="nl-BE" sz="3600" dirty="0"/>
+          </a:p>
+        </p:txBody>
+      </p:sp>
+      <p:pic>
+        <p:nvPicPr>
+          <p:cNvPr id="5" name="Picture 2" descr="C:\Users\pascmest\AppData\Local\Microsoft\Windows\Temporary Internet Files\Content.IE5\R67MQFYW\MPj04053960000[1].jpg"/>
+          <p:cNvPicPr>
+            <a:picLocks noChangeAspect="1" noChangeArrowheads="1"/>
+          </p:cNvPicPr>
+          <p:nvPr/>
+        </p:nvPicPr>
+        <p:blipFill>
+          <a:blip r:embed="rId2" cstate="print"/>
+          <a:srcRect/>
+          <a:stretch>
+            <a:fillRect/>
+          </a:stretch>
+        </p:blipFill>
+        <p:spPr bwMode="auto">
+          <a:xfrm>
+            <a:off x="5443545" y="4214818"/>
+            <a:ext cx="3700487" cy="2643206"/>
+          </a:xfrm>
+          <a:prstGeom prst="rect">
+            <a:avLst/>
+          </a:prstGeom>
+          <a:noFill/>
+        </p:spPr>
+      </p:pic>
+    </p:spTree>
+  </p:cSld>
+  <p:clrMapOvr>
+    <a:masterClrMapping/>
+  </p:clrMapOvr>
+  <p:timing>
+    <p:tnLst>
+      <p:par>
+        <p:cTn id="1" dur="indefinite" restart="never" nodeType="tmRoot"/>
+      </p:par>
+    </p:tnLst>
+  </p:timing>
+</p:sld>
+</file>
+
+<file path=ppt/slides/slide30.xml><?xml version="1.0" encoding="utf-8"?>
 <p:sld xmlns:a="http://schemas.openxmlformats.org/drawingml/2006/main" xmlns:r="http://schemas.openxmlformats.org/officeDocument/2006/relationships" xmlns:p="http://schemas.openxmlformats.org/presentationml/2006/main">
   <p:cSld>
     <p:spTree>
@@ -14964,161 +16795,6 @@
             <a:headEnd/>
             <a:tailEnd/>
           </a:ln>
-        </p:spPr>
-      </p:pic>
-    </p:spTree>
-  </p:cSld>
-  <p:clrMapOvr>
-    <a:masterClrMapping/>
-  </p:clrMapOvr>
-  <p:timing>
-    <p:tnLst>
-      <p:par>
-        <p:cTn id="1" dur="indefinite" restart="never" nodeType="tmRoot"/>
-      </p:par>
-    </p:tnLst>
-  </p:timing>
-</p:sld>
-</file>
-
-<file path=ppt/slides/slide3.xml><?xml version="1.0" encoding="utf-8"?>
-<p:sld xmlns:a="http://schemas.openxmlformats.org/drawingml/2006/main" xmlns:r="http://schemas.openxmlformats.org/officeDocument/2006/relationships" xmlns:p="http://schemas.openxmlformats.org/presentationml/2006/main">
-  <p:cSld>
-    <p:spTree>
-      <p:nvGrpSpPr>
-        <p:cNvPr id="1" name=""/>
-        <p:cNvGrpSpPr/>
-        <p:nvPr/>
-      </p:nvGrpSpPr>
-      <p:grpSpPr>
-        <a:xfrm>
-          <a:off x="0" y="0"/>
-          <a:ext cx="0" cy="0"/>
-          <a:chOff x="0" y="0"/>
-          <a:chExt cx="0" cy="0"/>
-        </a:xfrm>
-      </p:grpSpPr>
-      <p:sp>
-        <p:nvSpPr>
-          <p:cNvPr id="2" name="Content Placeholder 1"/>
-          <p:cNvSpPr>
-            <a:spLocks noGrp="1"/>
-          </p:cNvSpPr>
-          <p:nvPr>
-            <p:ph idx="1"/>
-          </p:nvPr>
-        </p:nvSpPr>
-        <p:spPr/>
-        <p:txBody>
-          <a:bodyPr/>
-          <a:lstStyle/>
-          <a:p>
-            <a:pPr marL="624078" indent="-514350"/>
-            <a:r>
-              <a:rPr lang="nl-BE" b="1" i="1" dirty="0" smtClean="0"/>
-              <a:t>Specification Workshop</a:t>
-            </a:r>
-          </a:p>
-          <a:p>
-            <a:pPr marL="624078" indent="-514350"/>
-            <a:endParaRPr lang="nl-BE" i="1" dirty="0" smtClean="0"/>
-          </a:p>
-          <a:p>
-            <a:pPr marL="624078" indent="-514350"/>
-            <a:r>
-              <a:rPr lang="nl-BE" dirty="0" smtClean="0"/>
-              <a:t>Setup Fitnesse</a:t>
-            </a:r>
-          </a:p>
-          <a:p>
-            <a:pPr marL="624078" indent="-514350"/>
-            <a:endParaRPr lang="nl-BE" i="1" dirty="0" smtClean="0"/>
-          </a:p>
-          <a:p>
-            <a:pPr marL="624078" indent="-514350"/>
-            <a:r>
-              <a:rPr lang="nl-BE" dirty="0" smtClean="0"/>
-              <a:t>Iteration 1</a:t>
-            </a:r>
-          </a:p>
-          <a:p>
-            <a:pPr marL="624078" indent="-514350"/>
-            <a:endParaRPr lang="nl-BE" i="1" dirty="0" smtClean="0"/>
-          </a:p>
-          <a:p>
-            <a:pPr marL="624078" indent="-514350"/>
-            <a:r>
-              <a:rPr lang="nl-BE" dirty="0" smtClean="0"/>
-              <a:t>Iteration 2</a:t>
-            </a:r>
-          </a:p>
-          <a:p>
-            <a:pPr marL="624078" indent="-514350"/>
-            <a:endParaRPr lang="nl-BE" i="1" dirty="0" smtClean="0"/>
-          </a:p>
-          <a:p>
-            <a:pPr marL="624078" indent="-514350"/>
-            <a:r>
-              <a:rPr lang="nl-BE" dirty="0" smtClean="0"/>
-              <a:t>What’s in it for you?</a:t>
-            </a:r>
-            <a:endParaRPr lang="nl-BE" i="1" dirty="0" smtClean="0"/>
-          </a:p>
-          <a:p>
-            <a:pPr marL="624078" indent="-514350"/>
-            <a:endParaRPr lang="nl-BE" i="1" dirty="0" smtClean="0"/>
-          </a:p>
-        </p:txBody>
-      </p:sp>
-      <p:sp>
-        <p:nvSpPr>
-          <p:cNvPr id="3" name="Title 2"/>
-          <p:cNvSpPr>
-            <a:spLocks noGrp="1"/>
-          </p:cNvSpPr>
-          <p:nvPr>
-            <p:ph type="title"/>
-          </p:nvPr>
-        </p:nvSpPr>
-        <p:spPr/>
-        <p:txBody>
-          <a:bodyPr>
-            <a:normAutofit fontScale="90000"/>
-          </a:bodyPr>
-          <a:lstStyle/>
-          <a:p>
-            <a:r>
-              <a:rPr lang="nl-BE" sz="3600" dirty="0" smtClean="0"/>
-              <a:t>Agile Acceptance Testing with Fitnesse</a:t>
-            </a:r>
-            <a:endParaRPr lang="nl-BE" sz="3600" dirty="0"/>
-          </a:p>
-        </p:txBody>
-      </p:sp>
-      <p:pic>
-        <p:nvPicPr>
-          <p:cNvPr id="5" name="Picture 2" descr="C:\Users\pascmest\AppData\Local\Microsoft\Windows\Temporary Internet Files\Content.IE5\R67MQFYW\MPj04053960000[1].jpg"/>
-          <p:cNvPicPr>
-            <a:picLocks noChangeAspect="1" noChangeArrowheads="1"/>
-          </p:cNvPicPr>
-          <p:nvPr/>
-        </p:nvPicPr>
-        <p:blipFill>
-          <a:blip r:embed="rId2" cstate="print"/>
-          <a:srcRect/>
-          <a:stretch>
-            <a:fillRect/>
-          </a:stretch>
-        </p:blipFill>
-        <p:spPr bwMode="auto">
-          <a:xfrm>
-            <a:off x="5443545" y="4214818"/>
-            <a:ext cx="3700487" cy="2643206"/>
-          </a:xfrm>
-          <a:prstGeom prst="rect">
-            <a:avLst/>
-          </a:prstGeom>
-          <a:noFill/>
         </p:spPr>
       </p:pic>
     </p:spTree>

--- a/trunk/Slides/20090604_Ihc_AgileAcceptanceTesting.pptx
+++ b/trunk/Slides/20090604_Ihc_AgileAcceptanceTesting.pptx
@@ -40,7 +40,7 @@
     <p:sldId id="285" r:id="rId31"/>
   </p:sldIdLst>
   <p:sldSz cx="9144000" cy="6858000" type="screen4x3"/>
-  <p:notesSz cx="6858000" cy="9144000"/>
+  <p:notesSz cx="7315200" cy="9601200"/>
   <p:defaultTextStyle>
     <a:defPPr>
       <a:defRPr lang="nl-BE"/>
@@ -174,17 +174,17 @@
         <p:spPr>
           <a:xfrm>
             <a:off x="0" y="0"/>
-            <a:ext cx="2971800" cy="457200"/>
+            <a:ext cx="3169920" cy="480060"/>
           </a:xfrm>
           <a:prstGeom prst="rect">
             <a:avLst/>
           </a:prstGeom>
         </p:spPr>
         <p:txBody>
-          <a:bodyPr vert="horz" lIns="91440" tIns="45720" rIns="91440" bIns="45720" rtlCol="0"/>
+          <a:bodyPr vert="horz" lIns="96661" tIns="48331" rIns="96661" bIns="48331" rtlCol="0"/>
           <a:lstStyle>
             <a:lvl1pPr algn="l">
-              <a:defRPr sz="1200"/>
+              <a:defRPr sz="1300"/>
             </a:lvl1pPr>
           </a:lstStyle>
           <a:p>
@@ -204,25 +204,25 @@
         </p:nvSpPr>
         <p:spPr>
           <a:xfrm>
-            <a:off x="3884613" y="0"/>
-            <a:ext cx="2971800" cy="457200"/>
+            <a:off x="4143587" y="0"/>
+            <a:ext cx="3169920" cy="480060"/>
           </a:xfrm>
           <a:prstGeom prst="rect">
             <a:avLst/>
           </a:prstGeom>
         </p:spPr>
         <p:txBody>
-          <a:bodyPr vert="horz" lIns="91440" tIns="45720" rIns="91440" bIns="45720" rtlCol="0"/>
+          <a:bodyPr vert="horz" lIns="96661" tIns="48331" rIns="96661" bIns="48331" rtlCol="0"/>
           <a:lstStyle>
             <a:lvl1pPr algn="r">
-              <a:defRPr sz="1200"/>
+              <a:defRPr sz="1300"/>
             </a:lvl1pPr>
           </a:lstStyle>
           <a:p>
             <a:fld id="{08F0785E-033A-43CD-AF7D-1A09C6890A39}" type="datetimeFigureOut">
               <a:rPr lang="nl-BE" smtClean="0"/>
               <a:pPr/>
-              <a:t>18/05/2009</a:t>
+              <a:t>02/06/2009</a:t>
             </a:fld>
             <a:endParaRPr lang="nl-BE"/>
           </a:p>
@@ -240,8 +240,8 @@
         </p:nvSpPr>
         <p:spPr>
           <a:xfrm>
-            <a:off x="1143000" y="685800"/>
-            <a:ext cx="4572000" cy="3429000"/>
+            <a:off x="1257300" y="720725"/>
+            <a:ext cx="4800600" cy="3600450"/>
           </a:xfrm>
           <a:prstGeom prst="rect">
             <a:avLst/>
@@ -254,7 +254,7 @@
           </a:ln>
         </p:spPr>
         <p:txBody>
-          <a:bodyPr vert="horz" lIns="91440" tIns="45720" rIns="91440" bIns="45720" rtlCol="0" anchor="ctr"/>
+          <a:bodyPr vert="horz" lIns="96661" tIns="48331" rIns="96661" bIns="48331" rtlCol="0" anchor="ctr"/>
           <a:lstStyle/>
           <a:p>
             <a:endParaRPr lang="nl-BE"/>
@@ -273,15 +273,15 @@
         </p:nvSpPr>
         <p:spPr>
           <a:xfrm>
-            <a:off x="685800" y="4343400"/>
-            <a:ext cx="5486400" cy="4114800"/>
+            <a:off x="731520" y="4560570"/>
+            <a:ext cx="5852160" cy="4320540"/>
           </a:xfrm>
           <a:prstGeom prst="rect">
             <a:avLst/>
           </a:prstGeom>
         </p:spPr>
         <p:txBody>
-          <a:bodyPr vert="horz" lIns="91440" tIns="45720" rIns="91440" bIns="45720" rtlCol="0">
+          <a:bodyPr vert="horz" lIns="96661" tIns="48331" rIns="96661" bIns="48331" rtlCol="0">
             <a:normAutofit/>
           </a:bodyPr>
           <a:lstStyle/>
@@ -335,18 +335,18 @@
         </p:nvSpPr>
         <p:spPr>
           <a:xfrm>
-            <a:off x="0" y="8685213"/>
-            <a:ext cx="2971800" cy="457200"/>
+            <a:off x="0" y="9119474"/>
+            <a:ext cx="3169920" cy="480060"/>
           </a:xfrm>
           <a:prstGeom prst="rect">
             <a:avLst/>
           </a:prstGeom>
         </p:spPr>
         <p:txBody>
-          <a:bodyPr vert="horz" lIns="91440" tIns="45720" rIns="91440" bIns="45720" rtlCol="0" anchor="b"/>
+          <a:bodyPr vert="horz" lIns="96661" tIns="48331" rIns="96661" bIns="48331" rtlCol="0" anchor="b"/>
           <a:lstStyle>
             <a:lvl1pPr algn="l">
-              <a:defRPr sz="1200"/>
+              <a:defRPr sz="1300"/>
             </a:lvl1pPr>
           </a:lstStyle>
           <a:p>
@@ -366,18 +366,18 @@
         </p:nvSpPr>
         <p:spPr>
           <a:xfrm>
-            <a:off x="3884613" y="8685213"/>
-            <a:ext cx="2971800" cy="457200"/>
+            <a:off x="4143587" y="9119474"/>
+            <a:ext cx="3169920" cy="480060"/>
           </a:xfrm>
           <a:prstGeom prst="rect">
             <a:avLst/>
           </a:prstGeom>
         </p:spPr>
         <p:txBody>
-          <a:bodyPr vert="horz" lIns="91440" tIns="45720" rIns="91440" bIns="45720" rtlCol="0" anchor="b"/>
+          <a:bodyPr vert="horz" lIns="96661" tIns="48331" rIns="96661" bIns="48331" rtlCol="0" anchor="b"/>
           <a:lstStyle>
             <a:lvl1pPr algn="r">
-              <a:defRPr sz="1200"/>
+              <a:defRPr sz="1300"/>
             </a:lvl1pPr>
           </a:lstStyle>
           <a:p>
@@ -534,11 +534,7 @@
           </a:bodyPr>
           <a:lstStyle/>
           <a:p>
-            <a:r>
-              <a:rPr lang="nl-BE" dirty="0" smtClean="0"/>
-              <a:t>Basic implementation -&gt; sketch</a:t>
-            </a:r>
-            <a:endParaRPr lang="nl-BE" dirty="0"/>
+            <a:endParaRPr lang="nl-BE"/>
           </a:p>
         </p:txBody>
       </p:sp>
@@ -560,7 +556,7 @@
             <a:fld id="{A95F721D-B08F-41E9-83C2-423A43044BB2}" type="slidenum">
               <a:rPr lang="nl-BE" smtClean="0"/>
               <a:pPr/>
-              <a:t>5</a:t>
+              <a:t>2</a:t>
             </a:fld>
             <a:endParaRPr lang="nl-BE"/>
           </a:p>
@@ -620,16 +616,6 @@
           </a:bodyPr>
           <a:lstStyle/>
           <a:p>
-            <a:r>
-              <a:rPr lang="nl-BE" dirty="0" smtClean="0">
-                <a:hlinkClick r:id="rId3"/>
-              </a:rPr>
-              <a:t>http://stackoverflow.com/questions/249580/how-do-i-add-fitnesse-pages-to-version-control</a:t>
-            </a:r>
-            <a:r>
-              <a:rPr lang="nl-BE" dirty="0" smtClean="0"/>
-              <a:t> </a:t>
-            </a:r>
             <a:endParaRPr lang="nl-BE" baseline="0" dirty="0" smtClean="0"/>
           </a:p>
         </p:txBody>
@@ -652,7 +638,7 @@
             <a:fld id="{A95F721D-B08F-41E9-83C2-423A43044BB2}" type="slidenum">
               <a:rPr lang="nl-BE" smtClean="0"/>
               <a:pPr/>
-              <a:t>16</a:t>
+              <a:t>15</a:t>
             </a:fld>
             <a:endParaRPr lang="nl-BE"/>
           </a:p>
@@ -712,6 +698,16 @@
           </a:bodyPr>
           <a:lstStyle/>
           <a:p>
+            <a:r>
+              <a:rPr lang="nl-BE" dirty="0" smtClean="0">
+                <a:hlinkClick r:id="rId3"/>
+              </a:rPr>
+              <a:t>http://stackoverflow.com/questions/249580/how-do-i-add-fitnesse-pages-to-version-control</a:t>
+            </a:r>
+            <a:r>
+              <a:rPr lang="nl-BE" dirty="0" smtClean="0"/>
+              <a:t> </a:t>
+            </a:r>
             <a:endParaRPr lang="nl-BE" baseline="0" dirty="0" smtClean="0"/>
           </a:p>
         </p:txBody>
@@ -734,7 +730,7 @@
             <a:fld id="{A95F721D-B08F-41E9-83C2-423A43044BB2}" type="slidenum">
               <a:rPr lang="nl-BE" smtClean="0"/>
               <a:pPr/>
-              <a:t>17</a:t>
+              <a:t>16</a:t>
             </a:fld>
             <a:endParaRPr lang="nl-BE"/>
           </a:p>
@@ -794,120 +790,7 @@
           </a:bodyPr>
           <a:lstStyle/>
           <a:p>
-            <a:r>
-              <a:rPr lang="nl-BE" dirty="0" smtClean="0"/>
-              <a:t>1</a:t>
-            </a:r>
-            <a:r>
-              <a:rPr lang="nl-BE" baseline="30000" dirty="0" smtClean="0"/>
-              <a:t>e</a:t>
-            </a:r>
-            <a:r>
-              <a:rPr lang="nl-BE" dirty="0" smtClean="0"/>
-              <a:t> test: Snack order</a:t>
-            </a:r>
-            <a:r>
-              <a:rPr lang="nl-BE" baseline="0" dirty="0" smtClean="0"/>
-              <a:t> zonder credit, credit toevoegen, snack orderen (columnFixture)</a:t>
-            </a:r>
-          </a:p>
-          <a:p>
-            <a:r>
-              <a:rPr lang="nl-BE" baseline="0" dirty="0" smtClean="0"/>
-              <a:t>2</a:t>
-            </a:r>
-            <a:r>
-              <a:rPr lang="nl-BE" baseline="30000" dirty="0" smtClean="0"/>
-              <a:t>e</a:t>
-            </a:r>
-            <a:r>
-              <a:rPr lang="nl-BE" baseline="0" dirty="0" smtClean="0"/>
-              <a:t> test: current orders opvragen (blanco) – order plaatsen (hergebruik bovenste fixture) – orders opvragen (rowfixture &amp; setup: orders leegmaken+credits op 0)</a:t>
-            </a:r>
-          </a:p>
-          <a:p>
-            <a:r>
-              <a:rPr lang="nl-BE" baseline="0" dirty="0" smtClean="0"/>
-              <a:t>Acceptatie door PO (iteratie gedaan)</a:t>
-            </a:r>
-          </a:p>
-          <a:p>
-            <a:r>
-              <a:rPr lang="nl-BE" dirty="0" smtClean="0"/>
-              <a:t>3</a:t>
-            </a:r>
-            <a:r>
-              <a:rPr lang="nl-BE" baseline="30000" dirty="0" smtClean="0"/>
-              <a:t>e</a:t>
-            </a:r>
-            <a:r>
-              <a:rPr lang="nl-BE" dirty="0" smtClean="0"/>
-              <a:t> test:</a:t>
-            </a:r>
-            <a:r>
-              <a:rPr lang="nl-BE" baseline="0" dirty="0" smtClean="0"/>
-              <a:t> credits afchecken, user credit geven, snack order, check credit (</a:t>
-            </a:r>
-            <a:r>
-              <a:rPr lang="nl-BE" sz="1200" kern="1200" dirty="0" smtClean="0">
-                <a:solidFill>
-                  <a:schemeClr val="tx1"/>
-                </a:solidFill>
-                <a:latin typeface="+mn-lt"/>
-                <a:ea typeface="+mn-ea"/>
-                <a:cs typeface="+mn-cs"/>
-              </a:rPr>
-              <a:t>DoFixture)</a:t>
-            </a:r>
             <a:endParaRPr lang="nl-BE" baseline="0" dirty="0" smtClean="0"/>
-          </a:p>
-          <a:p>
-            <a:pPr marL="0" marR="0" indent="0" algn="l" defTabSz="914400" rtl="0" eaLnBrk="1" fontAlgn="auto" latinLnBrk="0" hangingPunct="1">
-              <a:lnSpc>
-                <a:spcPct val="100000"/>
-              </a:lnSpc>
-              <a:spcBef>
-                <a:spcPts val="0"/>
-              </a:spcBef>
-              <a:spcAft>
-                <a:spcPts val="0"/>
-              </a:spcAft>
-              <a:buClrTx/>
-              <a:buSzTx/>
-              <a:buFontTx/>
-              <a:buNone/>
-              <a:tabLst/>
-              <a:defRPr/>
-            </a:pPr>
-            <a:r>
-              <a:rPr lang="nl-BE" baseline="0" dirty="0" smtClean="0"/>
-              <a:t>Structuur in Wiki? Geaccepteerde testen falen? Move naar acceptance suite.</a:t>
-            </a:r>
-          </a:p>
-          <a:p>
-            <a:r>
-              <a:rPr lang="nl-BE" dirty="0" smtClean="0"/>
-              <a:t>Integratie van Agile</a:t>
-            </a:r>
-            <a:r>
-              <a:rPr lang="nl-BE" baseline="0" dirty="0" smtClean="0"/>
-              <a:t> Acceptance Testing in iteratie.</a:t>
-            </a:r>
-          </a:p>
-          <a:p>
-            <a:r>
-              <a:rPr lang="nl-BE" baseline="0" dirty="0" smtClean="0"/>
-              <a:t>4</a:t>
-            </a:r>
-            <a:r>
-              <a:rPr lang="nl-BE" baseline="30000" dirty="0" smtClean="0"/>
-              <a:t>e</a:t>
-            </a:r>
-            <a:r>
-              <a:rPr lang="nl-BE" baseline="0" dirty="0" smtClean="0"/>
-              <a:t> test: inloggen van een user (ActionFixture)</a:t>
-            </a:r>
-            <a:endParaRPr lang="nl-BE" dirty="0"/>
           </a:p>
         </p:txBody>
       </p:sp>
@@ -929,7 +812,7 @@
             <a:fld id="{A95F721D-B08F-41E9-83C2-423A43044BB2}" type="slidenum">
               <a:rPr lang="nl-BE" smtClean="0"/>
               <a:pPr/>
-              <a:t>18</a:t>
+              <a:t>17</a:t>
             </a:fld>
             <a:endParaRPr lang="nl-BE"/>
           </a:p>
@@ -989,25 +872,99 @@
           </a:bodyPr>
           <a:lstStyle/>
           <a:p>
-            <a:pPr lvl="1">
-              <a:buFontTx/>
-              <a:buChar char="-"/>
+            <a:r>
+              <a:rPr lang="nl-BE" dirty="0" smtClean="0"/>
+              <a:t>1</a:t>
+            </a:r>
+            <a:r>
+              <a:rPr lang="nl-BE" baseline="30000" dirty="0" smtClean="0"/>
+              <a:t>e</a:t>
+            </a:r>
+            <a:r>
+              <a:rPr lang="nl-BE" dirty="0" smtClean="0"/>
+              <a:t> test: Snack order</a:t>
+            </a:r>
+            <a:r>
+              <a:rPr lang="nl-BE" baseline="0" dirty="0" smtClean="0"/>
+              <a:t> zonder credit, credit toevoegen, snack orderen (columnFixture)</a:t>
+            </a:r>
+          </a:p>
+          <a:p>
+            <a:r>
+              <a:rPr lang="nl-BE" baseline="0" dirty="0" smtClean="0"/>
+              <a:t>2</a:t>
+            </a:r>
+            <a:r>
+              <a:rPr lang="nl-BE" baseline="30000" dirty="0" smtClean="0"/>
+              <a:t>e</a:t>
+            </a:r>
+            <a:r>
+              <a:rPr lang="nl-BE" baseline="0" dirty="0" smtClean="0"/>
+              <a:t> test: current orders opvragen (blanco) – order plaatsen (hergebruik bovenste fixture) – orders opvragen (rowfixture &amp; setup: orders leegmaken+credits op 0)</a:t>
+            </a:r>
+          </a:p>
+          <a:p>
+            <a:r>
+              <a:rPr lang="nl-BE" baseline="0" dirty="0" smtClean="0"/>
+              <a:t>Acceptatie door PO (iteratie gedaan)</a:t>
+            </a:r>
+          </a:p>
+          <a:p>
+            <a:r>
+              <a:rPr lang="nl-BE" dirty="0" smtClean="0"/>
+              <a:t>3</a:t>
+            </a:r>
+            <a:r>
+              <a:rPr lang="nl-BE" baseline="30000" dirty="0" smtClean="0"/>
+              <a:t>e</a:t>
+            </a:r>
+            <a:r>
+              <a:rPr lang="nl-BE" dirty="0" smtClean="0"/>
+              <a:t> test:</a:t>
+            </a:r>
+            <a:r>
+              <a:rPr lang="nl-BE" baseline="0" dirty="0" smtClean="0"/>
+              <a:t> credits afchecken, user credit geven, snack order, check credit (</a:t>
+            </a:r>
+            <a:r>
+              <a:rPr lang="nl-BE" sz="1300" dirty="0" smtClean="0"/>
+              <a:t>DoFixture)</a:t>
+            </a:r>
+            <a:endParaRPr lang="nl-BE" baseline="0" dirty="0" smtClean="0"/>
+          </a:p>
+          <a:p>
+            <a:pPr defTabSz="966612">
+              <a:defRPr/>
             </a:pPr>
-            <a:endParaRPr lang="nl-BE" baseline="0" dirty="0" smtClean="0"/>
-          </a:p>
-          <a:p>
-            <a:pPr>
-              <a:buFontTx/>
-              <a:buChar char="-"/>
-            </a:pPr>
-            <a:endParaRPr lang="nl-BE" baseline="0" dirty="0" smtClean="0"/>
-          </a:p>
-          <a:p>
-            <a:pPr>
-              <a:buFontTx/>
-              <a:buChar char="-"/>
-            </a:pPr>
-            <a:endParaRPr lang="nl-BE" dirty="0" smtClean="0"/>
+            <a:r>
+              <a:rPr lang="nl-BE" baseline="0" dirty="0" smtClean="0"/>
+              <a:t>Structuur in Wiki? Geaccepteerde testen falen? Move naar acceptance suite.</a:t>
+            </a:r>
+          </a:p>
+          <a:p>
+            <a:r>
+              <a:rPr lang="nl-BE" dirty="0" smtClean="0"/>
+              <a:t>Integratie van Agile</a:t>
+            </a:r>
+            <a:r>
+              <a:rPr lang="nl-BE" baseline="0" dirty="0" smtClean="0"/>
+              <a:t> Acceptance Testing in iteratie.</a:t>
+            </a:r>
+          </a:p>
+          <a:p>
+            <a:r>
+              <a:rPr lang="nl-BE" baseline="0" dirty="0" smtClean="0"/>
+              <a:t>4</a:t>
+            </a:r>
+            <a:r>
+              <a:rPr lang="nl-BE" baseline="30000" dirty="0" smtClean="0"/>
+              <a:t>e</a:t>
+            </a:r>
+            <a:r>
+              <a:rPr lang="nl-BE" baseline="0" dirty="0" smtClean="0"/>
+              <a:t> test: inloggen van een user (ActionFixture)</a:t>
+            </a:r>
+            <a:endParaRPr lang="nl-BE" dirty="0"/>
           </a:p>
         </p:txBody>
       </p:sp>
@@ -1029,7 +986,7 @@
             <a:fld id="{A95F721D-B08F-41E9-83C2-423A43044BB2}" type="slidenum">
               <a:rPr lang="nl-BE" smtClean="0"/>
               <a:pPr/>
-              <a:t>19</a:t>
+              <a:t>18</a:t>
             </a:fld>
             <a:endParaRPr lang="nl-BE"/>
           </a:p>
@@ -1129,7 +1086,7 @@
             <a:fld id="{A95F721D-B08F-41E9-83C2-423A43044BB2}" type="slidenum">
               <a:rPr lang="nl-BE" smtClean="0"/>
               <a:pPr/>
-              <a:t>20</a:t>
+              <a:t>19</a:t>
             </a:fld>
             <a:endParaRPr lang="nl-BE"/>
           </a:p>
@@ -1189,21 +1146,25 @@
           </a:bodyPr>
           <a:lstStyle/>
           <a:p>
-            <a:r>
-              <a:rPr lang="nl-BE" dirty="0" smtClean="0"/>
-              <a:t>Automated</a:t>
-            </a:r>
-            <a:r>
-              <a:rPr lang="nl-BE" baseline="0" dirty="0" smtClean="0"/>
-              <a:t> Build (vroeger-&gt; op einde iteratie)</a:t>
-            </a:r>
-          </a:p>
-          <a:p>
-            <a:r>
-              <a:rPr lang="nl-BE" baseline="0" dirty="0" smtClean="0"/>
-              <a:t>CI Environment (evt te schrappen)</a:t>
-            </a:r>
-            <a:endParaRPr lang="nl-BE" dirty="0"/>
+            <a:pPr lvl="1">
+              <a:buFontTx/>
+              <a:buChar char="-"/>
+            </a:pPr>
+            <a:endParaRPr lang="nl-BE" baseline="0" dirty="0" smtClean="0"/>
+          </a:p>
+          <a:p>
+            <a:pPr>
+              <a:buFontTx/>
+              <a:buChar char="-"/>
+            </a:pPr>
+            <a:endParaRPr lang="nl-BE" baseline="0" dirty="0" smtClean="0"/>
+          </a:p>
+          <a:p>
+            <a:pPr>
+              <a:buFontTx/>
+              <a:buChar char="-"/>
+            </a:pPr>
+            <a:endParaRPr lang="nl-BE" dirty="0" smtClean="0"/>
           </a:p>
         </p:txBody>
       </p:sp>
@@ -1225,7 +1186,7 @@
             <a:fld id="{A95F721D-B08F-41E9-83C2-423A43044BB2}" type="slidenum">
               <a:rPr lang="nl-BE" smtClean="0"/>
               <a:pPr/>
-              <a:t>21</a:t>
+              <a:t>20</a:t>
             </a:fld>
             <a:endParaRPr lang="nl-BE"/>
           </a:p>
@@ -1285,25 +1246,21 @@
           </a:bodyPr>
           <a:lstStyle/>
           <a:p>
-            <a:pPr lvl="1">
-              <a:buFontTx/>
-              <a:buChar char="-"/>
-            </a:pPr>
-            <a:endParaRPr lang="nl-BE" baseline="0" dirty="0" smtClean="0"/>
-          </a:p>
-          <a:p>
-            <a:pPr>
-              <a:buFontTx/>
-              <a:buChar char="-"/>
-            </a:pPr>
-            <a:endParaRPr lang="nl-BE" baseline="0" dirty="0" smtClean="0"/>
-          </a:p>
-          <a:p>
-            <a:pPr>
-              <a:buFontTx/>
-              <a:buChar char="-"/>
-            </a:pPr>
-            <a:endParaRPr lang="nl-BE" dirty="0" smtClean="0"/>
+            <a:r>
+              <a:rPr lang="nl-BE" dirty="0" smtClean="0"/>
+              <a:t>Automated</a:t>
+            </a:r>
+            <a:r>
+              <a:rPr lang="nl-BE" baseline="0" dirty="0" smtClean="0"/>
+              <a:t> Build (vroeger-&gt; op einde iteratie)</a:t>
+            </a:r>
+          </a:p>
+          <a:p>
+            <a:r>
+              <a:rPr lang="nl-BE" baseline="0" dirty="0" smtClean="0"/>
+              <a:t>CI Environment (evt te schrappen)</a:t>
+            </a:r>
+            <a:endParaRPr lang="nl-BE" dirty="0"/>
           </a:p>
         </p:txBody>
       </p:sp>
@@ -1325,7 +1282,7 @@
             <a:fld id="{A95F721D-B08F-41E9-83C2-423A43044BB2}" type="slidenum">
               <a:rPr lang="nl-BE" smtClean="0"/>
               <a:pPr/>
-              <a:t>22</a:t>
+              <a:t>21</a:t>
             </a:fld>
             <a:endParaRPr lang="nl-BE"/>
           </a:p>
@@ -1385,48 +1342,25 @@
           </a:bodyPr>
           <a:lstStyle/>
           <a:p>
+            <a:pPr lvl="1">
+              <a:buFontTx/>
+              <a:buChar char="-"/>
+            </a:pPr>
+            <a:endParaRPr lang="nl-BE" baseline="0" dirty="0" smtClean="0"/>
+          </a:p>
+          <a:p>
             <a:pPr>
               <a:buFontTx/>
               <a:buChar char="-"/>
             </a:pPr>
-            <a:r>
-              <a:rPr lang="nl-BE" dirty="0" smtClean="0"/>
-              <a:t>Rode</a:t>
-            </a:r>
-            <a:r>
-              <a:rPr lang="nl-BE" baseline="0" dirty="0" smtClean="0"/>
-              <a:t> testen toevoegen aan groenen</a:t>
-            </a:r>
+            <a:endParaRPr lang="nl-BE" baseline="0" dirty="0" smtClean="0"/>
           </a:p>
           <a:p>
             <a:pPr>
               <a:buFontTx/>
               <a:buChar char="-"/>
             </a:pPr>
-            <a:r>
-              <a:rPr lang="nl-BE" baseline="0" dirty="0" smtClean="0"/>
-              <a:t>Groenen zijn geaccepteerd – alarm! Awereness!</a:t>
-            </a:r>
-          </a:p>
-          <a:p>
-            <a:pPr>
-              <a:buFontTx/>
-              <a:buChar char="-"/>
-            </a:pPr>
-            <a:r>
-              <a:rPr lang="nl-BE" baseline="0" dirty="0" smtClean="0"/>
-              <a:t>Build should fail by regression tests, not by Work In Progress.</a:t>
-            </a:r>
-          </a:p>
-          <a:p>
-            <a:pPr>
-              <a:buFontTx/>
-              <a:buChar char="-"/>
-            </a:pPr>
-            <a:r>
-              <a:rPr lang="nl-BE" baseline="0" dirty="0" smtClean="0"/>
-              <a:t>Should we demo build integration? Ask the audience</a:t>
-            </a:r>
+            <a:endParaRPr lang="nl-BE" dirty="0" smtClean="0"/>
           </a:p>
         </p:txBody>
       </p:sp>
@@ -1448,7 +1382,7 @@
             <a:fld id="{A95F721D-B08F-41E9-83C2-423A43044BB2}" type="slidenum">
               <a:rPr lang="nl-BE" smtClean="0"/>
               <a:pPr/>
-              <a:t>23</a:t>
+              <a:t>22</a:t>
             </a:fld>
             <a:endParaRPr lang="nl-BE"/>
           </a:p>
@@ -1508,21 +1442,48 @@
           </a:bodyPr>
           <a:lstStyle/>
           <a:p>
+            <a:pPr>
+              <a:buFontTx/>
+              <a:buChar char="-"/>
+            </a:pPr>
             <a:r>
               <a:rPr lang="nl-BE" dirty="0" smtClean="0"/>
-              <a:t>Automated</a:t>
+              <a:t>Rode</a:t>
             </a:r>
             <a:r>
               <a:rPr lang="nl-BE" baseline="0" dirty="0" smtClean="0"/>
-              <a:t> Build (vroeger-&gt; op einde iteratie)</a:t>
-            </a:r>
-          </a:p>
-          <a:p>
+              <a:t> testen toevoegen aan groenen</a:t>
+            </a:r>
+          </a:p>
+          <a:p>
+            <a:pPr>
+              <a:buFontTx/>
+              <a:buChar char="-"/>
+            </a:pPr>
             <a:r>
               <a:rPr lang="nl-BE" baseline="0" dirty="0" smtClean="0"/>
-              <a:t>CI Environment (evt te schrappen)</a:t>
-            </a:r>
-            <a:endParaRPr lang="nl-BE" dirty="0"/>
+              <a:t>Groenen zijn geaccepteerd – alarm! Awereness!</a:t>
+            </a:r>
+          </a:p>
+          <a:p>
+            <a:pPr>
+              <a:buFontTx/>
+              <a:buChar char="-"/>
+            </a:pPr>
+            <a:r>
+              <a:rPr lang="nl-BE" baseline="0" dirty="0" smtClean="0"/>
+              <a:t>Build should fail by regression tests, not by Work In Progress.</a:t>
+            </a:r>
+          </a:p>
+          <a:p>
+            <a:pPr>
+              <a:buFontTx/>
+              <a:buChar char="-"/>
+            </a:pPr>
+            <a:r>
+              <a:rPr lang="nl-BE" baseline="0" dirty="0" smtClean="0"/>
+              <a:t>Should we demo build integration? Ask the audience</a:t>
+            </a:r>
           </a:p>
         </p:txBody>
       </p:sp>
@@ -1544,7 +1505,7 @@
             <a:fld id="{A95F721D-B08F-41E9-83C2-423A43044BB2}" type="slidenum">
               <a:rPr lang="nl-BE" smtClean="0"/>
               <a:pPr/>
-              <a:t>24</a:t>
+              <a:t>23</a:t>
             </a:fld>
             <a:endParaRPr lang="nl-BE"/>
           </a:p>
@@ -1604,6 +1565,20 @@
           </a:bodyPr>
           <a:lstStyle/>
           <a:p>
+            <a:r>
+              <a:rPr lang="nl-BE" dirty="0" smtClean="0"/>
+              <a:t>Automated</a:t>
+            </a:r>
+            <a:r>
+              <a:rPr lang="nl-BE" baseline="0" dirty="0" smtClean="0"/>
+              <a:t> Build (vroeger-&gt; op einde iteratie)</a:t>
+            </a:r>
+          </a:p>
+          <a:p>
+            <a:r>
+              <a:rPr lang="nl-BE" baseline="0" dirty="0" smtClean="0"/>
+              <a:t>CI Environment (evt te schrappen)</a:t>
+            </a:r>
             <a:endParaRPr lang="nl-BE" dirty="0"/>
           </a:p>
         </p:txBody>
@@ -1626,7 +1601,7 @@
             <a:fld id="{A95F721D-B08F-41E9-83C2-423A43044BB2}" type="slidenum">
               <a:rPr lang="nl-BE" smtClean="0"/>
               <a:pPr/>
-              <a:t>25</a:t>
+              <a:t>24</a:t>
             </a:fld>
             <a:endParaRPr lang="nl-BE"/>
           </a:p>
@@ -1686,6 +1661,10 @@
           </a:bodyPr>
           <a:lstStyle/>
           <a:p>
+            <a:r>
+              <a:rPr lang="nl-BE" dirty="0" smtClean="0"/>
+              <a:t>Basic implementation -&gt; sketch</a:t>
+            </a:r>
             <a:endParaRPr lang="nl-BE" dirty="0"/>
           </a:p>
         </p:txBody>
@@ -1708,7 +1687,7 @@
             <a:fld id="{A95F721D-B08F-41E9-83C2-423A43044BB2}" type="slidenum">
               <a:rPr lang="nl-BE" smtClean="0"/>
               <a:pPr/>
-              <a:t>6</a:t>
+              <a:t>5</a:t>
             </a:fld>
             <a:endParaRPr lang="nl-BE"/>
           </a:p>
@@ -1790,7 +1769,7 @@
             <a:fld id="{A95F721D-B08F-41E9-83C2-423A43044BB2}" type="slidenum">
               <a:rPr lang="nl-BE" smtClean="0"/>
               <a:pPr/>
-              <a:t>26</a:t>
+              <a:t>25</a:t>
             </a:fld>
             <a:endParaRPr lang="nl-BE"/>
           </a:p>
@@ -1872,7 +1851,7 @@
             <a:fld id="{A95F721D-B08F-41E9-83C2-423A43044BB2}" type="slidenum">
               <a:rPr lang="nl-BE" smtClean="0"/>
               <a:pPr/>
-              <a:t>27</a:t>
+              <a:t>26</a:t>
             </a:fld>
             <a:endParaRPr lang="nl-BE"/>
           </a:p>
@@ -1954,6 +1933,88 @@
             <a:fld id="{A95F721D-B08F-41E9-83C2-423A43044BB2}" type="slidenum">
               <a:rPr lang="nl-BE" smtClean="0"/>
               <a:pPr/>
+              <a:t>27</a:t>
+            </a:fld>
+            <a:endParaRPr lang="nl-BE"/>
+          </a:p>
+        </p:txBody>
+      </p:sp>
+    </p:spTree>
+  </p:cSld>
+  <p:clrMapOvr>
+    <a:masterClrMapping/>
+  </p:clrMapOvr>
+</p:notes>
+</file>
+
+<file path=ppt/notesSlides/notesSlide23.xml><?xml version="1.0" encoding="utf-8"?>
+<p:notes xmlns:a="http://schemas.openxmlformats.org/drawingml/2006/main" xmlns:r="http://schemas.openxmlformats.org/officeDocument/2006/relationships" xmlns:p="http://schemas.openxmlformats.org/presentationml/2006/main">
+  <p:cSld>
+    <p:spTree>
+      <p:nvGrpSpPr>
+        <p:cNvPr id="1" name=""/>
+        <p:cNvGrpSpPr/>
+        <p:nvPr/>
+      </p:nvGrpSpPr>
+      <p:grpSpPr>
+        <a:xfrm>
+          <a:off x="0" y="0"/>
+          <a:ext cx="0" cy="0"/>
+          <a:chOff x="0" y="0"/>
+          <a:chExt cx="0" cy="0"/>
+        </a:xfrm>
+      </p:grpSpPr>
+      <p:sp>
+        <p:nvSpPr>
+          <p:cNvPr id="2" name="Slide Image Placeholder 1"/>
+          <p:cNvSpPr>
+            <a:spLocks noGrp="1" noRot="1" noChangeAspect="1"/>
+          </p:cNvSpPr>
+          <p:nvPr>
+            <p:ph type="sldImg"/>
+          </p:nvPr>
+        </p:nvSpPr>
+        <p:spPr/>
+      </p:sp>
+      <p:sp>
+        <p:nvSpPr>
+          <p:cNvPr id="3" name="Notes Placeholder 2"/>
+          <p:cNvSpPr>
+            <a:spLocks noGrp="1"/>
+          </p:cNvSpPr>
+          <p:nvPr>
+            <p:ph type="body" idx="1"/>
+          </p:nvPr>
+        </p:nvSpPr>
+        <p:spPr/>
+        <p:txBody>
+          <a:bodyPr>
+            <a:normAutofit/>
+          </a:bodyPr>
+          <a:lstStyle/>
+          <a:p>
+            <a:endParaRPr lang="nl-BE" dirty="0"/>
+          </a:p>
+        </p:txBody>
+      </p:sp>
+      <p:sp>
+        <p:nvSpPr>
+          <p:cNvPr id="4" name="Slide Number Placeholder 3"/>
+          <p:cNvSpPr>
+            <a:spLocks noGrp="1"/>
+          </p:cNvSpPr>
+          <p:nvPr>
+            <p:ph type="sldNum" sz="quarter" idx="10"/>
+          </p:nvPr>
+        </p:nvSpPr>
+        <p:spPr/>
+        <p:txBody>
+          <a:bodyPr/>
+          <a:lstStyle/>
+          <a:p>
+            <a:fld id="{A95F721D-B08F-41E9-83C2-423A43044BB2}" type="slidenum">
+              <a:rPr lang="nl-BE" smtClean="0"/>
+              <a:pPr/>
               <a:t>28</a:t>
             </a:fld>
             <a:endParaRPr lang="nl-BE"/>
@@ -2036,7 +2097,7 @@
             <a:fld id="{A95F721D-B08F-41E9-83C2-423A43044BB2}" type="slidenum">
               <a:rPr lang="nl-BE" smtClean="0"/>
               <a:pPr/>
-              <a:t>7</a:t>
+              <a:t>6</a:t>
             </a:fld>
             <a:endParaRPr lang="nl-BE"/>
           </a:p>
@@ -2096,10 +2157,6 @@
           </a:bodyPr>
           <a:lstStyle/>
           <a:p>
-            <a:r>
-              <a:rPr lang="nl-BE" dirty="0" smtClean="0"/>
-              <a:t>Basic implementation -&gt; sketch</a:t>
-            </a:r>
             <a:endParaRPr lang="nl-BE" dirty="0"/>
           </a:p>
         </p:txBody>
@@ -2122,7 +2179,7 @@
             <a:fld id="{A95F721D-B08F-41E9-83C2-423A43044BB2}" type="slidenum">
               <a:rPr lang="nl-BE" smtClean="0"/>
               <a:pPr/>
-              <a:t>8</a:t>
+              <a:t>7</a:t>
             </a:fld>
             <a:endParaRPr lang="nl-BE"/>
           </a:p>
@@ -2183,202 +2240,8 @@
           <a:lstStyle/>
           <a:p>
             <a:r>
-              <a:rPr lang="nl-BE" u="sng" dirty="0" smtClean="0"/>
-              <a:t>Praktische zaken: </a:t>
-            </a:r>
-          </a:p>
-          <a:p>
-            <a:r>
-              <a:rPr lang="nl-BE" u="none" dirty="0" smtClean="0"/>
-              <a:t>-</a:t>
-            </a:r>
-            <a:r>
-              <a:rPr lang="nl-BE" u="none" baseline="0" dirty="0" smtClean="0"/>
-              <a:t>Vooraleer we beginnen aan deze korte workshop vragen we wie er straks mee wil coderen op zijn eigen laptop. </a:t>
-            </a:r>
-          </a:p>
-          <a:p>
-            <a:r>
-              <a:rPr lang="nl-BE" u="none" baseline="0" dirty="0" smtClean="0"/>
-              <a:t>-Deze personen vragen we hun laptop nu op te starten en de inhoud van de share te kopiëren naar hun laptop.</a:t>
-            </a:r>
-          </a:p>
-          <a:p>
-            <a:r>
-              <a:rPr lang="nl-BE" u="none" baseline="0" dirty="0" smtClean="0"/>
-              <a:t>	</a:t>
-            </a:r>
-            <a:endParaRPr lang="nl-BE" u="sng" baseline="0" dirty="0" smtClean="0"/>
-          </a:p>
-          <a:p>
-            <a:r>
-              <a:rPr lang="nl-BE" u="sng" baseline="0" dirty="0" smtClean="0"/>
-              <a:t>De workshop zelf:</a:t>
-            </a:r>
-          </a:p>
-          <a:p>
-            <a:r>
-              <a:rPr lang="nl-BE" u="none" baseline="0" dirty="0" smtClean="0"/>
-              <a:t>-Verdelen van de aanwezigen in groepjes van 5. (heterogeen)</a:t>
-            </a:r>
-            <a:endParaRPr lang="nl-BE" u="none" dirty="0" smtClean="0"/>
-          </a:p>
-          <a:p>
-            <a:pPr>
-              <a:buFontTx/>
-              <a:buChar char="-"/>
-            </a:pPr>
-            <a:r>
               <a:rPr lang="nl-BE" dirty="0" smtClean="0"/>
-              <a:t>We delen een index card van beide stories uit </a:t>
-            </a:r>
-            <a:r>
-              <a:rPr lang="nl-BE" baseline="0" dirty="0" smtClean="0"/>
-              <a:t>aan elk groepje.</a:t>
-            </a:r>
-          </a:p>
-          <a:p>
-            <a:pPr>
-              <a:buFontTx/>
-              <a:buChar char="-"/>
-            </a:pPr>
-            <a:r>
-              <a:rPr lang="nl-BE" baseline="0" dirty="0" smtClean="0"/>
-              <a:t>We delen ook een voorbeeld uit zodanig dat de deelnemers weten wat van hun verwacht wordt.</a:t>
-            </a:r>
-          </a:p>
-          <a:p>
-            <a:pPr>
-              <a:buFontTx/>
-              <a:buChar char="-"/>
-            </a:pPr>
-            <a:r>
-              <a:rPr lang="nl-BE" baseline="0" dirty="0" smtClean="0"/>
-              <a:t>Op het ene scherm laten we deze slide zien. (ook uitprinten en uitdelen voor iLean -&gt; 1 projector)</a:t>
-            </a:r>
-          </a:p>
-          <a:p>
-            <a:pPr>
-              <a:buFontTx/>
-              <a:buChar char="-"/>
-            </a:pPr>
-            <a:r>
-              <a:rPr lang="nl-BE" baseline="0" dirty="0" smtClean="0"/>
-              <a:t>Op de andere starten we de countdown timer van ZoomIt om 10 minuten wanneer de uitleg gedaan is en de groepjes gemaakt zijn.</a:t>
-            </a:r>
-          </a:p>
-          <a:p>
-            <a:pPr>
-              <a:buFontTx/>
-              <a:buChar char="-"/>
-            </a:pPr>
-            <a:r>
-              <a:rPr lang="nl-BE" dirty="0" smtClean="0"/>
-              <a:t>De</a:t>
-            </a:r>
-            <a:r>
-              <a:rPr lang="nl-BE" baseline="0" dirty="0" smtClean="0"/>
-              <a:t> mensen krijgen A4 papier en stiften ter beschikking om hun real world voorbeelden te noteren.</a:t>
-            </a:r>
-          </a:p>
-          <a:p>
-            <a:pPr>
-              <a:buFontTx/>
-              <a:buChar char="-"/>
-            </a:pPr>
-            <a:endParaRPr lang="nl-BE" baseline="0" dirty="0" smtClean="0"/>
-          </a:p>
-          <a:p>
-            <a:r>
-              <a:rPr lang="en-US" sz="1200" u="sng" kern="1200" baseline="0" dirty="0" smtClean="0">
-                <a:solidFill>
-                  <a:schemeClr val="tx1"/>
-                </a:solidFill>
-                <a:latin typeface="+mn-lt"/>
-                <a:ea typeface="+mn-ea"/>
-                <a:cs typeface="+mn-cs"/>
-              </a:rPr>
-              <a:t>Some good questions to kick it off:</a:t>
-            </a:r>
-          </a:p>
-          <a:p>
-            <a:r>
-              <a:rPr lang="en-US" sz="1200" kern="1200" baseline="0" dirty="0" smtClean="0">
-                <a:solidFill>
-                  <a:schemeClr val="tx1"/>
-                </a:solidFill>
-                <a:latin typeface="+mn-lt"/>
-                <a:ea typeface="+mn-ea"/>
-                <a:cs typeface="+mn-cs"/>
-              </a:rPr>
-              <a:t>- How do we verify that this thing we are going to write is implemented </a:t>
-            </a:r>
-            <a:r>
-              <a:rPr lang="nl-BE" sz="1200" b="1" kern="1200" baseline="0" dirty="0" smtClean="0">
-                <a:solidFill>
-                  <a:schemeClr val="tx1"/>
-                </a:solidFill>
-                <a:latin typeface="+mn-lt"/>
-                <a:ea typeface="+mn-ea"/>
-                <a:cs typeface="+mn-cs"/>
-              </a:rPr>
-              <a:t>completely and correctly?</a:t>
-            </a:r>
-          </a:p>
-          <a:p>
-            <a:pPr>
-              <a:buFontTx/>
-              <a:buChar char="-"/>
-            </a:pPr>
-            <a:r>
-              <a:rPr lang="en-US" sz="1200" kern="1200" baseline="0" dirty="0" smtClean="0">
-                <a:solidFill>
-                  <a:schemeClr val="tx1"/>
-                </a:solidFill>
-                <a:latin typeface="+mn-lt"/>
-                <a:ea typeface="+mn-ea"/>
-                <a:cs typeface="+mn-cs"/>
-              </a:rPr>
-              <a:t> Can you give us a few </a:t>
-            </a:r>
-            <a:r>
-              <a:rPr lang="en-US" sz="1200" b="1" kern="1200" baseline="0" dirty="0" smtClean="0">
-                <a:solidFill>
-                  <a:schemeClr val="tx1"/>
-                </a:solidFill>
-                <a:latin typeface="+mn-lt"/>
-                <a:ea typeface="+mn-ea"/>
-                <a:cs typeface="+mn-cs"/>
-              </a:rPr>
-              <a:t>examples?</a:t>
-            </a:r>
-          </a:p>
-          <a:p>
-            <a:pPr>
-              <a:buFontTx/>
-              <a:buChar char="-"/>
-            </a:pPr>
-            <a:r>
-              <a:rPr lang="en-US" sz="1200" kern="1200" baseline="0" dirty="0" smtClean="0">
-                <a:solidFill>
-                  <a:schemeClr val="tx1"/>
-                </a:solidFill>
-                <a:latin typeface="+mn-lt"/>
-                <a:ea typeface="+mn-ea"/>
-                <a:cs typeface="+mn-cs"/>
-              </a:rPr>
-              <a:t> Pretend it's magic and it's already delivered – </a:t>
-            </a:r>
-            <a:r>
-              <a:rPr lang="en-US" sz="1200" b="1" kern="1200" baseline="0" dirty="0" smtClean="0">
-                <a:solidFill>
-                  <a:schemeClr val="tx1"/>
-                </a:solidFill>
-                <a:latin typeface="+mn-lt"/>
-                <a:ea typeface="+mn-ea"/>
-                <a:cs typeface="+mn-cs"/>
-              </a:rPr>
-              <a:t>how would you test it?</a:t>
+              <a:t>Basic implementation -&gt; sketch</a:t>
             </a:r>
             <a:endParaRPr lang="nl-BE" dirty="0"/>
           </a:p>
@@ -2402,7 +2265,7 @@
             <a:fld id="{A95F721D-B08F-41E9-83C2-423A43044BB2}" type="slidenum">
               <a:rPr lang="nl-BE" smtClean="0"/>
               <a:pPr/>
-              <a:t>11</a:t>
+              <a:t>8</a:t>
             </a:fld>
             <a:endParaRPr lang="nl-BE"/>
           </a:p>
@@ -2458,14 +2321,159 @@
         <p:spPr/>
         <p:txBody>
           <a:bodyPr>
-            <a:normAutofit/>
+            <a:normAutofit lnSpcReduction="10000"/>
           </a:bodyPr>
           <a:lstStyle/>
           <a:p>
+            <a:r>
+              <a:rPr lang="nl-BE" u="sng" dirty="0" smtClean="0"/>
+              <a:t>Praktische zaken: </a:t>
+            </a:r>
+          </a:p>
+          <a:p>
+            <a:r>
+              <a:rPr lang="nl-BE" u="none" dirty="0" smtClean="0"/>
+              <a:t>-</a:t>
+            </a:r>
+            <a:r>
+              <a:rPr lang="nl-BE" u="none" baseline="0" dirty="0" smtClean="0"/>
+              <a:t>Vooraleer we beginnen aan deze korte workshop vragen we wie er straks mee wil coderen op zijn eigen laptop. </a:t>
+            </a:r>
+          </a:p>
+          <a:p>
+            <a:r>
+              <a:rPr lang="nl-BE" u="none" baseline="0" dirty="0" smtClean="0"/>
+              <a:t>-Deze personen vragen we hun laptop nu op te starten en de inhoud van de share te kopiëren naar hun laptop.</a:t>
+            </a:r>
+          </a:p>
+          <a:p>
+            <a:r>
+              <a:rPr lang="nl-BE" u="none" baseline="0" dirty="0" smtClean="0"/>
+              <a:t>	</a:t>
+            </a:r>
+            <a:endParaRPr lang="nl-BE" u="sng" baseline="0" dirty="0" smtClean="0"/>
+          </a:p>
+          <a:p>
+            <a:r>
+              <a:rPr lang="nl-BE" u="sng" baseline="0" dirty="0" smtClean="0"/>
+              <a:t>De workshop zelf:</a:t>
+            </a:r>
+          </a:p>
+          <a:p>
+            <a:r>
+              <a:rPr lang="nl-BE" u="none" baseline="0" dirty="0" smtClean="0"/>
+              <a:t>-Verdelen van de aanwezigen in groepjes van 5. (heterogeen)</a:t>
+            </a:r>
+            <a:endParaRPr lang="nl-BE" u="none" dirty="0" smtClean="0"/>
+          </a:p>
+          <a:p>
             <a:pPr>
               <a:buFontTx/>
-              <a:buNone/>
+              <a:buChar char="-"/>
             </a:pPr>
+            <a:r>
+              <a:rPr lang="nl-BE" dirty="0" smtClean="0"/>
+              <a:t>We delen een index card van beide stories uit </a:t>
+            </a:r>
+            <a:r>
+              <a:rPr lang="nl-BE" baseline="0" dirty="0" smtClean="0"/>
+              <a:t>aan elk groepje.</a:t>
+            </a:r>
+          </a:p>
+          <a:p>
+            <a:pPr>
+              <a:buFontTx/>
+              <a:buChar char="-"/>
+            </a:pPr>
+            <a:r>
+              <a:rPr lang="nl-BE" baseline="0" dirty="0" smtClean="0"/>
+              <a:t>We delen ook een voorbeeld uit zodanig dat de deelnemers weten wat van hun verwacht wordt.</a:t>
+            </a:r>
+          </a:p>
+          <a:p>
+            <a:pPr>
+              <a:buFontTx/>
+              <a:buChar char="-"/>
+            </a:pPr>
+            <a:r>
+              <a:rPr lang="nl-BE" baseline="0" dirty="0" smtClean="0"/>
+              <a:t>Op het ene scherm laten we deze slide zien. (ook uitprinten en uitdelen voor iLean -&gt; 1 projector)</a:t>
+            </a:r>
+          </a:p>
+          <a:p>
+            <a:pPr>
+              <a:buFontTx/>
+              <a:buChar char="-"/>
+            </a:pPr>
+            <a:r>
+              <a:rPr lang="nl-BE" baseline="0" dirty="0" smtClean="0"/>
+              <a:t>Op de andere starten we de countdown timer van ZoomIt om 10 minuten wanneer de uitleg gedaan is en de groepjes gemaakt zijn.</a:t>
+            </a:r>
+          </a:p>
+          <a:p>
+            <a:pPr>
+              <a:buFontTx/>
+              <a:buChar char="-"/>
+            </a:pPr>
+            <a:r>
+              <a:rPr lang="nl-BE" dirty="0" smtClean="0"/>
+              <a:t>De</a:t>
+            </a:r>
+            <a:r>
+              <a:rPr lang="nl-BE" baseline="0" dirty="0" smtClean="0"/>
+              <a:t> mensen krijgen A4 papier en stiften ter beschikking om hun real world voorbeelden te noteren.</a:t>
+            </a:r>
+          </a:p>
+          <a:p>
+            <a:pPr>
+              <a:buFontTx/>
+              <a:buChar char="-"/>
+            </a:pPr>
+            <a:endParaRPr lang="nl-BE" baseline="0" dirty="0" smtClean="0"/>
+          </a:p>
+          <a:p>
+            <a:r>
+              <a:rPr lang="en-US" sz="1300" u="sng" dirty="0" smtClean="0"/>
+              <a:t>Some good questions to kick it off:</a:t>
+            </a:r>
+          </a:p>
+          <a:p>
+            <a:r>
+              <a:rPr lang="en-US" sz="1300" dirty="0" smtClean="0"/>
+              <a:t>- How do we verify that this thing we are going to write is implemented </a:t>
+            </a:r>
+            <a:r>
+              <a:rPr lang="nl-BE" sz="1300" b="1" dirty="0" smtClean="0"/>
+              <a:t>completely and correctly?</a:t>
+            </a:r>
+          </a:p>
+          <a:p>
+            <a:pPr>
+              <a:buFontTx/>
+              <a:buChar char="-"/>
+            </a:pPr>
+            <a:r>
+              <a:rPr lang="en-US" sz="1300" dirty="0" smtClean="0"/>
+              <a:t> Can you give us a few </a:t>
+            </a:r>
+            <a:r>
+              <a:rPr lang="en-US" sz="1300" b="1" dirty="0" smtClean="0"/>
+              <a:t>examples?</a:t>
+            </a:r>
+          </a:p>
+          <a:p>
+            <a:pPr>
+              <a:buFontTx/>
+              <a:buChar char="-"/>
+            </a:pPr>
+            <a:r>
+              <a:rPr lang="en-US" sz="1300" dirty="0" smtClean="0"/>
+              <a:t> Pretend it's magic and it's already delivered – </a:t>
+            </a:r>
+            <a:r>
+              <a:rPr lang="en-US" sz="1300" b="1" dirty="0" smtClean="0"/>
+              <a:t>how would you test it?</a:t>
+            </a:r>
             <a:endParaRPr lang="nl-BE" dirty="0"/>
           </a:p>
         </p:txBody>
@@ -2488,7 +2496,7 @@
             <a:fld id="{A95F721D-B08F-41E9-83C2-423A43044BB2}" type="slidenum">
               <a:rPr lang="nl-BE" smtClean="0"/>
               <a:pPr/>
-              <a:t>12</a:t>
+              <a:t>11</a:t>
             </a:fld>
             <a:endParaRPr lang="nl-BE"/>
           </a:p>
@@ -2548,29 +2556,10 @@
           </a:bodyPr>
           <a:lstStyle/>
           <a:p>
-            <a:pPr marL="0" marR="0" indent="0" algn="l" defTabSz="914400" rtl="0" eaLnBrk="1" fontAlgn="auto" latinLnBrk="0" hangingPunct="1">
-              <a:lnSpc>
-                <a:spcPct val="100000"/>
-              </a:lnSpc>
-              <a:spcBef>
-                <a:spcPts val="0"/>
-              </a:spcBef>
-              <a:spcAft>
-                <a:spcPts val="0"/>
-              </a:spcAft>
-              <a:buClrTx/>
-              <a:buSzTx/>
+            <a:pPr>
               <a:buFontTx/>
               <a:buNone/>
-              <a:tabLst/>
-              <a:defRPr/>
             </a:pPr>
-            <a:r>
-              <a:rPr lang="nl-BE" dirty="0" smtClean="0"/>
-              <a:t>Lets turn those examples into executable specifications to verify that we have build the right code.</a:t>
-            </a:r>
-          </a:p>
-          <a:p>
             <a:endParaRPr lang="nl-BE" dirty="0"/>
           </a:p>
         </p:txBody>
@@ -2593,7 +2582,7 @@
             <a:fld id="{A95F721D-B08F-41E9-83C2-423A43044BB2}" type="slidenum">
               <a:rPr lang="nl-BE" smtClean="0"/>
               <a:pPr/>
-              <a:t>13</a:t>
+              <a:t>12</a:t>
             </a:fld>
             <a:endParaRPr lang="nl-BE"/>
           </a:p>
@@ -2653,7 +2642,16 @@
           </a:bodyPr>
           <a:lstStyle/>
           <a:p>
-            <a:endParaRPr lang="nl-BE" baseline="0" dirty="0" smtClean="0"/>
+            <a:pPr defTabSz="966612">
+              <a:defRPr/>
+            </a:pPr>
+            <a:r>
+              <a:rPr lang="nl-BE" dirty="0" smtClean="0"/>
+              <a:t>Lets turn those examples into executable specifications to verify that we have build the right code.</a:t>
+            </a:r>
+          </a:p>
+          <a:p>
+            <a:endParaRPr lang="nl-BE" dirty="0"/>
           </a:p>
         </p:txBody>
       </p:sp>
@@ -2675,7 +2673,7 @@
             <a:fld id="{A95F721D-B08F-41E9-83C2-423A43044BB2}" type="slidenum">
               <a:rPr lang="nl-BE" smtClean="0"/>
               <a:pPr/>
-              <a:t>14</a:t>
+              <a:t>13</a:t>
             </a:fld>
             <a:endParaRPr lang="nl-BE"/>
           </a:p>
@@ -2757,7 +2755,7 @@
             <a:fld id="{A95F721D-B08F-41E9-83C2-423A43044BB2}" type="slidenum">
               <a:rPr lang="nl-BE" smtClean="0"/>
               <a:pPr/>
-              <a:t>15</a:t>
+              <a:t>14</a:t>
             </a:fld>
             <a:endParaRPr lang="nl-BE"/>
           </a:p>
@@ -3397,7 +3395,7 @@
             <a:fld id="{FB938823-3E05-40BA-BF51-A1BB5DC0A85F}" type="datetimeFigureOut">
               <a:rPr lang="nl-BE" smtClean="0"/>
               <a:pPr/>
-              <a:t>18/05/2009</a:t>
+              <a:t>02/06/2009</a:t>
             </a:fld>
             <a:endParaRPr lang="nl-BE"/>
           </a:p>
@@ -3595,7 +3593,7 @@
             <a:fld id="{FB938823-3E05-40BA-BF51-A1BB5DC0A85F}" type="datetimeFigureOut">
               <a:rPr lang="nl-BE" smtClean="0"/>
               <a:pPr/>
-              <a:t>18/05/2009</a:t>
+              <a:t>02/06/2009</a:t>
             </a:fld>
             <a:endParaRPr lang="nl-BE"/>
           </a:p>
@@ -3782,7 +3780,7 @@
             <a:fld id="{FB938823-3E05-40BA-BF51-A1BB5DC0A85F}" type="datetimeFigureOut">
               <a:rPr lang="nl-BE" smtClean="0"/>
               <a:pPr/>
-              <a:t>18/05/2009</a:t>
+              <a:t>02/06/2009</a:t>
             </a:fld>
             <a:endParaRPr lang="nl-BE"/>
           </a:p>
@@ -3934,7 +3932,7 @@
             <a:fld id="{FB938823-3E05-40BA-BF51-A1BB5DC0A85F}" type="datetimeFigureOut">
               <a:rPr lang="nl-BE" smtClean="0"/>
               <a:pPr/>
-              <a:t>18/05/2009</a:t>
+              <a:t>02/06/2009</a:t>
             </a:fld>
             <a:endParaRPr lang="nl-BE"/>
           </a:p>
@@ -4191,7 +4189,7 @@
             <a:fld id="{FB938823-3E05-40BA-BF51-A1BB5DC0A85F}" type="datetimeFigureOut">
               <a:rPr lang="nl-BE" smtClean="0"/>
               <a:pPr/>
-              <a:t>18/05/2009</a:t>
+              <a:t>02/06/2009</a:t>
             </a:fld>
             <a:endParaRPr lang="nl-BE"/>
           </a:p>
@@ -4602,7 +4600,7 @@
             <a:fld id="{FB938823-3E05-40BA-BF51-A1BB5DC0A85F}" type="datetimeFigureOut">
               <a:rPr lang="nl-BE" smtClean="0"/>
               <a:pPr/>
-              <a:t>18/05/2009</a:t>
+              <a:t>02/06/2009</a:t>
             </a:fld>
             <a:endParaRPr lang="nl-BE"/>
           </a:p>
@@ -5050,7 +5048,7 @@
             <a:fld id="{FB938823-3E05-40BA-BF51-A1BB5DC0A85F}" type="datetimeFigureOut">
               <a:rPr lang="nl-BE" smtClean="0"/>
               <a:pPr/>
-              <a:t>18/05/2009</a:t>
+              <a:t>02/06/2009</a:t>
             </a:fld>
             <a:endParaRPr lang="nl-BE"/>
           </a:p>
@@ -5153,7 +5151,7 @@
             <a:fld id="{FB938823-3E05-40BA-BF51-A1BB5DC0A85F}" type="datetimeFigureOut">
               <a:rPr lang="nl-BE" smtClean="0"/>
               <a:pPr/>
-              <a:t>18/05/2009</a:t>
+              <a:t>02/06/2009</a:t>
             </a:fld>
             <a:endParaRPr lang="nl-BE"/>
           </a:p>
@@ -5276,7 +5274,7 @@
             <a:fld id="{FB938823-3E05-40BA-BF51-A1BB5DC0A85F}" type="datetimeFigureOut">
               <a:rPr lang="nl-BE" smtClean="0"/>
               <a:pPr/>
-              <a:t>18/05/2009</a:t>
+              <a:t>02/06/2009</a:t>
             </a:fld>
             <a:endParaRPr lang="nl-BE"/>
           </a:p>
@@ -5552,7 +5550,7 @@
             <a:fld id="{FB938823-3E05-40BA-BF51-A1BB5DC0A85F}" type="datetimeFigureOut">
               <a:rPr lang="nl-BE" smtClean="0"/>
               <a:pPr/>
-              <a:t>18/05/2009</a:t>
+              <a:t>02/06/2009</a:t>
             </a:fld>
             <a:endParaRPr lang="nl-BE"/>
           </a:p>
@@ -5759,7 +5757,7 @@
             <a:fld id="{FB938823-3E05-40BA-BF51-A1BB5DC0A85F}" type="datetimeFigureOut">
               <a:rPr lang="nl-BE" smtClean="0"/>
               <a:pPr/>
-              <a:t>18/05/2009</a:t>
+              <a:t>02/06/2009</a:t>
             </a:fld>
             <a:endParaRPr lang="nl-BE"/>
           </a:p>
@@ -6870,7 +6868,7 @@
             <a:fld id="{FB938823-3E05-40BA-BF51-A1BB5DC0A85F}" type="datetimeFigureOut">
               <a:rPr lang="nl-BE" smtClean="0"/>
               <a:pPr/>
-              <a:t>18/05/2009</a:t>
+              <a:t>02/06/2009</a:t>
             </a:fld>
             <a:endParaRPr lang="nl-BE"/>
           </a:p>
@@ -9017,13 +9015,7 @@
               <a:rPr lang="en-US" sz="2000" u="sng" dirty="0" smtClean="0">
                 <a:hlinkClick r:id="rId3"/>
               </a:rPr>
-              <a:t>http://</a:t>
-            </a:r>
-            <a:r>
-              <a:rPr lang="en-US" sz="2000" u="sng" dirty="0" smtClean="0">
-                <a:hlinkClick r:id="rId3"/>
-              </a:rPr>
-              <a:t>fitnesse.org/FitNesseDevelopment.DownLoad</a:t>
+              <a:t>http://fitnesse.org/FitNesseDevelopment.DownLoad</a:t>
             </a:r>
             <a:endParaRPr lang="en-US" sz="2000" u="sng" dirty="0" smtClean="0"/>
           </a:p>
@@ -9041,7 +9033,6 @@
               <a:rPr lang="en-US" sz="2000" dirty="0" smtClean="0"/>
               <a:t>. d:\Fitnesse)</a:t>
             </a:r>
-            <a:endParaRPr lang="en-US" sz="2000" dirty="0" smtClean="0"/>
           </a:p>
           <a:p>
             <a:pPr marL="624078" indent="-514350">
@@ -9062,13 +9053,7 @@
               <a:rPr lang="en-US" sz="2000" u="sng" dirty="0" smtClean="0">
                 <a:hlinkClick r:id="rId4"/>
               </a:rPr>
-              <a:t>http://sourceforge.net/projects/fitnessedotnet</a:t>
-            </a:r>
-            <a:r>
-              <a:rPr lang="en-US" sz="2000" u="sng" dirty="0" smtClean="0">
-                <a:hlinkClick r:id="rId4"/>
-              </a:rPr>
-              <a:t>/</a:t>
+              <a:t>http://sourceforge.net/projects/fitnessedotnet/</a:t>
             </a:r>
             <a:endParaRPr lang="en-US" sz="2000" u="sng" dirty="0" smtClean="0"/>
           </a:p>
@@ -9599,7 +9584,6 @@
               <a:rPr lang="nl-BE" dirty="0" smtClean="0"/>
               <a:t>Customize port FitNesse is running on</a:t>
             </a:r>
-            <a:endParaRPr lang="nl-BE" dirty="0" smtClean="0"/>
           </a:p>
           <a:p>
             <a:pPr marL="624078" indent="-514350"/>
@@ -9607,7 +9591,6 @@
               <a:rPr lang="nl-BE" dirty="0" smtClean="0"/>
               <a:t>Location of java.exe</a:t>
             </a:r>
-            <a:endParaRPr lang="nl-BE" dirty="0" smtClean="0"/>
           </a:p>
           <a:p>
             <a:pPr marL="624078" indent="-514350"/>
@@ -9639,19 +9622,11 @@
             </a:r>
             <a:r>
               <a:rPr lang="en-US" sz="1600" dirty="0" smtClean="0"/>
-              <a:t>java </a:t>
-            </a:r>
-            <a:r>
-              <a:rPr lang="en-US" sz="1600" dirty="0" smtClean="0"/>
-              <a:t>-jar fitnesse.jar %1 %2 %3 %4 %5 </a:t>
+              <a:t>java -jar fitnesse.jar %1 %2 %3 %4 %5 </a:t>
             </a:r>
             <a:r>
               <a:rPr lang="en-US" sz="1600" b="1" dirty="0" smtClean="0"/>
-              <a:t>-p </a:t>
-            </a:r>
-            <a:r>
-              <a:rPr lang="en-US" sz="1600" b="1" dirty="0" smtClean="0"/>
-              <a:t>8888 –e 0</a:t>
+              <a:t>-p 8888 –e 0</a:t>
             </a:r>
           </a:p>
           <a:p>
@@ -10217,11 +10192,7 @@
             </a:pPr>
             <a:r>
               <a:rPr lang="en-US" dirty="0" smtClean="0"/>
-              <a:t>	!</a:t>
-            </a:r>
-            <a:r>
-              <a:rPr lang="en-US" dirty="0" smtClean="0"/>
-              <a:t>path fitnesse.jar</a:t>
+              <a:t>	!path fitnesse.jar</a:t>
             </a:r>
             <a:endParaRPr lang="nl-BE" dirty="0" smtClean="0"/>
           </a:p>
@@ -10241,11 +10212,7 @@
             </a:pPr>
             <a:r>
               <a:rPr lang="en-US" b="1" dirty="0" smtClean="0"/>
-              <a:t>	!</a:t>
-            </a:r>
-            <a:r>
-              <a:rPr lang="en-US" b="1" dirty="0" smtClean="0"/>
-              <a:t>path dotnet2\*.dll </a:t>
+              <a:t>	!path dotnet2\*.dll </a:t>
             </a:r>
             <a:endParaRPr lang="nl-BE" dirty="0" smtClean="0"/>
           </a:p>
@@ -10255,11 +10222,7 @@
             </a:pPr>
             <a:r>
               <a:rPr lang="en-US" b="1" dirty="0" smtClean="0"/>
-              <a:t>	!</a:t>
-            </a:r>
-            <a:r>
-              <a:rPr lang="en-US" b="1" dirty="0" smtClean="0"/>
-              <a:t>define COMMAND_PATTERN {%m %p} </a:t>
+              <a:t>	!define COMMAND_PATTERN {%m %p} </a:t>
             </a:r>
             <a:br>
               <a:rPr lang="en-US" b="1" dirty="0" smtClean="0"/>
@@ -11931,10 +11894,15 @@
             <p:ph idx="1"/>
           </p:nvPr>
         </p:nvSpPr>
-        <p:spPr/>
+        <p:spPr>
+          <a:xfrm>
+            <a:off x="457200" y="1142984"/>
+            <a:ext cx="8229600" cy="4864307"/>
+          </a:xfrm>
+        </p:spPr>
         <p:txBody>
           <a:bodyPr>
-            <a:normAutofit fontScale="92500" lnSpcReduction="10000"/>
+            <a:normAutofit lnSpcReduction="10000"/>
           </a:bodyPr>
           <a:lstStyle/>
           <a:p>
@@ -11949,16 +11917,6 @@
               <a:rPr lang="nl-BE" dirty="0" smtClean="0"/>
               <a:t>Enterprise Architect </a:t>
             </a:r>
-          </a:p>
-          <a:p>
-            <a:pPr lvl="1"/>
-            <a:r>
-              <a:rPr lang="nl-BE" sz="1600" dirty="0" smtClean="0">
-                <a:hlinkClick r:id="rId2"/>
-              </a:rPr>
-              <a:t>             http://www.linkedin.com/in/michelgrootjans</a:t>
-            </a:r>
-            <a:endParaRPr lang="nl-BE" sz="1600" dirty="0" smtClean="0"/>
           </a:p>
           <a:p>
             <a:pPr lvl="1"/>
@@ -11966,48 +11924,142 @@
               <a:rPr lang="nl-BE" sz="1600" dirty="0" smtClean="0">
                 <a:hlinkClick r:id="rId3"/>
               </a:rPr>
-              <a:t>michel.grootjans@ilean.be</a:t>
-            </a:r>
+              <a:t>             </a:t>
+            </a:r>
+            <a:r>
+              <a:rPr lang="nl-BE" sz="1600" dirty="0" smtClean="0">
+                <a:hlinkClick r:id="rId3"/>
+              </a:rPr>
+              <a:t>http</a:t>
+            </a:r>
+            <a:r>
+              <a:rPr lang="nl-BE" sz="1600" dirty="0" smtClean="0">
+                <a:hlinkClick r:id="rId3"/>
+              </a:rPr>
+              <a:t>://</a:t>
+            </a:r>
+            <a:r>
+              <a:rPr lang="nl-BE" sz="1600" dirty="0" smtClean="0">
+                <a:hlinkClick r:id="rId3"/>
+              </a:rPr>
+              <a:t>www.linkedin.com/in/michelgrootjans</a:t>
+            </a:r>
+            <a:endParaRPr lang="nl-BE" sz="1600" dirty="0" smtClean="0"/>
+          </a:p>
+          <a:p>
+            <a:pPr lvl="1"/>
             <a:r>
               <a:rPr lang="nl-BE" sz="1600" dirty="0" smtClean="0"/>
-              <a:t>	 </a:t>
-            </a:r>
-          </a:p>
-          <a:p>
-            <a:pPr lvl="1"/>
-            <a:endParaRPr lang="nl-BE" dirty="0" smtClean="0"/>
-          </a:p>
-          <a:p>
-            <a:r>
-              <a:rPr lang="nl-BE" dirty="0" smtClean="0"/>
-              <a:t>Pascal Mestdach</a:t>
-            </a:r>
-          </a:p>
-          <a:p>
-            <a:pPr lvl="1"/>
-            <a:r>
-              <a:rPr lang="nl-BE" dirty="0" smtClean="0"/>
-              <a:t>Solution Architect</a:t>
-            </a:r>
-          </a:p>
-          <a:p>
-            <a:pPr lvl="1"/>
+              <a:t>Blog: </a:t>
+            </a:r>
             <a:r>
               <a:rPr lang="nl-BE" sz="1600" dirty="0" smtClean="0">
                 <a:hlinkClick r:id="rId4"/>
               </a:rPr>
-              <a:t>             http://www.linkedin.com/in/pascalmestdach</a:t>
+              <a:t>http://geekswithblogs.net/alternativedotnet</a:t>
+            </a:r>
+            <a:r>
+              <a:rPr lang="nl-BE" sz="1600" dirty="0" smtClean="0">
+                <a:hlinkClick r:id="rId4"/>
+              </a:rPr>
+              <a:t>/</a:t>
             </a:r>
             <a:r>
               <a:rPr lang="nl-BE" sz="1600" dirty="0" smtClean="0"/>
               <a:t> </a:t>
             </a:r>
+            <a:endParaRPr lang="nl-BE" sz="1600" dirty="0" smtClean="0"/>
           </a:p>
           <a:p>
             <a:pPr lvl="1"/>
             <a:r>
               <a:rPr lang="nl-BE" sz="1600" dirty="0" smtClean="0">
                 <a:hlinkClick r:id="rId5"/>
+              </a:rPr>
+              <a:t>michel.grootjans@ilean.be</a:t>
+            </a:r>
+            <a:endParaRPr lang="nl-BE" sz="1600" dirty="0" smtClean="0"/>
+          </a:p>
+          <a:p>
+            <a:pPr lvl="1">
+              <a:buNone/>
+            </a:pPr>
+            <a:endParaRPr lang="nl-BE" dirty="0" smtClean="0"/>
+          </a:p>
+          <a:p>
+            <a:r>
+              <a:rPr lang="nl-BE" dirty="0" smtClean="0"/>
+              <a:t>Pascal Mestdach</a:t>
+            </a:r>
+          </a:p>
+          <a:p>
+            <a:pPr lvl="1"/>
+            <a:r>
+              <a:rPr lang="nl-BE" dirty="0" smtClean="0"/>
+              <a:t>Solution Architect</a:t>
+            </a:r>
+          </a:p>
+          <a:p>
+            <a:pPr lvl="1"/>
+            <a:r>
+              <a:rPr lang="nl-BE" sz="1600" dirty="0" smtClean="0">
+                <a:hlinkClick r:id="rId6"/>
+              </a:rPr>
+              <a:t>             </a:t>
+            </a:r>
+            <a:r>
+              <a:rPr lang="nl-BE" sz="1600" dirty="0" smtClean="0">
+                <a:hlinkClick r:id="rId6"/>
+              </a:rPr>
+              <a:t>http</a:t>
+            </a:r>
+            <a:r>
+              <a:rPr lang="nl-BE" sz="1600" dirty="0" smtClean="0">
+                <a:hlinkClick r:id="rId6"/>
+              </a:rPr>
+              <a:t>://www.linkedin.com/in/pascalmestdach</a:t>
+            </a:r>
+            <a:r>
+              <a:rPr lang="nl-BE" sz="1600" dirty="0" smtClean="0"/>
+              <a:t> </a:t>
+            </a:r>
+            <a:endParaRPr lang="nl-BE" sz="1600" dirty="0" smtClean="0"/>
+          </a:p>
+          <a:p>
+            <a:pPr lvl="1"/>
+            <a:r>
+              <a:rPr lang="nl-BE" sz="1600" dirty="0" smtClean="0"/>
+              <a:t>Blog: </a:t>
+            </a:r>
+            <a:r>
+              <a:rPr lang="nl-BE" sz="1600" dirty="0" smtClean="0">
+                <a:hlinkClick r:id="rId7"/>
+              </a:rPr>
+              <a:t>http</a:t>
+            </a:r>
+            <a:r>
+              <a:rPr lang="nl-BE" sz="1600" dirty="0" smtClean="0">
+                <a:hlinkClick r:id="rId7"/>
+              </a:rPr>
+              <a:t>://pascalmestdach.blogspot.com</a:t>
+            </a:r>
+            <a:r>
+              <a:rPr lang="nl-BE" sz="1600" dirty="0" smtClean="0">
+                <a:hlinkClick r:id="rId7"/>
+              </a:rPr>
+              <a:t>/</a:t>
+            </a:r>
+            <a:r>
+              <a:rPr lang="nl-BE" sz="1600" dirty="0" smtClean="0"/>
+              <a:t> </a:t>
+            </a:r>
+            <a:endParaRPr lang="nl-BE" sz="1600" dirty="0" smtClean="0"/>
+          </a:p>
+          <a:p>
+            <a:pPr lvl="1"/>
+            <a:r>
+              <a:rPr lang="nl-BE" sz="1600" dirty="0" smtClean="0">
+                <a:hlinkClick r:id="rId8"/>
               </a:rPr>
               <a:t>pascal.mestdach@infohos.be</a:t>
             </a:r>
@@ -12030,14 +12082,17 @@
               <a:rPr lang="nl-BE" sz="1700" dirty="0" smtClean="0"/>
               <a:t>On google code: </a:t>
             </a:r>
-          </a:p>
-          <a:p>
-            <a:pPr lvl="2"/>
             <a:r>
               <a:rPr lang="nl-BE" sz="1500" dirty="0" smtClean="0">
-                <a:hlinkClick r:id="rId6"/>
+                <a:hlinkClick r:id="rId9"/>
               </a:rPr>
-              <a:t>http://code.google.com/p/agileacceptancetesting/</a:t>
+              <a:t>http</a:t>
+            </a:r>
+            <a:r>
+              <a:rPr lang="nl-BE" sz="1500" dirty="0" smtClean="0">
+                <a:hlinkClick r:id="rId9"/>
+              </a:rPr>
+              <a:t>://code.google.com/p/agileacceptancetesting/</a:t>
             </a:r>
             <a:r>
               <a:rPr lang="nl-BE" sz="1500" dirty="0" smtClean="0"/>
@@ -12050,14 +12105,17 @@
               <a:rPr lang="nl-BE" sz="1600" dirty="0" smtClean="0"/>
               <a:t>Checkout in svn: </a:t>
             </a:r>
-          </a:p>
-          <a:p>
-            <a:pPr lvl="2"/>
             <a:r>
               <a:rPr lang="nl-BE" sz="1400" dirty="0" smtClean="0">
-                <a:hlinkClick r:id="rId7"/>
+                <a:hlinkClick r:id="rId10"/>
               </a:rPr>
-              <a:t>https://agileacceptancetesting.googlecode.com/svn/trunk</a:t>
+              <a:t>https</a:t>
+            </a:r>
+            <a:r>
+              <a:rPr lang="nl-BE" sz="1400" dirty="0" smtClean="0">
+                <a:hlinkClick r:id="rId10"/>
+              </a:rPr>
+              <a:t>://agileacceptancetesting.googlecode.com/svn/trunk</a:t>
             </a:r>
             <a:r>
               <a:rPr lang="nl-BE" sz="1400" dirty="0" smtClean="0"/>
@@ -12076,16 +12134,23 @@
             <p:ph type="title"/>
           </p:nvPr>
         </p:nvSpPr>
-        <p:spPr/>
+        <p:spPr>
+          <a:xfrm>
+            <a:off x="457200" y="274638"/>
+            <a:ext cx="8229600" cy="868346"/>
+          </a:xfrm>
+        </p:spPr>
         <p:txBody>
-          <a:bodyPr/>
+          <a:bodyPr>
+            <a:normAutofit/>
+          </a:bodyPr>
           <a:lstStyle/>
           <a:p>
             <a:r>
-              <a:rPr lang="nl-BE" dirty="0" smtClean="0"/>
-              <a:t>Biography Presenters</a:t>
-            </a:r>
-            <a:endParaRPr lang="nl-BE" dirty="0"/>
+              <a:rPr lang="nl-BE" sz="3200" dirty="0" smtClean="0"/>
+              <a:t>Agile Acceptance Testing with Fitnesse</a:t>
+            </a:r>
+            <a:endParaRPr lang="nl-BE" sz="3200" dirty="0"/>
           </a:p>
         </p:txBody>
       </p:sp>
@@ -12098,14 +12163,14 @@
           <p:nvPr/>
         </p:nvPicPr>
         <p:blipFill>
-          <a:blip r:embed="rId8" cstate="print"/>
+          <a:blip r:embed="rId11" cstate="print"/>
           <a:stretch>
             <a:fillRect/>
           </a:stretch>
         </p:blipFill>
         <p:spPr>
           <a:xfrm>
-            <a:off x="5143504" y="1428736"/>
+            <a:off x="5543564" y="1142984"/>
             <a:ext cx="1028700" cy="704850"/>
           </a:xfrm>
           <a:prstGeom prst="rect">
@@ -12122,14 +12187,14 @@
           <p:nvPr/>
         </p:nvPicPr>
         <p:blipFill>
-          <a:blip r:embed="rId9" cstate="print"/>
+          <a:blip r:embed="rId12" cstate="print"/>
           <a:stretch>
             <a:fillRect/>
           </a:stretch>
         </p:blipFill>
         <p:spPr>
           <a:xfrm>
-            <a:off x="5129217" y="3000372"/>
+            <a:off x="5572132" y="3071810"/>
             <a:ext cx="942981" cy="642942"/>
           </a:xfrm>
           <a:prstGeom prst="rect">
@@ -12146,14 +12211,14 @@
           <p:nvPr/>
         </p:nvPicPr>
         <p:blipFill>
-          <a:blip r:embed="rId10" cstate="print"/>
+          <a:blip r:embed="rId13" cstate="print"/>
           <a:stretch>
             <a:fillRect/>
           </a:stretch>
         </p:blipFill>
         <p:spPr>
           <a:xfrm>
-            <a:off x="1187366" y="2214554"/>
+            <a:off x="1187366" y="1928802"/>
             <a:ext cx="785818" cy="211312"/>
           </a:xfrm>
           <a:prstGeom prst="rect">
@@ -12170,15 +12235,63 @@
           <p:nvPr/>
         </p:nvPicPr>
         <p:blipFill>
-          <a:blip r:embed="rId10" cstate="print"/>
+          <a:blip r:embed="rId13" cstate="print"/>
           <a:stretch>
             <a:fillRect/>
           </a:stretch>
         </p:blipFill>
         <p:spPr>
           <a:xfrm>
-            <a:off x="1178902" y="3750264"/>
+            <a:off x="1166202" y="3835230"/>
             <a:ext cx="785818" cy="211312"/>
+          </a:xfrm>
+          <a:prstGeom prst="rect">
+            <a:avLst/>
+          </a:prstGeom>
+        </p:spPr>
+      </p:pic>
+      <p:pic>
+        <p:nvPicPr>
+          <p:cNvPr id="9" name="Picture 8" descr="1df7029.jpg"/>
+          <p:cNvPicPr>
+            <a:picLocks noChangeAspect="1"/>
+          </p:cNvPicPr>
+          <p:nvPr/>
+        </p:nvPicPr>
+        <p:blipFill>
+          <a:blip r:embed="rId14" cstate="print"/>
+          <a:stretch>
+            <a:fillRect/>
+          </a:stretch>
+        </p:blipFill>
+        <p:spPr>
+          <a:xfrm>
+            <a:off x="6858016" y="3143248"/>
+            <a:ext cx="1714512" cy="1285884"/>
+          </a:xfrm>
+          <a:prstGeom prst="rect">
+            <a:avLst/>
+          </a:prstGeom>
+        </p:spPr>
+      </p:pic>
+      <p:pic>
+        <p:nvPicPr>
+          <p:cNvPr id="10" name="Picture 9" descr="Photo 9.jpg"/>
+          <p:cNvPicPr>
+            <a:picLocks noChangeAspect="1"/>
+          </p:cNvPicPr>
+          <p:nvPr/>
+        </p:nvPicPr>
+        <p:blipFill>
+          <a:blip r:embed="rId15" cstate="print"/>
+          <a:stretch>
+            <a:fillRect/>
+          </a:stretch>
+        </p:blipFill>
+        <p:spPr>
+          <a:xfrm>
+            <a:off x="6858016" y="1214422"/>
+            <a:ext cx="1714512" cy="1285884"/>
           </a:xfrm>
           <a:prstGeom prst="rect">
             <a:avLst/>
@@ -12353,7 +12466,7 @@
                                         <p:tgtEl>
                                           <p:spTgt spid="3">
                                             <p:txEl>
-                                              <p:pRg st="5" end="5"/>
+                                              <p:pRg st="4" end="4"/>
                                             </p:txEl>
                                           </p:spTgt>
                                         </p:tgtEl>
@@ -12461,26 +12574,39 @@
                                   </p:childTnLst>
                                 </p:cTn>
                               </p:par>
-                            </p:childTnLst>
-                          </p:cTn>
-                        </p:par>
-                      </p:childTnLst>
-                    </p:cTn>
-                  </p:par>
-                  <p:par>
-                    <p:cTn id="21" fill="hold">
-                      <p:stCondLst>
-                        <p:cond delay="indefinite"/>
-                      </p:stCondLst>
-                      <p:childTnLst>
-                        <p:par>
-                          <p:cTn id="22" fill="hold">
-                            <p:stCondLst>
-                              <p:cond delay="0"/>
-                            </p:stCondLst>
-                            <p:childTnLst>
                               <p:par>
-                                <p:cTn id="23" presetID="1" presetClass="entr" presetSubtype="0" fill="hold" grpId="0" nodeType="clickEffect">
+                                <p:cTn id="21" presetID="1" presetClass="entr" presetSubtype="0" fill="hold" grpId="0" nodeType="withEffect">
+                                  <p:stCondLst>
+                                    <p:cond delay="0"/>
+                                  </p:stCondLst>
+                                  <p:childTnLst>
+                                    <p:set>
+                                      <p:cBhvr>
+                                        <p:cTn id="22" dur="1" fill="hold">
+                                          <p:stCondLst>
+                                            <p:cond delay="0"/>
+                                          </p:stCondLst>
+                                        </p:cTn>
+                                        <p:tgtEl>
+                                          <p:spTgt spid="3">
+                                            <p:txEl>
+                                              <p:pRg st="9" end="9"/>
+                                            </p:txEl>
+                                          </p:spTgt>
+                                        </p:tgtEl>
+                                        <p:attrNameLst>
+                                          <p:attrName>style.visibility</p:attrName>
+                                        </p:attrNameLst>
+                                      </p:cBhvr>
+                                      <p:to>
+                                        <p:strVal val="visible"/>
+                                      </p:to>
+                                    </p:set>
+                                  </p:childTnLst>
+                                </p:cTn>
+                              </p:par>
+                              <p:par>
+                                <p:cTn id="23" presetID="1" presetClass="entr" presetSubtype="0" fill="hold" grpId="0" nodeType="withEffect">
                                   <p:stCondLst>
                                     <p:cond delay="0"/>
                                   </p:stCondLst>
@@ -12510,39 +12636,26 @@
                                   </p:childTnLst>
                                 </p:cTn>
                               </p:par>
+                            </p:childTnLst>
+                          </p:cTn>
+                        </p:par>
+                      </p:childTnLst>
+                    </p:cTn>
+                  </p:par>
+                  <p:par>
+                    <p:cTn id="25" fill="hold">
+                      <p:stCondLst>
+                        <p:cond delay="indefinite"/>
+                      </p:stCondLst>
+                      <p:childTnLst>
+                        <p:par>
+                          <p:cTn id="26" fill="hold">
+                            <p:stCondLst>
+                              <p:cond delay="0"/>
+                            </p:stCondLst>
+                            <p:childTnLst>
                               <p:par>
-                                <p:cTn id="25" presetID="1" presetClass="entr" presetSubtype="0" fill="hold" grpId="0" nodeType="withEffect">
-                                  <p:stCondLst>
-                                    <p:cond delay="0"/>
-                                  </p:stCondLst>
-                                  <p:childTnLst>
-                                    <p:set>
-                                      <p:cBhvr>
-                                        <p:cTn id="26" dur="1" fill="hold">
-                                          <p:stCondLst>
-                                            <p:cond delay="0"/>
-                                          </p:stCondLst>
-                                        </p:cTn>
-                                        <p:tgtEl>
-                                          <p:spTgt spid="3">
-                                            <p:txEl>
-                                              <p:pRg st="11" end="11"/>
-                                            </p:txEl>
-                                          </p:spTgt>
-                                        </p:tgtEl>
-                                        <p:attrNameLst>
-                                          <p:attrName>style.visibility</p:attrName>
-                                        </p:attrNameLst>
-                                      </p:cBhvr>
-                                      <p:to>
-                                        <p:strVal val="visible"/>
-                                      </p:to>
-                                    </p:set>
-                                  </p:childTnLst>
-                                </p:cTn>
-                              </p:par>
-                              <p:par>
-                                <p:cTn id="27" presetID="1" presetClass="entr" presetSubtype="0" fill="hold" grpId="0" nodeType="withEffect">
+                                <p:cTn id="27" presetID="1" presetClass="entr" presetSubtype="0" fill="hold" grpId="0" nodeType="clickEffect">
                                   <p:stCondLst>
                                     <p:cond delay="0"/>
                                   </p:stCondLst>

--- a/trunk/Slides/20090604_Ihc_AgileAcceptanceTesting.pptx
+++ b/trunk/Slides/20090604_Ihc_AgileAcceptanceTesting.pptx
@@ -5,7 +5,7 @@
     <p:sldMasterId id="2147483732" r:id="rId1"/>
   </p:sldMasterIdLst>
   <p:notesMasterIdLst>
-    <p:notesMasterId r:id="rId32"/>
+    <p:notesMasterId r:id="rId33"/>
   </p:notesMasterIdLst>
   <p:sldIdLst>
     <p:sldId id="256" r:id="rId2"/>
@@ -21,23 +21,24 @@
     <p:sldId id="262" r:id="rId12"/>
     <p:sldId id="265" r:id="rId13"/>
     <p:sldId id="257" r:id="rId14"/>
-    <p:sldId id="275" r:id="rId15"/>
+    <p:sldId id="294" r:id="rId15"/>
     <p:sldId id="291" r:id="rId16"/>
     <p:sldId id="292" r:id="rId17"/>
     <p:sldId id="293" r:id="rId18"/>
-    <p:sldId id="279" r:id="rId19"/>
-    <p:sldId id="280" r:id="rId20"/>
-    <p:sldId id="287" r:id="rId21"/>
-    <p:sldId id="278" r:id="rId22"/>
-    <p:sldId id="286" r:id="rId23"/>
-    <p:sldId id="268" r:id="rId24"/>
-    <p:sldId id="288" r:id="rId25"/>
-    <p:sldId id="269" r:id="rId26"/>
-    <p:sldId id="270" r:id="rId27"/>
-    <p:sldId id="271" r:id="rId28"/>
-    <p:sldId id="289" r:id="rId29"/>
-    <p:sldId id="264" r:id="rId30"/>
-    <p:sldId id="285" r:id="rId31"/>
+    <p:sldId id="295" r:id="rId19"/>
+    <p:sldId id="298" r:id="rId20"/>
+    <p:sldId id="280" r:id="rId21"/>
+    <p:sldId id="296" r:id="rId22"/>
+    <p:sldId id="299" r:id="rId23"/>
+    <p:sldId id="300" r:id="rId24"/>
+    <p:sldId id="268" r:id="rId25"/>
+    <p:sldId id="297" r:id="rId26"/>
+    <p:sldId id="269" r:id="rId27"/>
+    <p:sldId id="270" r:id="rId28"/>
+    <p:sldId id="271" r:id="rId29"/>
+    <p:sldId id="289" r:id="rId30"/>
+    <p:sldId id="264" r:id="rId31"/>
+    <p:sldId id="285" r:id="rId32"/>
   </p:sldIdLst>
   <p:sldSz cx="9144000" cy="6858000" type="screen4x3"/>
   <p:notesSz cx="7315200" cy="9601200"/>
@@ -222,7 +223,7 @@
             <a:fld id="{08F0785E-033A-43CD-AF7D-1A09C6890A39}" type="datetimeFigureOut">
               <a:rPr lang="nl-BE" smtClean="0"/>
               <a:pPr/>
-              <a:t>02/06/2009</a:t>
+              <a:t>03/06/2009</a:t>
             </a:fld>
             <a:endParaRPr lang="nl-BE"/>
           </a:p>
@@ -534,7 +535,17 @@
           </a:bodyPr>
           <a:lstStyle/>
           <a:p>
-            <a:endParaRPr lang="nl-BE"/>
+            <a:r>
+              <a:rPr lang="nl-BE" dirty="0" smtClean="0"/>
+              <a:t>Introduce ourselves.</a:t>
+            </a:r>
+          </a:p>
+          <a:p>
+            <a:r>
+              <a:rPr lang="nl-BE" dirty="0" smtClean="0"/>
+              <a:t>Hand-out this as a reference A5 @ the end of the session.</a:t>
+            </a:r>
+            <a:endParaRPr lang="nl-BE" dirty="0"/>
           </a:p>
         </p:txBody>
       </p:sp>
@@ -616,7 +627,36 @@
           </a:bodyPr>
           <a:lstStyle/>
           <a:p>
-            <a:endParaRPr lang="nl-BE" baseline="0" dirty="0" smtClean="0"/>
+            <a:pPr defTabSz="966612">
+              <a:defRPr/>
+            </a:pPr>
+            <a:r>
+              <a:rPr lang="nl-BE" dirty="0" smtClean="0"/>
+              <a:t>Lets turn those examples into executable specifications to verify that we have build the right code</a:t>
+            </a:r>
+            <a:r>
+              <a:rPr lang="nl-BE" dirty="0" smtClean="0"/>
+              <a:t>.</a:t>
+            </a:r>
+          </a:p>
+          <a:p>
+            <a:pPr defTabSz="966612">
+              <a:defRPr/>
+            </a:pPr>
+            <a:endParaRPr lang="nl-BE" dirty="0" smtClean="0"/>
+          </a:p>
+          <a:p>
+            <a:pPr defTabSz="966612">
+              <a:defRPr/>
+            </a:pPr>
+            <a:r>
+              <a:rPr lang="nl-BE" dirty="0" smtClean="0"/>
+              <a:t>Elaborate -&gt; to describe more in detail</a:t>
+            </a:r>
+            <a:endParaRPr lang="nl-BE" dirty="0" smtClean="0"/>
+          </a:p>
+          <a:p>
+            <a:endParaRPr lang="nl-BE" dirty="0"/>
           </a:p>
         </p:txBody>
       </p:sp>
@@ -638,7 +678,7 @@
             <a:fld id="{A95F721D-B08F-41E9-83C2-423A43044BB2}" type="slidenum">
               <a:rPr lang="nl-BE" smtClean="0"/>
               <a:pPr/>
-              <a:t>15</a:t>
+              <a:t>13</a:t>
             </a:fld>
             <a:endParaRPr lang="nl-BE"/>
           </a:p>
@@ -699,16 +739,29 @@
           <a:lstStyle/>
           <a:p>
             <a:r>
-              <a:rPr lang="nl-BE" dirty="0" smtClean="0">
-                <a:hlinkClick r:id="rId3"/>
-              </a:rPr>
-              <a:t>http://stackoverflow.com/questions/249580/how-do-i-add-fitnesse-pages-to-version-control</a:t>
-            </a:r>
-            <a:r>
               <a:rPr lang="nl-BE" dirty="0" smtClean="0"/>
-              <a:t> </a:t>
-            </a:r>
+              <a:t>Michel</a:t>
+            </a:r>
+            <a:r>
+              <a:rPr lang="nl-BE" baseline="0" dirty="0" smtClean="0"/>
+              <a:t> doet live de setup terwijl de slides getoond worden.</a:t>
+            </a:r>
+          </a:p>
+          <a:p>
+            <a:r>
+              <a:rPr lang="nl-BE" baseline="0" dirty="0" smtClean="0"/>
+              <a:t>Nadien voert iedereen GetLatest.bat uit.</a:t>
+            </a:r>
+          </a:p>
+          <a:p>
             <a:endParaRPr lang="nl-BE" baseline="0" dirty="0" smtClean="0"/>
+          </a:p>
+          <a:p>
+            <a:r>
+              <a:rPr lang="nl-BE" baseline="0" dirty="0" smtClean="0"/>
+              <a:t>Groene kaart = I’m up and running!</a:t>
+            </a:r>
+            <a:endParaRPr lang="nl-BE" dirty="0"/>
           </a:p>
         </p:txBody>
       </p:sp>
@@ -730,7 +783,7 @@
             <a:fld id="{A95F721D-B08F-41E9-83C2-423A43044BB2}" type="slidenum">
               <a:rPr lang="nl-BE" smtClean="0"/>
               <a:pPr/>
-              <a:t>16</a:t>
+              <a:t>14</a:t>
             </a:fld>
             <a:endParaRPr lang="nl-BE"/>
           </a:p>
@@ -812,7 +865,7 @@
             <a:fld id="{A95F721D-B08F-41E9-83C2-423A43044BB2}" type="slidenum">
               <a:rPr lang="nl-BE" smtClean="0"/>
               <a:pPr/>
-              <a:t>17</a:t>
+              <a:t>15</a:t>
             </a:fld>
             <a:endParaRPr lang="nl-BE"/>
           </a:p>
@@ -873,98 +926,16 @@
           <a:lstStyle/>
           <a:p>
             <a:r>
+              <a:rPr lang="nl-BE" dirty="0" smtClean="0">
+                <a:hlinkClick r:id="rId3"/>
+              </a:rPr>
+              <a:t>http://stackoverflow.com/questions/249580/how-do-i-add-fitnesse-pages-to-version-control</a:t>
+            </a:r>
+            <a:r>
               <a:rPr lang="nl-BE" dirty="0" smtClean="0"/>
-              <a:t>1</a:t>
-            </a:r>
-            <a:r>
-              <a:rPr lang="nl-BE" baseline="30000" dirty="0" smtClean="0"/>
-              <a:t>e</a:t>
-            </a:r>
-            <a:r>
-              <a:rPr lang="nl-BE" dirty="0" smtClean="0"/>
-              <a:t> test: Snack order</a:t>
-            </a:r>
-            <a:r>
-              <a:rPr lang="nl-BE" baseline="0" dirty="0" smtClean="0"/>
-              <a:t> zonder credit, credit toevoegen, snack orderen (columnFixture)</a:t>
-            </a:r>
-          </a:p>
-          <a:p>
-            <a:r>
-              <a:rPr lang="nl-BE" baseline="0" dirty="0" smtClean="0"/>
-              <a:t>2</a:t>
-            </a:r>
-            <a:r>
-              <a:rPr lang="nl-BE" baseline="30000" dirty="0" smtClean="0"/>
-              <a:t>e</a:t>
-            </a:r>
-            <a:r>
-              <a:rPr lang="nl-BE" baseline="0" dirty="0" smtClean="0"/>
-              <a:t> test: current orders opvragen (blanco) – order plaatsen (hergebruik bovenste fixture) – orders opvragen (rowfixture &amp; setup: orders leegmaken+credits op 0)</a:t>
-            </a:r>
-          </a:p>
-          <a:p>
-            <a:r>
-              <a:rPr lang="nl-BE" baseline="0" dirty="0" smtClean="0"/>
-              <a:t>Acceptatie door PO (iteratie gedaan)</a:t>
-            </a:r>
-          </a:p>
-          <a:p>
-            <a:r>
-              <a:rPr lang="nl-BE" dirty="0" smtClean="0"/>
-              <a:t>3</a:t>
-            </a:r>
-            <a:r>
-              <a:rPr lang="nl-BE" baseline="30000" dirty="0" smtClean="0"/>
-              <a:t>e</a:t>
-            </a:r>
-            <a:r>
-              <a:rPr lang="nl-BE" dirty="0" smtClean="0"/>
-              <a:t> test:</a:t>
-            </a:r>
-            <a:r>
-              <a:rPr lang="nl-BE" baseline="0" dirty="0" smtClean="0"/>
-              <a:t> credits afchecken, user credit geven, snack order, check credit (</a:t>
-            </a:r>
-            <a:r>
-              <a:rPr lang="nl-BE" sz="1300" dirty="0" smtClean="0"/>
-              <a:t>DoFixture)</a:t>
+              <a:t> </a:t>
             </a:r>
             <a:endParaRPr lang="nl-BE" baseline="0" dirty="0" smtClean="0"/>
-          </a:p>
-          <a:p>
-            <a:pPr defTabSz="966612">
-              <a:defRPr/>
-            </a:pPr>
-            <a:r>
-              <a:rPr lang="nl-BE" baseline="0" dirty="0" smtClean="0"/>
-              <a:t>Structuur in Wiki? Geaccepteerde testen falen? Move naar acceptance suite.</a:t>
-            </a:r>
-          </a:p>
-          <a:p>
-            <a:r>
-              <a:rPr lang="nl-BE" dirty="0" smtClean="0"/>
-              <a:t>Integratie van Agile</a:t>
-            </a:r>
-            <a:r>
-              <a:rPr lang="nl-BE" baseline="0" dirty="0" smtClean="0"/>
-              <a:t> Acceptance Testing in iteratie.</a:t>
-            </a:r>
-          </a:p>
-          <a:p>
-            <a:r>
-              <a:rPr lang="nl-BE" baseline="0" dirty="0" smtClean="0"/>
-              <a:t>4</a:t>
-            </a:r>
-            <a:r>
-              <a:rPr lang="nl-BE" baseline="30000" dirty="0" smtClean="0"/>
-              <a:t>e</a:t>
-            </a:r>
-            <a:r>
-              <a:rPr lang="nl-BE" baseline="0" dirty="0" smtClean="0"/>
-              <a:t> test: inloggen van een user (ActionFixture)</a:t>
-            </a:r>
-            <a:endParaRPr lang="nl-BE" dirty="0"/>
           </a:p>
         </p:txBody>
       </p:sp>
@@ -986,7 +957,7 @@
             <a:fld id="{A95F721D-B08F-41E9-83C2-423A43044BB2}" type="slidenum">
               <a:rPr lang="nl-BE" smtClean="0"/>
               <a:pPr/>
-              <a:t>18</a:t>
+              <a:t>16</a:t>
             </a:fld>
             <a:endParaRPr lang="nl-BE"/>
           </a:p>
@@ -1046,25 +1017,11 @@
           </a:bodyPr>
           <a:lstStyle/>
           <a:p>
-            <a:pPr lvl="1">
-              <a:buFontTx/>
-              <a:buChar char="-"/>
-            </a:pPr>
+            <a:r>
+              <a:rPr lang="nl-BE" baseline="0" dirty="0" smtClean="0"/>
+              <a:t>Detailled Setup.docx can be downloaded from Google Code</a:t>
+            </a:r>
             <a:endParaRPr lang="nl-BE" baseline="0" dirty="0" smtClean="0"/>
-          </a:p>
-          <a:p>
-            <a:pPr>
-              <a:buFontTx/>
-              <a:buChar char="-"/>
-            </a:pPr>
-            <a:endParaRPr lang="nl-BE" baseline="0" dirty="0" smtClean="0"/>
-          </a:p>
-          <a:p>
-            <a:pPr>
-              <a:buFontTx/>
-              <a:buChar char="-"/>
-            </a:pPr>
-            <a:endParaRPr lang="nl-BE" dirty="0" smtClean="0"/>
           </a:p>
         </p:txBody>
       </p:sp>
@@ -1086,7 +1043,7 @@
             <a:fld id="{A95F721D-B08F-41E9-83C2-423A43044BB2}" type="slidenum">
               <a:rPr lang="nl-BE" smtClean="0"/>
               <a:pPr/>
-              <a:t>19</a:t>
+              <a:t>17</a:t>
             </a:fld>
             <a:endParaRPr lang="nl-BE"/>
           </a:p>
@@ -1146,25 +1103,104 @@
           </a:bodyPr>
           <a:lstStyle/>
           <a:p>
-            <a:pPr lvl="1">
-              <a:buFontTx/>
-              <a:buChar char="-"/>
-            </a:pPr>
+            <a:r>
+              <a:rPr lang="nl-BE" u="sng" baseline="0" dirty="0" smtClean="0"/>
+              <a:t>First Story to order snacks:</a:t>
+            </a:r>
+          </a:p>
+          <a:p>
+            <a:r>
+              <a:rPr lang="nl-BE" baseline="0" dirty="0" smtClean="0"/>
+              <a:t>Implement 1st test: Order Snack for User With Insufficient Credit.</a:t>
+            </a:r>
+          </a:p>
+          <a:p>
+            <a:r>
+              <a:rPr lang="nl-BE" baseline="0" dirty="0" smtClean="0"/>
+              <a:t>Hand out the translation of the Specification Workshop to Fitnesse tables of the first test.</a:t>
+            </a:r>
+          </a:p>
+          <a:p>
             <a:endParaRPr lang="nl-BE" baseline="0" dirty="0" smtClean="0"/>
           </a:p>
           <a:p>
-            <a:pPr>
-              <a:buFontTx/>
-              <a:buChar char="-"/>
-            </a:pPr>
+            <a:r>
+              <a:rPr lang="nl-BE" baseline="0" dirty="0" smtClean="0"/>
+              <a:t>Implement 2nd test: Order Snack for User With Enough Credit.</a:t>
+            </a:r>
+          </a:p>
+          <a:p>
+            <a:r>
+              <a:rPr lang="nl-BE" baseline="0" dirty="0" smtClean="0"/>
+              <a:t>  Without Get Today’s Orders. (RowFixture -&gt; in iteration 2)</a:t>
+            </a:r>
+          </a:p>
+          <a:p>
+            <a:r>
+              <a:rPr lang="nl-BE" baseline="0" dirty="0" smtClean="0"/>
+              <a:t>  Without checking the credit. (Return Values in DoFixture – in iteration 2)</a:t>
+            </a:r>
+          </a:p>
+          <a:p>
             <a:endParaRPr lang="nl-BE" baseline="0" dirty="0" smtClean="0"/>
           </a:p>
           <a:p>
-            <a:pPr>
-              <a:buFontTx/>
-              <a:buChar char="-"/>
-            </a:pPr>
-            <a:endParaRPr lang="nl-BE" dirty="0" smtClean="0"/>
+            <a:r>
+              <a:rPr lang="nl-BE" baseline="0" dirty="0" smtClean="0"/>
+              <a:t>Use SetUp to Import Namespaces.</a:t>
+            </a:r>
+          </a:p>
+          <a:p>
+            <a:endParaRPr lang="nl-BE" baseline="0" dirty="0" smtClean="0"/>
+          </a:p>
+          <a:p>
+            <a:r>
+              <a:rPr lang="nl-BE" baseline="0" dirty="0" smtClean="0"/>
+              <a:t>Explain DoFixture</a:t>
+            </a:r>
+          </a:p>
+          <a:p>
+            <a:r>
+              <a:rPr lang="nl-BE" baseline="0" dirty="0" smtClean="0"/>
+              <a:t>Explain ColumnFixture</a:t>
+            </a:r>
+          </a:p>
+          <a:p>
+            <a:endParaRPr lang="nl-BE" baseline="0" dirty="0" smtClean="0"/>
+          </a:p>
+          <a:p>
+            <a:r>
+              <a:rPr lang="nl-BE" baseline="0" dirty="0" smtClean="0"/>
+              <a:t>Ask the green/red question which PO’s accept the first test? And the second? (they didn’t get the fixture print-out of the second)</a:t>
+            </a:r>
+          </a:p>
+          <a:p>
+            <a:endParaRPr lang="nl-BE" baseline="0" dirty="0" smtClean="0"/>
+          </a:p>
+          <a:p>
+            <a:r>
+              <a:rPr lang="nl-BE" baseline="0" dirty="0" smtClean="0"/>
+              <a:t>1st tests gets accepted by Product Owner.</a:t>
+            </a:r>
+          </a:p>
+          <a:p>
+            <a:r>
+              <a:rPr lang="nl-BE" baseline="0" dirty="0" smtClean="0"/>
+              <a:t>2nd is not accepted -&gt; not complete According to Acceptance Criteria on the User Story. (too bad </a:t>
+            </a:r>
+            <a:r>
+              <a:rPr lang="nl-BE" baseline="0" dirty="0" smtClean="0">
+                <a:sym typeface="Wingdings" pitchFamily="2" charset="2"/>
+              </a:rPr>
+              <a:t>)</a:t>
+            </a:r>
+            <a:endParaRPr lang="nl-BE" baseline="0" dirty="0" smtClean="0"/>
+          </a:p>
+          <a:p>
+            <a:endParaRPr lang="nl-BE" baseline="0" dirty="0" smtClean="0"/>
+          </a:p>
+          <a:p>
+            <a:endParaRPr lang="nl-BE" dirty="0"/>
           </a:p>
         </p:txBody>
       </p:sp>
@@ -1186,7 +1222,7 @@
             <a:fld id="{A95F721D-B08F-41E9-83C2-423A43044BB2}" type="slidenum">
               <a:rPr lang="nl-BE" smtClean="0"/>
               <a:pPr/>
-              <a:t>20</a:t>
+              <a:t>18</a:t>
             </a:fld>
             <a:endParaRPr lang="nl-BE"/>
           </a:p>
@@ -1246,21 +1282,48 @@
           </a:bodyPr>
           <a:lstStyle/>
           <a:p>
-            <a:r>
-              <a:rPr lang="nl-BE" dirty="0" smtClean="0"/>
-              <a:t>Automated</a:t>
-            </a:r>
+            <a:pPr lvl="1">
+              <a:buFontTx/>
+              <a:buChar char="-"/>
+            </a:pPr>
+            <a:endParaRPr lang="nl-BE" baseline="0" dirty="0" smtClean="0"/>
+          </a:p>
+          <a:p>
+            <a:pPr>
+              <a:buFontTx/>
+              <a:buChar char="-"/>
+            </a:pPr>
+            <a:endParaRPr lang="nl-BE" baseline="0" dirty="0" smtClean="0"/>
+          </a:p>
+          <a:p>
+            <a:pPr marL="0" marR="0" indent="0" algn="l" defTabSz="914400" rtl="0" eaLnBrk="1" fontAlgn="auto" latinLnBrk="0" hangingPunct="1">
+              <a:lnSpc>
+                <a:spcPct val="100000"/>
+              </a:lnSpc>
+              <a:spcBef>
+                <a:spcPts val="0"/>
+              </a:spcBef>
+              <a:spcAft>
+                <a:spcPts val="0"/>
+              </a:spcAft>
+              <a:buClrTx/>
+              <a:buSzTx/>
+              <a:buFontTx/>
+              <a:buChar char="-"/>
+              <a:tabLst/>
+              <a:defRPr/>
+            </a:pPr>
             <a:r>
               <a:rPr lang="nl-BE" baseline="0" dirty="0" smtClean="0"/>
-              <a:t> Build (vroeger-&gt; op einde iteratie)</a:t>
-            </a:r>
-          </a:p>
-          <a:p>
-            <a:r>
-              <a:rPr lang="nl-BE" baseline="0" dirty="0" smtClean="0"/>
-              <a:t>CI Environment (evt te schrappen)</a:t>
-            </a:r>
-            <a:endParaRPr lang="nl-BE" dirty="0"/>
+              <a:t>Add User John with credits...</a:t>
+            </a:r>
+          </a:p>
+          <a:p>
+            <a:pPr>
+              <a:buFontTx/>
+              <a:buChar char="-"/>
+            </a:pPr>
+            <a:endParaRPr lang="nl-BE" dirty="0" smtClean="0"/>
           </a:p>
         </p:txBody>
       </p:sp>
@@ -1282,7 +1345,7 @@
             <a:fld id="{A95F721D-B08F-41E9-83C2-423A43044BB2}" type="slidenum">
               <a:rPr lang="nl-BE" smtClean="0"/>
               <a:pPr/>
-              <a:t>21</a:t>
+              <a:t>19</a:t>
             </a:fld>
             <a:endParaRPr lang="nl-BE"/>
           </a:p>
@@ -1382,7 +1445,7 @@
             <a:fld id="{A95F721D-B08F-41E9-83C2-423A43044BB2}" type="slidenum">
               <a:rPr lang="nl-BE" smtClean="0"/>
               <a:pPr/>
-              <a:t>22</a:t>
+              <a:t>20</a:t>
             </a:fld>
             <a:endParaRPr lang="nl-BE"/>
           </a:p>
@@ -1442,47 +1505,131 @@
           </a:bodyPr>
           <a:lstStyle/>
           <a:p>
+            <a:pPr marL="0" marR="0" indent="0" algn="l" defTabSz="914400" rtl="0" eaLnBrk="1" fontAlgn="auto" latinLnBrk="0" hangingPunct="1">
+              <a:lnSpc>
+                <a:spcPct val="100000"/>
+              </a:lnSpc>
+              <a:spcBef>
+                <a:spcPts val="0"/>
+              </a:spcBef>
+              <a:spcAft>
+                <a:spcPts val="0"/>
+              </a:spcAft>
+              <a:buClrTx/>
+              <a:buSzTx/>
+              <a:buFontTx/>
+              <a:buNone/>
+              <a:tabLst/>
+              <a:defRPr/>
+            </a:pPr>
+            <a:r>
+              <a:rPr lang="nl-BE" u="sng" baseline="0" dirty="0" smtClean="0"/>
+              <a:t>Second Story to manage credits:</a:t>
+            </a:r>
+          </a:p>
+          <a:p>
             <a:pPr>
               <a:buFontTx/>
               <a:buChar char="-"/>
             </a:pPr>
             <a:r>
               <a:rPr lang="nl-BE" dirty="0" smtClean="0"/>
-              <a:t>Rode</a:t>
+              <a:t>First</a:t>
             </a:r>
             <a:r>
               <a:rPr lang="nl-BE" baseline="0" dirty="0" smtClean="0"/>
-              <a:t> testen toevoegen aan groenen</a:t>
-            </a:r>
-          </a:p>
-          <a:p>
-            <a:pPr>
+              <a:t> complete the second test for Ordering for Users with enough credit.</a:t>
+            </a:r>
+          </a:p>
+          <a:p>
+            <a:pPr lvl="1">
               <a:buFontTx/>
               <a:buChar char="-"/>
             </a:pPr>
             <a:r>
               <a:rPr lang="nl-BE" baseline="0" dirty="0" smtClean="0"/>
-              <a:t>Groenen zijn geaccepteerd – alarm! Awereness!</a:t>
-            </a:r>
-          </a:p>
-          <a:p>
-            <a:pPr>
+              <a:t> Get Todays orders</a:t>
+            </a:r>
+          </a:p>
+          <a:p>
+            <a:pPr lvl="1">
               <a:buFontTx/>
               <a:buChar char="-"/>
             </a:pPr>
             <a:r>
               <a:rPr lang="nl-BE" baseline="0" dirty="0" smtClean="0"/>
-              <a:t>Build should fail by regression tests, not by Work In Progress.</a:t>
-            </a:r>
-          </a:p>
-          <a:p>
-            <a:pPr>
+              <a:t> Check Users credit</a:t>
+            </a:r>
+          </a:p>
+          <a:p>
+            <a:pPr lvl="1">
               <a:buFontTx/>
               <a:buChar char="-"/>
             </a:pPr>
+            <a:endParaRPr lang="nl-BE" baseline="0" dirty="0" smtClean="0"/>
+          </a:p>
+          <a:p>
+            <a:pPr lvl="0">
+              <a:buFontTx/>
+              <a:buChar char="-"/>
+            </a:pPr>
             <a:r>
               <a:rPr lang="nl-BE" baseline="0" dirty="0" smtClean="0"/>
-              <a:t>Should we demo build integration? Ask the audience</a:t>
+              <a:t>Then organize FitNesse into 3 suites</a:t>
+            </a:r>
+          </a:p>
+          <a:p>
+            <a:pPr lvl="1">
+              <a:buFontTx/>
+              <a:buChar char="-"/>
+            </a:pPr>
+            <a:r>
+              <a:rPr lang="nl-BE" baseline="0" dirty="0" smtClean="0"/>
+              <a:t>move the first test to the AcceptanceSuite.</a:t>
+            </a:r>
+          </a:p>
+          <a:p>
+            <a:pPr lvl="1">
+              <a:buFontTx/>
+              <a:buChar char="-"/>
+            </a:pPr>
+            <a:r>
+              <a:rPr lang="nl-BE" baseline="0" dirty="0" smtClean="0"/>
+              <a:t>Move the second to the WorkInProgressSuite.</a:t>
+            </a:r>
+          </a:p>
+          <a:p>
+            <a:pPr lvl="1">
+              <a:buFontTx/>
+              <a:buChar char="-"/>
+            </a:pPr>
+            <a:endParaRPr lang="nl-BE" baseline="0" dirty="0" smtClean="0"/>
+          </a:p>
+          <a:p>
+            <a:pPr lvl="0">
+              <a:buFontTx/>
+              <a:buChar char="-"/>
+            </a:pPr>
+            <a:r>
+              <a:rPr lang="nl-BE" baseline="0" dirty="0" smtClean="0"/>
+              <a:t>Implement ManageCredit User Story.</a:t>
+            </a:r>
+          </a:p>
+          <a:p>
+            <a:pPr lvl="0">
+              <a:buFontTx/>
+              <a:buChar char="-"/>
+            </a:pPr>
+            <a:endParaRPr lang="nl-BE" dirty="0" smtClean="0"/>
+          </a:p>
+          <a:p>
+            <a:pPr lvl="0">
+              <a:buFontTx/>
+              <a:buChar char="-"/>
+            </a:pPr>
+            <a:r>
+              <a:rPr lang="nl-BE" dirty="0" smtClean="0"/>
+              <a:t>Let PO Accept. Green/Red?</a:t>
             </a:r>
           </a:p>
         </p:txBody>
@@ -1505,7 +1652,7 @@
             <a:fld id="{A95F721D-B08F-41E9-83C2-423A43044BB2}" type="slidenum">
               <a:rPr lang="nl-BE" smtClean="0"/>
               <a:pPr/>
-              <a:t>23</a:t>
+              <a:t>21</a:t>
             </a:fld>
             <a:endParaRPr lang="nl-BE"/>
           </a:p>
@@ -1565,21 +1712,25 @@
           </a:bodyPr>
           <a:lstStyle/>
           <a:p>
-            <a:r>
-              <a:rPr lang="nl-BE" dirty="0" smtClean="0"/>
-              <a:t>Automated</a:t>
-            </a:r>
-            <a:r>
-              <a:rPr lang="nl-BE" baseline="0" dirty="0" smtClean="0"/>
-              <a:t> Build (vroeger-&gt; op einde iteratie)</a:t>
-            </a:r>
-          </a:p>
-          <a:p>
-            <a:r>
-              <a:rPr lang="nl-BE" baseline="0" dirty="0" smtClean="0"/>
-              <a:t>CI Environment (evt te schrappen)</a:t>
-            </a:r>
-            <a:endParaRPr lang="nl-BE" dirty="0"/>
+            <a:pPr lvl="1">
+              <a:buFontTx/>
+              <a:buChar char="-"/>
+            </a:pPr>
+            <a:endParaRPr lang="nl-BE" baseline="0" dirty="0" smtClean="0"/>
+          </a:p>
+          <a:p>
+            <a:pPr>
+              <a:buFontTx/>
+              <a:buChar char="-"/>
+            </a:pPr>
+            <a:endParaRPr lang="nl-BE" baseline="0" dirty="0" smtClean="0"/>
+          </a:p>
+          <a:p>
+            <a:pPr>
+              <a:buFontTx/>
+              <a:buChar char="-"/>
+            </a:pPr>
+            <a:endParaRPr lang="nl-BE" dirty="0" smtClean="0"/>
           </a:p>
         </p:txBody>
       </p:sp>
@@ -1601,7 +1752,7 @@
             <a:fld id="{A95F721D-B08F-41E9-83C2-423A43044BB2}" type="slidenum">
               <a:rPr lang="nl-BE" smtClean="0"/>
               <a:pPr/>
-              <a:t>24</a:t>
+              <a:t>22</a:t>
             </a:fld>
             <a:endParaRPr lang="nl-BE"/>
           </a:p>
@@ -1663,7 +1814,13 @@
           <a:p>
             <a:r>
               <a:rPr lang="nl-BE" dirty="0" smtClean="0"/>
-              <a:t>Basic implementation -&gt; sketch</a:t>
+              <a:t>Timeframe: 90 mins</a:t>
+            </a:r>
+          </a:p>
+          <a:p>
+            <a:r>
+              <a:rPr lang="nl-BE" dirty="0" smtClean="0"/>
+              <a:t>Don’t mind the ringing of the Pomodoro Timer. It’s there to help us keep our timings.</a:t>
             </a:r>
             <a:endParaRPr lang="nl-BE" dirty="0"/>
           </a:p>
@@ -1687,7 +1844,7 @@
             <a:fld id="{A95F721D-B08F-41E9-83C2-423A43044BB2}" type="slidenum">
               <a:rPr lang="nl-BE" smtClean="0"/>
               <a:pPr/>
-              <a:t>5</a:t>
+              <a:t>3</a:t>
             </a:fld>
             <a:endParaRPr lang="nl-BE"/>
           </a:p>
@@ -1747,7 +1904,29 @@
           </a:bodyPr>
           <a:lstStyle/>
           <a:p>
-            <a:endParaRPr lang="nl-BE" dirty="0"/>
+            <a:pPr lvl="1">
+              <a:buFontTx/>
+              <a:buChar char="-"/>
+            </a:pPr>
+            <a:endParaRPr lang="nl-BE" baseline="0" dirty="0" smtClean="0"/>
+          </a:p>
+          <a:p>
+            <a:pPr>
+              <a:buFontTx/>
+              <a:buChar char="-"/>
+            </a:pPr>
+            <a:r>
+              <a:rPr lang="nl-BE" baseline="0" dirty="0" smtClean="0"/>
+              <a:t>Check credits for User John is ...</a:t>
+            </a:r>
+            <a:endParaRPr lang="nl-BE" baseline="0" dirty="0" smtClean="0"/>
+          </a:p>
+          <a:p>
+            <a:pPr>
+              <a:buFontTx/>
+              <a:buChar char="-"/>
+            </a:pPr>
+            <a:endParaRPr lang="nl-BE" dirty="0" smtClean="0"/>
           </a:p>
         </p:txBody>
       </p:sp>
@@ -1769,7 +1948,7 @@
             <a:fld id="{A95F721D-B08F-41E9-83C2-423A43044BB2}" type="slidenum">
               <a:rPr lang="nl-BE" smtClean="0"/>
               <a:pPr/>
-              <a:t>25</a:t>
+              <a:t>23</a:t>
             </a:fld>
             <a:endParaRPr lang="nl-BE"/>
           </a:p>
@@ -1829,7 +2008,81 @@
           </a:bodyPr>
           <a:lstStyle/>
           <a:p>
-            <a:endParaRPr lang="nl-BE" dirty="0"/>
+            <a:pPr>
+              <a:buFontTx/>
+              <a:buChar char="-"/>
+            </a:pPr>
+            <a:r>
+              <a:rPr lang="nl-BE" dirty="0" smtClean="0"/>
+              <a:t>Rode</a:t>
+            </a:r>
+            <a:r>
+              <a:rPr lang="nl-BE" baseline="0" dirty="0" smtClean="0"/>
+              <a:t> testen toevoegen aan groenen</a:t>
+            </a:r>
+          </a:p>
+          <a:p>
+            <a:pPr>
+              <a:buFontTx/>
+              <a:buChar char="-"/>
+            </a:pPr>
+            <a:r>
+              <a:rPr lang="nl-BE" baseline="0" dirty="0" smtClean="0"/>
+              <a:t>Groenen zijn geaccepteerd – alarm! Awereness!</a:t>
+            </a:r>
+          </a:p>
+          <a:p>
+            <a:pPr>
+              <a:buFontTx/>
+              <a:buChar char="-"/>
+            </a:pPr>
+            <a:r>
+              <a:rPr lang="nl-BE" baseline="0" dirty="0" smtClean="0"/>
+              <a:t>Build should fail by regression tests, not by Work In Progress</a:t>
+            </a:r>
+            <a:r>
+              <a:rPr lang="nl-BE" baseline="0" dirty="0" smtClean="0"/>
+              <a:t>.</a:t>
+            </a:r>
+          </a:p>
+          <a:p>
+            <a:pPr>
+              <a:buFontTx/>
+              <a:buChar char="-"/>
+            </a:pPr>
+            <a:endParaRPr lang="nl-BE" baseline="0" dirty="0" smtClean="0"/>
+          </a:p>
+          <a:p>
+            <a:pPr>
+              <a:buFontTx/>
+              <a:buChar char="-"/>
+            </a:pPr>
+            <a:r>
+              <a:rPr lang="nl-BE" b="1" u="sng" baseline="0" dirty="0" smtClean="0"/>
+              <a:t>Ask the Audience:</a:t>
+            </a:r>
+            <a:endParaRPr lang="nl-BE" b="1" u="sng" baseline="0" dirty="0" smtClean="0"/>
+          </a:p>
+          <a:p>
+            <a:pPr>
+              <a:buFontTx/>
+              <a:buChar char="-"/>
+            </a:pPr>
+            <a:r>
+              <a:rPr lang="nl-BE" baseline="0" dirty="0" smtClean="0"/>
+              <a:t>Should we demo build integration? </a:t>
+            </a:r>
+            <a:endParaRPr lang="nl-BE" baseline="0" dirty="0" smtClean="0"/>
+          </a:p>
+          <a:p>
+            <a:pPr lvl="0">
+              <a:buFontTx/>
+              <a:buChar char="-"/>
+            </a:pPr>
+            <a:r>
+              <a:rPr lang="nl-BE" dirty="0" smtClean="0"/>
+              <a:t>Demo debugging with TestDriven.Net?</a:t>
+            </a:r>
           </a:p>
         </p:txBody>
       </p:sp>
@@ -1851,7 +2104,7 @@
             <a:fld id="{A95F721D-B08F-41E9-83C2-423A43044BB2}" type="slidenum">
               <a:rPr lang="nl-BE" smtClean="0"/>
               <a:pPr/>
-              <a:t>26</a:t>
+              <a:t>24</a:t>
             </a:fld>
             <a:endParaRPr lang="nl-BE"/>
           </a:p>
@@ -1933,7 +2186,7 @@
             <a:fld id="{A95F721D-B08F-41E9-83C2-423A43044BB2}" type="slidenum">
               <a:rPr lang="nl-BE" smtClean="0"/>
               <a:pPr/>
-              <a:t>27</a:t>
+              <a:t>25</a:t>
             </a:fld>
             <a:endParaRPr lang="nl-BE"/>
           </a:p>
@@ -2015,7 +2268,253 @@
             <a:fld id="{A95F721D-B08F-41E9-83C2-423A43044BB2}" type="slidenum">
               <a:rPr lang="nl-BE" smtClean="0"/>
               <a:pPr/>
+              <a:t>26</a:t>
+            </a:fld>
+            <a:endParaRPr lang="nl-BE"/>
+          </a:p>
+        </p:txBody>
+      </p:sp>
+    </p:spTree>
+  </p:cSld>
+  <p:clrMapOvr>
+    <a:masterClrMapping/>
+  </p:clrMapOvr>
+</p:notes>
+</file>
+
+<file path=ppt/notesSlides/notesSlide24.xml><?xml version="1.0" encoding="utf-8"?>
+<p:notes xmlns:a="http://schemas.openxmlformats.org/drawingml/2006/main" xmlns:r="http://schemas.openxmlformats.org/officeDocument/2006/relationships" xmlns:p="http://schemas.openxmlformats.org/presentationml/2006/main">
+  <p:cSld>
+    <p:spTree>
+      <p:nvGrpSpPr>
+        <p:cNvPr id="1" name=""/>
+        <p:cNvGrpSpPr/>
+        <p:nvPr/>
+      </p:nvGrpSpPr>
+      <p:grpSpPr>
+        <a:xfrm>
+          <a:off x="0" y="0"/>
+          <a:ext cx="0" cy="0"/>
+          <a:chOff x="0" y="0"/>
+          <a:chExt cx="0" cy="0"/>
+        </a:xfrm>
+      </p:grpSpPr>
+      <p:sp>
+        <p:nvSpPr>
+          <p:cNvPr id="2" name="Slide Image Placeholder 1"/>
+          <p:cNvSpPr>
+            <a:spLocks noGrp="1" noRot="1" noChangeAspect="1"/>
+          </p:cNvSpPr>
+          <p:nvPr>
+            <p:ph type="sldImg"/>
+          </p:nvPr>
+        </p:nvSpPr>
+        <p:spPr/>
+      </p:sp>
+      <p:sp>
+        <p:nvSpPr>
+          <p:cNvPr id="3" name="Notes Placeholder 2"/>
+          <p:cNvSpPr>
+            <a:spLocks noGrp="1"/>
+          </p:cNvSpPr>
+          <p:nvPr>
+            <p:ph type="body" idx="1"/>
+          </p:nvPr>
+        </p:nvSpPr>
+        <p:spPr/>
+        <p:txBody>
+          <a:bodyPr>
+            <a:normAutofit/>
+          </a:bodyPr>
+          <a:lstStyle/>
+          <a:p>
+            <a:endParaRPr lang="nl-BE" dirty="0"/>
+          </a:p>
+        </p:txBody>
+      </p:sp>
+      <p:sp>
+        <p:nvSpPr>
+          <p:cNvPr id="4" name="Slide Number Placeholder 3"/>
+          <p:cNvSpPr>
+            <a:spLocks noGrp="1"/>
+          </p:cNvSpPr>
+          <p:nvPr>
+            <p:ph type="sldNum" sz="quarter" idx="10"/>
+          </p:nvPr>
+        </p:nvSpPr>
+        <p:spPr/>
+        <p:txBody>
+          <a:bodyPr/>
+          <a:lstStyle/>
+          <a:p>
+            <a:fld id="{A95F721D-B08F-41E9-83C2-423A43044BB2}" type="slidenum">
+              <a:rPr lang="nl-BE" smtClean="0"/>
+              <a:pPr/>
+              <a:t>27</a:t>
+            </a:fld>
+            <a:endParaRPr lang="nl-BE"/>
+          </a:p>
+        </p:txBody>
+      </p:sp>
+    </p:spTree>
+  </p:cSld>
+  <p:clrMapOvr>
+    <a:masterClrMapping/>
+  </p:clrMapOvr>
+</p:notes>
+</file>
+
+<file path=ppt/notesSlides/notesSlide25.xml><?xml version="1.0" encoding="utf-8"?>
+<p:notes xmlns:a="http://schemas.openxmlformats.org/drawingml/2006/main" xmlns:r="http://schemas.openxmlformats.org/officeDocument/2006/relationships" xmlns:p="http://schemas.openxmlformats.org/presentationml/2006/main">
+  <p:cSld>
+    <p:spTree>
+      <p:nvGrpSpPr>
+        <p:cNvPr id="1" name=""/>
+        <p:cNvGrpSpPr/>
+        <p:nvPr/>
+      </p:nvGrpSpPr>
+      <p:grpSpPr>
+        <a:xfrm>
+          <a:off x="0" y="0"/>
+          <a:ext cx="0" cy="0"/>
+          <a:chOff x="0" y="0"/>
+          <a:chExt cx="0" cy="0"/>
+        </a:xfrm>
+      </p:grpSpPr>
+      <p:sp>
+        <p:nvSpPr>
+          <p:cNvPr id="2" name="Slide Image Placeholder 1"/>
+          <p:cNvSpPr>
+            <a:spLocks noGrp="1" noRot="1" noChangeAspect="1"/>
+          </p:cNvSpPr>
+          <p:nvPr>
+            <p:ph type="sldImg"/>
+          </p:nvPr>
+        </p:nvSpPr>
+        <p:spPr/>
+      </p:sp>
+      <p:sp>
+        <p:nvSpPr>
+          <p:cNvPr id="3" name="Notes Placeholder 2"/>
+          <p:cNvSpPr>
+            <a:spLocks noGrp="1"/>
+          </p:cNvSpPr>
+          <p:nvPr>
+            <p:ph type="body" idx="1"/>
+          </p:nvPr>
+        </p:nvSpPr>
+        <p:spPr/>
+        <p:txBody>
+          <a:bodyPr>
+            <a:normAutofit/>
+          </a:bodyPr>
+          <a:lstStyle/>
+          <a:p>
+            <a:endParaRPr lang="nl-BE" dirty="0"/>
+          </a:p>
+        </p:txBody>
+      </p:sp>
+      <p:sp>
+        <p:nvSpPr>
+          <p:cNvPr id="4" name="Slide Number Placeholder 3"/>
+          <p:cNvSpPr>
+            <a:spLocks noGrp="1"/>
+          </p:cNvSpPr>
+          <p:nvPr>
+            <p:ph type="sldNum" sz="quarter" idx="10"/>
+          </p:nvPr>
+        </p:nvSpPr>
+        <p:spPr/>
+        <p:txBody>
+          <a:bodyPr/>
+          <a:lstStyle/>
+          <a:p>
+            <a:fld id="{A95F721D-B08F-41E9-83C2-423A43044BB2}" type="slidenum">
+              <a:rPr lang="nl-BE" smtClean="0"/>
+              <a:pPr/>
               <a:t>28</a:t>
+            </a:fld>
+            <a:endParaRPr lang="nl-BE"/>
+          </a:p>
+        </p:txBody>
+      </p:sp>
+    </p:spTree>
+  </p:cSld>
+  <p:clrMapOvr>
+    <a:masterClrMapping/>
+  </p:clrMapOvr>
+</p:notes>
+</file>
+
+<file path=ppt/notesSlides/notesSlide26.xml><?xml version="1.0" encoding="utf-8"?>
+<p:notes xmlns:a="http://schemas.openxmlformats.org/drawingml/2006/main" xmlns:r="http://schemas.openxmlformats.org/officeDocument/2006/relationships" xmlns:p="http://schemas.openxmlformats.org/presentationml/2006/main">
+  <p:cSld>
+    <p:spTree>
+      <p:nvGrpSpPr>
+        <p:cNvPr id="1" name=""/>
+        <p:cNvGrpSpPr/>
+        <p:nvPr/>
+      </p:nvGrpSpPr>
+      <p:grpSpPr>
+        <a:xfrm>
+          <a:off x="0" y="0"/>
+          <a:ext cx="0" cy="0"/>
+          <a:chOff x="0" y="0"/>
+          <a:chExt cx="0" cy="0"/>
+        </a:xfrm>
+      </p:grpSpPr>
+      <p:sp>
+        <p:nvSpPr>
+          <p:cNvPr id="2" name="Slide Image Placeholder 1"/>
+          <p:cNvSpPr>
+            <a:spLocks noGrp="1" noRot="1" noChangeAspect="1"/>
+          </p:cNvSpPr>
+          <p:nvPr>
+            <p:ph type="sldImg"/>
+          </p:nvPr>
+        </p:nvSpPr>
+        <p:spPr/>
+      </p:sp>
+      <p:sp>
+        <p:nvSpPr>
+          <p:cNvPr id="3" name="Notes Placeholder 2"/>
+          <p:cNvSpPr>
+            <a:spLocks noGrp="1"/>
+          </p:cNvSpPr>
+          <p:nvPr>
+            <p:ph type="body" idx="1"/>
+          </p:nvPr>
+        </p:nvSpPr>
+        <p:spPr/>
+        <p:txBody>
+          <a:bodyPr>
+            <a:normAutofit/>
+          </a:bodyPr>
+          <a:lstStyle/>
+          <a:p>
+            <a:endParaRPr lang="nl-BE" dirty="0"/>
+          </a:p>
+        </p:txBody>
+      </p:sp>
+      <p:sp>
+        <p:nvSpPr>
+          <p:cNvPr id="4" name="Slide Number Placeholder 3"/>
+          <p:cNvSpPr>
+            <a:spLocks noGrp="1"/>
+          </p:cNvSpPr>
+          <p:nvPr>
+            <p:ph type="sldNum" sz="quarter" idx="10"/>
+          </p:nvPr>
+        </p:nvSpPr>
+        <p:spPr/>
+        <p:txBody>
+          <a:bodyPr/>
+          <a:lstStyle/>
+          <a:p>
+            <a:fld id="{A95F721D-B08F-41E9-83C2-423A43044BB2}" type="slidenum">
+              <a:rPr lang="nl-BE" smtClean="0"/>
+              <a:pPr/>
+              <a:t>29</a:t>
             </a:fld>
             <a:endParaRPr lang="nl-BE"/>
           </a:p>
@@ -2075,6 +2574,10 @@
           </a:bodyPr>
           <a:lstStyle/>
           <a:p>
+            <a:r>
+              <a:rPr lang="nl-BE" dirty="0" smtClean="0"/>
+              <a:t>Our Business Case</a:t>
+            </a:r>
             <a:endParaRPr lang="nl-BE" dirty="0"/>
           </a:p>
         </p:txBody>
@@ -2097,7 +2600,7 @@
             <a:fld id="{A95F721D-B08F-41E9-83C2-423A43044BB2}" type="slidenum">
               <a:rPr lang="nl-BE" smtClean="0"/>
               <a:pPr/>
-              <a:t>6</a:t>
+              <a:t>4</a:t>
             </a:fld>
             <a:endParaRPr lang="nl-BE"/>
           </a:p>
@@ -2157,6 +2660,10 @@
           </a:bodyPr>
           <a:lstStyle/>
           <a:p>
+            <a:r>
+              <a:rPr lang="nl-BE" dirty="0" smtClean="0"/>
+              <a:t>Basic implementation -&gt; sketch</a:t>
+            </a:r>
             <a:endParaRPr lang="nl-BE" dirty="0"/>
           </a:p>
         </p:txBody>
@@ -2179,7 +2686,7 @@
             <a:fld id="{A95F721D-B08F-41E9-83C2-423A43044BB2}" type="slidenum">
               <a:rPr lang="nl-BE" smtClean="0"/>
               <a:pPr/>
-              <a:t>7</a:t>
+              <a:t>5</a:t>
             </a:fld>
             <a:endParaRPr lang="nl-BE"/>
           </a:p>
@@ -2241,9 +2748,18 @@
           <a:p>
             <a:r>
               <a:rPr lang="nl-BE" dirty="0" smtClean="0"/>
-              <a:t>Basic implementation -&gt; sketch</a:t>
-            </a:r>
-            <a:endParaRPr lang="nl-BE" dirty="0"/>
+              <a:t>Joe wants to order</a:t>
+            </a:r>
+            <a:r>
+              <a:rPr lang="nl-BE" baseline="0" dirty="0" smtClean="0"/>
+              <a:t> a sandwich.</a:t>
+            </a:r>
+          </a:p>
+          <a:p>
+            <a:r>
+              <a:rPr lang="nl-BE" baseline="0" dirty="0" smtClean="0"/>
+              <a:t>Joe gives €10 to Nancy, who logs on and adds the credits to Joe’s account.</a:t>
+            </a:r>
           </a:p>
         </p:txBody>
       </p:sp>
@@ -2265,7 +2781,7 @@
             <a:fld id="{A95F721D-B08F-41E9-83C2-423A43044BB2}" type="slidenum">
               <a:rPr lang="nl-BE" smtClean="0"/>
               <a:pPr/>
-              <a:t>8</a:t>
+              <a:t>6</a:t>
             </a:fld>
             <a:endParaRPr lang="nl-BE"/>
           </a:p>
@@ -2321,158 +2837,19 @@
         <p:spPr/>
         <p:txBody>
           <a:bodyPr>
-            <a:normAutofit lnSpcReduction="10000"/>
+            <a:normAutofit/>
           </a:bodyPr>
           <a:lstStyle/>
           <a:p>
             <a:r>
-              <a:rPr lang="nl-BE" u="sng" dirty="0" smtClean="0"/>
-              <a:t>Praktische zaken: </a:t>
-            </a:r>
-          </a:p>
-          <a:p>
-            <a:r>
-              <a:rPr lang="nl-BE" u="none" dirty="0" smtClean="0"/>
-              <a:t>-</a:t>
-            </a:r>
-            <a:r>
-              <a:rPr lang="nl-BE" u="none" baseline="0" dirty="0" smtClean="0"/>
-              <a:t>Vooraleer we beginnen aan deze korte workshop vragen we wie er straks mee wil coderen op zijn eigen laptop. </a:t>
-            </a:r>
-          </a:p>
-          <a:p>
-            <a:r>
-              <a:rPr lang="nl-BE" u="none" baseline="0" dirty="0" smtClean="0"/>
-              <a:t>-Deze personen vragen we hun laptop nu op te starten en de inhoud van de share te kopiëren naar hun laptop.</a:t>
-            </a:r>
-          </a:p>
-          <a:p>
-            <a:r>
-              <a:rPr lang="nl-BE" u="none" baseline="0" dirty="0" smtClean="0"/>
-              <a:t>	</a:t>
-            </a:r>
-            <a:endParaRPr lang="nl-BE" u="sng" baseline="0" dirty="0" smtClean="0"/>
-          </a:p>
-          <a:p>
-            <a:r>
-              <a:rPr lang="nl-BE" u="sng" baseline="0" dirty="0" smtClean="0"/>
-              <a:t>De workshop zelf:</a:t>
-            </a:r>
-          </a:p>
-          <a:p>
-            <a:r>
-              <a:rPr lang="nl-BE" u="none" baseline="0" dirty="0" smtClean="0"/>
-              <a:t>-Verdelen van de aanwezigen in groepjes van 5. (heterogeen)</a:t>
-            </a:r>
-            <a:endParaRPr lang="nl-BE" u="none" dirty="0" smtClean="0"/>
-          </a:p>
-          <a:p>
-            <a:pPr>
-              <a:buFontTx/>
-              <a:buChar char="-"/>
-            </a:pPr>
-            <a:r>
               <a:rPr lang="nl-BE" dirty="0" smtClean="0"/>
-              <a:t>We delen een index card van beide stories uit </a:t>
-            </a:r>
-            <a:r>
-              <a:rPr lang="nl-BE" baseline="0" dirty="0" smtClean="0"/>
-              <a:t>aan elk groepje.</a:t>
-            </a:r>
-          </a:p>
-          <a:p>
-            <a:pPr>
-              <a:buFontTx/>
-              <a:buChar char="-"/>
-            </a:pPr>
-            <a:r>
-              <a:rPr lang="nl-BE" baseline="0" dirty="0" smtClean="0"/>
-              <a:t>We delen ook een voorbeeld uit zodanig dat de deelnemers weten wat van hun verwacht wordt.</a:t>
-            </a:r>
-          </a:p>
-          <a:p>
-            <a:pPr>
-              <a:buFontTx/>
-              <a:buChar char="-"/>
-            </a:pPr>
-            <a:r>
-              <a:rPr lang="nl-BE" baseline="0" dirty="0" smtClean="0"/>
-              <a:t>Op het ene scherm laten we deze slide zien. (ook uitprinten en uitdelen voor iLean -&gt; 1 projector)</a:t>
-            </a:r>
-          </a:p>
-          <a:p>
-            <a:pPr>
-              <a:buFontTx/>
-              <a:buChar char="-"/>
-            </a:pPr>
-            <a:r>
-              <a:rPr lang="nl-BE" baseline="0" dirty="0" smtClean="0"/>
-              <a:t>Op de andere starten we de countdown timer van ZoomIt om 10 minuten wanneer de uitleg gedaan is en de groepjes gemaakt zijn.</a:t>
-            </a:r>
-          </a:p>
-          <a:p>
-            <a:pPr>
-              <a:buFontTx/>
-              <a:buChar char="-"/>
-            </a:pPr>
+              <a:t>Joe logs on and orders a Club Sandwich and a Tiramisu. He has €2 credit left.</a:t>
+            </a:r>
+          </a:p>
+          <a:p>
             <a:r>
               <a:rPr lang="nl-BE" dirty="0" smtClean="0"/>
-              <a:t>De</a:t>
-            </a:r>
-            <a:r>
-              <a:rPr lang="nl-BE" baseline="0" dirty="0" smtClean="0"/>
-              <a:t> mensen krijgen A4 papier en stiften ter beschikking om hun real world voorbeelden te noteren.</a:t>
-            </a:r>
-          </a:p>
-          <a:p>
-            <a:pPr>
-              <a:buFontTx/>
-              <a:buChar char="-"/>
-            </a:pPr>
-            <a:endParaRPr lang="nl-BE" baseline="0" dirty="0" smtClean="0"/>
-          </a:p>
-          <a:p>
-            <a:r>
-              <a:rPr lang="en-US" sz="1300" u="sng" dirty="0" smtClean="0"/>
-              <a:t>Some good questions to kick it off:</a:t>
-            </a:r>
-          </a:p>
-          <a:p>
-            <a:r>
-              <a:rPr lang="en-US" sz="1300" dirty="0" smtClean="0"/>
-              <a:t>- How do we verify that this thing we are going to write is implemented </a:t>
-            </a:r>
-            <a:r>
-              <a:rPr lang="nl-BE" sz="1300" b="1" dirty="0" smtClean="0"/>
-              <a:t>completely and correctly?</a:t>
-            </a:r>
-          </a:p>
-          <a:p>
-            <a:pPr>
-              <a:buFontTx/>
-              <a:buChar char="-"/>
-            </a:pPr>
-            <a:r>
-              <a:rPr lang="en-US" sz="1300" dirty="0" smtClean="0"/>
-              <a:t> Can you give us a few </a:t>
-            </a:r>
-            <a:r>
-              <a:rPr lang="en-US" sz="1300" b="1" dirty="0" smtClean="0"/>
-              <a:t>examples?</a:t>
-            </a:r>
-          </a:p>
-          <a:p>
-            <a:pPr>
-              <a:buFontTx/>
-              <a:buChar char="-"/>
-            </a:pPr>
-            <a:r>
-              <a:rPr lang="en-US" sz="1300" dirty="0" smtClean="0"/>
-              <a:t> Pretend it's magic and it's already delivered – </a:t>
-            </a:r>
-            <a:r>
-              <a:rPr lang="en-US" sz="1300" b="1" dirty="0" smtClean="0"/>
-              <a:t>how would you test it?</a:t>
+              <a:t>Nancy logs on again to print Today’s Orders.</a:t>
             </a:r>
             <a:endParaRPr lang="nl-BE" dirty="0"/>
           </a:p>
@@ -2496,7 +2873,7 @@
             <a:fld id="{A95F721D-B08F-41E9-83C2-423A43044BB2}" type="slidenum">
               <a:rPr lang="nl-BE" smtClean="0"/>
               <a:pPr/>
-              <a:t>11</a:t>
+              <a:t>7</a:t>
             </a:fld>
             <a:endParaRPr lang="nl-BE"/>
           </a:p>
@@ -2556,10 +2933,6 @@
           </a:bodyPr>
           <a:lstStyle/>
           <a:p>
-            <a:pPr>
-              <a:buFontTx/>
-              <a:buNone/>
-            </a:pPr>
             <a:endParaRPr lang="nl-BE" dirty="0"/>
           </a:p>
         </p:txBody>
@@ -2582,7 +2955,7 @@
             <a:fld id="{A95F721D-B08F-41E9-83C2-423A43044BB2}" type="slidenum">
               <a:rPr lang="nl-BE" smtClean="0"/>
               <a:pPr/>
-              <a:t>12</a:t>
+              <a:t>8</a:t>
             </a:fld>
             <a:endParaRPr lang="nl-BE"/>
           </a:p>
@@ -2638,19 +3011,188 @@
         <p:spPr/>
         <p:txBody>
           <a:bodyPr>
-            <a:normAutofit/>
+            <a:normAutofit lnSpcReduction="10000"/>
           </a:bodyPr>
           <a:lstStyle/>
           <a:p>
-            <a:pPr defTabSz="966612">
-              <a:defRPr/>
+            <a:r>
+              <a:rPr lang="nl-BE" u="sng" dirty="0" smtClean="0"/>
+              <a:t>Praktische zaken: </a:t>
+            </a:r>
+          </a:p>
+          <a:p>
+            <a:r>
+              <a:rPr lang="nl-BE" u="none" dirty="0" smtClean="0"/>
+              <a:t>-</a:t>
+            </a:r>
+            <a:r>
+              <a:rPr lang="nl-BE" u="none" baseline="0" dirty="0" smtClean="0"/>
+              <a:t>Vooraleer we beginnen aan deze korte workshop vragen we wie er straks mee wil coderen op zijn eigen laptop. </a:t>
+            </a:r>
+          </a:p>
+          <a:p>
+            <a:r>
+              <a:rPr lang="nl-BE" u="none" baseline="0" dirty="0" smtClean="0"/>
+              <a:t>-Deze personen vragen we hun laptop nu op te starten en de inhoud van de share te kopiëren naar hun laptop</a:t>
+            </a:r>
+            <a:r>
+              <a:rPr lang="nl-BE" u="none" baseline="0" dirty="0" smtClean="0"/>
+              <a:t>. (via GetLatest.bat)</a:t>
+            </a:r>
+          </a:p>
+          <a:p>
+            <a:r>
+              <a:rPr lang="nl-BE" u="none" baseline="0" dirty="0" smtClean="0"/>
+              <a:t>- We vermelden dat we niets installeren op de mensen hun laptops gedurende de ganse sessie (enkel xcopy deployment)</a:t>
+            </a:r>
+            <a:endParaRPr lang="nl-BE" u="none" baseline="0" dirty="0" smtClean="0"/>
+          </a:p>
+          <a:p>
+            <a:r>
+              <a:rPr lang="nl-BE" u="none" baseline="0" dirty="0" smtClean="0"/>
+              <a:t>	</a:t>
+            </a:r>
+            <a:endParaRPr lang="nl-BE" u="sng" baseline="0" dirty="0" smtClean="0"/>
+          </a:p>
+          <a:p>
+            <a:r>
+              <a:rPr lang="nl-BE" u="sng" baseline="0" dirty="0" smtClean="0"/>
+              <a:t>De workshop zelf:</a:t>
+            </a:r>
+          </a:p>
+          <a:p>
+            <a:r>
+              <a:rPr lang="nl-BE" u="none" baseline="0" dirty="0" smtClean="0"/>
+              <a:t>-Verdelen van de aanwezigen in groepjes van </a:t>
+            </a:r>
+            <a:r>
+              <a:rPr lang="nl-BE" u="none" baseline="0" dirty="0" smtClean="0"/>
+              <a:t>4. (liefst heterogeen</a:t>
+            </a:r>
+            <a:r>
+              <a:rPr lang="nl-BE" u="none" baseline="0" dirty="0" smtClean="0"/>
+              <a:t>)</a:t>
+            </a:r>
+            <a:endParaRPr lang="nl-BE" u="none" dirty="0" smtClean="0"/>
+          </a:p>
+          <a:p>
+            <a:pPr>
+              <a:buFontTx/>
+              <a:buChar char="-"/>
             </a:pPr>
             <a:r>
               <a:rPr lang="nl-BE" dirty="0" smtClean="0"/>
-              <a:t>Lets turn those examples into executable specifications to verify that we have build the right code.</a:t>
-            </a:r>
-          </a:p>
-          <a:p>
+              <a:t>We delen een index card van beide stories uit </a:t>
+            </a:r>
+            <a:r>
+              <a:rPr lang="nl-BE" baseline="0" dirty="0" smtClean="0"/>
+              <a:t>aan elk groepje.</a:t>
+            </a:r>
+          </a:p>
+          <a:p>
+            <a:pPr>
+              <a:buFontTx/>
+              <a:buChar char="-"/>
+            </a:pPr>
+            <a:r>
+              <a:rPr lang="nl-BE" baseline="0" dirty="0" smtClean="0"/>
+              <a:t>We delen ook een voorbeeld uit zodanig dat de deelnemers weten wat van hun verwacht wordt.</a:t>
+            </a:r>
+          </a:p>
+          <a:p>
+            <a:pPr>
+              <a:buFontTx/>
+              <a:buChar char="-"/>
+            </a:pPr>
+            <a:r>
+              <a:rPr lang="nl-BE" baseline="0" dirty="0" smtClean="0"/>
+              <a:t>Op het ene scherm laten we deze slide zien</a:t>
+            </a:r>
+            <a:r>
+              <a:rPr lang="nl-BE" baseline="0" dirty="0" smtClean="0"/>
+              <a:t>. (Pascal)</a:t>
+            </a:r>
+            <a:endParaRPr lang="nl-BE" baseline="0" dirty="0" smtClean="0"/>
+          </a:p>
+          <a:p>
+            <a:pPr>
+              <a:buFontTx/>
+              <a:buChar char="-"/>
+            </a:pPr>
+            <a:r>
+              <a:rPr lang="nl-BE" baseline="0" dirty="0" smtClean="0"/>
+              <a:t>Op de andere starten we de countdown timer van ZoomIt om 10 minuten wanneer de uitleg gedaan is en de groepjes gemaakt zijn</a:t>
+            </a:r>
+            <a:r>
+              <a:rPr lang="nl-BE" baseline="0" dirty="0" smtClean="0"/>
+              <a:t>. (Michel)</a:t>
+            </a:r>
+            <a:endParaRPr lang="nl-BE" baseline="0" dirty="0" smtClean="0"/>
+          </a:p>
+          <a:p>
+            <a:pPr>
+              <a:buFontTx/>
+              <a:buChar char="-"/>
+            </a:pPr>
+            <a:r>
+              <a:rPr lang="nl-BE" dirty="0" smtClean="0"/>
+              <a:t>De</a:t>
+            </a:r>
+            <a:r>
+              <a:rPr lang="nl-BE" baseline="0" dirty="0" smtClean="0"/>
+              <a:t> mensen krijgen A4 papier en stiften ter beschikking om hun real world voorbeelden te noteren.</a:t>
+            </a:r>
+          </a:p>
+          <a:p>
+            <a:pPr>
+              <a:buFontTx/>
+              <a:buChar char="-"/>
+            </a:pPr>
+            <a:endParaRPr lang="nl-BE" baseline="0" dirty="0" smtClean="0"/>
+          </a:p>
+          <a:p>
+            <a:r>
+              <a:rPr lang="en-US" sz="1300" u="sng" dirty="0" smtClean="0"/>
+              <a:t>Some good questions to kick it off:</a:t>
+            </a:r>
+          </a:p>
+          <a:p>
+            <a:r>
+              <a:rPr lang="en-US" sz="1300" dirty="0" smtClean="0"/>
+              <a:t>- How do we verify that this thing we are going to write is implemented </a:t>
+            </a:r>
+            <a:r>
+              <a:rPr lang="nl-BE" sz="1300" b="1" dirty="0" smtClean="0"/>
+              <a:t>completely and correctly?</a:t>
+            </a:r>
+          </a:p>
+          <a:p>
+            <a:pPr>
+              <a:buFontTx/>
+              <a:buChar char="-"/>
+            </a:pPr>
+            <a:r>
+              <a:rPr lang="en-US" sz="1300" dirty="0" smtClean="0"/>
+              <a:t> Can you give us a few </a:t>
+            </a:r>
+            <a:r>
+              <a:rPr lang="en-US" sz="1300" b="1" dirty="0" smtClean="0"/>
+              <a:t>examples?</a:t>
+            </a:r>
+          </a:p>
+          <a:p>
+            <a:pPr>
+              <a:buFontTx/>
+              <a:buChar char="-"/>
+            </a:pPr>
+            <a:r>
+              <a:rPr lang="en-US" sz="1300" dirty="0" smtClean="0"/>
+              <a:t> Pretend it's magic and it's already delivered – </a:t>
+            </a:r>
+            <a:r>
+              <a:rPr lang="en-US" sz="1300" b="1" dirty="0" smtClean="0"/>
+              <a:t>how would you test it?</a:t>
+            </a:r>
             <a:endParaRPr lang="nl-BE" dirty="0"/>
           </a:p>
         </p:txBody>
@@ -2673,7 +3215,7 @@
             <a:fld id="{A95F721D-B08F-41E9-83C2-423A43044BB2}" type="slidenum">
               <a:rPr lang="nl-BE" smtClean="0"/>
               <a:pPr/>
-              <a:t>13</a:t>
+              <a:t>11</a:t>
             </a:fld>
             <a:endParaRPr lang="nl-BE"/>
           </a:p>
@@ -2733,7 +3275,11 @@
           </a:bodyPr>
           <a:lstStyle/>
           <a:p>
-            <a:endParaRPr lang="nl-BE" baseline="0" dirty="0" smtClean="0"/>
+            <a:pPr>
+              <a:buFontTx/>
+              <a:buNone/>
+            </a:pPr>
+            <a:endParaRPr lang="nl-BE" dirty="0"/>
           </a:p>
         </p:txBody>
       </p:sp>
@@ -2755,7 +3301,7 @@
             <a:fld id="{A95F721D-B08F-41E9-83C2-423A43044BB2}" type="slidenum">
               <a:rPr lang="nl-BE" smtClean="0"/>
               <a:pPr/>
-              <a:t>14</a:t>
+              <a:t>12</a:t>
             </a:fld>
             <a:endParaRPr lang="nl-BE"/>
           </a:p>
@@ -3395,7 +3941,7 @@
             <a:fld id="{FB938823-3E05-40BA-BF51-A1BB5DC0A85F}" type="datetimeFigureOut">
               <a:rPr lang="nl-BE" smtClean="0"/>
               <a:pPr/>
-              <a:t>02/06/2009</a:t>
+              <a:t>03/06/2009</a:t>
             </a:fld>
             <a:endParaRPr lang="nl-BE"/>
           </a:p>
@@ -3593,7 +4139,7 @@
             <a:fld id="{FB938823-3E05-40BA-BF51-A1BB5DC0A85F}" type="datetimeFigureOut">
               <a:rPr lang="nl-BE" smtClean="0"/>
               <a:pPr/>
-              <a:t>02/06/2009</a:t>
+              <a:t>03/06/2009</a:t>
             </a:fld>
             <a:endParaRPr lang="nl-BE"/>
           </a:p>
@@ -3780,7 +4326,7 @@
             <a:fld id="{FB938823-3E05-40BA-BF51-A1BB5DC0A85F}" type="datetimeFigureOut">
               <a:rPr lang="nl-BE" smtClean="0"/>
               <a:pPr/>
-              <a:t>02/06/2009</a:t>
+              <a:t>03/06/2009</a:t>
             </a:fld>
             <a:endParaRPr lang="nl-BE"/>
           </a:p>
@@ -3932,7 +4478,7 @@
             <a:fld id="{FB938823-3E05-40BA-BF51-A1BB5DC0A85F}" type="datetimeFigureOut">
               <a:rPr lang="nl-BE" smtClean="0"/>
               <a:pPr/>
-              <a:t>02/06/2009</a:t>
+              <a:t>03/06/2009</a:t>
             </a:fld>
             <a:endParaRPr lang="nl-BE"/>
           </a:p>
@@ -4189,7 +4735,7 @@
             <a:fld id="{FB938823-3E05-40BA-BF51-A1BB5DC0A85F}" type="datetimeFigureOut">
               <a:rPr lang="nl-BE" smtClean="0"/>
               <a:pPr/>
-              <a:t>02/06/2009</a:t>
+              <a:t>03/06/2009</a:t>
             </a:fld>
             <a:endParaRPr lang="nl-BE"/>
           </a:p>
@@ -4600,7 +5146,7 @@
             <a:fld id="{FB938823-3E05-40BA-BF51-A1BB5DC0A85F}" type="datetimeFigureOut">
               <a:rPr lang="nl-BE" smtClean="0"/>
               <a:pPr/>
-              <a:t>02/06/2009</a:t>
+              <a:t>03/06/2009</a:t>
             </a:fld>
             <a:endParaRPr lang="nl-BE"/>
           </a:p>
@@ -5048,7 +5594,7 @@
             <a:fld id="{FB938823-3E05-40BA-BF51-A1BB5DC0A85F}" type="datetimeFigureOut">
               <a:rPr lang="nl-BE" smtClean="0"/>
               <a:pPr/>
-              <a:t>02/06/2009</a:t>
+              <a:t>03/06/2009</a:t>
             </a:fld>
             <a:endParaRPr lang="nl-BE"/>
           </a:p>
@@ -5151,7 +5697,7 @@
             <a:fld id="{FB938823-3E05-40BA-BF51-A1BB5DC0A85F}" type="datetimeFigureOut">
               <a:rPr lang="nl-BE" smtClean="0"/>
               <a:pPr/>
-              <a:t>02/06/2009</a:t>
+              <a:t>03/06/2009</a:t>
             </a:fld>
             <a:endParaRPr lang="nl-BE"/>
           </a:p>
@@ -5274,7 +5820,7 @@
             <a:fld id="{FB938823-3E05-40BA-BF51-A1BB5DC0A85F}" type="datetimeFigureOut">
               <a:rPr lang="nl-BE" smtClean="0"/>
               <a:pPr/>
-              <a:t>02/06/2009</a:t>
+              <a:t>03/06/2009</a:t>
             </a:fld>
             <a:endParaRPr lang="nl-BE"/>
           </a:p>
@@ -5550,7 +6096,7 @@
             <a:fld id="{FB938823-3E05-40BA-BF51-A1BB5DC0A85F}" type="datetimeFigureOut">
               <a:rPr lang="nl-BE" smtClean="0"/>
               <a:pPr/>
-              <a:t>02/06/2009</a:t>
+              <a:t>03/06/2009</a:t>
             </a:fld>
             <a:endParaRPr lang="nl-BE"/>
           </a:p>
@@ -5757,7 +6303,7 @@
             <a:fld id="{FB938823-3E05-40BA-BF51-A1BB5DC0A85F}" type="datetimeFigureOut">
               <a:rPr lang="nl-BE" smtClean="0"/>
               <a:pPr/>
-              <a:t>02/06/2009</a:t>
+              <a:t>03/06/2009</a:t>
             </a:fld>
             <a:endParaRPr lang="nl-BE"/>
           </a:p>
@@ -6868,7 +7414,7 @@
             <a:fld id="{FB938823-3E05-40BA-BF51-A1BB5DC0A85F}" type="datetimeFigureOut">
               <a:rPr lang="nl-BE" smtClean="0"/>
               <a:pPr/>
-              <a:t>02/06/2009</a:t>
+              <a:t>03/06/2009</a:t>
             </a:fld>
             <a:endParaRPr lang="nl-BE"/>
           </a:p>
@@ -8826,6 +9372,145 @@
           <a:chExt cx="0" cy="0"/>
         </a:xfrm>
       </p:grpSpPr>
+      <p:sp>
+        <p:nvSpPr>
+          <p:cNvPr id="2" name="Content Placeholder 1"/>
+          <p:cNvSpPr>
+            <a:spLocks noGrp="1"/>
+          </p:cNvSpPr>
+          <p:nvPr>
+            <p:ph idx="1"/>
+          </p:nvPr>
+        </p:nvSpPr>
+        <p:spPr/>
+        <p:txBody>
+          <a:bodyPr>
+            <a:normAutofit fontScale="92500" lnSpcReduction="10000"/>
+          </a:bodyPr>
+          <a:lstStyle/>
+          <a:p>
+            <a:pPr marL="624078" indent="-514350"/>
+            <a:r>
+              <a:rPr lang="nl-BE" dirty="0" smtClean="0"/>
+              <a:t>Introduction &amp; Specification Workshop (25’)</a:t>
+            </a:r>
+            <a:endParaRPr lang="nl-BE" dirty="0" smtClean="0"/>
+          </a:p>
+          <a:p>
+            <a:pPr marL="624078" indent="-514350"/>
+            <a:endParaRPr lang="nl-BE" i="1" dirty="0" smtClean="0"/>
+          </a:p>
+          <a:p>
+            <a:pPr marL="624078" indent="-514350"/>
+            <a:r>
+              <a:rPr lang="nl-BE" b="1" i="1" dirty="0" smtClean="0"/>
+              <a:t>Setup </a:t>
+            </a:r>
+            <a:r>
+              <a:rPr lang="nl-BE" b="1" i="1" dirty="0" smtClean="0"/>
+              <a:t>Fitnesse (10’)</a:t>
+            </a:r>
+            <a:endParaRPr lang="nl-BE" b="1" i="1" dirty="0" smtClean="0"/>
+          </a:p>
+          <a:p>
+            <a:pPr marL="624078" indent="-514350"/>
+            <a:endParaRPr lang="nl-BE" i="1" dirty="0" smtClean="0"/>
+          </a:p>
+          <a:p>
+            <a:pPr marL="624078" indent="-514350"/>
+            <a:r>
+              <a:rPr lang="nl-BE" dirty="0" smtClean="0"/>
+              <a:t>Iteration </a:t>
+            </a:r>
+            <a:r>
+              <a:rPr lang="nl-BE" dirty="0" smtClean="0"/>
+              <a:t>1 (25’)</a:t>
+            </a:r>
+            <a:endParaRPr lang="nl-BE" dirty="0" smtClean="0"/>
+          </a:p>
+          <a:p>
+            <a:pPr marL="624078" indent="-514350"/>
+            <a:endParaRPr lang="nl-BE" i="1" dirty="0" smtClean="0"/>
+          </a:p>
+          <a:p>
+            <a:pPr marL="624078" indent="-514350"/>
+            <a:r>
+              <a:rPr lang="nl-BE" dirty="0" smtClean="0"/>
+              <a:t>Iteration </a:t>
+            </a:r>
+            <a:r>
+              <a:rPr lang="nl-BE" dirty="0" smtClean="0"/>
+              <a:t>2 (20’)</a:t>
+            </a:r>
+            <a:endParaRPr lang="nl-BE" dirty="0" smtClean="0"/>
+          </a:p>
+          <a:p>
+            <a:pPr marL="624078" indent="-514350"/>
+            <a:endParaRPr lang="nl-BE" i="1" dirty="0" smtClean="0"/>
+          </a:p>
+          <a:p>
+            <a:pPr marL="624078" indent="-514350"/>
+            <a:r>
+              <a:rPr lang="nl-BE" dirty="0" smtClean="0"/>
+              <a:t>What’s in it for you</a:t>
+            </a:r>
+            <a:r>
+              <a:rPr lang="nl-BE" dirty="0" smtClean="0"/>
+              <a:t>? (5’)</a:t>
+            </a:r>
+          </a:p>
+          <a:p>
+            <a:pPr marL="624078" indent="-514350"/>
+            <a:endParaRPr lang="nl-BE" dirty="0" smtClean="0"/>
+          </a:p>
+          <a:p>
+            <a:pPr marL="624078" indent="-514350"/>
+            <a:r>
+              <a:rPr lang="nl-BE" dirty="0" smtClean="0"/>
+              <a:t>Retrospective (5’)</a:t>
+            </a:r>
+            <a:endParaRPr lang="nl-BE" dirty="0" smtClean="0"/>
+          </a:p>
+          <a:p>
+            <a:pPr marL="624078" indent="-514350"/>
+            <a:endParaRPr lang="nl-BE" i="1" dirty="0" smtClean="0"/>
+          </a:p>
+        </p:txBody>
+      </p:sp>
+      <p:sp>
+        <p:nvSpPr>
+          <p:cNvPr id="3" name="Title 2"/>
+          <p:cNvSpPr>
+            <a:spLocks noGrp="1"/>
+          </p:cNvSpPr>
+          <p:nvPr>
+            <p:ph type="title"/>
+          </p:nvPr>
+        </p:nvSpPr>
+        <p:spPr>
+          <a:xfrm>
+            <a:off x="457200" y="285728"/>
+            <a:ext cx="8229600" cy="1143000"/>
+          </a:xfrm>
+        </p:spPr>
+        <p:txBody>
+          <a:bodyPr>
+            <a:normAutofit fontScale="90000"/>
+          </a:bodyPr>
+          <a:lstStyle/>
+          <a:p>
+            <a:r>
+              <a:rPr lang="nl-BE" sz="3600" dirty="0" smtClean="0"/>
+              <a:t>Agile Acceptance Testing with </a:t>
+            </a:r>
+            <a:r>
+              <a:rPr lang="nl-BE" sz="3600" dirty="0" smtClean="0"/>
+              <a:t>Fitnesse</a:t>
+            </a:r>
+            <a:endParaRPr lang="nl-BE" sz="3600" dirty="0"/>
+          </a:p>
+        </p:txBody>
+      </p:sp>
       <p:pic>
         <p:nvPicPr>
           <p:cNvPr id="5" name="Picture 2" descr="C:\Users\pascmest\AppData\Local\Microsoft\Windows\Temporary Internet Files\Content.IE5\R67MQFYW\MPj04053960000[1].jpg"/>
@@ -8852,104 +9537,6 @@
           <a:noFill/>
         </p:spPr>
       </p:pic>
-      <p:sp>
-        <p:nvSpPr>
-          <p:cNvPr id="2" name="Content Placeholder 1"/>
-          <p:cNvSpPr>
-            <a:spLocks noGrp="1"/>
-          </p:cNvSpPr>
-          <p:nvPr>
-            <p:ph idx="1"/>
-          </p:nvPr>
-        </p:nvSpPr>
-        <p:spPr/>
-        <p:txBody>
-          <a:bodyPr>
-            <a:normAutofit/>
-          </a:bodyPr>
-          <a:lstStyle/>
-          <a:p>
-            <a:pPr marL="624078" indent="-514350"/>
-            <a:r>
-              <a:rPr lang="nl-BE" dirty="0" smtClean="0"/>
-              <a:t>Specification Workshop</a:t>
-            </a:r>
-          </a:p>
-          <a:p>
-            <a:pPr marL="624078" indent="-514350"/>
-            <a:endParaRPr lang="nl-BE" i="1" dirty="0" smtClean="0"/>
-          </a:p>
-          <a:p>
-            <a:pPr marL="624078" indent="-514350"/>
-            <a:r>
-              <a:rPr lang="nl-BE" b="1" i="1" dirty="0" smtClean="0"/>
-              <a:t>Setup Fitnesse</a:t>
-            </a:r>
-          </a:p>
-          <a:p>
-            <a:pPr marL="624078" indent="-514350"/>
-            <a:endParaRPr lang="nl-BE" i="1" dirty="0" smtClean="0"/>
-          </a:p>
-          <a:p>
-            <a:pPr marL="624078" indent="-514350"/>
-            <a:r>
-              <a:rPr lang="nl-BE" dirty="0" smtClean="0"/>
-              <a:t>Iteration 1</a:t>
-            </a:r>
-          </a:p>
-          <a:p>
-            <a:pPr marL="624078" indent="-514350"/>
-            <a:endParaRPr lang="nl-BE" dirty="0" smtClean="0"/>
-          </a:p>
-          <a:p>
-            <a:pPr marL="624078" indent="-514350"/>
-            <a:r>
-              <a:rPr lang="nl-BE" dirty="0" smtClean="0"/>
-              <a:t>Iteration 2</a:t>
-            </a:r>
-          </a:p>
-          <a:p>
-            <a:pPr marL="624078" indent="-514350"/>
-            <a:endParaRPr lang="nl-BE" dirty="0" smtClean="0"/>
-          </a:p>
-          <a:p>
-            <a:pPr marL="624078" indent="-514350"/>
-            <a:r>
-              <a:rPr lang="nl-BE" dirty="0" smtClean="0"/>
-              <a:t>What’s in it for you?</a:t>
-            </a:r>
-          </a:p>
-          <a:p>
-            <a:pPr marL="624078" indent="-514350"/>
-            <a:endParaRPr lang="nl-BE" i="1" dirty="0" smtClean="0"/>
-          </a:p>
-        </p:txBody>
-      </p:sp>
-      <p:sp>
-        <p:nvSpPr>
-          <p:cNvPr id="3" name="Title 2"/>
-          <p:cNvSpPr>
-            <a:spLocks noGrp="1"/>
-          </p:cNvSpPr>
-          <p:nvPr>
-            <p:ph type="title"/>
-          </p:nvPr>
-        </p:nvSpPr>
-        <p:spPr/>
-        <p:txBody>
-          <a:bodyPr>
-            <a:normAutofit fontScale="90000"/>
-          </a:bodyPr>
-          <a:lstStyle/>
-          <a:p>
-            <a:r>
-              <a:rPr lang="nl-BE" sz="3600" dirty="0" smtClean="0"/>
-              <a:t>Agile Acceptance Testing with Fitnesse</a:t>
-            </a:r>
-            <a:endParaRPr lang="nl-BE" sz="3600" dirty="0"/>
-          </a:p>
-        </p:txBody>
-      </p:sp>
     </p:spTree>
   </p:cSld>
   <p:clrMapOvr>
@@ -10387,6 +10974,145 @@
           <a:chExt cx="0" cy="0"/>
         </a:xfrm>
       </p:grpSpPr>
+      <p:sp>
+        <p:nvSpPr>
+          <p:cNvPr id="2" name="Content Placeholder 1"/>
+          <p:cNvSpPr>
+            <a:spLocks noGrp="1"/>
+          </p:cNvSpPr>
+          <p:nvPr>
+            <p:ph idx="1"/>
+          </p:nvPr>
+        </p:nvSpPr>
+        <p:spPr/>
+        <p:txBody>
+          <a:bodyPr>
+            <a:normAutofit fontScale="92500" lnSpcReduction="10000"/>
+          </a:bodyPr>
+          <a:lstStyle/>
+          <a:p>
+            <a:pPr marL="624078" indent="-514350"/>
+            <a:r>
+              <a:rPr lang="nl-BE" dirty="0" smtClean="0"/>
+              <a:t>Introduction &amp; Specification Workshop (25’)</a:t>
+            </a:r>
+            <a:endParaRPr lang="nl-BE" dirty="0" smtClean="0"/>
+          </a:p>
+          <a:p>
+            <a:pPr marL="624078" indent="-514350"/>
+            <a:endParaRPr lang="nl-BE" i="1" dirty="0" smtClean="0"/>
+          </a:p>
+          <a:p>
+            <a:pPr marL="624078" indent="-514350"/>
+            <a:r>
+              <a:rPr lang="nl-BE" dirty="0" smtClean="0"/>
+              <a:t>Setup </a:t>
+            </a:r>
+            <a:r>
+              <a:rPr lang="nl-BE" dirty="0" smtClean="0"/>
+              <a:t>Fitnesse (10’)</a:t>
+            </a:r>
+            <a:endParaRPr lang="nl-BE" dirty="0" smtClean="0"/>
+          </a:p>
+          <a:p>
+            <a:pPr marL="624078" indent="-514350"/>
+            <a:endParaRPr lang="nl-BE" i="1" dirty="0" smtClean="0"/>
+          </a:p>
+          <a:p>
+            <a:pPr marL="624078" indent="-514350"/>
+            <a:r>
+              <a:rPr lang="nl-BE" b="1" i="1" dirty="0" smtClean="0"/>
+              <a:t>Iteration </a:t>
+            </a:r>
+            <a:r>
+              <a:rPr lang="nl-BE" b="1" i="1" dirty="0" smtClean="0"/>
+              <a:t>1 (25’)</a:t>
+            </a:r>
+            <a:endParaRPr lang="nl-BE" b="1" i="1" dirty="0" smtClean="0"/>
+          </a:p>
+          <a:p>
+            <a:pPr marL="624078" indent="-514350"/>
+            <a:endParaRPr lang="nl-BE" i="1" dirty="0" smtClean="0"/>
+          </a:p>
+          <a:p>
+            <a:pPr marL="624078" indent="-514350"/>
+            <a:r>
+              <a:rPr lang="nl-BE" dirty="0" smtClean="0"/>
+              <a:t>Iteration </a:t>
+            </a:r>
+            <a:r>
+              <a:rPr lang="nl-BE" dirty="0" smtClean="0"/>
+              <a:t>2 (20’)</a:t>
+            </a:r>
+            <a:endParaRPr lang="nl-BE" dirty="0" smtClean="0"/>
+          </a:p>
+          <a:p>
+            <a:pPr marL="624078" indent="-514350"/>
+            <a:endParaRPr lang="nl-BE" i="1" dirty="0" smtClean="0"/>
+          </a:p>
+          <a:p>
+            <a:pPr marL="624078" indent="-514350"/>
+            <a:r>
+              <a:rPr lang="nl-BE" dirty="0" smtClean="0"/>
+              <a:t>What’s in it for you</a:t>
+            </a:r>
+            <a:r>
+              <a:rPr lang="nl-BE" dirty="0" smtClean="0"/>
+              <a:t>? (5’)</a:t>
+            </a:r>
+          </a:p>
+          <a:p>
+            <a:pPr marL="624078" indent="-514350"/>
+            <a:endParaRPr lang="nl-BE" dirty="0" smtClean="0"/>
+          </a:p>
+          <a:p>
+            <a:pPr marL="624078" indent="-514350"/>
+            <a:r>
+              <a:rPr lang="nl-BE" dirty="0" smtClean="0"/>
+              <a:t>Retrospective (5’)</a:t>
+            </a:r>
+            <a:endParaRPr lang="nl-BE" dirty="0" smtClean="0"/>
+          </a:p>
+          <a:p>
+            <a:pPr marL="624078" indent="-514350"/>
+            <a:endParaRPr lang="nl-BE" i="1" dirty="0" smtClean="0"/>
+          </a:p>
+        </p:txBody>
+      </p:sp>
+      <p:sp>
+        <p:nvSpPr>
+          <p:cNvPr id="3" name="Title 2"/>
+          <p:cNvSpPr>
+            <a:spLocks noGrp="1"/>
+          </p:cNvSpPr>
+          <p:nvPr>
+            <p:ph type="title"/>
+          </p:nvPr>
+        </p:nvSpPr>
+        <p:spPr>
+          <a:xfrm>
+            <a:off x="457200" y="285728"/>
+            <a:ext cx="8229600" cy="1143000"/>
+          </a:xfrm>
+        </p:spPr>
+        <p:txBody>
+          <a:bodyPr>
+            <a:normAutofit fontScale="90000"/>
+          </a:bodyPr>
+          <a:lstStyle/>
+          <a:p>
+            <a:r>
+              <a:rPr lang="nl-BE" sz="3600" dirty="0" smtClean="0"/>
+              <a:t>Agile Acceptance Testing with </a:t>
+            </a:r>
+            <a:r>
+              <a:rPr lang="nl-BE" sz="3600" dirty="0" smtClean="0"/>
+              <a:t>Fitnesse</a:t>
+            </a:r>
+            <a:endParaRPr lang="nl-BE" sz="3600" dirty="0"/>
+          </a:p>
+        </p:txBody>
+      </p:sp>
       <p:pic>
         <p:nvPicPr>
           <p:cNvPr id="5" name="Picture 2" descr="C:\Users\pascmest\AppData\Local\Microsoft\Windows\Temporary Internet Files\Content.IE5\R67MQFYW\MPj04053960000[1].jpg"/>
@@ -10413,104 +11139,6 @@
           <a:noFill/>
         </p:spPr>
       </p:pic>
-      <p:sp>
-        <p:nvSpPr>
-          <p:cNvPr id="2" name="Content Placeholder 1"/>
-          <p:cNvSpPr>
-            <a:spLocks noGrp="1"/>
-          </p:cNvSpPr>
-          <p:nvPr>
-            <p:ph idx="1"/>
-          </p:nvPr>
-        </p:nvSpPr>
-        <p:spPr/>
-        <p:txBody>
-          <a:bodyPr>
-            <a:normAutofit/>
-          </a:bodyPr>
-          <a:lstStyle/>
-          <a:p>
-            <a:pPr marL="624078" indent="-514350"/>
-            <a:r>
-              <a:rPr lang="nl-BE" dirty="0" smtClean="0"/>
-              <a:t>Specification Workshop</a:t>
-            </a:r>
-          </a:p>
-          <a:p>
-            <a:pPr marL="624078" indent="-514350"/>
-            <a:endParaRPr lang="nl-BE" dirty="0" smtClean="0"/>
-          </a:p>
-          <a:p>
-            <a:pPr marL="624078" indent="-514350"/>
-            <a:r>
-              <a:rPr lang="nl-BE" dirty="0" smtClean="0"/>
-              <a:t>Setup Fitnesse</a:t>
-            </a:r>
-          </a:p>
-          <a:p>
-            <a:pPr marL="624078" indent="-514350"/>
-            <a:endParaRPr lang="nl-BE" i="1" dirty="0" smtClean="0"/>
-          </a:p>
-          <a:p>
-            <a:pPr marL="624078" indent="-514350"/>
-            <a:r>
-              <a:rPr lang="nl-BE" b="1" i="1" dirty="0" smtClean="0"/>
-              <a:t>Iteration 1</a:t>
-            </a:r>
-          </a:p>
-          <a:p>
-            <a:pPr marL="624078" indent="-514350"/>
-            <a:endParaRPr lang="nl-BE" b="1" i="1" dirty="0" smtClean="0"/>
-          </a:p>
-          <a:p>
-            <a:pPr marL="624078" indent="-514350"/>
-            <a:r>
-              <a:rPr lang="nl-BE" dirty="0" smtClean="0"/>
-              <a:t>Iteration 2</a:t>
-            </a:r>
-          </a:p>
-          <a:p>
-            <a:pPr marL="624078" indent="-514350"/>
-            <a:endParaRPr lang="nl-BE" dirty="0" smtClean="0"/>
-          </a:p>
-          <a:p>
-            <a:pPr marL="624078" indent="-514350"/>
-            <a:r>
-              <a:rPr lang="nl-BE" dirty="0" smtClean="0"/>
-              <a:t>What’s in it for you?</a:t>
-            </a:r>
-          </a:p>
-          <a:p>
-            <a:pPr marL="624078" indent="-514350"/>
-            <a:endParaRPr lang="nl-BE" i="1" dirty="0" smtClean="0"/>
-          </a:p>
-        </p:txBody>
-      </p:sp>
-      <p:sp>
-        <p:nvSpPr>
-          <p:cNvPr id="3" name="Title 2"/>
-          <p:cNvSpPr>
-            <a:spLocks noGrp="1"/>
-          </p:cNvSpPr>
-          <p:nvPr>
-            <p:ph type="title"/>
-          </p:nvPr>
-        </p:nvSpPr>
-        <p:spPr/>
-        <p:txBody>
-          <a:bodyPr>
-            <a:normAutofit fontScale="90000"/>
-          </a:bodyPr>
-          <a:lstStyle/>
-          <a:p>
-            <a:r>
-              <a:rPr lang="nl-BE" sz="3600" dirty="0" smtClean="0"/>
-              <a:t>Agile Acceptance Testing with Fitnesse</a:t>
-            </a:r>
-            <a:endParaRPr lang="nl-BE" sz="3600" dirty="0"/>
-          </a:p>
-        </p:txBody>
-      </p:sp>
     </p:spTree>
   </p:cSld>
   <p:clrMapOvr>
@@ -10527,6 +11155,1651 @@
 </file>
 
 <file path=ppt/slides/slide19.xml><?xml version="1.0" encoding="utf-8"?>
+<p:sld xmlns:a="http://schemas.openxmlformats.org/drawingml/2006/main" xmlns:r="http://schemas.openxmlformats.org/officeDocument/2006/relationships" xmlns:p="http://schemas.openxmlformats.org/presentationml/2006/main">
+  <p:cSld>
+    <p:spTree>
+      <p:nvGrpSpPr>
+        <p:cNvPr id="1" name=""/>
+        <p:cNvGrpSpPr/>
+        <p:nvPr/>
+      </p:nvGrpSpPr>
+      <p:grpSpPr>
+        <a:xfrm>
+          <a:off x="0" y="0"/>
+          <a:ext cx="0" cy="0"/>
+          <a:chOff x="0" y="0"/>
+          <a:chExt cx="0" cy="0"/>
+        </a:xfrm>
+      </p:grpSpPr>
+      <p:pic>
+        <p:nvPicPr>
+          <p:cNvPr id="1026" name="Picture 2"/>
+          <p:cNvPicPr>
+            <a:picLocks noChangeAspect="1" noChangeArrowheads="1"/>
+          </p:cNvPicPr>
+          <p:nvPr/>
+        </p:nvPicPr>
+        <p:blipFill>
+          <a:blip r:embed="rId3" cstate="print"/>
+          <a:srcRect/>
+          <a:stretch>
+            <a:fillRect/>
+          </a:stretch>
+        </p:blipFill>
+        <p:spPr bwMode="auto">
+          <a:xfrm>
+            <a:off x="1357290" y="2767015"/>
+            <a:ext cx="3019425" cy="1019175"/>
+          </a:xfrm>
+          <a:prstGeom prst="rect">
+            <a:avLst/>
+          </a:prstGeom>
+          <a:noFill/>
+          <a:ln w="9525">
+            <a:noFill/>
+            <a:miter lim="800000"/>
+            <a:headEnd/>
+            <a:tailEnd/>
+          </a:ln>
+        </p:spPr>
+      </p:pic>
+      <p:sp>
+        <p:nvSpPr>
+          <p:cNvPr id="2" name="Title 1"/>
+          <p:cNvSpPr>
+            <a:spLocks noGrp="1"/>
+          </p:cNvSpPr>
+          <p:nvPr>
+            <p:ph type="title"/>
+          </p:nvPr>
+        </p:nvSpPr>
+        <p:spPr/>
+        <p:txBody>
+          <a:bodyPr/>
+          <a:lstStyle/>
+          <a:p>
+            <a:r>
+              <a:rPr lang="nl-BE" dirty="0" smtClean="0"/>
+              <a:t>DoFixture:</a:t>
+            </a:r>
+            <a:endParaRPr lang="nl-BE" dirty="0"/>
+          </a:p>
+        </p:txBody>
+      </p:sp>
+      <p:cxnSp>
+        <p:nvCxnSpPr>
+          <p:cNvPr id="6" name="Straight Arrow Connector 5"/>
+          <p:cNvCxnSpPr/>
+          <p:nvPr/>
+        </p:nvCxnSpPr>
+        <p:spPr>
+          <a:xfrm flipV="1">
+            <a:off x="2143108" y="2214554"/>
+            <a:ext cx="1928826" cy="642942"/>
+          </a:xfrm>
+          <a:prstGeom prst="straightConnector1">
+            <a:avLst/>
+          </a:prstGeom>
+          <a:ln w="25400" cmpd="sng">
+            <a:solidFill>
+              <a:srgbClr val="FF0000"/>
+            </a:solidFill>
+            <a:tailEnd type="arrow"/>
+          </a:ln>
+        </p:spPr>
+        <p:style>
+          <a:lnRef idx="1">
+            <a:schemeClr val="accent1"/>
+          </a:lnRef>
+          <a:fillRef idx="0">
+            <a:schemeClr val="accent1"/>
+          </a:fillRef>
+          <a:effectRef idx="0">
+            <a:schemeClr val="accent1"/>
+          </a:effectRef>
+          <a:fontRef idx="minor">
+            <a:schemeClr val="tx1"/>
+          </a:fontRef>
+        </p:style>
+      </p:cxnSp>
+      <p:sp>
+        <p:nvSpPr>
+          <p:cNvPr id="19" name="TextBox 18"/>
+          <p:cNvSpPr txBox="1"/>
+          <p:nvPr/>
+        </p:nvSpPr>
+        <p:spPr>
+          <a:xfrm>
+            <a:off x="500034" y="1119830"/>
+            <a:ext cx="4312399" cy="523220"/>
+          </a:xfrm>
+          <a:prstGeom prst="rect">
+            <a:avLst/>
+          </a:prstGeom>
+          <a:noFill/>
+        </p:spPr>
+        <p:txBody>
+          <a:bodyPr wrap="none" rtlCol="0">
+            <a:spAutoFit/>
+          </a:bodyPr>
+          <a:lstStyle/>
+          <a:p>
+            <a:r>
+              <a:rPr lang="nl-BE" sz="2800" dirty="0" smtClean="0">
+                <a:effectLst>
+                  <a:outerShdw blurRad="38100" dist="38100" dir="2700000" algn="tl">
+                    <a:srgbClr val="000000">
+                      <a:alpha val="43137"/>
+                    </a:srgbClr>
+                  </a:outerShdw>
+                </a:effectLst>
+              </a:rPr>
+              <a:t>Your own test language</a:t>
+            </a:r>
+            <a:endParaRPr lang="nl-BE" sz="2800" dirty="0">
+              <a:effectLst>
+                <a:outerShdw blurRad="38100" dist="38100" dir="2700000" algn="tl">
+                  <a:srgbClr val="000000">
+                    <a:alpha val="43137"/>
+                  </a:srgbClr>
+                </a:outerShdw>
+              </a:effectLst>
+            </a:endParaRPr>
+          </a:p>
+        </p:txBody>
+      </p:sp>
+      <p:cxnSp>
+        <p:nvCxnSpPr>
+          <p:cNvPr id="10" name="Straight Arrow Connector 9"/>
+          <p:cNvCxnSpPr/>
+          <p:nvPr/>
+        </p:nvCxnSpPr>
+        <p:spPr>
+          <a:xfrm>
+            <a:off x="1643042" y="3714752"/>
+            <a:ext cx="1500198" cy="1143008"/>
+          </a:xfrm>
+          <a:prstGeom prst="straightConnector1">
+            <a:avLst/>
+          </a:prstGeom>
+          <a:ln w="25400" cmpd="sng">
+            <a:solidFill>
+              <a:srgbClr val="FF0000"/>
+            </a:solidFill>
+            <a:tailEnd type="arrow"/>
+          </a:ln>
+        </p:spPr>
+        <p:style>
+          <a:lnRef idx="1">
+            <a:schemeClr val="accent1"/>
+          </a:lnRef>
+          <a:fillRef idx="0">
+            <a:schemeClr val="accent1"/>
+          </a:fillRef>
+          <a:effectRef idx="0">
+            <a:schemeClr val="accent1"/>
+          </a:effectRef>
+          <a:fontRef idx="minor">
+            <a:schemeClr val="tx1"/>
+          </a:fontRef>
+        </p:style>
+      </p:cxnSp>
+      <p:cxnSp>
+        <p:nvCxnSpPr>
+          <p:cNvPr id="15" name="Straight Arrow Connector 14"/>
+          <p:cNvCxnSpPr/>
+          <p:nvPr/>
+        </p:nvCxnSpPr>
+        <p:spPr>
+          <a:xfrm rot="16200000" flipH="1">
+            <a:off x="3036083" y="4036223"/>
+            <a:ext cx="1143008" cy="500066"/>
+          </a:xfrm>
+          <a:prstGeom prst="straightConnector1">
+            <a:avLst/>
+          </a:prstGeom>
+          <a:ln w="25400" cmpd="sng">
+            <a:solidFill>
+              <a:srgbClr val="FF0000"/>
+            </a:solidFill>
+            <a:tailEnd type="arrow"/>
+          </a:ln>
+        </p:spPr>
+        <p:style>
+          <a:lnRef idx="1">
+            <a:schemeClr val="accent1"/>
+          </a:lnRef>
+          <a:fillRef idx="0">
+            <a:schemeClr val="accent1"/>
+          </a:fillRef>
+          <a:effectRef idx="0">
+            <a:schemeClr val="accent1"/>
+          </a:effectRef>
+          <a:fontRef idx="minor">
+            <a:schemeClr val="tx1"/>
+          </a:fontRef>
+        </p:style>
+      </p:cxnSp>
+      <p:cxnSp>
+        <p:nvCxnSpPr>
+          <p:cNvPr id="34" name="Straight Arrow Connector 33"/>
+          <p:cNvCxnSpPr>
+            <a:stCxn id="1026" idx="2"/>
+          </p:cNvCxnSpPr>
+          <p:nvPr/>
+        </p:nvCxnSpPr>
+        <p:spPr>
+          <a:xfrm rot="16200000" flipH="1">
+            <a:off x="3755220" y="2897972"/>
+            <a:ext cx="1000132" cy="2776567"/>
+          </a:xfrm>
+          <a:prstGeom prst="straightConnector1">
+            <a:avLst/>
+          </a:prstGeom>
+          <a:ln w="25400" cmpd="sng">
+            <a:solidFill>
+              <a:srgbClr val="FF0000"/>
+            </a:solidFill>
+            <a:tailEnd type="arrow"/>
+          </a:ln>
+        </p:spPr>
+        <p:style>
+          <a:lnRef idx="1">
+            <a:schemeClr val="accent1"/>
+          </a:lnRef>
+          <a:fillRef idx="0">
+            <a:schemeClr val="accent1"/>
+          </a:fillRef>
+          <a:effectRef idx="0">
+            <a:schemeClr val="accent1"/>
+          </a:effectRef>
+          <a:fontRef idx="minor">
+            <a:schemeClr val="tx1"/>
+          </a:fontRef>
+        </p:style>
+      </p:cxnSp>
+      <p:cxnSp>
+        <p:nvCxnSpPr>
+          <p:cNvPr id="39" name="Straight Arrow Connector 38"/>
+          <p:cNvCxnSpPr/>
+          <p:nvPr/>
+        </p:nvCxnSpPr>
+        <p:spPr>
+          <a:xfrm>
+            <a:off x="4143372" y="3714752"/>
+            <a:ext cx="3000396" cy="1071570"/>
+          </a:xfrm>
+          <a:prstGeom prst="straightConnector1">
+            <a:avLst/>
+          </a:prstGeom>
+          <a:ln w="25400" cmpd="sng">
+            <a:solidFill>
+              <a:srgbClr val="FF0000"/>
+            </a:solidFill>
+            <a:tailEnd type="arrow"/>
+          </a:ln>
+        </p:spPr>
+        <p:style>
+          <a:lnRef idx="1">
+            <a:schemeClr val="accent1"/>
+          </a:lnRef>
+          <a:fillRef idx="0">
+            <a:schemeClr val="accent1"/>
+          </a:fillRef>
+          <a:effectRef idx="0">
+            <a:schemeClr val="accent1"/>
+          </a:effectRef>
+          <a:fontRef idx="minor">
+            <a:schemeClr val="tx1"/>
+          </a:fontRef>
+        </p:style>
+      </p:cxnSp>
+      <p:pic>
+        <p:nvPicPr>
+          <p:cNvPr id="1027" name="Picture 3"/>
+          <p:cNvPicPr>
+            <a:picLocks noChangeAspect="1" noChangeArrowheads="1"/>
+          </p:cNvPicPr>
+          <p:nvPr/>
+        </p:nvPicPr>
+        <p:blipFill>
+          <a:blip r:embed="rId4" cstate="print"/>
+          <a:srcRect/>
+          <a:stretch>
+            <a:fillRect/>
+          </a:stretch>
+        </p:blipFill>
+        <p:spPr bwMode="auto">
+          <a:xfrm>
+            <a:off x="2643174" y="1857364"/>
+            <a:ext cx="3067050" cy="247650"/>
+          </a:xfrm>
+          <a:prstGeom prst="rect">
+            <a:avLst/>
+          </a:prstGeom>
+          <a:noFill/>
+          <a:ln w="9525">
+            <a:noFill/>
+            <a:miter lim="800000"/>
+            <a:headEnd/>
+            <a:tailEnd/>
+          </a:ln>
+        </p:spPr>
+      </p:pic>
+      <p:pic>
+        <p:nvPicPr>
+          <p:cNvPr id="1028" name="Picture 4"/>
+          <p:cNvPicPr>
+            <a:picLocks noChangeAspect="1" noChangeArrowheads="1"/>
+          </p:cNvPicPr>
+          <p:nvPr/>
+        </p:nvPicPr>
+        <p:blipFill>
+          <a:blip r:embed="rId5" cstate="print"/>
+          <a:srcRect/>
+          <a:stretch>
+            <a:fillRect/>
+          </a:stretch>
+        </p:blipFill>
+        <p:spPr bwMode="auto">
+          <a:xfrm>
+            <a:off x="1928794" y="5286388"/>
+            <a:ext cx="5972175" cy="247650"/>
+          </a:xfrm>
+          <a:prstGeom prst="rect">
+            <a:avLst/>
+          </a:prstGeom>
+          <a:noFill/>
+          <a:ln w="9525">
+            <a:noFill/>
+            <a:miter lim="800000"/>
+            <a:headEnd/>
+            <a:tailEnd/>
+          </a:ln>
+        </p:spPr>
+      </p:pic>
+      <p:pic>
+        <p:nvPicPr>
+          <p:cNvPr id="1029" name="Picture 5"/>
+          <p:cNvPicPr>
+            <a:picLocks noChangeAspect="1" noChangeArrowheads="1"/>
+          </p:cNvPicPr>
+          <p:nvPr/>
+        </p:nvPicPr>
+        <p:blipFill>
+          <a:blip r:embed="rId6" cstate="print"/>
+          <a:srcRect/>
+          <a:stretch>
+            <a:fillRect/>
+          </a:stretch>
+        </p:blipFill>
+        <p:spPr bwMode="auto">
+          <a:xfrm>
+            <a:off x="1928794" y="4929198"/>
+            <a:ext cx="5867400" cy="238125"/>
+          </a:xfrm>
+          <a:prstGeom prst="rect">
+            <a:avLst/>
+          </a:prstGeom>
+          <a:noFill/>
+          <a:ln w="9525">
+            <a:noFill/>
+            <a:miter lim="800000"/>
+            <a:headEnd/>
+            <a:tailEnd/>
+          </a:ln>
+        </p:spPr>
+      </p:pic>
+    </p:spTree>
+  </p:cSld>
+  <p:clrMapOvr>
+    <a:masterClrMapping/>
+  </p:clrMapOvr>
+  <p:timing>
+    <p:tnLst>
+      <p:par>
+        <p:cTn id="1" dur="indefinite" restart="never" nodeType="tmRoot">
+          <p:childTnLst>
+            <p:seq concurrent="1" nextAc="seek">
+              <p:cTn id="2" dur="indefinite" nodeType="mainSeq">
+                <p:childTnLst>
+                  <p:par>
+                    <p:cTn id="3" fill="hold">
+                      <p:stCondLst>
+                        <p:cond delay="indefinite"/>
+                      </p:stCondLst>
+                      <p:childTnLst>
+                        <p:par>
+                          <p:cTn id="4" fill="hold">
+                            <p:stCondLst>
+                              <p:cond delay="0"/>
+                            </p:stCondLst>
+                            <p:childTnLst>
+                              <p:par>
+                                <p:cTn id="5" presetID="1" presetClass="entr" presetSubtype="0" fill="hold" nodeType="clickEffect">
+                                  <p:stCondLst>
+                                    <p:cond delay="0"/>
+                                  </p:stCondLst>
+                                  <p:childTnLst>
+                                    <p:set>
+                                      <p:cBhvr>
+                                        <p:cTn id="6" dur="1" fill="hold">
+                                          <p:stCondLst>
+                                            <p:cond delay="0"/>
+                                          </p:stCondLst>
+                                        </p:cTn>
+                                        <p:tgtEl>
+                                          <p:spTgt spid="6"/>
+                                        </p:tgtEl>
+                                        <p:attrNameLst>
+                                          <p:attrName>style.visibility</p:attrName>
+                                        </p:attrNameLst>
+                                      </p:cBhvr>
+                                      <p:to>
+                                        <p:strVal val="visible"/>
+                                      </p:to>
+                                    </p:set>
+                                  </p:childTnLst>
+                                </p:cTn>
+                              </p:par>
+                            </p:childTnLst>
+                          </p:cTn>
+                        </p:par>
+                      </p:childTnLst>
+                    </p:cTn>
+                  </p:par>
+                  <p:par>
+                    <p:cTn id="7" fill="hold">
+                      <p:stCondLst>
+                        <p:cond delay="indefinite"/>
+                      </p:stCondLst>
+                      <p:childTnLst>
+                        <p:par>
+                          <p:cTn id="8" fill="hold">
+                            <p:stCondLst>
+                              <p:cond delay="0"/>
+                            </p:stCondLst>
+                            <p:childTnLst>
+                              <p:par>
+                                <p:cTn id="9" presetID="1" presetClass="entr" presetSubtype="0" fill="hold" nodeType="clickEffect">
+                                  <p:stCondLst>
+                                    <p:cond delay="0"/>
+                                  </p:stCondLst>
+                                  <p:childTnLst>
+                                    <p:set>
+                                      <p:cBhvr>
+                                        <p:cTn id="10" dur="1" fill="hold">
+                                          <p:stCondLst>
+                                            <p:cond delay="0"/>
+                                          </p:stCondLst>
+                                        </p:cTn>
+                                        <p:tgtEl>
+                                          <p:spTgt spid="1027"/>
+                                        </p:tgtEl>
+                                        <p:attrNameLst>
+                                          <p:attrName>style.visibility</p:attrName>
+                                        </p:attrNameLst>
+                                      </p:cBhvr>
+                                      <p:to>
+                                        <p:strVal val="visible"/>
+                                      </p:to>
+                                    </p:set>
+                                  </p:childTnLst>
+                                </p:cTn>
+                              </p:par>
+                            </p:childTnLst>
+                          </p:cTn>
+                        </p:par>
+                      </p:childTnLst>
+                    </p:cTn>
+                  </p:par>
+                  <p:par>
+                    <p:cTn id="11" fill="hold">
+                      <p:stCondLst>
+                        <p:cond delay="indefinite"/>
+                      </p:stCondLst>
+                      <p:childTnLst>
+                        <p:par>
+                          <p:cTn id="12" fill="hold">
+                            <p:stCondLst>
+                              <p:cond delay="0"/>
+                            </p:stCondLst>
+                            <p:childTnLst>
+                              <p:par>
+                                <p:cTn id="13" presetID="1" presetClass="entr" presetSubtype="0" fill="hold" nodeType="clickEffect">
+                                  <p:stCondLst>
+                                    <p:cond delay="0"/>
+                                  </p:stCondLst>
+                                  <p:childTnLst>
+                                    <p:set>
+                                      <p:cBhvr>
+                                        <p:cTn id="14" dur="1" fill="hold">
+                                          <p:stCondLst>
+                                            <p:cond delay="0"/>
+                                          </p:stCondLst>
+                                        </p:cTn>
+                                        <p:tgtEl>
+                                          <p:spTgt spid="10"/>
+                                        </p:tgtEl>
+                                        <p:attrNameLst>
+                                          <p:attrName>style.visibility</p:attrName>
+                                        </p:attrNameLst>
+                                      </p:cBhvr>
+                                      <p:to>
+                                        <p:strVal val="visible"/>
+                                      </p:to>
+                                    </p:set>
+                                  </p:childTnLst>
+                                </p:cTn>
+                              </p:par>
+                            </p:childTnLst>
+                          </p:cTn>
+                        </p:par>
+                      </p:childTnLst>
+                    </p:cTn>
+                  </p:par>
+                  <p:par>
+                    <p:cTn id="15" fill="hold">
+                      <p:stCondLst>
+                        <p:cond delay="indefinite"/>
+                      </p:stCondLst>
+                      <p:childTnLst>
+                        <p:par>
+                          <p:cTn id="16" fill="hold">
+                            <p:stCondLst>
+                              <p:cond delay="0"/>
+                            </p:stCondLst>
+                            <p:childTnLst>
+                              <p:par>
+                                <p:cTn id="17" presetID="1" presetClass="entr" presetSubtype="0" fill="hold" nodeType="clickEffect">
+                                  <p:stCondLst>
+                                    <p:cond delay="0"/>
+                                  </p:stCondLst>
+                                  <p:childTnLst>
+                                    <p:set>
+                                      <p:cBhvr>
+                                        <p:cTn id="18" dur="1" fill="hold">
+                                          <p:stCondLst>
+                                            <p:cond delay="0"/>
+                                          </p:stCondLst>
+                                        </p:cTn>
+                                        <p:tgtEl>
+                                          <p:spTgt spid="1029"/>
+                                        </p:tgtEl>
+                                        <p:attrNameLst>
+                                          <p:attrName>style.visibility</p:attrName>
+                                        </p:attrNameLst>
+                                      </p:cBhvr>
+                                      <p:to>
+                                        <p:strVal val="visible"/>
+                                      </p:to>
+                                    </p:set>
+                                  </p:childTnLst>
+                                </p:cTn>
+                              </p:par>
+                            </p:childTnLst>
+                          </p:cTn>
+                        </p:par>
+                      </p:childTnLst>
+                    </p:cTn>
+                  </p:par>
+                  <p:par>
+                    <p:cTn id="19" fill="hold">
+                      <p:stCondLst>
+                        <p:cond delay="indefinite"/>
+                      </p:stCondLst>
+                      <p:childTnLst>
+                        <p:par>
+                          <p:cTn id="20" fill="hold">
+                            <p:stCondLst>
+                              <p:cond delay="0"/>
+                            </p:stCondLst>
+                            <p:childTnLst>
+                              <p:par>
+                                <p:cTn id="21" presetID="1" presetClass="entr" presetSubtype="0" fill="hold" nodeType="clickEffect">
+                                  <p:stCondLst>
+                                    <p:cond delay="0"/>
+                                  </p:stCondLst>
+                                  <p:childTnLst>
+                                    <p:set>
+                                      <p:cBhvr>
+                                        <p:cTn id="22" dur="1" fill="hold">
+                                          <p:stCondLst>
+                                            <p:cond delay="0"/>
+                                          </p:stCondLst>
+                                        </p:cTn>
+                                        <p:tgtEl>
+                                          <p:spTgt spid="15"/>
+                                        </p:tgtEl>
+                                        <p:attrNameLst>
+                                          <p:attrName>style.visibility</p:attrName>
+                                        </p:attrNameLst>
+                                      </p:cBhvr>
+                                      <p:to>
+                                        <p:strVal val="visible"/>
+                                      </p:to>
+                                    </p:set>
+                                  </p:childTnLst>
+                                </p:cTn>
+                              </p:par>
+                            </p:childTnLst>
+                          </p:cTn>
+                        </p:par>
+                      </p:childTnLst>
+                    </p:cTn>
+                  </p:par>
+                  <p:par>
+                    <p:cTn id="23" fill="hold">
+                      <p:stCondLst>
+                        <p:cond delay="indefinite"/>
+                      </p:stCondLst>
+                      <p:childTnLst>
+                        <p:par>
+                          <p:cTn id="24" fill="hold">
+                            <p:stCondLst>
+                              <p:cond delay="0"/>
+                            </p:stCondLst>
+                            <p:childTnLst>
+                              <p:par>
+                                <p:cTn id="25" presetID="1" presetClass="entr" presetSubtype="0" fill="hold" nodeType="clickEffect">
+                                  <p:stCondLst>
+                                    <p:cond delay="0"/>
+                                  </p:stCondLst>
+                                  <p:childTnLst>
+                                    <p:set>
+                                      <p:cBhvr>
+                                        <p:cTn id="26" dur="1" fill="hold">
+                                          <p:stCondLst>
+                                            <p:cond delay="0"/>
+                                          </p:stCondLst>
+                                        </p:cTn>
+                                        <p:tgtEl>
+                                          <p:spTgt spid="34"/>
+                                        </p:tgtEl>
+                                        <p:attrNameLst>
+                                          <p:attrName>style.visibility</p:attrName>
+                                        </p:attrNameLst>
+                                      </p:cBhvr>
+                                      <p:to>
+                                        <p:strVal val="visible"/>
+                                      </p:to>
+                                    </p:set>
+                                  </p:childTnLst>
+                                </p:cTn>
+                              </p:par>
+                            </p:childTnLst>
+                          </p:cTn>
+                        </p:par>
+                      </p:childTnLst>
+                    </p:cTn>
+                  </p:par>
+                  <p:par>
+                    <p:cTn id="27" fill="hold">
+                      <p:stCondLst>
+                        <p:cond delay="indefinite"/>
+                      </p:stCondLst>
+                      <p:childTnLst>
+                        <p:par>
+                          <p:cTn id="28" fill="hold">
+                            <p:stCondLst>
+                              <p:cond delay="0"/>
+                            </p:stCondLst>
+                            <p:childTnLst>
+                              <p:par>
+                                <p:cTn id="29" presetID="1" presetClass="entr" presetSubtype="0" fill="hold" nodeType="clickEffect">
+                                  <p:stCondLst>
+                                    <p:cond delay="0"/>
+                                  </p:stCondLst>
+                                  <p:childTnLst>
+                                    <p:set>
+                                      <p:cBhvr>
+                                        <p:cTn id="30" dur="1" fill="hold">
+                                          <p:stCondLst>
+                                            <p:cond delay="0"/>
+                                          </p:stCondLst>
+                                        </p:cTn>
+                                        <p:tgtEl>
+                                          <p:spTgt spid="39"/>
+                                        </p:tgtEl>
+                                        <p:attrNameLst>
+                                          <p:attrName>style.visibility</p:attrName>
+                                        </p:attrNameLst>
+                                      </p:cBhvr>
+                                      <p:to>
+                                        <p:strVal val="visible"/>
+                                      </p:to>
+                                    </p:set>
+                                  </p:childTnLst>
+                                </p:cTn>
+                              </p:par>
+                            </p:childTnLst>
+                          </p:cTn>
+                        </p:par>
+                      </p:childTnLst>
+                    </p:cTn>
+                  </p:par>
+                  <p:par>
+                    <p:cTn id="31" fill="hold">
+                      <p:stCondLst>
+                        <p:cond delay="indefinite"/>
+                      </p:stCondLst>
+                      <p:childTnLst>
+                        <p:par>
+                          <p:cTn id="32" fill="hold">
+                            <p:stCondLst>
+                              <p:cond delay="0"/>
+                            </p:stCondLst>
+                            <p:childTnLst>
+                              <p:par>
+                                <p:cTn id="33" presetID="1" presetClass="entr" presetSubtype="0" fill="hold" nodeType="clickEffect">
+                                  <p:stCondLst>
+                                    <p:cond delay="0"/>
+                                  </p:stCondLst>
+                                  <p:childTnLst>
+                                    <p:set>
+                                      <p:cBhvr>
+                                        <p:cTn id="34" dur="1" fill="hold">
+                                          <p:stCondLst>
+                                            <p:cond delay="0"/>
+                                          </p:stCondLst>
+                                        </p:cTn>
+                                        <p:tgtEl>
+                                          <p:spTgt spid="1028"/>
+                                        </p:tgtEl>
+                                        <p:attrNameLst>
+                                          <p:attrName>style.visibility</p:attrName>
+                                        </p:attrNameLst>
+                                      </p:cBhvr>
+                                      <p:to>
+                                        <p:strVal val="visible"/>
+                                      </p:to>
+                                    </p:set>
+                                  </p:childTnLst>
+                                </p:cTn>
+                              </p:par>
+                            </p:childTnLst>
+                          </p:cTn>
+                        </p:par>
+                      </p:childTnLst>
+                    </p:cTn>
+                  </p:par>
+                </p:childTnLst>
+              </p:cTn>
+              <p:prevCondLst>
+                <p:cond evt="onPrev" delay="0">
+                  <p:tgtEl>
+                    <p:sldTgt/>
+                  </p:tgtEl>
+                </p:cond>
+              </p:prevCondLst>
+              <p:nextCondLst>
+                <p:cond evt="onNext" delay="0">
+                  <p:tgtEl>
+                    <p:sldTgt/>
+                  </p:tgtEl>
+                </p:cond>
+              </p:nextCondLst>
+            </p:seq>
+          </p:childTnLst>
+        </p:cTn>
+      </p:par>
+    </p:tnLst>
+  </p:timing>
+</p:sld>
+</file>
+
+<file path=ppt/slides/slide2.xml><?xml version="1.0" encoding="utf-8"?>
+<p:sld xmlns:a="http://schemas.openxmlformats.org/drawingml/2006/main" xmlns:r="http://schemas.openxmlformats.org/officeDocument/2006/relationships" xmlns:p="http://schemas.openxmlformats.org/presentationml/2006/main">
+  <p:cSld>
+    <p:spTree>
+      <p:nvGrpSpPr>
+        <p:cNvPr id="1" name=""/>
+        <p:cNvGrpSpPr/>
+        <p:nvPr/>
+      </p:nvGrpSpPr>
+      <p:grpSpPr>
+        <a:xfrm>
+          <a:off x="0" y="0"/>
+          <a:ext cx="0" cy="0"/>
+          <a:chOff x="0" y="0"/>
+          <a:chExt cx="0" cy="0"/>
+        </a:xfrm>
+      </p:grpSpPr>
+      <p:sp>
+        <p:nvSpPr>
+          <p:cNvPr id="3" name="Content Placeholder 2"/>
+          <p:cNvSpPr>
+            <a:spLocks noGrp="1"/>
+          </p:cNvSpPr>
+          <p:nvPr>
+            <p:ph idx="1"/>
+          </p:nvPr>
+        </p:nvSpPr>
+        <p:spPr>
+          <a:xfrm>
+            <a:off x="457200" y="1142984"/>
+            <a:ext cx="8229600" cy="4864307"/>
+          </a:xfrm>
+        </p:spPr>
+        <p:txBody>
+          <a:bodyPr>
+            <a:normAutofit lnSpcReduction="10000"/>
+          </a:bodyPr>
+          <a:lstStyle/>
+          <a:p>
+            <a:r>
+              <a:rPr lang="nl-BE" dirty="0" smtClean="0"/>
+              <a:t>Michel Grootjans</a:t>
+            </a:r>
+          </a:p>
+          <a:p>
+            <a:pPr lvl="1"/>
+            <a:r>
+              <a:rPr lang="nl-BE" dirty="0" smtClean="0"/>
+              <a:t>Enterprise Architect </a:t>
+            </a:r>
+          </a:p>
+          <a:p>
+            <a:pPr lvl="1"/>
+            <a:r>
+              <a:rPr lang="nl-BE" sz="1600" dirty="0" smtClean="0">
+                <a:hlinkClick r:id="rId3"/>
+              </a:rPr>
+              <a:t>             http://www.linkedin.com/in/michelgrootjans</a:t>
+            </a:r>
+            <a:endParaRPr lang="nl-BE" sz="1600" dirty="0" smtClean="0"/>
+          </a:p>
+          <a:p>
+            <a:pPr lvl="1"/>
+            <a:r>
+              <a:rPr lang="nl-BE" sz="1600" dirty="0" smtClean="0"/>
+              <a:t>Blog: </a:t>
+            </a:r>
+            <a:r>
+              <a:rPr lang="nl-BE" sz="1600" dirty="0" smtClean="0">
+                <a:hlinkClick r:id="rId4"/>
+              </a:rPr>
+              <a:t>http://geekswithblogs.net/alternativedotnet/</a:t>
+            </a:r>
+            <a:r>
+              <a:rPr lang="nl-BE" sz="1600" dirty="0" smtClean="0"/>
+              <a:t> </a:t>
+            </a:r>
+          </a:p>
+          <a:p>
+            <a:pPr lvl="1"/>
+            <a:r>
+              <a:rPr lang="nl-BE" sz="1600" dirty="0" smtClean="0">
+                <a:hlinkClick r:id="rId5"/>
+              </a:rPr>
+              <a:t>michel.grootjans@ilean.be</a:t>
+            </a:r>
+            <a:endParaRPr lang="nl-BE" sz="1600" dirty="0" smtClean="0"/>
+          </a:p>
+          <a:p>
+            <a:pPr lvl="1">
+              <a:buNone/>
+            </a:pPr>
+            <a:endParaRPr lang="nl-BE" dirty="0" smtClean="0"/>
+          </a:p>
+          <a:p>
+            <a:r>
+              <a:rPr lang="nl-BE" dirty="0" smtClean="0"/>
+              <a:t>Pascal Mestdach</a:t>
+            </a:r>
+          </a:p>
+          <a:p>
+            <a:pPr lvl="1"/>
+            <a:r>
+              <a:rPr lang="nl-BE" dirty="0" smtClean="0"/>
+              <a:t>Solution Architect</a:t>
+            </a:r>
+          </a:p>
+          <a:p>
+            <a:pPr lvl="1"/>
+            <a:r>
+              <a:rPr lang="nl-BE" sz="1600" dirty="0" smtClean="0">
+                <a:hlinkClick r:id="rId6"/>
+              </a:rPr>
+              <a:t>             http://www.linkedin.com/in/pascalmestdach</a:t>
+            </a:r>
+            <a:r>
+              <a:rPr lang="nl-BE" sz="1600" dirty="0" smtClean="0"/>
+              <a:t> </a:t>
+            </a:r>
+          </a:p>
+          <a:p>
+            <a:pPr lvl="1"/>
+            <a:r>
+              <a:rPr lang="nl-BE" sz="1600" dirty="0" smtClean="0"/>
+              <a:t>Blog: </a:t>
+            </a:r>
+            <a:r>
+              <a:rPr lang="nl-BE" sz="1600" dirty="0" smtClean="0">
+                <a:hlinkClick r:id="rId7"/>
+              </a:rPr>
+              <a:t>http://pascalmestdach.blogspot.com/</a:t>
+            </a:r>
+            <a:r>
+              <a:rPr lang="nl-BE" sz="1600" dirty="0" smtClean="0"/>
+              <a:t> </a:t>
+            </a:r>
+          </a:p>
+          <a:p>
+            <a:pPr lvl="1"/>
+            <a:r>
+              <a:rPr lang="nl-BE" sz="1600" dirty="0" smtClean="0">
+                <a:hlinkClick r:id="rId8"/>
+              </a:rPr>
+              <a:t>pascal.mestdach@infohos.be</a:t>
+            </a:r>
+          </a:p>
+          <a:p>
+            <a:pPr lvl="1">
+              <a:buNone/>
+            </a:pPr>
+            <a:endParaRPr lang="nl-BE" sz="1600" dirty="0" smtClean="0"/>
+          </a:p>
+          <a:p>
+            <a:r>
+              <a:rPr lang="nl-BE" dirty="0" smtClean="0"/>
+              <a:t>Download material:</a:t>
+            </a:r>
+          </a:p>
+          <a:p>
+            <a:pPr lvl="1"/>
+            <a:r>
+              <a:rPr lang="nl-BE" sz="1700" dirty="0" smtClean="0"/>
+              <a:t>On google code: </a:t>
+            </a:r>
+            <a:r>
+              <a:rPr lang="nl-BE" sz="1500" dirty="0" smtClean="0">
+                <a:hlinkClick r:id="rId9"/>
+              </a:rPr>
+              <a:t>http://code.google.com/p/agileacceptancetesting/</a:t>
+            </a:r>
+            <a:r>
+              <a:rPr lang="nl-BE" sz="1500" dirty="0" smtClean="0"/>
+              <a:t> </a:t>
+            </a:r>
+          </a:p>
+          <a:p>
+            <a:pPr lvl="1"/>
+            <a:r>
+              <a:rPr lang="nl-BE" sz="1600" dirty="0" smtClean="0"/>
+              <a:t>Checkout in svn: </a:t>
+            </a:r>
+            <a:r>
+              <a:rPr lang="nl-BE" sz="1400" dirty="0" smtClean="0">
+                <a:hlinkClick r:id="rId10"/>
+              </a:rPr>
+              <a:t>https://agileacceptancetesting.googlecode.com/svn/trunk</a:t>
+            </a:r>
+            <a:r>
+              <a:rPr lang="nl-BE" sz="1400" dirty="0" smtClean="0"/>
+              <a:t> </a:t>
+            </a:r>
+          </a:p>
+        </p:txBody>
+      </p:sp>
+      <p:sp>
+        <p:nvSpPr>
+          <p:cNvPr id="2" name="Title 1"/>
+          <p:cNvSpPr>
+            <a:spLocks noGrp="1"/>
+          </p:cNvSpPr>
+          <p:nvPr>
+            <p:ph type="title"/>
+          </p:nvPr>
+        </p:nvSpPr>
+        <p:spPr>
+          <a:xfrm>
+            <a:off x="457200" y="274638"/>
+            <a:ext cx="8229600" cy="868346"/>
+          </a:xfrm>
+        </p:spPr>
+        <p:txBody>
+          <a:bodyPr>
+            <a:normAutofit/>
+          </a:bodyPr>
+          <a:lstStyle/>
+          <a:p>
+            <a:r>
+              <a:rPr lang="nl-BE" sz="3200" dirty="0" smtClean="0"/>
+              <a:t>Agile Acceptance Testing with Fitnesse</a:t>
+            </a:r>
+            <a:endParaRPr lang="nl-BE" sz="3200" dirty="0"/>
+          </a:p>
+        </p:txBody>
+      </p:sp>
+      <p:pic>
+        <p:nvPicPr>
+          <p:cNvPr id="5" name="Picture 4" descr="iLean.jpg"/>
+          <p:cNvPicPr>
+            <a:picLocks noChangeAspect="1"/>
+          </p:cNvPicPr>
+          <p:nvPr/>
+        </p:nvPicPr>
+        <p:blipFill>
+          <a:blip r:embed="rId11" cstate="print"/>
+          <a:stretch>
+            <a:fillRect/>
+          </a:stretch>
+        </p:blipFill>
+        <p:spPr>
+          <a:xfrm>
+            <a:off x="5543564" y="1142984"/>
+            <a:ext cx="1028700" cy="704850"/>
+          </a:xfrm>
+          <a:prstGeom prst="rect">
+            <a:avLst/>
+          </a:prstGeom>
+        </p:spPr>
+      </p:pic>
+      <p:pic>
+        <p:nvPicPr>
+          <p:cNvPr id="6" name="Picture 5" descr="Ihc.png"/>
+          <p:cNvPicPr>
+            <a:picLocks noChangeAspect="1"/>
+          </p:cNvPicPr>
+          <p:nvPr/>
+        </p:nvPicPr>
+        <p:blipFill>
+          <a:blip r:embed="rId12" cstate="print"/>
+          <a:stretch>
+            <a:fillRect/>
+          </a:stretch>
+        </p:blipFill>
+        <p:spPr>
+          <a:xfrm>
+            <a:off x="5572132" y="3071810"/>
+            <a:ext cx="942981" cy="642942"/>
+          </a:xfrm>
+          <a:prstGeom prst="rect">
+            <a:avLst/>
+          </a:prstGeom>
+        </p:spPr>
+      </p:pic>
+      <p:pic>
+        <p:nvPicPr>
+          <p:cNvPr id="7" name="Picture 6" descr="linkedIn.png"/>
+          <p:cNvPicPr>
+            <a:picLocks noChangeAspect="1"/>
+          </p:cNvPicPr>
+          <p:nvPr/>
+        </p:nvPicPr>
+        <p:blipFill>
+          <a:blip r:embed="rId13" cstate="print"/>
+          <a:stretch>
+            <a:fillRect/>
+          </a:stretch>
+        </p:blipFill>
+        <p:spPr>
+          <a:xfrm>
+            <a:off x="1187366" y="1928802"/>
+            <a:ext cx="785818" cy="211312"/>
+          </a:xfrm>
+          <a:prstGeom prst="rect">
+            <a:avLst/>
+          </a:prstGeom>
+        </p:spPr>
+      </p:pic>
+      <p:pic>
+        <p:nvPicPr>
+          <p:cNvPr id="8" name="Picture 7" descr="linkedIn.png"/>
+          <p:cNvPicPr>
+            <a:picLocks noChangeAspect="1"/>
+          </p:cNvPicPr>
+          <p:nvPr/>
+        </p:nvPicPr>
+        <p:blipFill>
+          <a:blip r:embed="rId13" cstate="print"/>
+          <a:stretch>
+            <a:fillRect/>
+          </a:stretch>
+        </p:blipFill>
+        <p:spPr>
+          <a:xfrm>
+            <a:off x="1166202" y="3835230"/>
+            <a:ext cx="785818" cy="211312"/>
+          </a:xfrm>
+          <a:prstGeom prst="rect">
+            <a:avLst/>
+          </a:prstGeom>
+        </p:spPr>
+      </p:pic>
+      <p:pic>
+        <p:nvPicPr>
+          <p:cNvPr id="9" name="Picture 8" descr="1df7029.jpg"/>
+          <p:cNvPicPr>
+            <a:picLocks noChangeAspect="1"/>
+          </p:cNvPicPr>
+          <p:nvPr/>
+        </p:nvPicPr>
+        <p:blipFill>
+          <a:blip r:embed="rId14" cstate="print"/>
+          <a:stretch>
+            <a:fillRect/>
+          </a:stretch>
+        </p:blipFill>
+        <p:spPr>
+          <a:xfrm>
+            <a:off x="6858016" y="3143248"/>
+            <a:ext cx="1714512" cy="1285884"/>
+          </a:xfrm>
+          <a:prstGeom prst="rect">
+            <a:avLst/>
+          </a:prstGeom>
+        </p:spPr>
+      </p:pic>
+      <p:pic>
+        <p:nvPicPr>
+          <p:cNvPr id="10" name="Picture 9" descr="Photo 9.jpg"/>
+          <p:cNvPicPr>
+            <a:picLocks noChangeAspect="1"/>
+          </p:cNvPicPr>
+          <p:nvPr/>
+        </p:nvPicPr>
+        <p:blipFill>
+          <a:blip r:embed="rId15" cstate="print"/>
+          <a:stretch>
+            <a:fillRect/>
+          </a:stretch>
+        </p:blipFill>
+        <p:spPr>
+          <a:xfrm>
+            <a:off x="6858016" y="1214422"/>
+            <a:ext cx="1714512" cy="1285884"/>
+          </a:xfrm>
+          <a:prstGeom prst="rect">
+            <a:avLst/>
+          </a:prstGeom>
+        </p:spPr>
+      </p:pic>
+    </p:spTree>
+  </p:cSld>
+  <p:clrMapOvr>
+    <a:masterClrMapping/>
+  </p:clrMapOvr>
+  <p:timing>
+    <p:tnLst>
+      <p:par>
+        <p:cTn id="1" dur="indefinite" restart="never" nodeType="tmRoot">
+          <p:childTnLst>
+            <p:seq concurrent="1" nextAc="seek">
+              <p:cTn id="2" dur="indefinite" nodeType="mainSeq">
+                <p:childTnLst>
+                  <p:par>
+                    <p:cTn id="3" fill="hold">
+                      <p:stCondLst>
+                        <p:cond delay="indefinite"/>
+                        <p:cond evt="onBegin" delay="0">
+                          <p:tn val="2"/>
+                        </p:cond>
+                      </p:stCondLst>
+                      <p:childTnLst>
+                        <p:par>
+                          <p:cTn id="4" fill="hold">
+                            <p:stCondLst>
+                              <p:cond delay="0"/>
+                            </p:stCondLst>
+                            <p:childTnLst>
+                              <p:par>
+                                <p:cTn id="5" presetID="1" presetClass="entr" presetSubtype="0" fill="hold" grpId="0" nodeType="withEffect">
+                                  <p:stCondLst>
+                                    <p:cond delay="0"/>
+                                  </p:stCondLst>
+                                  <p:childTnLst>
+                                    <p:set>
+                                      <p:cBhvr>
+                                        <p:cTn id="6" dur="1" fill="hold">
+                                          <p:stCondLst>
+                                            <p:cond delay="0"/>
+                                          </p:stCondLst>
+                                        </p:cTn>
+                                        <p:tgtEl>
+                                          <p:spTgt spid="3">
+                                            <p:txEl>
+                                              <p:pRg st="0" end="0"/>
+                                            </p:txEl>
+                                          </p:spTgt>
+                                        </p:tgtEl>
+                                        <p:attrNameLst>
+                                          <p:attrName>style.visibility</p:attrName>
+                                        </p:attrNameLst>
+                                      </p:cBhvr>
+                                      <p:to>
+                                        <p:strVal val="visible"/>
+                                      </p:to>
+                                    </p:set>
+                                  </p:childTnLst>
+                                </p:cTn>
+                              </p:par>
+                              <p:par>
+                                <p:cTn id="7" presetID="1" presetClass="entr" presetSubtype="0" fill="hold" grpId="0" nodeType="withEffect">
+                                  <p:stCondLst>
+                                    <p:cond delay="0"/>
+                                  </p:stCondLst>
+                                  <p:childTnLst>
+                                    <p:set>
+                                      <p:cBhvr>
+                                        <p:cTn id="8" dur="1" fill="hold">
+                                          <p:stCondLst>
+                                            <p:cond delay="0"/>
+                                          </p:stCondLst>
+                                        </p:cTn>
+                                        <p:tgtEl>
+                                          <p:spTgt spid="3">
+                                            <p:txEl>
+                                              <p:pRg st="1" end="1"/>
+                                            </p:txEl>
+                                          </p:spTgt>
+                                        </p:tgtEl>
+                                        <p:attrNameLst>
+                                          <p:attrName>style.visibility</p:attrName>
+                                        </p:attrNameLst>
+                                      </p:cBhvr>
+                                      <p:to>
+                                        <p:strVal val="visible"/>
+                                      </p:to>
+                                    </p:set>
+                                  </p:childTnLst>
+                                </p:cTn>
+                              </p:par>
+                              <p:par>
+                                <p:cTn id="9" presetID="1" presetClass="entr" presetSubtype="0" fill="hold" grpId="0" nodeType="withEffect">
+                                  <p:stCondLst>
+                                    <p:cond delay="0"/>
+                                  </p:stCondLst>
+                                  <p:childTnLst>
+                                    <p:set>
+                                      <p:cBhvr>
+                                        <p:cTn id="10" dur="1" fill="hold">
+                                          <p:stCondLst>
+                                            <p:cond delay="0"/>
+                                          </p:stCondLst>
+                                        </p:cTn>
+                                        <p:tgtEl>
+                                          <p:spTgt spid="3">
+                                            <p:txEl>
+                                              <p:pRg st="2" end="2"/>
+                                            </p:txEl>
+                                          </p:spTgt>
+                                        </p:tgtEl>
+                                        <p:attrNameLst>
+                                          <p:attrName>style.visibility</p:attrName>
+                                        </p:attrNameLst>
+                                      </p:cBhvr>
+                                      <p:to>
+                                        <p:strVal val="visible"/>
+                                      </p:to>
+                                    </p:set>
+                                  </p:childTnLst>
+                                </p:cTn>
+                              </p:par>
+                              <p:par>
+                                <p:cTn id="11" presetID="1" presetClass="entr" presetSubtype="0" fill="hold" grpId="0" nodeType="withEffect">
+                                  <p:stCondLst>
+                                    <p:cond delay="0"/>
+                                  </p:stCondLst>
+                                  <p:childTnLst>
+                                    <p:set>
+                                      <p:cBhvr>
+                                        <p:cTn id="12" dur="1" fill="hold">
+                                          <p:stCondLst>
+                                            <p:cond delay="0"/>
+                                          </p:stCondLst>
+                                        </p:cTn>
+                                        <p:tgtEl>
+                                          <p:spTgt spid="3">
+                                            <p:txEl>
+                                              <p:pRg st="3" end="3"/>
+                                            </p:txEl>
+                                          </p:spTgt>
+                                        </p:tgtEl>
+                                        <p:attrNameLst>
+                                          <p:attrName>style.visibility</p:attrName>
+                                        </p:attrNameLst>
+                                      </p:cBhvr>
+                                      <p:to>
+                                        <p:strVal val="visible"/>
+                                      </p:to>
+                                    </p:set>
+                                  </p:childTnLst>
+                                </p:cTn>
+                              </p:par>
+                              <p:par>
+                                <p:cTn id="13" presetID="1" presetClass="entr" presetSubtype="0" fill="hold" grpId="0" nodeType="withEffect">
+                                  <p:stCondLst>
+                                    <p:cond delay="0"/>
+                                  </p:stCondLst>
+                                  <p:childTnLst>
+                                    <p:set>
+                                      <p:cBhvr>
+                                        <p:cTn id="14" dur="1" fill="hold">
+                                          <p:stCondLst>
+                                            <p:cond delay="0"/>
+                                          </p:stCondLst>
+                                        </p:cTn>
+                                        <p:tgtEl>
+                                          <p:spTgt spid="3">
+                                            <p:txEl>
+                                              <p:pRg st="4" end="4"/>
+                                            </p:txEl>
+                                          </p:spTgt>
+                                        </p:tgtEl>
+                                        <p:attrNameLst>
+                                          <p:attrName>style.visibility</p:attrName>
+                                        </p:attrNameLst>
+                                      </p:cBhvr>
+                                      <p:to>
+                                        <p:strVal val="visible"/>
+                                      </p:to>
+                                    </p:set>
+                                  </p:childTnLst>
+                                </p:cTn>
+                              </p:par>
+                              <p:par>
+                                <p:cTn id="15" presetID="1" presetClass="entr" presetSubtype="0" fill="hold" grpId="0" nodeType="withEffect">
+                                  <p:stCondLst>
+                                    <p:cond delay="0"/>
+                                  </p:stCondLst>
+                                  <p:childTnLst>
+                                    <p:set>
+                                      <p:cBhvr>
+                                        <p:cTn id="16" dur="1" fill="hold">
+                                          <p:stCondLst>
+                                            <p:cond delay="0"/>
+                                          </p:stCondLst>
+                                        </p:cTn>
+                                        <p:tgtEl>
+                                          <p:spTgt spid="3">
+                                            <p:txEl>
+                                              <p:pRg st="6" end="6"/>
+                                            </p:txEl>
+                                          </p:spTgt>
+                                        </p:tgtEl>
+                                        <p:attrNameLst>
+                                          <p:attrName>style.visibility</p:attrName>
+                                        </p:attrNameLst>
+                                      </p:cBhvr>
+                                      <p:to>
+                                        <p:strVal val="visible"/>
+                                      </p:to>
+                                    </p:set>
+                                  </p:childTnLst>
+                                </p:cTn>
+                              </p:par>
+                              <p:par>
+                                <p:cTn id="17" presetID="1" presetClass="entr" presetSubtype="0" fill="hold" grpId="0" nodeType="withEffect">
+                                  <p:stCondLst>
+                                    <p:cond delay="0"/>
+                                  </p:stCondLst>
+                                  <p:childTnLst>
+                                    <p:set>
+                                      <p:cBhvr>
+                                        <p:cTn id="18" dur="1" fill="hold">
+                                          <p:stCondLst>
+                                            <p:cond delay="0"/>
+                                          </p:stCondLst>
+                                        </p:cTn>
+                                        <p:tgtEl>
+                                          <p:spTgt spid="3">
+                                            <p:txEl>
+                                              <p:pRg st="7" end="7"/>
+                                            </p:txEl>
+                                          </p:spTgt>
+                                        </p:tgtEl>
+                                        <p:attrNameLst>
+                                          <p:attrName>style.visibility</p:attrName>
+                                        </p:attrNameLst>
+                                      </p:cBhvr>
+                                      <p:to>
+                                        <p:strVal val="visible"/>
+                                      </p:to>
+                                    </p:set>
+                                  </p:childTnLst>
+                                </p:cTn>
+                              </p:par>
+                              <p:par>
+                                <p:cTn id="19" presetID="1" presetClass="entr" presetSubtype="0" fill="hold" grpId="0" nodeType="withEffect">
+                                  <p:stCondLst>
+                                    <p:cond delay="0"/>
+                                  </p:stCondLst>
+                                  <p:childTnLst>
+                                    <p:set>
+                                      <p:cBhvr>
+                                        <p:cTn id="20" dur="1" fill="hold">
+                                          <p:stCondLst>
+                                            <p:cond delay="0"/>
+                                          </p:stCondLst>
+                                        </p:cTn>
+                                        <p:tgtEl>
+                                          <p:spTgt spid="3">
+                                            <p:txEl>
+                                              <p:pRg st="8" end="8"/>
+                                            </p:txEl>
+                                          </p:spTgt>
+                                        </p:tgtEl>
+                                        <p:attrNameLst>
+                                          <p:attrName>style.visibility</p:attrName>
+                                        </p:attrNameLst>
+                                      </p:cBhvr>
+                                      <p:to>
+                                        <p:strVal val="visible"/>
+                                      </p:to>
+                                    </p:set>
+                                  </p:childTnLst>
+                                </p:cTn>
+                              </p:par>
+                              <p:par>
+                                <p:cTn id="21" presetID="1" presetClass="entr" presetSubtype="0" fill="hold" grpId="0" nodeType="withEffect">
+                                  <p:stCondLst>
+                                    <p:cond delay="0"/>
+                                  </p:stCondLst>
+                                  <p:childTnLst>
+                                    <p:set>
+                                      <p:cBhvr>
+                                        <p:cTn id="22" dur="1" fill="hold">
+                                          <p:stCondLst>
+                                            <p:cond delay="0"/>
+                                          </p:stCondLst>
+                                        </p:cTn>
+                                        <p:tgtEl>
+                                          <p:spTgt spid="3">
+                                            <p:txEl>
+                                              <p:pRg st="9" end="9"/>
+                                            </p:txEl>
+                                          </p:spTgt>
+                                        </p:tgtEl>
+                                        <p:attrNameLst>
+                                          <p:attrName>style.visibility</p:attrName>
+                                        </p:attrNameLst>
+                                      </p:cBhvr>
+                                      <p:to>
+                                        <p:strVal val="visible"/>
+                                      </p:to>
+                                    </p:set>
+                                  </p:childTnLst>
+                                </p:cTn>
+                              </p:par>
+                              <p:par>
+                                <p:cTn id="23" presetID="1" presetClass="entr" presetSubtype="0" fill="hold" grpId="0" nodeType="withEffect">
+                                  <p:stCondLst>
+                                    <p:cond delay="0"/>
+                                  </p:stCondLst>
+                                  <p:childTnLst>
+                                    <p:set>
+                                      <p:cBhvr>
+                                        <p:cTn id="24" dur="1" fill="hold">
+                                          <p:stCondLst>
+                                            <p:cond delay="0"/>
+                                          </p:stCondLst>
+                                        </p:cTn>
+                                        <p:tgtEl>
+                                          <p:spTgt spid="3">
+                                            <p:txEl>
+                                              <p:pRg st="10" end="10"/>
+                                            </p:txEl>
+                                          </p:spTgt>
+                                        </p:tgtEl>
+                                        <p:attrNameLst>
+                                          <p:attrName>style.visibility</p:attrName>
+                                        </p:attrNameLst>
+                                      </p:cBhvr>
+                                      <p:to>
+                                        <p:strVal val="visible"/>
+                                      </p:to>
+                                    </p:set>
+                                  </p:childTnLst>
+                                </p:cTn>
+                              </p:par>
+                            </p:childTnLst>
+                          </p:cTn>
+                        </p:par>
+                      </p:childTnLst>
+                    </p:cTn>
+                  </p:par>
+                  <p:par>
+                    <p:cTn id="25" fill="hold">
+                      <p:stCondLst>
+                        <p:cond delay="indefinite"/>
+                      </p:stCondLst>
+                      <p:childTnLst>
+                        <p:par>
+                          <p:cTn id="26" fill="hold">
+                            <p:stCondLst>
+                              <p:cond delay="0"/>
+                            </p:stCondLst>
+                            <p:childTnLst>
+                              <p:par>
+                                <p:cTn id="27" presetID="1" presetClass="entr" presetSubtype="0" fill="hold" grpId="0" nodeType="clickEffect">
+                                  <p:stCondLst>
+                                    <p:cond delay="0"/>
+                                  </p:stCondLst>
+                                  <p:childTnLst>
+                                    <p:set>
+                                      <p:cBhvr>
+                                        <p:cTn id="28" dur="1" fill="hold">
+                                          <p:stCondLst>
+                                            <p:cond delay="0"/>
+                                          </p:stCondLst>
+                                        </p:cTn>
+                                        <p:tgtEl>
+                                          <p:spTgt spid="3">
+                                            <p:txEl>
+                                              <p:pRg st="12" end="12"/>
+                                            </p:txEl>
+                                          </p:spTgt>
+                                        </p:tgtEl>
+                                        <p:attrNameLst>
+                                          <p:attrName>style.visibility</p:attrName>
+                                        </p:attrNameLst>
+                                      </p:cBhvr>
+                                      <p:to>
+                                        <p:strVal val="visible"/>
+                                      </p:to>
+                                    </p:set>
+                                  </p:childTnLst>
+                                </p:cTn>
+                              </p:par>
+                              <p:par>
+                                <p:cTn id="29" presetID="1" presetClass="entr" presetSubtype="0" fill="hold" grpId="0" nodeType="withEffect">
+                                  <p:stCondLst>
+                                    <p:cond delay="0"/>
+                                  </p:stCondLst>
+                                  <p:childTnLst>
+                                    <p:set>
+                                      <p:cBhvr>
+                                        <p:cTn id="30" dur="1" fill="hold">
+                                          <p:stCondLst>
+                                            <p:cond delay="0"/>
+                                          </p:stCondLst>
+                                        </p:cTn>
+                                        <p:tgtEl>
+                                          <p:spTgt spid="3">
+                                            <p:txEl>
+                                              <p:pRg st="13" end="13"/>
+                                            </p:txEl>
+                                          </p:spTgt>
+                                        </p:tgtEl>
+                                        <p:attrNameLst>
+                                          <p:attrName>style.visibility</p:attrName>
+                                        </p:attrNameLst>
+                                      </p:cBhvr>
+                                      <p:to>
+                                        <p:strVal val="visible"/>
+                                      </p:to>
+                                    </p:set>
+                                  </p:childTnLst>
+                                </p:cTn>
+                              </p:par>
+                              <p:par>
+                                <p:cTn id="31" presetID="1" presetClass="entr" presetSubtype="0" fill="hold" grpId="0" nodeType="withEffect">
+                                  <p:stCondLst>
+                                    <p:cond delay="0"/>
+                                  </p:stCondLst>
+                                  <p:childTnLst>
+                                    <p:set>
+                                      <p:cBhvr>
+                                        <p:cTn id="32" dur="1" fill="hold">
+                                          <p:stCondLst>
+                                            <p:cond delay="0"/>
+                                          </p:stCondLst>
+                                        </p:cTn>
+                                        <p:tgtEl>
+                                          <p:spTgt spid="3">
+                                            <p:txEl>
+                                              <p:pRg st="14" end="14"/>
+                                            </p:txEl>
+                                          </p:spTgt>
+                                        </p:tgtEl>
+                                        <p:attrNameLst>
+                                          <p:attrName>style.visibility</p:attrName>
+                                        </p:attrNameLst>
+                                      </p:cBhvr>
+                                      <p:to>
+                                        <p:strVal val="visible"/>
+                                      </p:to>
+                                    </p:set>
+                                  </p:childTnLst>
+                                </p:cTn>
+                              </p:par>
+                            </p:childTnLst>
+                          </p:cTn>
+                        </p:par>
+                      </p:childTnLst>
+                    </p:cTn>
+                  </p:par>
+                </p:childTnLst>
+              </p:cTn>
+              <p:prevCondLst>
+                <p:cond evt="onPrev" delay="0">
+                  <p:tgtEl>
+                    <p:sldTgt/>
+                  </p:tgtEl>
+                </p:cond>
+              </p:prevCondLst>
+              <p:nextCondLst>
+                <p:cond evt="onNext" delay="0">
+                  <p:tgtEl>
+                    <p:sldTgt/>
+                  </p:tgtEl>
+                </p:cond>
+              </p:nextCondLst>
+            </p:seq>
+          </p:childTnLst>
+        </p:cTn>
+      </p:par>
+    </p:tnLst>
+    <p:bldLst>
+      <p:bldP spid="3" grpId="0" uiExpand="1" build="p"/>
+    </p:bldLst>
+  </p:timing>
+</p:sld>
+</file>
+
+<file path=ppt/slides/slide20.xml><?xml version="1.0" encoding="utf-8"?>
 <p:sld xmlns:a="http://schemas.openxmlformats.org/drawingml/2006/main" xmlns:r="http://schemas.openxmlformats.org/officeDocument/2006/relationships" xmlns:p="http://schemas.openxmlformats.org/presentationml/2006/main">
   <p:cSld>
     <p:spTree>
@@ -11867,7 +14140,7 @@
 </p:sld>
 </file>
 
-<file path=ppt/slides/slide2.xml><?xml version="1.0" encoding="utf-8"?>
+<file path=ppt/slides/slide21.xml><?xml version="1.0" encoding="utf-8"?>
 <p:sld xmlns:a="http://schemas.openxmlformats.org/drawingml/2006/main" xmlns:r="http://schemas.openxmlformats.org/officeDocument/2006/relationships" xmlns:p="http://schemas.openxmlformats.org/presentationml/2006/main">
   <p:cSld>
     <p:spTree>
@@ -11886,7 +14159,7 @@
       </p:grpSpPr>
       <p:sp>
         <p:nvSpPr>
-          <p:cNvPr id="3" name="Content Placeholder 2"/>
+          <p:cNvPr id="2" name="Content Placeholder 1"/>
           <p:cNvSpPr>
             <a:spLocks noGrp="1"/>
           </p:cNvSpPr>
@@ -11894,239 +14167,104 @@
             <p:ph idx="1"/>
           </p:nvPr>
         </p:nvSpPr>
-        <p:spPr>
-          <a:xfrm>
-            <a:off x="457200" y="1142984"/>
-            <a:ext cx="8229600" cy="4864307"/>
-          </a:xfrm>
-        </p:spPr>
+        <p:spPr/>
         <p:txBody>
           <a:bodyPr>
-            <a:normAutofit lnSpcReduction="10000"/>
+            <a:normAutofit fontScale="92500" lnSpcReduction="10000"/>
           </a:bodyPr>
           <a:lstStyle/>
           <a:p>
+            <a:pPr marL="624078" indent="-514350"/>
             <a:r>
               <a:rPr lang="nl-BE" dirty="0" smtClean="0"/>
-              <a:t>Michel Grootjans</a:t>
-            </a:r>
-          </a:p>
-          <a:p>
-            <a:pPr lvl="1"/>
+              <a:t>Introduction &amp; Specification Workshop (25’)</a:t>
+            </a:r>
+            <a:endParaRPr lang="nl-BE" dirty="0" smtClean="0"/>
+          </a:p>
+          <a:p>
+            <a:pPr marL="624078" indent="-514350"/>
+            <a:endParaRPr lang="nl-BE" i="1" dirty="0" smtClean="0"/>
+          </a:p>
+          <a:p>
+            <a:pPr marL="624078" indent="-514350"/>
             <a:r>
               <a:rPr lang="nl-BE" dirty="0" smtClean="0"/>
-              <a:t>Enterprise Architect </a:t>
-            </a:r>
-          </a:p>
-          <a:p>
-            <a:pPr lvl="1"/>
-            <a:r>
-              <a:rPr lang="nl-BE" sz="1600" dirty="0" smtClean="0">
-                <a:hlinkClick r:id="rId3"/>
-              </a:rPr>
-              <a:t>             </a:t>
-            </a:r>
-            <a:r>
-              <a:rPr lang="nl-BE" sz="1600" dirty="0" smtClean="0">
-                <a:hlinkClick r:id="rId3"/>
-              </a:rPr>
-              <a:t>http</a:t>
-            </a:r>
-            <a:r>
-              <a:rPr lang="nl-BE" sz="1600" dirty="0" smtClean="0">
-                <a:hlinkClick r:id="rId3"/>
-              </a:rPr>
-              <a:t>://</a:t>
-            </a:r>
-            <a:r>
-              <a:rPr lang="nl-BE" sz="1600" dirty="0" smtClean="0">
-                <a:hlinkClick r:id="rId3"/>
-              </a:rPr>
-              <a:t>www.linkedin.com/in/michelgrootjans</a:t>
-            </a:r>
-            <a:endParaRPr lang="nl-BE" sz="1600" dirty="0" smtClean="0"/>
-          </a:p>
-          <a:p>
-            <a:pPr lvl="1"/>
-            <a:r>
-              <a:rPr lang="nl-BE" sz="1600" dirty="0" smtClean="0"/>
-              <a:t>Blog: </a:t>
-            </a:r>
-            <a:r>
-              <a:rPr lang="nl-BE" sz="1600" dirty="0" smtClean="0">
-                <a:hlinkClick r:id="rId4"/>
-              </a:rPr>
-              <a:t>http://geekswithblogs.net/alternativedotnet</a:t>
-            </a:r>
-            <a:r>
-              <a:rPr lang="nl-BE" sz="1600" dirty="0" smtClean="0">
-                <a:hlinkClick r:id="rId4"/>
-              </a:rPr>
-              <a:t>/</a:t>
-            </a:r>
-            <a:r>
-              <a:rPr lang="nl-BE" sz="1600" dirty="0" smtClean="0"/>
-              <a:t> </a:t>
-            </a:r>
-            <a:endParaRPr lang="nl-BE" sz="1600" dirty="0" smtClean="0"/>
-          </a:p>
-          <a:p>
-            <a:pPr lvl="1"/>
-            <a:r>
-              <a:rPr lang="nl-BE" sz="1600" dirty="0" smtClean="0">
-                <a:hlinkClick r:id="rId5"/>
-              </a:rPr>
-              <a:t>michel.grootjans@ilean.be</a:t>
-            </a:r>
-            <a:endParaRPr lang="nl-BE" sz="1600" dirty="0" smtClean="0"/>
-          </a:p>
-          <a:p>
-            <a:pPr lvl="1">
-              <a:buNone/>
-            </a:pPr>
+              <a:t>Setup </a:t>
+            </a:r>
+            <a:r>
+              <a:rPr lang="nl-BE" dirty="0" smtClean="0"/>
+              <a:t>Fitnesse (10’)</a:t>
+            </a:r>
             <a:endParaRPr lang="nl-BE" dirty="0" smtClean="0"/>
           </a:p>
           <a:p>
+            <a:pPr marL="624078" indent="-514350"/>
+            <a:endParaRPr lang="nl-BE" i="1" dirty="0" smtClean="0"/>
+          </a:p>
+          <a:p>
+            <a:pPr marL="624078" indent="-514350"/>
             <a:r>
               <a:rPr lang="nl-BE" dirty="0" smtClean="0"/>
-              <a:t>Pascal Mestdach</a:t>
-            </a:r>
-          </a:p>
-          <a:p>
-            <a:pPr lvl="1"/>
+              <a:t>Iteration </a:t>
+            </a:r>
             <a:r>
               <a:rPr lang="nl-BE" dirty="0" smtClean="0"/>
-              <a:t>Solution Architect</a:t>
-            </a:r>
-          </a:p>
-          <a:p>
-            <a:pPr lvl="1"/>
-            <a:r>
-              <a:rPr lang="nl-BE" sz="1600" dirty="0" smtClean="0">
-                <a:hlinkClick r:id="rId6"/>
-              </a:rPr>
-              <a:t>             </a:t>
-            </a:r>
-            <a:r>
-              <a:rPr lang="nl-BE" sz="1600" dirty="0" smtClean="0">
-                <a:hlinkClick r:id="rId6"/>
-              </a:rPr>
-              <a:t>http</a:t>
-            </a:r>
-            <a:r>
-              <a:rPr lang="nl-BE" sz="1600" dirty="0" smtClean="0">
-                <a:hlinkClick r:id="rId6"/>
-              </a:rPr>
-              <a:t>://www.linkedin.com/in/pascalmestdach</a:t>
-            </a:r>
-            <a:r>
-              <a:rPr lang="nl-BE" sz="1600" dirty="0" smtClean="0"/>
-              <a:t> </a:t>
-            </a:r>
-            <a:endParaRPr lang="nl-BE" sz="1600" dirty="0" smtClean="0"/>
-          </a:p>
-          <a:p>
-            <a:pPr lvl="1"/>
-            <a:r>
-              <a:rPr lang="nl-BE" sz="1600" dirty="0" smtClean="0"/>
-              <a:t>Blog: </a:t>
-            </a:r>
-            <a:r>
-              <a:rPr lang="nl-BE" sz="1600" dirty="0" smtClean="0">
-                <a:hlinkClick r:id="rId7"/>
-              </a:rPr>
-              <a:t>http</a:t>
-            </a:r>
-            <a:r>
-              <a:rPr lang="nl-BE" sz="1600" dirty="0" smtClean="0">
-                <a:hlinkClick r:id="rId7"/>
-              </a:rPr>
-              <a:t>://pascalmestdach.blogspot.com</a:t>
-            </a:r>
-            <a:r>
-              <a:rPr lang="nl-BE" sz="1600" dirty="0" smtClean="0">
-                <a:hlinkClick r:id="rId7"/>
-              </a:rPr>
-              <a:t>/</a:t>
-            </a:r>
-            <a:r>
-              <a:rPr lang="nl-BE" sz="1600" dirty="0" smtClean="0"/>
-              <a:t> </a:t>
-            </a:r>
-            <a:endParaRPr lang="nl-BE" sz="1600" dirty="0" smtClean="0"/>
-          </a:p>
-          <a:p>
-            <a:pPr lvl="1"/>
-            <a:r>
-              <a:rPr lang="nl-BE" sz="1600" dirty="0" smtClean="0">
-                <a:hlinkClick r:id="rId8"/>
-              </a:rPr>
-              <a:t>pascal.mestdach@infohos.be</a:t>
-            </a:r>
-          </a:p>
-          <a:p>
-            <a:pPr lvl="1">
-              <a:buNone/>
-            </a:pPr>
-            <a:endParaRPr lang="nl-BE" sz="1600" dirty="0" smtClean="0"/>
-          </a:p>
-          <a:p>
+              <a:t>1 (25’)</a:t>
+            </a:r>
+            <a:endParaRPr lang="nl-BE" dirty="0" smtClean="0"/>
+          </a:p>
+          <a:p>
+            <a:pPr marL="624078" indent="-514350"/>
+            <a:endParaRPr lang="nl-BE" i="1" dirty="0" smtClean="0"/>
+          </a:p>
+          <a:p>
+            <a:pPr marL="624078" indent="-514350"/>
+            <a:r>
+              <a:rPr lang="nl-BE" b="1" i="1" dirty="0" smtClean="0"/>
+              <a:t>Iteration </a:t>
+            </a:r>
+            <a:r>
+              <a:rPr lang="nl-BE" b="1" i="1" dirty="0" smtClean="0"/>
+              <a:t>2 (20’)</a:t>
+            </a:r>
+            <a:endParaRPr lang="nl-BE" b="1" i="1" dirty="0" smtClean="0"/>
+          </a:p>
+          <a:p>
+            <a:pPr marL="624078" indent="-514350"/>
+            <a:endParaRPr lang="nl-BE" i="1" dirty="0" smtClean="0"/>
+          </a:p>
+          <a:p>
+            <a:pPr marL="624078" indent="-514350"/>
             <a:r>
               <a:rPr lang="nl-BE" dirty="0" smtClean="0"/>
-              <a:t>Download material:</a:t>
-            </a:r>
-          </a:p>
-          <a:p>
-            <a:pPr lvl="1"/>
-            <a:r>
-              <a:rPr lang="nl-BE" sz="1700" dirty="0" smtClean="0"/>
-              <a:t>On google code: </a:t>
-            </a:r>
-            <a:r>
-              <a:rPr lang="nl-BE" sz="1500" dirty="0" smtClean="0">
-                <a:hlinkClick r:id="rId9"/>
-              </a:rPr>
-              <a:t>http</a:t>
-            </a:r>
-            <a:r>
-              <a:rPr lang="nl-BE" sz="1500" dirty="0" smtClean="0">
-                <a:hlinkClick r:id="rId9"/>
-              </a:rPr>
-              <a:t>://code.google.com/p/agileacceptancetesting/</a:t>
-            </a:r>
-            <a:r>
-              <a:rPr lang="nl-BE" sz="1500" dirty="0" smtClean="0"/>
-              <a:t> </a:t>
-            </a:r>
-          </a:p>
-          <a:p>
-            <a:pPr lvl="1"/>
-            <a:r>
-              <a:rPr lang="nl-BE" sz="1600" dirty="0" smtClean="0"/>
-              <a:t>Checkout in svn: </a:t>
-            </a:r>
-            <a:r>
-              <a:rPr lang="nl-BE" sz="1400" dirty="0" smtClean="0">
-                <a:hlinkClick r:id="rId10"/>
-              </a:rPr>
-              <a:t>https</a:t>
-            </a:r>
-            <a:r>
-              <a:rPr lang="nl-BE" sz="1400" dirty="0" smtClean="0">
-                <a:hlinkClick r:id="rId10"/>
-              </a:rPr>
-              <a:t>://agileacceptancetesting.googlecode.com/svn/trunk</a:t>
-            </a:r>
-            <a:r>
-              <a:rPr lang="nl-BE" sz="1400" dirty="0" smtClean="0"/>
-              <a:t> </a:t>
-            </a:r>
+              <a:t>What’s in it for you</a:t>
+            </a:r>
+            <a:r>
+              <a:rPr lang="nl-BE" dirty="0" smtClean="0"/>
+              <a:t>? (5’)</a:t>
+            </a:r>
+          </a:p>
+          <a:p>
+            <a:pPr marL="624078" indent="-514350"/>
+            <a:endParaRPr lang="nl-BE" dirty="0" smtClean="0"/>
+          </a:p>
+          <a:p>
+            <a:pPr marL="624078" indent="-514350"/>
+            <a:r>
+              <a:rPr lang="nl-BE" dirty="0" smtClean="0"/>
+              <a:t>Retrospective (5’)</a:t>
+            </a:r>
+            <a:endParaRPr lang="nl-BE" dirty="0" smtClean="0"/>
+          </a:p>
+          <a:p>
+            <a:pPr marL="624078" indent="-514350"/>
+            <a:endParaRPr lang="nl-BE" i="1" dirty="0" smtClean="0"/>
           </a:p>
         </p:txBody>
       </p:sp>
       <p:sp>
         <p:nvSpPr>
-          <p:cNvPr id="2" name="Title 1"/>
+          <p:cNvPr id="3" name="Title 2"/>
           <p:cNvSpPr>
             <a:spLocks noGrp="1"/>
           </p:cNvSpPr>
@@ -12136,166 +14274,52 @@
         </p:nvSpPr>
         <p:spPr>
           <a:xfrm>
-            <a:off x="457200" y="274638"/>
-            <a:ext cx="8229600" cy="868346"/>
+            <a:off x="457200" y="285728"/>
+            <a:ext cx="8229600" cy="1143000"/>
           </a:xfrm>
         </p:spPr>
         <p:txBody>
           <a:bodyPr>
-            <a:normAutofit/>
+            <a:normAutofit fontScale="90000"/>
           </a:bodyPr>
           <a:lstStyle/>
           <a:p>
             <a:r>
-              <a:rPr lang="nl-BE" sz="3200" dirty="0" smtClean="0"/>
-              <a:t>Agile Acceptance Testing with Fitnesse</a:t>
-            </a:r>
-            <a:endParaRPr lang="nl-BE" sz="3200" dirty="0"/>
+              <a:rPr lang="nl-BE" sz="3600" dirty="0" smtClean="0"/>
+              <a:t>Agile Acceptance Testing with </a:t>
+            </a:r>
+            <a:r>
+              <a:rPr lang="nl-BE" sz="3600" dirty="0" smtClean="0"/>
+              <a:t>Fitnesse</a:t>
+            </a:r>
+            <a:endParaRPr lang="nl-BE" sz="3600" dirty="0"/>
           </a:p>
         </p:txBody>
       </p:sp>
       <p:pic>
         <p:nvPicPr>
-          <p:cNvPr id="5" name="Picture 4" descr="iLean.jpg"/>
+          <p:cNvPr id="5" name="Picture 2" descr="C:\Users\pascmest\AppData\Local\Microsoft\Windows\Temporary Internet Files\Content.IE5\R67MQFYW\MPj04053960000[1].jpg"/>
           <p:cNvPicPr>
-            <a:picLocks noChangeAspect="1"/>
+            <a:picLocks noChangeAspect="1" noChangeArrowheads="1"/>
           </p:cNvPicPr>
           <p:nvPr/>
         </p:nvPicPr>
         <p:blipFill>
-          <a:blip r:embed="rId11" cstate="print"/>
+          <a:blip r:embed="rId3" cstate="print"/>
+          <a:srcRect/>
           <a:stretch>
             <a:fillRect/>
           </a:stretch>
         </p:blipFill>
-        <p:spPr>
+        <p:spPr bwMode="auto">
           <a:xfrm>
-            <a:off x="5543564" y="1142984"/>
-            <a:ext cx="1028700" cy="704850"/>
+            <a:off x="5443545" y="4214818"/>
+            <a:ext cx="3700487" cy="2643206"/>
           </a:xfrm>
           <a:prstGeom prst="rect">
             <a:avLst/>
           </a:prstGeom>
-        </p:spPr>
-      </p:pic>
-      <p:pic>
-        <p:nvPicPr>
-          <p:cNvPr id="6" name="Picture 5" descr="Ihc.png"/>
-          <p:cNvPicPr>
-            <a:picLocks noChangeAspect="1"/>
-          </p:cNvPicPr>
-          <p:nvPr/>
-        </p:nvPicPr>
-        <p:blipFill>
-          <a:blip r:embed="rId12" cstate="print"/>
-          <a:stretch>
-            <a:fillRect/>
-          </a:stretch>
-        </p:blipFill>
-        <p:spPr>
-          <a:xfrm>
-            <a:off x="5572132" y="3071810"/>
-            <a:ext cx="942981" cy="642942"/>
-          </a:xfrm>
-          <a:prstGeom prst="rect">
-            <a:avLst/>
-          </a:prstGeom>
-        </p:spPr>
-      </p:pic>
-      <p:pic>
-        <p:nvPicPr>
-          <p:cNvPr id="7" name="Picture 6" descr="linkedIn.png"/>
-          <p:cNvPicPr>
-            <a:picLocks noChangeAspect="1"/>
-          </p:cNvPicPr>
-          <p:nvPr/>
-        </p:nvPicPr>
-        <p:blipFill>
-          <a:blip r:embed="rId13" cstate="print"/>
-          <a:stretch>
-            <a:fillRect/>
-          </a:stretch>
-        </p:blipFill>
-        <p:spPr>
-          <a:xfrm>
-            <a:off x="1187366" y="1928802"/>
-            <a:ext cx="785818" cy="211312"/>
-          </a:xfrm>
-          <a:prstGeom prst="rect">
-            <a:avLst/>
-          </a:prstGeom>
-        </p:spPr>
-      </p:pic>
-      <p:pic>
-        <p:nvPicPr>
-          <p:cNvPr id="8" name="Picture 7" descr="linkedIn.png"/>
-          <p:cNvPicPr>
-            <a:picLocks noChangeAspect="1"/>
-          </p:cNvPicPr>
-          <p:nvPr/>
-        </p:nvPicPr>
-        <p:blipFill>
-          <a:blip r:embed="rId13" cstate="print"/>
-          <a:stretch>
-            <a:fillRect/>
-          </a:stretch>
-        </p:blipFill>
-        <p:spPr>
-          <a:xfrm>
-            <a:off x="1166202" y="3835230"/>
-            <a:ext cx="785818" cy="211312"/>
-          </a:xfrm>
-          <a:prstGeom prst="rect">
-            <a:avLst/>
-          </a:prstGeom>
-        </p:spPr>
-      </p:pic>
-      <p:pic>
-        <p:nvPicPr>
-          <p:cNvPr id="9" name="Picture 8" descr="1df7029.jpg"/>
-          <p:cNvPicPr>
-            <a:picLocks noChangeAspect="1"/>
-          </p:cNvPicPr>
-          <p:nvPr/>
-        </p:nvPicPr>
-        <p:blipFill>
-          <a:blip r:embed="rId14" cstate="print"/>
-          <a:stretch>
-            <a:fillRect/>
-          </a:stretch>
-        </p:blipFill>
-        <p:spPr>
-          <a:xfrm>
-            <a:off x="6858016" y="3143248"/>
-            <a:ext cx="1714512" cy="1285884"/>
-          </a:xfrm>
-          <a:prstGeom prst="rect">
-            <a:avLst/>
-          </a:prstGeom>
-        </p:spPr>
-      </p:pic>
-      <p:pic>
-        <p:nvPicPr>
-          <p:cNvPr id="10" name="Picture 9" descr="Photo 9.jpg"/>
-          <p:cNvPicPr>
-            <a:picLocks noChangeAspect="1"/>
-          </p:cNvPicPr>
-          <p:nvPr/>
-        </p:nvPicPr>
-        <p:blipFill>
-          <a:blip r:embed="rId15" cstate="print"/>
-          <a:stretch>
-            <a:fillRect/>
-          </a:stretch>
-        </p:blipFill>
-        <p:spPr>
-          <a:xfrm>
-            <a:off x="6858016" y="1214422"/>
-            <a:ext cx="1714512" cy="1285884"/>
-          </a:xfrm>
-          <a:prstGeom prst="rect">
-            <a:avLst/>
-          </a:prstGeom>
+          <a:noFill/>
         </p:spPr>
       </p:pic>
     </p:spTree>
@@ -12306,482 +14330,14 @@
   <p:timing>
     <p:tnLst>
       <p:par>
-        <p:cTn id="1" dur="indefinite" restart="never" nodeType="tmRoot">
-          <p:childTnLst>
-            <p:seq concurrent="1" nextAc="seek">
-              <p:cTn id="2" dur="indefinite" nodeType="mainSeq">
-                <p:childTnLst>
-                  <p:par>
-                    <p:cTn id="3" fill="hold">
-                      <p:stCondLst>
-                        <p:cond delay="indefinite"/>
-                        <p:cond evt="onBegin" delay="0">
-                          <p:tn val="2"/>
-                        </p:cond>
-                      </p:stCondLst>
-                      <p:childTnLst>
-                        <p:par>
-                          <p:cTn id="4" fill="hold">
-                            <p:stCondLst>
-                              <p:cond delay="0"/>
-                            </p:stCondLst>
-                            <p:childTnLst>
-                              <p:par>
-                                <p:cTn id="5" presetID="1" presetClass="entr" presetSubtype="0" fill="hold" grpId="0" nodeType="withEffect">
-                                  <p:stCondLst>
-                                    <p:cond delay="0"/>
-                                  </p:stCondLst>
-                                  <p:childTnLst>
-                                    <p:set>
-                                      <p:cBhvr>
-                                        <p:cTn id="6" dur="1" fill="hold">
-                                          <p:stCondLst>
-                                            <p:cond delay="0"/>
-                                          </p:stCondLst>
-                                        </p:cTn>
-                                        <p:tgtEl>
-                                          <p:spTgt spid="3">
-                                            <p:txEl>
-                                              <p:pRg st="0" end="0"/>
-                                            </p:txEl>
-                                          </p:spTgt>
-                                        </p:tgtEl>
-                                        <p:attrNameLst>
-                                          <p:attrName>style.visibility</p:attrName>
-                                        </p:attrNameLst>
-                                      </p:cBhvr>
-                                      <p:to>
-                                        <p:strVal val="visible"/>
-                                      </p:to>
-                                    </p:set>
-                                  </p:childTnLst>
-                                </p:cTn>
-                              </p:par>
-                              <p:par>
-                                <p:cTn id="7" presetID="1" presetClass="entr" presetSubtype="0" fill="hold" grpId="0" nodeType="withEffect">
-                                  <p:stCondLst>
-                                    <p:cond delay="0"/>
-                                  </p:stCondLst>
-                                  <p:childTnLst>
-                                    <p:set>
-                                      <p:cBhvr>
-                                        <p:cTn id="8" dur="1" fill="hold">
-                                          <p:stCondLst>
-                                            <p:cond delay="0"/>
-                                          </p:stCondLst>
-                                        </p:cTn>
-                                        <p:tgtEl>
-                                          <p:spTgt spid="3">
-                                            <p:txEl>
-                                              <p:pRg st="1" end="1"/>
-                                            </p:txEl>
-                                          </p:spTgt>
-                                        </p:tgtEl>
-                                        <p:attrNameLst>
-                                          <p:attrName>style.visibility</p:attrName>
-                                        </p:attrNameLst>
-                                      </p:cBhvr>
-                                      <p:to>
-                                        <p:strVal val="visible"/>
-                                      </p:to>
-                                    </p:set>
-                                  </p:childTnLst>
-                                </p:cTn>
-                              </p:par>
-                              <p:par>
-                                <p:cTn id="9" presetID="1" presetClass="entr" presetSubtype="0" fill="hold" grpId="0" nodeType="withEffect">
-                                  <p:stCondLst>
-                                    <p:cond delay="0"/>
-                                  </p:stCondLst>
-                                  <p:childTnLst>
-                                    <p:set>
-                                      <p:cBhvr>
-                                        <p:cTn id="10" dur="1" fill="hold">
-                                          <p:stCondLst>
-                                            <p:cond delay="0"/>
-                                          </p:stCondLst>
-                                        </p:cTn>
-                                        <p:tgtEl>
-                                          <p:spTgt spid="3">
-                                            <p:txEl>
-                                              <p:pRg st="2" end="2"/>
-                                            </p:txEl>
-                                          </p:spTgt>
-                                        </p:tgtEl>
-                                        <p:attrNameLst>
-                                          <p:attrName>style.visibility</p:attrName>
-                                        </p:attrNameLst>
-                                      </p:cBhvr>
-                                      <p:to>
-                                        <p:strVal val="visible"/>
-                                      </p:to>
-                                    </p:set>
-                                  </p:childTnLst>
-                                </p:cTn>
-                              </p:par>
-                              <p:par>
-                                <p:cTn id="11" presetID="1" presetClass="entr" presetSubtype="0" fill="hold" grpId="0" nodeType="withEffect">
-                                  <p:stCondLst>
-                                    <p:cond delay="0"/>
-                                  </p:stCondLst>
-                                  <p:childTnLst>
-                                    <p:set>
-                                      <p:cBhvr>
-                                        <p:cTn id="12" dur="1" fill="hold">
-                                          <p:stCondLst>
-                                            <p:cond delay="0"/>
-                                          </p:stCondLst>
-                                        </p:cTn>
-                                        <p:tgtEl>
-                                          <p:spTgt spid="3">
-                                            <p:txEl>
-                                              <p:pRg st="3" end="3"/>
-                                            </p:txEl>
-                                          </p:spTgt>
-                                        </p:tgtEl>
-                                        <p:attrNameLst>
-                                          <p:attrName>style.visibility</p:attrName>
-                                        </p:attrNameLst>
-                                      </p:cBhvr>
-                                      <p:to>
-                                        <p:strVal val="visible"/>
-                                      </p:to>
-                                    </p:set>
-                                  </p:childTnLst>
-                                </p:cTn>
-                              </p:par>
-                              <p:par>
-                                <p:cTn id="13" presetID="1" presetClass="entr" presetSubtype="0" fill="hold" grpId="0" nodeType="withEffect">
-                                  <p:stCondLst>
-                                    <p:cond delay="0"/>
-                                  </p:stCondLst>
-                                  <p:childTnLst>
-                                    <p:set>
-                                      <p:cBhvr>
-                                        <p:cTn id="14" dur="1" fill="hold">
-                                          <p:stCondLst>
-                                            <p:cond delay="0"/>
-                                          </p:stCondLst>
-                                        </p:cTn>
-                                        <p:tgtEl>
-                                          <p:spTgt spid="3">
-                                            <p:txEl>
-                                              <p:pRg st="4" end="4"/>
-                                            </p:txEl>
-                                          </p:spTgt>
-                                        </p:tgtEl>
-                                        <p:attrNameLst>
-                                          <p:attrName>style.visibility</p:attrName>
-                                        </p:attrNameLst>
-                                      </p:cBhvr>
-                                      <p:to>
-                                        <p:strVal val="visible"/>
-                                      </p:to>
-                                    </p:set>
-                                  </p:childTnLst>
-                                </p:cTn>
-                              </p:par>
-                              <p:par>
-                                <p:cTn id="15" presetID="1" presetClass="entr" presetSubtype="0" fill="hold" grpId="0" nodeType="withEffect">
-                                  <p:stCondLst>
-                                    <p:cond delay="0"/>
-                                  </p:stCondLst>
-                                  <p:childTnLst>
-                                    <p:set>
-                                      <p:cBhvr>
-                                        <p:cTn id="16" dur="1" fill="hold">
-                                          <p:stCondLst>
-                                            <p:cond delay="0"/>
-                                          </p:stCondLst>
-                                        </p:cTn>
-                                        <p:tgtEl>
-                                          <p:spTgt spid="3">
-                                            <p:txEl>
-                                              <p:pRg st="6" end="6"/>
-                                            </p:txEl>
-                                          </p:spTgt>
-                                        </p:tgtEl>
-                                        <p:attrNameLst>
-                                          <p:attrName>style.visibility</p:attrName>
-                                        </p:attrNameLst>
-                                      </p:cBhvr>
-                                      <p:to>
-                                        <p:strVal val="visible"/>
-                                      </p:to>
-                                    </p:set>
-                                  </p:childTnLst>
-                                </p:cTn>
-                              </p:par>
-                              <p:par>
-                                <p:cTn id="17" presetID="1" presetClass="entr" presetSubtype="0" fill="hold" grpId="0" nodeType="withEffect">
-                                  <p:stCondLst>
-                                    <p:cond delay="0"/>
-                                  </p:stCondLst>
-                                  <p:childTnLst>
-                                    <p:set>
-                                      <p:cBhvr>
-                                        <p:cTn id="18" dur="1" fill="hold">
-                                          <p:stCondLst>
-                                            <p:cond delay="0"/>
-                                          </p:stCondLst>
-                                        </p:cTn>
-                                        <p:tgtEl>
-                                          <p:spTgt spid="3">
-                                            <p:txEl>
-                                              <p:pRg st="7" end="7"/>
-                                            </p:txEl>
-                                          </p:spTgt>
-                                        </p:tgtEl>
-                                        <p:attrNameLst>
-                                          <p:attrName>style.visibility</p:attrName>
-                                        </p:attrNameLst>
-                                      </p:cBhvr>
-                                      <p:to>
-                                        <p:strVal val="visible"/>
-                                      </p:to>
-                                    </p:set>
-                                  </p:childTnLst>
-                                </p:cTn>
-                              </p:par>
-                              <p:par>
-                                <p:cTn id="19" presetID="1" presetClass="entr" presetSubtype="0" fill="hold" grpId="0" nodeType="withEffect">
-                                  <p:stCondLst>
-                                    <p:cond delay="0"/>
-                                  </p:stCondLst>
-                                  <p:childTnLst>
-                                    <p:set>
-                                      <p:cBhvr>
-                                        <p:cTn id="20" dur="1" fill="hold">
-                                          <p:stCondLst>
-                                            <p:cond delay="0"/>
-                                          </p:stCondLst>
-                                        </p:cTn>
-                                        <p:tgtEl>
-                                          <p:spTgt spid="3">
-                                            <p:txEl>
-                                              <p:pRg st="8" end="8"/>
-                                            </p:txEl>
-                                          </p:spTgt>
-                                        </p:tgtEl>
-                                        <p:attrNameLst>
-                                          <p:attrName>style.visibility</p:attrName>
-                                        </p:attrNameLst>
-                                      </p:cBhvr>
-                                      <p:to>
-                                        <p:strVal val="visible"/>
-                                      </p:to>
-                                    </p:set>
-                                  </p:childTnLst>
-                                </p:cTn>
-                              </p:par>
-                              <p:par>
-                                <p:cTn id="21" presetID="1" presetClass="entr" presetSubtype="0" fill="hold" grpId="0" nodeType="withEffect">
-                                  <p:stCondLst>
-                                    <p:cond delay="0"/>
-                                  </p:stCondLst>
-                                  <p:childTnLst>
-                                    <p:set>
-                                      <p:cBhvr>
-                                        <p:cTn id="22" dur="1" fill="hold">
-                                          <p:stCondLst>
-                                            <p:cond delay="0"/>
-                                          </p:stCondLst>
-                                        </p:cTn>
-                                        <p:tgtEl>
-                                          <p:spTgt spid="3">
-                                            <p:txEl>
-                                              <p:pRg st="9" end="9"/>
-                                            </p:txEl>
-                                          </p:spTgt>
-                                        </p:tgtEl>
-                                        <p:attrNameLst>
-                                          <p:attrName>style.visibility</p:attrName>
-                                        </p:attrNameLst>
-                                      </p:cBhvr>
-                                      <p:to>
-                                        <p:strVal val="visible"/>
-                                      </p:to>
-                                    </p:set>
-                                  </p:childTnLst>
-                                </p:cTn>
-                              </p:par>
-                              <p:par>
-                                <p:cTn id="23" presetID="1" presetClass="entr" presetSubtype="0" fill="hold" grpId="0" nodeType="withEffect">
-                                  <p:stCondLst>
-                                    <p:cond delay="0"/>
-                                  </p:stCondLst>
-                                  <p:childTnLst>
-                                    <p:set>
-                                      <p:cBhvr>
-                                        <p:cTn id="24" dur="1" fill="hold">
-                                          <p:stCondLst>
-                                            <p:cond delay="0"/>
-                                          </p:stCondLst>
-                                        </p:cTn>
-                                        <p:tgtEl>
-                                          <p:spTgt spid="3">
-                                            <p:txEl>
-                                              <p:pRg st="10" end="10"/>
-                                            </p:txEl>
-                                          </p:spTgt>
-                                        </p:tgtEl>
-                                        <p:attrNameLst>
-                                          <p:attrName>style.visibility</p:attrName>
-                                        </p:attrNameLst>
-                                      </p:cBhvr>
-                                      <p:to>
-                                        <p:strVal val="visible"/>
-                                      </p:to>
-                                    </p:set>
-                                  </p:childTnLst>
-                                </p:cTn>
-                              </p:par>
-                            </p:childTnLst>
-                          </p:cTn>
-                        </p:par>
-                      </p:childTnLst>
-                    </p:cTn>
-                  </p:par>
-                  <p:par>
-                    <p:cTn id="25" fill="hold">
-                      <p:stCondLst>
-                        <p:cond delay="indefinite"/>
-                      </p:stCondLst>
-                      <p:childTnLst>
-                        <p:par>
-                          <p:cTn id="26" fill="hold">
-                            <p:stCondLst>
-                              <p:cond delay="0"/>
-                            </p:stCondLst>
-                            <p:childTnLst>
-                              <p:par>
-                                <p:cTn id="27" presetID="1" presetClass="entr" presetSubtype="0" fill="hold" grpId="0" nodeType="clickEffect">
-                                  <p:stCondLst>
-                                    <p:cond delay="0"/>
-                                  </p:stCondLst>
-                                  <p:childTnLst>
-                                    <p:set>
-                                      <p:cBhvr>
-                                        <p:cTn id="28" dur="1" fill="hold">
-                                          <p:stCondLst>
-                                            <p:cond delay="0"/>
-                                          </p:stCondLst>
-                                        </p:cTn>
-                                        <p:tgtEl>
-                                          <p:spTgt spid="3">
-                                            <p:txEl>
-                                              <p:pRg st="12" end="12"/>
-                                            </p:txEl>
-                                          </p:spTgt>
-                                        </p:tgtEl>
-                                        <p:attrNameLst>
-                                          <p:attrName>style.visibility</p:attrName>
-                                        </p:attrNameLst>
-                                      </p:cBhvr>
-                                      <p:to>
-                                        <p:strVal val="visible"/>
-                                      </p:to>
-                                    </p:set>
-                                  </p:childTnLst>
-                                </p:cTn>
-                              </p:par>
-                              <p:par>
-                                <p:cTn id="29" presetID="1" presetClass="entr" presetSubtype="0" fill="hold" grpId="0" nodeType="withEffect">
-                                  <p:stCondLst>
-                                    <p:cond delay="0"/>
-                                  </p:stCondLst>
-                                  <p:childTnLst>
-                                    <p:set>
-                                      <p:cBhvr>
-                                        <p:cTn id="30" dur="1" fill="hold">
-                                          <p:stCondLst>
-                                            <p:cond delay="0"/>
-                                          </p:stCondLst>
-                                        </p:cTn>
-                                        <p:tgtEl>
-                                          <p:spTgt spid="3">
-                                            <p:txEl>
-                                              <p:pRg st="13" end="13"/>
-                                            </p:txEl>
-                                          </p:spTgt>
-                                        </p:tgtEl>
-                                        <p:attrNameLst>
-                                          <p:attrName>style.visibility</p:attrName>
-                                        </p:attrNameLst>
-                                      </p:cBhvr>
-                                      <p:to>
-                                        <p:strVal val="visible"/>
-                                      </p:to>
-                                    </p:set>
-                                  </p:childTnLst>
-                                </p:cTn>
-                              </p:par>
-                              <p:par>
-                                <p:cTn id="31" presetID="1" presetClass="entr" presetSubtype="0" fill="hold" grpId="0" nodeType="withEffect">
-                                  <p:stCondLst>
-                                    <p:cond delay="0"/>
-                                  </p:stCondLst>
-                                  <p:childTnLst>
-                                    <p:set>
-                                      <p:cBhvr>
-                                        <p:cTn id="32" dur="1" fill="hold">
-                                          <p:stCondLst>
-                                            <p:cond delay="0"/>
-                                          </p:stCondLst>
-                                        </p:cTn>
-                                        <p:tgtEl>
-                                          <p:spTgt spid="3">
-                                            <p:txEl>
-                                              <p:pRg st="14" end="14"/>
-                                            </p:txEl>
-                                          </p:spTgt>
-                                        </p:tgtEl>
-                                        <p:attrNameLst>
-                                          <p:attrName>style.visibility</p:attrName>
-                                        </p:attrNameLst>
-                                      </p:cBhvr>
-                                      <p:to>
-                                        <p:strVal val="visible"/>
-                                      </p:to>
-                                    </p:set>
-                                  </p:childTnLst>
-                                </p:cTn>
-                              </p:par>
-                            </p:childTnLst>
-                          </p:cTn>
-                        </p:par>
-                      </p:childTnLst>
-                    </p:cTn>
-                  </p:par>
-                </p:childTnLst>
-              </p:cTn>
-              <p:prevCondLst>
-                <p:cond evt="onPrev" delay="0">
-                  <p:tgtEl>
-                    <p:sldTgt/>
-                  </p:tgtEl>
-                </p:cond>
-              </p:prevCondLst>
-              <p:nextCondLst>
-                <p:cond evt="onNext" delay="0">
-                  <p:tgtEl>
-                    <p:sldTgt/>
-                  </p:tgtEl>
-                </p:cond>
-              </p:nextCondLst>
-            </p:seq>
-          </p:childTnLst>
-        </p:cTn>
+        <p:cTn id="1" dur="indefinite" restart="never" nodeType="tmRoot"/>
       </p:par>
     </p:tnLst>
-    <p:bldLst>
-      <p:bldP spid="3" grpId="0" uiExpand="1" build="p"/>
-    </p:bldLst>
   </p:timing>
 </p:sld>
 </file>
 
-<file path=ppt/slides/slide20.xml><?xml version="1.0" encoding="utf-8"?>
+<file path=ppt/slides/slide22.xml><?xml version="1.0" encoding="utf-8"?>
 <p:sld xmlns:a="http://schemas.openxmlformats.org/drawingml/2006/main" xmlns:r="http://schemas.openxmlformats.org/officeDocument/2006/relationships" xmlns:p="http://schemas.openxmlformats.org/presentationml/2006/main">
   <p:cSld>
     <p:spTree>
@@ -13415,163 +14971,7 @@
 </p:sld>
 </file>
 
-<file path=ppt/slides/slide21.xml><?xml version="1.0" encoding="utf-8"?>
-<p:sld xmlns:a="http://schemas.openxmlformats.org/drawingml/2006/main" xmlns:r="http://schemas.openxmlformats.org/officeDocument/2006/relationships" xmlns:p="http://schemas.openxmlformats.org/presentationml/2006/main">
-  <p:cSld>
-    <p:spTree>
-      <p:nvGrpSpPr>
-        <p:cNvPr id="1" name=""/>
-        <p:cNvGrpSpPr/>
-        <p:nvPr/>
-      </p:nvGrpSpPr>
-      <p:grpSpPr>
-        <a:xfrm>
-          <a:off x="0" y="0"/>
-          <a:ext cx="0" cy="0"/>
-          <a:chOff x="0" y="0"/>
-          <a:chExt cx="0" cy="0"/>
-        </a:xfrm>
-      </p:grpSpPr>
-      <p:sp>
-        <p:nvSpPr>
-          <p:cNvPr id="2" name="Content Placeholder 1"/>
-          <p:cNvSpPr>
-            <a:spLocks noGrp="1"/>
-          </p:cNvSpPr>
-          <p:nvPr>
-            <p:ph idx="1"/>
-          </p:nvPr>
-        </p:nvSpPr>
-        <p:spPr/>
-        <p:txBody>
-          <a:bodyPr>
-            <a:normAutofit/>
-          </a:bodyPr>
-          <a:lstStyle/>
-          <a:p>
-            <a:pPr marL="624078" indent="-514350"/>
-            <a:r>
-              <a:rPr lang="nl-BE" dirty="0" smtClean="0"/>
-              <a:t>Specification Workshop</a:t>
-            </a:r>
-          </a:p>
-          <a:p>
-            <a:pPr marL="624078" indent="-514350"/>
-            <a:endParaRPr lang="nl-BE" dirty="0" smtClean="0"/>
-          </a:p>
-          <a:p>
-            <a:pPr marL="624078" indent="-514350"/>
-            <a:r>
-              <a:rPr lang="nl-BE" dirty="0" smtClean="0"/>
-              <a:t>Setup Fitnesse</a:t>
-            </a:r>
-          </a:p>
-          <a:p>
-            <a:pPr marL="624078" indent="-514350"/>
-            <a:endParaRPr lang="nl-BE" dirty="0" smtClean="0"/>
-          </a:p>
-          <a:p>
-            <a:pPr marL="624078" indent="-514350"/>
-            <a:r>
-              <a:rPr lang="nl-BE" dirty="0" smtClean="0"/>
-              <a:t>Iteration 1</a:t>
-            </a:r>
-          </a:p>
-          <a:p>
-            <a:pPr marL="624078" indent="-514350"/>
-            <a:endParaRPr lang="nl-BE" i="1" dirty="0" smtClean="0"/>
-          </a:p>
-          <a:p>
-            <a:pPr marL="624078" indent="-514350"/>
-            <a:r>
-              <a:rPr lang="nl-BE" b="1" i="1" dirty="0" smtClean="0"/>
-              <a:t>Iteration 2</a:t>
-            </a:r>
-          </a:p>
-          <a:p>
-            <a:pPr marL="624078" indent="-514350"/>
-            <a:endParaRPr lang="nl-BE" b="1" i="1" dirty="0" smtClean="0"/>
-          </a:p>
-          <a:p>
-            <a:pPr marL="624078" indent="-514350"/>
-            <a:r>
-              <a:rPr lang="nl-BE" dirty="0" smtClean="0"/>
-              <a:t>What’s in it for you?</a:t>
-            </a:r>
-          </a:p>
-          <a:p>
-            <a:pPr marL="624078" indent="-514350"/>
-            <a:endParaRPr lang="nl-BE" i="1" dirty="0" smtClean="0"/>
-          </a:p>
-        </p:txBody>
-      </p:sp>
-      <p:sp>
-        <p:nvSpPr>
-          <p:cNvPr id="3" name="Title 2"/>
-          <p:cNvSpPr>
-            <a:spLocks noGrp="1"/>
-          </p:cNvSpPr>
-          <p:nvPr>
-            <p:ph type="title"/>
-          </p:nvPr>
-        </p:nvSpPr>
-        <p:spPr/>
-        <p:txBody>
-          <a:bodyPr>
-            <a:noAutofit/>
-          </a:bodyPr>
-          <a:lstStyle/>
-          <a:p>
-            <a:r>
-              <a:rPr lang="nl-BE" sz="3200" dirty="0" smtClean="0"/>
-              <a:t>Agile Acceptance Testing with Fitnesse</a:t>
-            </a:r>
-            <a:endParaRPr lang="nl-BE" sz="3200" dirty="0"/>
-          </a:p>
-        </p:txBody>
-      </p:sp>
-      <p:pic>
-        <p:nvPicPr>
-          <p:cNvPr id="4" name="Picture 2" descr="C:\Users\pascmest\AppData\Local\Microsoft\Windows\Temporary Internet Files\Content.IE5\R67MQFYW\MPj04053960000[1].jpg"/>
-          <p:cNvPicPr>
-            <a:picLocks noChangeAspect="1" noChangeArrowheads="1"/>
-          </p:cNvPicPr>
-          <p:nvPr/>
-        </p:nvPicPr>
-        <p:blipFill>
-          <a:blip r:embed="rId3" cstate="print"/>
-          <a:srcRect/>
-          <a:stretch>
-            <a:fillRect/>
-          </a:stretch>
-        </p:blipFill>
-        <p:spPr bwMode="auto">
-          <a:xfrm>
-            <a:off x="5443545" y="4214818"/>
-            <a:ext cx="3700487" cy="2643206"/>
-          </a:xfrm>
-          <a:prstGeom prst="rect">
-            <a:avLst/>
-          </a:prstGeom>
-          <a:noFill/>
-        </p:spPr>
-      </p:pic>
-    </p:spTree>
-  </p:cSld>
-  <p:clrMapOvr>
-    <a:masterClrMapping/>
-  </p:clrMapOvr>
-  <p:timing>
-    <p:tnLst>
-      <p:par>
-        <p:cTn id="1" dur="indefinite" restart="never" nodeType="tmRoot"/>
-      </p:par>
-    </p:tnLst>
-  </p:timing>
-</p:sld>
-</file>
-
-<file path=ppt/slides/slide22.xml><?xml version="1.0" encoding="utf-8"?>
+<file path=ppt/slides/slide23.xml><?xml version="1.0" encoding="utf-8"?>
 <p:sld xmlns:a="http://schemas.openxmlformats.org/drawingml/2006/main" xmlns:r="http://schemas.openxmlformats.org/officeDocument/2006/relationships" xmlns:p="http://schemas.openxmlformats.org/presentationml/2006/main">
   <p:cSld>
     <p:spTree>
@@ -13695,7 +15095,7 @@
       </p:sp>
       <p:pic>
         <p:nvPicPr>
-          <p:cNvPr id="2050" name="Picture 2"/>
+          <p:cNvPr id="2052" name="Picture 4"/>
           <p:cNvPicPr>
             <a:picLocks noChangeAspect="1" noChangeArrowheads="1"/>
           </p:cNvPicPr>
@@ -13703,39 +15103,6 @@
         </p:nvPicPr>
         <p:blipFill>
           <a:blip r:embed="rId3" cstate="print"/>
-          <a:srcRect/>
-          <a:stretch>
-            <a:fillRect/>
-          </a:stretch>
-        </p:blipFill>
-        <p:spPr bwMode="auto">
-          <a:xfrm>
-            <a:off x="1357290" y="3000372"/>
-            <a:ext cx="2114550" cy="733425"/>
-          </a:xfrm>
-          <a:prstGeom prst="rect">
-            <a:avLst/>
-          </a:prstGeom>
-          <a:noFill/>
-          <a:ln w="9525">
-            <a:noFill/>
-            <a:miter lim="800000"/>
-            <a:headEnd/>
-            <a:tailEnd/>
-          </a:ln>
-          <a:effectLst/>
-        </p:spPr>
-      </p:pic>
-      <p:pic>
-        <p:nvPicPr>
-          <p:cNvPr id="2052" name="Picture 4"/>
-          <p:cNvPicPr>
-            <a:picLocks noChangeAspect="1" noChangeArrowheads="1"/>
-          </p:cNvPicPr>
-          <p:nvPr/>
-        </p:nvPicPr>
-        <p:blipFill>
-          <a:blip r:embed="rId4" cstate="print"/>
           <a:srcRect/>
           <a:stretch>
             <a:fillRect/>
@@ -13759,39 +15126,6 @@
           <a:effectLst/>
         </p:spPr>
       </p:pic>
-      <p:pic>
-        <p:nvPicPr>
-          <p:cNvPr id="2054" name="Picture 6"/>
-          <p:cNvPicPr>
-            <a:picLocks noChangeAspect="1" noChangeArrowheads="1"/>
-          </p:cNvPicPr>
-          <p:nvPr/>
-        </p:nvPicPr>
-        <p:blipFill>
-          <a:blip r:embed="rId5" cstate="print"/>
-          <a:srcRect/>
-          <a:stretch>
-            <a:fillRect/>
-          </a:stretch>
-        </p:blipFill>
-        <p:spPr bwMode="auto">
-          <a:xfrm>
-            <a:off x="2000232" y="4786322"/>
-            <a:ext cx="5524500" cy="219075"/>
-          </a:xfrm>
-          <a:prstGeom prst="rect">
-            <a:avLst/>
-          </a:prstGeom>
-          <a:noFill/>
-          <a:ln w="9525">
-            <a:noFill/>
-            <a:miter lim="800000"/>
-            <a:headEnd/>
-            <a:tailEnd/>
-          </a:ln>
-          <a:effectLst/>
-        </p:spPr>
-      </p:pic>
       <p:cxnSp>
         <p:nvCxnSpPr>
           <p:cNvPr id="10" name="Straight Arrow Connector 9"/>
@@ -13800,8 +15134,8 @@
         </p:nvCxnSpPr>
         <p:spPr>
           <a:xfrm>
-            <a:off x="1643042" y="3571876"/>
-            <a:ext cx="1571636" cy="1143008"/>
+            <a:off x="1428728" y="3857628"/>
+            <a:ext cx="1928826" cy="1000132"/>
           </a:xfrm>
           <a:prstGeom prst="straightConnector1">
             <a:avLst/>
@@ -13836,8 +15170,8 @@
         </p:nvCxnSpPr>
         <p:spPr>
           <a:xfrm>
-            <a:off x="2571736" y="3643314"/>
-            <a:ext cx="1214446" cy="1071570"/>
+            <a:off x="2143108" y="3929066"/>
+            <a:ext cx="2000264" cy="928694"/>
           </a:xfrm>
           <a:prstGeom prst="straightConnector1">
             <a:avLst/>
@@ -13872,8 +15206,8 @@
         </p:nvCxnSpPr>
         <p:spPr>
           <a:xfrm>
-            <a:off x="2000232" y="3643314"/>
-            <a:ext cx="3286148" cy="1071570"/>
+            <a:off x="3000364" y="3929066"/>
+            <a:ext cx="3500462" cy="928694"/>
           </a:xfrm>
           <a:prstGeom prst="straightConnector1">
             <a:avLst/>
@@ -13908,8 +15242,108 @@
         </p:nvCxnSpPr>
         <p:spPr>
           <a:xfrm>
-            <a:off x="3357554" y="3643314"/>
-            <a:ext cx="3500462" cy="1071570"/>
+            <a:off x="3286116" y="3929066"/>
+            <a:ext cx="2000264" cy="928694"/>
+          </a:xfrm>
+          <a:prstGeom prst="straightConnector1">
+            <a:avLst/>
+          </a:prstGeom>
+          <a:ln w="25400" cmpd="sng">
+            <a:solidFill>
+              <a:srgbClr val="FF0000"/>
+            </a:solidFill>
+            <a:tailEnd type="arrow"/>
+          </a:ln>
+        </p:spPr>
+        <p:style>
+          <a:lnRef idx="1">
+            <a:schemeClr val="accent1"/>
+          </a:lnRef>
+          <a:fillRef idx="0">
+            <a:schemeClr val="accent1"/>
+          </a:fillRef>
+          <a:effectRef idx="0">
+            <a:schemeClr val="accent1"/>
+          </a:effectRef>
+          <a:fontRef idx="minor">
+            <a:schemeClr val="tx1"/>
+          </a:fontRef>
+        </p:style>
+      </p:cxnSp>
+      <p:pic>
+        <p:nvPicPr>
+          <p:cNvPr id="3" name="Picture 2"/>
+          <p:cNvPicPr>
+            <a:picLocks noChangeAspect="1" noChangeArrowheads="1"/>
+          </p:cNvPicPr>
+          <p:nvPr/>
+        </p:nvPicPr>
+        <p:blipFill>
+          <a:blip r:embed="rId4" cstate="print"/>
+          <a:srcRect/>
+          <a:stretch>
+            <a:fillRect/>
+          </a:stretch>
+        </p:blipFill>
+        <p:spPr bwMode="auto">
+          <a:xfrm>
+            <a:off x="1000100" y="2857496"/>
+            <a:ext cx="2714625" cy="1009650"/>
+          </a:xfrm>
+          <a:prstGeom prst="rect">
+            <a:avLst/>
+          </a:prstGeom>
+          <a:noFill/>
+          <a:ln w="9525">
+            <a:noFill/>
+            <a:miter lim="800000"/>
+            <a:headEnd/>
+            <a:tailEnd/>
+          </a:ln>
+        </p:spPr>
+      </p:pic>
+      <p:pic>
+        <p:nvPicPr>
+          <p:cNvPr id="2051" name="Picture 3"/>
+          <p:cNvPicPr>
+            <a:picLocks noChangeAspect="1" noChangeArrowheads="1"/>
+          </p:cNvPicPr>
+          <p:nvPr/>
+        </p:nvPicPr>
+        <p:blipFill>
+          <a:blip r:embed="rId5" cstate="print"/>
+          <a:srcRect/>
+          <a:stretch>
+            <a:fillRect/>
+          </a:stretch>
+        </p:blipFill>
+        <p:spPr bwMode="auto">
+          <a:xfrm>
+            <a:off x="2571736" y="4929198"/>
+            <a:ext cx="4610100" cy="266700"/>
+          </a:xfrm>
+          <a:prstGeom prst="rect">
+            <a:avLst/>
+          </a:prstGeom>
+          <a:noFill/>
+          <a:ln w="9525">
+            <a:noFill/>
+            <a:miter lim="800000"/>
+            <a:headEnd/>
+            <a:tailEnd/>
+          </a:ln>
+        </p:spPr>
+      </p:pic>
+      <p:cxnSp>
+        <p:nvCxnSpPr>
+          <p:cNvPr id="25" name="Straight Arrow Connector 24"/>
+          <p:cNvCxnSpPr/>
+          <p:nvPr/>
+        </p:nvCxnSpPr>
+        <p:spPr>
+          <a:xfrm rot="5400000">
+            <a:off x="3036083" y="4321975"/>
+            <a:ext cx="1000132" cy="71438"/>
           </a:xfrm>
           <a:prstGeom prst="straightConnector1">
             <a:avLst/>
@@ -14110,7 +15544,7 @@
                                           </p:stCondLst>
                                         </p:cTn>
                                         <p:tgtEl>
-                                          <p:spTgt spid="2054"/>
+                                          <p:spTgt spid="2051"/>
                                         </p:tgtEl>
                                         <p:attrNameLst>
                                           <p:attrName>style.visibility</p:attrName>
@@ -14264,6 +15698,51 @@
                       </p:childTnLst>
                     </p:cTn>
                   </p:par>
+                  <p:par>
+                    <p:cTn id="31" fill="hold">
+                      <p:stCondLst>
+                        <p:cond delay="indefinite"/>
+                      </p:stCondLst>
+                      <p:childTnLst>
+                        <p:par>
+                          <p:cTn id="32" fill="hold">
+                            <p:stCondLst>
+                              <p:cond delay="0"/>
+                            </p:stCondLst>
+                            <p:childTnLst>
+                              <p:par>
+                                <p:cTn id="33" presetID="1" presetClass="entr" presetSubtype="0" fill="hold" nodeType="clickEffect">
+                                  <p:stCondLst>
+                                    <p:cond delay="0"/>
+                                  </p:stCondLst>
+                                  <p:childTnLst>
+                                    <p:set>
+                                      <p:cBhvr>
+                                        <p:cTn id="34" dur="1" fill="hold">
+                                          <p:stCondLst>
+                                            <p:cond delay="0"/>
+                                          </p:stCondLst>
+                                        </p:cTn>
+                                        <p:tgtEl>
+                                          <p:spTgt spid="25"/>
+                                        </p:tgtEl>
+                                        <p:attrNameLst>
+                                          <p:attrName>style.visibility</p:attrName>
+                                        </p:attrNameLst>
+                                      </p:cBhvr>
+                                      <p:to>
+                                        <p:strVal val="visible"/>
+                                      </p:to>
+                                    </p:set>
+                                  </p:childTnLst>
+                                </p:cTn>
+                              </p:par>
+                            </p:childTnLst>
+                          </p:cTn>
+                        </p:par>
+                      </p:childTnLst>
+                    </p:cTn>
+                  </p:par>
                 </p:childTnLst>
               </p:cTn>
               <p:prevCondLst>
@@ -14289,109 +15768,6 @@
 </p:sld>
 </file>
 
-<file path=ppt/slides/slide23.xml><?xml version="1.0" encoding="utf-8"?>
-<p:sld xmlns:a="http://schemas.openxmlformats.org/drawingml/2006/main" xmlns:r="http://schemas.openxmlformats.org/officeDocument/2006/relationships" xmlns:p="http://schemas.openxmlformats.org/presentationml/2006/main">
-  <p:cSld>
-    <p:spTree>
-      <p:nvGrpSpPr>
-        <p:cNvPr id="1" name=""/>
-        <p:cNvGrpSpPr/>
-        <p:nvPr/>
-      </p:nvGrpSpPr>
-      <p:grpSpPr>
-        <a:xfrm>
-          <a:off x="0" y="0"/>
-          <a:ext cx="0" cy="0"/>
-          <a:chOff x="0" y="0"/>
-          <a:chExt cx="0" cy="0"/>
-        </a:xfrm>
-      </p:grpSpPr>
-      <p:sp>
-        <p:nvSpPr>
-          <p:cNvPr id="3" name="Content Placeholder 2"/>
-          <p:cNvSpPr>
-            <a:spLocks noGrp="1"/>
-          </p:cNvSpPr>
-          <p:nvPr>
-            <p:ph idx="1"/>
-          </p:nvPr>
-        </p:nvSpPr>
-        <p:spPr/>
-        <p:txBody>
-          <a:bodyPr>
-            <a:normAutofit/>
-          </a:bodyPr>
-          <a:lstStyle/>
-          <a:p>
-            <a:r>
-              <a:rPr lang="nl-BE" dirty="0" smtClean="0"/>
-              <a:t>3 Suites in Fitnesse</a:t>
-            </a:r>
-          </a:p>
-          <a:p>
-            <a:endParaRPr lang="nl-BE" dirty="0" smtClean="0"/>
-          </a:p>
-          <a:p>
-            <a:pPr lvl="1"/>
-            <a:r>
-              <a:rPr lang="nl-BE" dirty="0" smtClean="0"/>
-              <a:t>Prepared Test Suite – tests for next iterations</a:t>
-            </a:r>
-          </a:p>
-          <a:p>
-            <a:pPr lvl="1"/>
-            <a:r>
-              <a:rPr lang="nl-BE" dirty="0" smtClean="0"/>
-              <a:t>Work In Progress – doesn’t break the build</a:t>
-            </a:r>
-          </a:p>
-          <a:p>
-            <a:pPr lvl="1"/>
-            <a:r>
-              <a:rPr lang="nl-BE" dirty="0" smtClean="0"/>
-              <a:t>Acceptance Suite – breaks the build!</a:t>
-            </a:r>
-          </a:p>
-        </p:txBody>
-      </p:sp>
-      <p:sp>
-        <p:nvSpPr>
-          <p:cNvPr id="2" name="Title 1"/>
-          <p:cNvSpPr>
-            <a:spLocks noGrp="1"/>
-          </p:cNvSpPr>
-          <p:nvPr>
-            <p:ph type="title"/>
-          </p:nvPr>
-        </p:nvSpPr>
-        <p:spPr/>
-        <p:txBody>
-          <a:bodyPr/>
-          <a:lstStyle/>
-          <a:p>
-            <a:r>
-              <a:rPr lang="nl-BE" dirty="0" smtClean="0"/>
-              <a:t>Organising FitNesse:</a:t>
-            </a:r>
-            <a:endParaRPr lang="nl-BE" dirty="0"/>
-          </a:p>
-        </p:txBody>
-      </p:sp>
-    </p:spTree>
-  </p:cSld>
-  <p:clrMapOvr>
-    <a:masterClrMapping/>
-  </p:clrMapOvr>
-  <p:timing>
-    <p:tnLst>
-      <p:par>
-        <p:cTn id="1" dur="indefinite" restart="never" nodeType="tmRoot"/>
-      </p:par>
-    </p:tnLst>
-  </p:timing>
-</p:sld>
-</file>
-
 <file path=ppt/slides/slide24.xml><?xml version="1.0" encoding="utf-8"?>
 <p:sld xmlns:a="http://schemas.openxmlformats.org/drawingml/2006/main" xmlns:r="http://schemas.openxmlformats.org/officeDocument/2006/relationships" xmlns:p="http://schemas.openxmlformats.org/presentationml/2006/main">
   <p:cSld>
@@ -14411,6 +15787,109 @@
       </p:grpSpPr>
       <p:sp>
         <p:nvSpPr>
+          <p:cNvPr id="3" name="Content Placeholder 2"/>
+          <p:cNvSpPr>
+            <a:spLocks noGrp="1"/>
+          </p:cNvSpPr>
+          <p:nvPr>
+            <p:ph idx="1"/>
+          </p:nvPr>
+        </p:nvSpPr>
+        <p:spPr/>
+        <p:txBody>
+          <a:bodyPr>
+            <a:normAutofit/>
+          </a:bodyPr>
+          <a:lstStyle/>
+          <a:p>
+            <a:r>
+              <a:rPr lang="nl-BE" dirty="0" smtClean="0"/>
+              <a:t>3 Suites in Fitnesse</a:t>
+            </a:r>
+          </a:p>
+          <a:p>
+            <a:endParaRPr lang="nl-BE" dirty="0" smtClean="0"/>
+          </a:p>
+          <a:p>
+            <a:pPr lvl="1"/>
+            <a:r>
+              <a:rPr lang="nl-BE" dirty="0" smtClean="0"/>
+              <a:t>Prepared Test Suite – tests for next iterations</a:t>
+            </a:r>
+          </a:p>
+          <a:p>
+            <a:pPr lvl="1"/>
+            <a:r>
+              <a:rPr lang="nl-BE" dirty="0" smtClean="0"/>
+              <a:t>Work In Progress – doesn’t break the build</a:t>
+            </a:r>
+          </a:p>
+          <a:p>
+            <a:pPr lvl="1"/>
+            <a:r>
+              <a:rPr lang="nl-BE" dirty="0" smtClean="0"/>
+              <a:t>Acceptance Suite – breaks the build!</a:t>
+            </a:r>
+          </a:p>
+        </p:txBody>
+      </p:sp>
+      <p:sp>
+        <p:nvSpPr>
+          <p:cNvPr id="2" name="Title 1"/>
+          <p:cNvSpPr>
+            <a:spLocks noGrp="1"/>
+          </p:cNvSpPr>
+          <p:nvPr>
+            <p:ph type="title"/>
+          </p:nvPr>
+        </p:nvSpPr>
+        <p:spPr/>
+        <p:txBody>
+          <a:bodyPr/>
+          <a:lstStyle/>
+          <a:p>
+            <a:r>
+              <a:rPr lang="nl-BE" dirty="0" smtClean="0"/>
+              <a:t>Organising FitNesse:</a:t>
+            </a:r>
+            <a:endParaRPr lang="nl-BE" dirty="0"/>
+          </a:p>
+        </p:txBody>
+      </p:sp>
+    </p:spTree>
+  </p:cSld>
+  <p:clrMapOvr>
+    <a:masterClrMapping/>
+  </p:clrMapOvr>
+  <p:timing>
+    <p:tnLst>
+      <p:par>
+        <p:cTn id="1" dur="indefinite" restart="never" nodeType="tmRoot"/>
+      </p:par>
+    </p:tnLst>
+  </p:timing>
+</p:sld>
+</file>
+
+<file path=ppt/slides/slide25.xml><?xml version="1.0" encoding="utf-8"?>
+<p:sld xmlns:a="http://schemas.openxmlformats.org/drawingml/2006/main" xmlns:r="http://schemas.openxmlformats.org/officeDocument/2006/relationships" xmlns:p="http://schemas.openxmlformats.org/presentationml/2006/main">
+  <p:cSld>
+    <p:spTree>
+      <p:nvGrpSpPr>
+        <p:cNvPr id="1" name=""/>
+        <p:cNvGrpSpPr/>
+        <p:nvPr/>
+      </p:nvGrpSpPr>
+      <p:grpSpPr>
+        <a:xfrm>
+          <a:off x="0" y="0"/>
+          <a:ext cx="0" cy="0"/>
+          <a:chOff x="0" y="0"/>
+          <a:chExt cx="0" cy="0"/>
+        </a:xfrm>
+      </p:grpSpPr>
+      <p:sp>
+        <p:nvSpPr>
           <p:cNvPr id="2" name="Content Placeholder 1"/>
           <p:cNvSpPr>
             <a:spLocks noGrp="1"/>
@@ -14422,14 +15901,78 @@
         <p:spPr/>
         <p:txBody>
           <a:bodyPr>
-            <a:normAutofit/>
+            <a:normAutofit fontScale="92500" lnSpcReduction="10000"/>
           </a:bodyPr>
           <a:lstStyle/>
           <a:p>
             <a:pPr marL="624078" indent="-514350"/>
             <a:r>
               <a:rPr lang="nl-BE" dirty="0" smtClean="0"/>
-              <a:t>Specification Workshop</a:t>
+              <a:t>Introduction &amp; Specification Workshop (25’)</a:t>
+            </a:r>
+            <a:endParaRPr lang="nl-BE" dirty="0" smtClean="0"/>
+          </a:p>
+          <a:p>
+            <a:pPr marL="624078" indent="-514350"/>
+            <a:endParaRPr lang="nl-BE" i="1" dirty="0" smtClean="0"/>
+          </a:p>
+          <a:p>
+            <a:pPr marL="624078" indent="-514350"/>
+            <a:r>
+              <a:rPr lang="nl-BE" dirty="0" smtClean="0"/>
+              <a:t>Setup </a:t>
+            </a:r>
+            <a:r>
+              <a:rPr lang="nl-BE" dirty="0" smtClean="0"/>
+              <a:t>Fitnesse (10’)</a:t>
+            </a:r>
+            <a:endParaRPr lang="nl-BE" dirty="0" smtClean="0"/>
+          </a:p>
+          <a:p>
+            <a:pPr marL="624078" indent="-514350"/>
+            <a:endParaRPr lang="nl-BE" i="1" dirty="0" smtClean="0"/>
+          </a:p>
+          <a:p>
+            <a:pPr marL="624078" indent="-514350"/>
+            <a:r>
+              <a:rPr lang="nl-BE" dirty="0" smtClean="0"/>
+              <a:t>Iteration </a:t>
+            </a:r>
+            <a:r>
+              <a:rPr lang="nl-BE" dirty="0" smtClean="0"/>
+              <a:t>1 (25’)</a:t>
+            </a:r>
+            <a:endParaRPr lang="nl-BE" dirty="0" smtClean="0"/>
+          </a:p>
+          <a:p>
+            <a:pPr marL="624078" indent="-514350"/>
+            <a:endParaRPr lang="nl-BE" i="1" dirty="0" smtClean="0"/>
+          </a:p>
+          <a:p>
+            <a:pPr marL="624078" indent="-514350"/>
+            <a:r>
+              <a:rPr lang="nl-BE" dirty="0" smtClean="0"/>
+              <a:t>Iteration </a:t>
+            </a:r>
+            <a:r>
+              <a:rPr lang="nl-BE" dirty="0" smtClean="0"/>
+              <a:t>2 (20’)</a:t>
+            </a:r>
+            <a:endParaRPr lang="nl-BE" dirty="0" smtClean="0"/>
+          </a:p>
+          <a:p>
+            <a:pPr marL="624078" indent="-514350"/>
+            <a:endParaRPr lang="nl-BE" i="1" dirty="0" smtClean="0"/>
+          </a:p>
+          <a:p>
+            <a:pPr marL="624078" indent="-514350"/>
+            <a:r>
+              <a:rPr lang="nl-BE" b="1" i="1" dirty="0" smtClean="0"/>
+              <a:t>What’s in it for you</a:t>
+            </a:r>
+            <a:r>
+              <a:rPr lang="nl-BE" b="1" i="1" dirty="0" smtClean="0"/>
+              <a:t>? (5’)</a:t>
             </a:r>
           </a:p>
           <a:p>
@@ -14440,41 +15983,9 @@
             <a:pPr marL="624078" indent="-514350"/>
             <a:r>
               <a:rPr lang="nl-BE" dirty="0" smtClean="0"/>
-              <a:t>Setup Fitnesse</a:t>
-            </a:r>
-          </a:p>
-          <a:p>
-            <a:pPr marL="624078" indent="-514350"/>
+              <a:t>Retrospective (5’)</a:t>
+            </a:r>
             <a:endParaRPr lang="nl-BE" dirty="0" smtClean="0"/>
-          </a:p>
-          <a:p>
-            <a:pPr marL="624078" indent="-514350"/>
-            <a:r>
-              <a:rPr lang="nl-BE" dirty="0" smtClean="0"/>
-              <a:t>Iteration 1</a:t>
-            </a:r>
-          </a:p>
-          <a:p>
-            <a:pPr marL="624078" indent="-514350"/>
-            <a:endParaRPr lang="nl-BE" dirty="0" smtClean="0"/>
-          </a:p>
-          <a:p>
-            <a:pPr marL="624078" indent="-514350"/>
-            <a:r>
-              <a:rPr lang="nl-BE" dirty="0" smtClean="0"/>
-              <a:t>Iteration 2</a:t>
-            </a:r>
-          </a:p>
-          <a:p>
-            <a:pPr marL="624078" indent="-514350"/>
-            <a:endParaRPr lang="nl-BE" b="1" i="1" dirty="0" smtClean="0"/>
-          </a:p>
-          <a:p>
-            <a:pPr marL="624078" indent="-514350"/>
-            <a:r>
-              <a:rPr lang="nl-BE" b="1" i="1" dirty="0" smtClean="0"/>
-              <a:t>What’s in it for you?</a:t>
-            </a:r>
           </a:p>
           <a:p>
             <a:pPr marL="624078" indent="-514350"/>
@@ -14492,24 +16003,33 @@
             <p:ph type="title"/>
           </p:nvPr>
         </p:nvSpPr>
-        <p:spPr/>
+        <p:spPr>
+          <a:xfrm>
+            <a:off x="457200" y="285728"/>
+            <a:ext cx="8229600" cy="1143000"/>
+          </a:xfrm>
+        </p:spPr>
         <p:txBody>
           <a:bodyPr>
-            <a:noAutofit/>
+            <a:normAutofit fontScale="90000"/>
           </a:bodyPr>
           <a:lstStyle/>
           <a:p>
             <a:r>
-              <a:rPr lang="nl-BE" sz="3200" dirty="0" smtClean="0"/>
-              <a:t>Agile Acceptance Testing with Fitnesse</a:t>
-            </a:r>
-            <a:endParaRPr lang="nl-BE" sz="3200" dirty="0"/>
+              <a:rPr lang="nl-BE" sz="3600" dirty="0" smtClean="0"/>
+              <a:t>Agile Acceptance Testing with </a:t>
+            </a:r>
+            <a:r>
+              <a:rPr lang="nl-BE" sz="3600" dirty="0" smtClean="0"/>
+              <a:t>Fitnesse</a:t>
+            </a:r>
+            <a:endParaRPr lang="nl-BE" sz="3600" dirty="0"/>
           </a:p>
         </p:txBody>
       </p:sp>
       <p:pic>
         <p:nvPicPr>
-          <p:cNvPr id="4" name="Picture 2" descr="C:\Users\pascmest\AppData\Local\Microsoft\Windows\Temporary Internet Files\Content.IE5\R67MQFYW\MPj04053960000[1].jpg"/>
+          <p:cNvPr id="5" name="Picture 2" descr="C:\Users\pascmest\AppData\Local\Microsoft\Windows\Temporary Internet Files\Content.IE5\R67MQFYW\MPj04053960000[1].jpg"/>
           <p:cNvPicPr>
             <a:picLocks noChangeAspect="1" noChangeArrowheads="1"/>
           </p:cNvPicPr>
@@ -14548,7 +16068,7 @@
 </p:sld>
 </file>
 
-<file path=ppt/slides/slide25.xml><?xml version="1.0" encoding="utf-8"?>
+<file path=ppt/slides/slide26.xml><?xml version="1.0" encoding="utf-8"?>
 <p:sld xmlns:a="http://schemas.openxmlformats.org/drawingml/2006/main" xmlns:r="http://schemas.openxmlformats.org/officeDocument/2006/relationships" xmlns:p="http://schemas.openxmlformats.org/presentationml/2006/main">
   <p:cSld>
     <p:spTree>
@@ -14959,353 +16479,6 @@
 </p:sld>
 </file>
 
-<file path=ppt/slides/slide26.xml><?xml version="1.0" encoding="utf-8"?>
-<p:sld xmlns:a="http://schemas.openxmlformats.org/drawingml/2006/main" xmlns:r="http://schemas.openxmlformats.org/officeDocument/2006/relationships" xmlns:p="http://schemas.openxmlformats.org/presentationml/2006/main">
-  <p:cSld>
-    <p:spTree>
-      <p:nvGrpSpPr>
-        <p:cNvPr id="1" name=""/>
-        <p:cNvGrpSpPr/>
-        <p:nvPr/>
-      </p:nvGrpSpPr>
-      <p:grpSpPr>
-        <a:xfrm>
-          <a:off x="0" y="0"/>
-          <a:ext cx="0" cy="0"/>
-          <a:chOff x="0" y="0"/>
-          <a:chExt cx="0" cy="0"/>
-        </a:xfrm>
-      </p:grpSpPr>
-      <p:sp>
-        <p:nvSpPr>
-          <p:cNvPr id="3" name="Content Placeholder 2"/>
-          <p:cNvSpPr>
-            <a:spLocks noGrp="1"/>
-          </p:cNvSpPr>
-          <p:nvPr>
-            <p:ph idx="1"/>
-          </p:nvPr>
-        </p:nvSpPr>
-        <p:spPr/>
-        <p:txBody>
-          <a:bodyPr>
-            <a:normAutofit lnSpcReduction="10000"/>
-          </a:bodyPr>
-          <a:lstStyle/>
-          <a:p>
-            <a:r>
-              <a:rPr lang="en-GB" dirty="0" smtClean="0"/>
-              <a:t>Requirements will be unambiguous and without functional gaps</a:t>
-            </a:r>
-          </a:p>
-          <a:p>
-            <a:endParaRPr lang="en-US" dirty="0" smtClean="0"/>
-          </a:p>
-          <a:p>
-            <a:r>
-              <a:rPr lang="en-GB" dirty="0" smtClean="0"/>
-              <a:t>Business analysts will really understand those special cases you mentioned</a:t>
-            </a:r>
-          </a:p>
-          <a:p>
-            <a:endParaRPr lang="en-US" dirty="0" smtClean="0"/>
-          </a:p>
-          <a:p>
-            <a:r>
-              <a:rPr lang="en-GB" dirty="0" smtClean="0"/>
-              <a:t>You will have automated tests to guide development</a:t>
-            </a:r>
-          </a:p>
-          <a:p>
-            <a:endParaRPr lang="en-US" dirty="0" smtClean="0"/>
-          </a:p>
-          <a:p>
-            <a:r>
-              <a:rPr lang="en-GB" dirty="0" smtClean="0"/>
-              <a:t>It will be easier to take-over and hand-over code</a:t>
-            </a:r>
-          </a:p>
-        </p:txBody>
-      </p:sp>
-      <p:sp>
-        <p:nvSpPr>
-          <p:cNvPr id="2" name="Title 1"/>
-          <p:cNvSpPr>
-            <a:spLocks noGrp="1"/>
-          </p:cNvSpPr>
-          <p:nvPr>
-            <p:ph type="title"/>
-          </p:nvPr>
-        </p:nvSpPr>
-        <p:spPr/>
-        <p:txBody>
-          <a:bodyPr>
-            <a:normAutofit fontScale="90000"/>
-          </a:bodyPr>
-          <a:lstStyle/>
-          <a:p>
-            <a:pPr algn="ctr"/>
-            <a:r>
-              <a:rPr lang="nl-BE" dirty="0" smtClean="0"/>
-              <a:t>What’s in it for you?</a:t>
-            </a:r>
-            <a:br>
-              <a:rPr lang="nl-BE" dirty="0" smtClean="0"/>
-            </a:br>
-            <a:r>
-              <a:rPr lang="nl-BE" sz="3600" dirty="0" smtClean="0">
-                <a:solidFill>
-                  <a:schemeClr val="bg2">
-                    <a:lumMod val="50000"/>
-                  </a:schemeClr>
-                </a:solidFill>
-              </a:rPr>
-              <a:t>Developer</a:t>
-            </a:r>
-            <a:endParaRPr lang="nl-BE" sz="3600" dirty="0">
-              <a:solidFill>
-                <a:schemeClr val="bg2">
-                  <a:lumMod val="50000"/>
-                </a:schemeClr>
-              </a:solidFill>
-            </a:endParaRPr>
-          </a:p>
-        </p:txBody>
-      </p:sp>
-    </p:spTree>
-  </p:cSld>
-  <p:clrMapOvr>
-    <a:masterClrMapping/>
-  </p:clrMapOvr>
-  <p:timing>
-    <p:tnLst>
-      <p:par>
-        <p:cTn id="1" dur="indefinite" restart="never" nodeType="tmRoot">
-          <p:childTnLst>
-            <p:seq concurrent="1" nextAc="seek">
-              <p:cTn id="2" dur="indefinite" nodeType="mainSeq">
-                <p:childTnLst>
-                  <p:par>
-                    <p:cTn id="3" fill="hold">
-                      <p:stCondLst>
-                        <p:cond delay="indefinite"/>
-                      </p:stCondLst>
-                      <p:childTnLst>
-                        <p:par>
-                          <p:cTn id="4" fill="hold">
-                            <p:stCondLst>
-                              <p:cond delay="0"/>
-                            </p:stCondLst>
-                            <p:childTnLst>
-                              <p:par>
-                                <p:cTn id="5" presetID="1" presetClass="entr" presetSubtype="0" fill="hold" nodeType="clickEffect">
-                                  <p:stCondLst>
-                                    <p:cond delay="0"/>
-                                  </p:stCondLst>
-                                  <p:childTnLst>
-                                    <p:set>
-                                      <p:cBhvr>
-                                        <p:cTn id="6" dur="1" fill="hold">
-                                          <p:stCondLst>
-                                            <p:cond delay="0"/>
-                                          </p:stCondLst>
-                                        </p:cTn>
-                                        <p:tgtEl>
-                                          <p:spTgt spid="3">
-                                            <p:txEl>
-                                              <p:pRg st="0" end="0"/>
-                                            </p:txEl>
-                                          </p:spTgt>
-                                        </p:tgtEl>
-                                        <p:attrNameLst>
-                                          <p:attrName>style.visibility</p:attrName>
-                                        </p:attrNameLst>
-                                      </p:cBhvr>
-                                      <p:to>
-                                        <p:strVal val="visible"/>
-                                      </p:to>
-                                    </p:set>
-                                  </p:childTnLst>
-                                </p:cTn>
-                              </p:par>
-                            </p:childTnLst>
-                          </p:cTn>
-                        </p:par>
-                      </p:childTnLst>
-                    </p:cTn>
-                  </p:par>
-                  <p:par>
-                    <p:cTn id="7" fill="hold">
-                      <p:stCondLst>
-                        <p:cond delay="indefinite"/>
-                      </p:stCondLst>
-                      <p:childTnLst>
-                        <p:par>
-                          <p:cTn id="8" fill="hold">
-                            <p:stCondLst>
-                              <p:cond delay="0"/>
-                            </p:stCondLst>
-                            <p:childTnLst>
-                              <p:par>
-                                <p:cTn id="9" presetID="1" presetClass="entr" presetSubtype="0" fill="hold" nodeType="clickEffect">
-                                  <p:stCondLst>
-                                    <p:cond delay="0"/>
-                                  </p:stCondLst>
-                                  <p:childTnLst>
-                                    <p:set>
-                                      <p:cBhvr>
-                                        <p:cTn id="10" dur="1" fill="hold">
-                                          <p:stCondLst>
-                                            <p:cond delay="0"/>
-                                          </p:stCondLst>
-                                        </p:cTn>
-                                        <p:tgtEl>
-                                          <p:spTgt spid="3">
-                                            <p:txEl>
-                                              <p:pRg st="2" end="2"/>
-                                            </p:txEl>
-                                          </p:spTgt>
-                                        </p:tgtEl>
-                                        <p:attrNameLst>
-                                          <p:attrName>style.visibility</p:attrName>
-                                        </p:attrNameLst>
-                                      </p:cBhvr>
-                                      <p:to>
-                                        <p:strVal val="visible"/>
-                                      </p:to>
-                                    </p:set>
-                                  </p:childTnLst>
-                                </p:cTn>
-                              </p:par>
-                            </p:childTnLst>
-                          </p:cTn>
-                        </p:par>
-                      </p:childTnLst>
-                    </p:cTn>
-                  </p:par>
-                  <p:par>
-                    <p:cTn id="11" fill="hold">
-                      <p:stCondLst>
-                        <p:cond delay="indefinite"/>
-                      </p:stCondLst>
-                      <p:childTnLst>
-                        <p:par>
-                          <p:cTn id="12" fill="hold">
-                            <p:stCondLst>
-                              <p:cond delay="0"/>
-                            </p:stCondLst>
-                            <p:childTnLst>
-                              <p:par>
-                                <p:cTn id="13" presetID="1" presetClass="entr" presetSubtype="0" fill="hold" nodeType="clickEffect">
-                                  <p:stCondLst>
-                                    <p:cond delay="0"/>
-                                  </p:stCondLst>
-                                  <p:childTnLst>
-                                    <p:set>
-                                      <p:cBhvr>
-                                        <p:cTn id="14" dur="1" fill="hold">
-                                          <p:stCondLst>
-                                            <p:cond delay="0"/>
-                                          </p:stCondLst>
-                                        </p:cTn>
-                                        <p:tgtEl>
-                                          <p:spTgt spid="3">
-                                            <p:txEl>
-                                              <p:pRg st="4" end="4"/>
-                                            </p:txEl>
-                                          </p:spTgt>
-                                        </p:tgtEl>
-                                        <p:attrNameLst>
-                                          <p:attrName>style.visibility</p:attrName>
-                                        </p:attrNameLst>
-                                      </p:cBhvr>
-                                      <p:to>
-                                        <p:strVal val="visible"/>
-                                      </p:to>
-                                    </p:set>
-                                  </p:childTnLst>
-                                </p:cTn>
-                              </p:par>
-                            </p:childTnLst>
-                          </p:cTn>
-                        </p:par>
-                      </p:childTnLst>
-                    </p:cTn>
-                  </p:par>
-                  <p:par>
-                    <p:cTn id="15" fill="hold">
-                      <p:stCondLst>
-                        <p:cond delay="indefinite"/>
-                      </p:stCondLst>
-                      <p:childTnLst>
-                        <p:par>
-                          <p:cTn id="16" fill="hold">
-                            <p:stCondLst>
-                              <p:cond delay="0"/>
-                            </p:stCondLst>
-                            <p:childTnLst>
-                              <p:par>
-                                <p:cTn id="17" presetID="1" presetClass="entr" presetSubtype="0" fill="hold" nodeType="clickEffect">
-                                  <p:stCondLst>
-                                    <p:cond delay="0"/>
-                                  </p:stCondLst>
-                                  <p:childTnLst>
-                                    <p:set>
-                                      <p:cBhvr>
-                                        <p:cTn id="18" dur="1" fill="hold">
-                                          <p:stCondLst>
-                                            <p:cond delay="0"/>
-                                          </p:stCondLst>
-                                        </p:cTn>
-                                        <p:tgtEl>
-                                          <p:spTgt spid="3">
-                                            <p:txEl>
-                                              <p:pRg st="6" end="6"/>
-                                            </p:txEl>
-                                          </p:spTgt>
-                                        </p:tgtEl>
-                                        <p:attrNameLst>
-                                          <p:attrName>style.visibility</p:attrName>
-                                        </p:attrNameLst>
-                                      </p:cBhvr>
-                                      <p:to>
-                                        <p:strVal val="visible"/>
-                                      </p:to>
-                                    </p:set>
-                                  </p:childTnLst>
-                                </p:cTn>
-                              </p:par>
-                            </p:childTnLst>
-                          </p:cTn>
-                        </p:par>
-                      </p:childTnLst>
-                    </p:cTn>
-                  </p:par>
-                </p:childTnLst>
-              </p:cTn>
-              <p:prevCondLst>
-                <p:cond evt="onPrev" delay="0">
-                  <p:tgtEl>
-                    <p:sldTgt/>
-                  </p:tgtEl>
-                </p:cond>
-              </p:prevCondLst>
-              <p:nextCondLst>
-                <p:cond evt="onNext" delay="0">
-                  <p:tgtEl>
-                    <p:sldTgt/>
-                  </p:tgtEl>
-                </p:cond>
-              </p:nextCondLst>
-            </p:seq>
-          </p:childTnLst>
-        </p:cTn>
-      </p:par>
-    </p:tnLst>
-  </p:timing>
-</p:sld>
-</file>
-
 <file path=ppt/slides/slide27.xml><?xml version="1.0" encoding="utf-8"?>
 <p:sld xmlns:a="http://schemas.openxmlformats.org/drawingml/2006/main" xmlns:r="http://schemas.openxmlformats.org/officeDocument/2006/relationships" xmlns:p="http://schemas.openxmlformats.org/presentationml/2006/main">
   <p:cSld>
@@ -15336,13 +16509,13 @@
         <p:spPr/>
         <p:txBody>
           <a:bodyPr>
-            <a:normAutofit/>
+            <a:normAutofit lnSpcReduction="10000"/>
           </a:bodyPr>
           <a:lstStyle/>
           <a:p>
             <a:r>
               <a:rPr lang="en-GB" dirty="0" smtClean="0"/>
-              <a:t>Finally stop those guys from making the same mistakes over and over</a:t>
+              <a:t>Requirements will be unambiguous and without functional gaps</a:t>
             </a:r>
           </a:p>
           <a:p>
@@ -15351,7 +16524,7 @@
           <a:p>
             <a:r>
               <a:rPr lang="en-GB" dirty="0" smtClean="0"/>
-              <a:t>Avoid doing the same stuff all the time</a:t>
+              <a:t>Business analysts will really understand those special cases you mentioned</a:t>
             </a:r>
           </a:p>
           <a:p>
@@ -15360,7 +16533,7 @@
           <a:p>
             <a:r>
               <a:rPr lang="en-GB" dirty="0" smtClean="0"/>
-              <a:t>Build quality in from the start</a:t>
+              <a:t>You will have automated tests to guide development</a:t>
             </a:r>
           </a:p>
           <a:p>
@@ -15369,7 +16542,7 @@
           <a:p>
             <a:r>
               <a:rPr lang="en-GB" dirty="0" smtClean="0"/>
-              <a:t>Verify business rules by a click on a button</a:t>
+              <a:t>It will be easier to take-over and hand-over code</a:t>
             </a:r>
           </a:p>
         </p:txBody>
@@ -15407,7 +16580,7 @@
                   </a:schemeClr>
                 </a:solidFill>
               </a:rPr>
-              <a:t>Tester / Business Analist</a:t>
+              <a:t>Developer</a:t>
             </a:r>
             <a:endParaRPr lang="nl-BE" sz="3600" dirty="0">
               <a:solidFill>
@@ -15672,6 +16845,353 @@
       </p:grpSpPr>
       <p:sp>
         <p:nvSpPr>
+          <p:cNvPr id="3" name="Content Placeholder 2"/>
+          <p:cNvSpPr>
+            <a:spLocks noGrp="1"/>
+          </p:cNvSpPr>
+          <p:nvPr>
+            <p:ph idx="1"/>
+          </p:nvPr>
+        </p:nvSpPr>
+        <p:spPr/>
+        <p:txBody>
+          <a:bodyPr>
+            <a:normAutofit/>
+          </a:bodyPr>
+          <a:lstStyle/>
+          <a:p>
+            <a:r>
+              <a:rPr lang="en-GB" dirty="0" smtClean="0"/>
+              <a:t>Finally stop those guys from making the same mistakes over and over</a:t>
+            </a:r>
+          </a:p>
+          <a:p>
+            <a:endParaRPr lang="en-US" dirty="0" smtClean="0"/>
+          </a:p>
+          <a:p>
+            <a:r>
+              <a:rPr lang="en-GB" dirty="0" smtClean="0"/>
+              <a:t>Avoid doing the same stuff all the time</a:t>
+            </a:r>
+          </a:p>
+          <a:p>
+            <a:endParaRPr lang="en-US" dirty="0" smtClean="0"/>
+          </a:p>
+          <a:p>
+            <a:r>
+              <a:rPr lang="en-GB" dirty="0" smtClean="0"/>
+              <a:t>Build quality in from the start</a:t>
+            </a:r>
+          </a:p>
+          <a:p>
+            <a:endParaRPr lang="en-US" dirty="0" smtClean="0"/>
+          </a:p>
+          <a:p>
+            <a:r>
+              <a:rPr lang="en-GB" dirty="0" smtClean="0"/>
+              <a:t>Verify business rules by a click on a button</a:t>
+            </a:r>
+          </a:p>
+        </p:txBody>
+      </p:sp>
+      <p:sp>
+        <p:nvSpPr>
+          <p:cNvPr id="2" name="Title 1"/>
+          <p:cNvSpPr>
+            <a:spLocks noGrp="1"/>
+          </p:cNvSpPr>
+          <p:nvPr>
+            <p:ph type="title"/>
+          </p:nvPr>
+        </p:nvSpPr>
+        <p:spPr/>
+        <p:txBody>
+          <a:bodyPr>
+            <a:normAutofit fontScale="90000"/>
+          </a:bodyPr>
+          <a:lstStyle/>
+          <a:p>
+            <a:pPr algn="ctr"/>
+            <a:r>
+              <a:rPr lang="nl-BE" dirty="0" smtClean="0"/>
+              <a:t>What’s in it for you?</a:t>
+            </a:r>
+            <a:br>
+              <a:rPr lang="nl-BE" dirty="0" smtClean="0"/>
+            </a:br>
+            <a:r>
+              <a:rPr lang="nl-BE" sz="3600" dirty="0" smtClean="0">
+                <a:solidFill>
+                  <a:schemeClr val="bg2">
+                    <a:lumMod val="50000"/>
+                  </a:schemeClr>
+                </a:solidFill>
+              </a:rPr>
+              <a:t>Tester / Business Analist</a:t>
+            </a:r>
+            <a:endParaRPr lang="nl-BE" sz="3600" dirty="0">
+              <a:solidFill>
+                <a:schemeClr val="bg2">
+                  <a:lumMod val="50000"/>
+                </a:schemeClr>
+              </a:solidFill>
+            </a:endParaRPr>
+          </a:p>
+        </p:txBody>
+      </p:sp>
+    </p:spTree>
+  </p:cSld>
+  <p:clrMapOvr>
+    <a:masterClrMapping/>
+  </p:clrMapOvr>
+  <p:timing>
+    <p:tnLst>
+      <p:par>
+        <p:cTn id="1" dur="indefinite" restart="never" nodeType="tmRoot">
+          <p:childTnLst>
+            <p:seq concurrent="1" nextAc="seek">
+              <p:cTn id="2" dur="indefinite" nodeType="mainSeq">
+                <p:childTnLst>
+                  <p:par>
+                    <p:cTn id="3" fill="hold">
+                      <p:stCondLst>
+                        <p:cond delay="indefinite"/>
+                      </p:stCondLst>
+                      <p:childTnLst>
+                        <p:par>
+                          <p:cTn id="4" fill="hold">
+                            <p:stCondLst>
+                              <p:cond delay="0"/>
+                            </p:stCondLst>
+                            <p:childTnLst>
+                              <p:par>
+                                <p:cTn id="5" presetID="1" presetClass="entr" presetSubtype="0" fill="hold" nodeType="clickEffect">
+                                  <p:stCondLst>
+                                    <p:cond delay="0"/>
+                                  </p:stCondLst>
+                                  <p:childTnLst>
+                                    <p:set>
+                                      <p:cBhvr>
+                                        <p:cTn id="6" dur="1" fill="hold">
+                                          <p:stCondLst>
+                                            <p:cond delay="0"/>
+                                          </p:stCondLst>
+                                        </p:cTn>
+                                        <p:tgtEl>
+                                          <p:spTgt spid="3">
+                                            <p:txEl>
+                                              <p:pRg st="0" end="0"/>
+                                            </p:txEl>
+                                          </p:spTgt>
+                                        </p:tgtEl>
+                                        <p:attrNameLst>
+                                          <p:attrName>style.visibility</p:attrName>
+                                        </p:attrNameLst>
+                                      </p:cBhvr>
+                                      <p:to>
+                                        <p:strVal val="visible"/>
+                                      </p:to>
+                                    </p:set>
+                                  </p:childTnLst>
+                                </p:cTn>
+                              </p:par>
+                            </p:childTnLst>
+                          </p:cTn>
+                        </p:par>
+                      </p:childTnLst>
+                    </p:cTn>
+                  </p:par>
+                  <p:par>
+                    <p:cTn id="7" fill="hold">
+                      <p:stCondLst>
+                        <p:cond delay="indefinite"/>
+                      </p:stCondLst>
+                      <p:childTnLst>
+                        <p:par>
+                          <p:cTn id="8" fill="hold">
+                            <p:stCondLst>
+                              <p:cond delay="0"/>
+                            </p:stCondLst>
+                            <p:childTnLst>
+                              <p:par>
+                                <p:cTn id="9" presetID="1" presetClass="entr" presetSubtype="0" fill="hold" nodeType="clickEffect">
+                                  <p:stCondLst>
+                                    <p:cond delay="0"/>
+                                  </p:stCondLst>
+                                  <p:childTnLst>
+                                    <p:set>
+                                      <p:cBhvr>
+                                        <p:cTn id="10" dur="1" fill="hold">
+                                          <p:stCondLst>
+                                            <p:cond delay="0"/>
+                                          </p:stCondLst>
+                                        </p:cTn>
+                                        <p:tgtEl>
+                                          <p:spTgt spid="3">
+                                            <p:txEl>
+                                              <p:pRg st="2" end="2"/>
+                                            </p:txEl>
+                                          </p:spTgt>
+                                        </p:tgtEl>
+                                        <p:attrNameLst>
+                                          <p:attrName>style.visibility</p:attrName>
+                                        </p:attrNameLst>
+                                      </p:cBhvr>
+                                      <p:to>
+                                        <p:strVal val="visible"/>
+                                      </p:to>
+                                    </p:set>
+                                  </p:childTnLst>
+                                </p:cTn>
+                              </p:par>
+                            </p:childTnLst>
+                          </p:cTn>
+                        </p:par>
+                      </p:childTnLst>
+                    </p:cTn>
+                  </p:par>
+                  <p:par>
+                    <p:cTn id="11" fill="hold">
+                      <p:stCondLst>
+                        <p:cond delay="indefinite"/>
+                      </p:stCondLst>
+                      <p:childTnLst>
+                        <p:par>
+                          <p:cTn id="12" fill="hold">
+                            <p:stCondLst>
+                              <p:cond delay="0"/>
+                            </p:stCondLst>
+                            <p:childTnLst>
+                              <p:par>
+                                <p:cTn id="13" presetID="1" presetClass="entr" presetSubtype="0" fill="hold" nodeType="clickEffect">
+                                  <p:stCondLst>
+                                    <p:cond delay="0"/>
+                                  </p:stCondLst>
+                                  <p:childTnLst>
+                                    <p:set>
+                                      <p:cBhvr>
+                                        <p:cTn id="14" dur="1" fill="hold">
+                                          <p:stCondLst>
+                                            <p:cond delay="0"/>
+                                          </p:stCondLst>
+                                        </p:cTn>
+                                        <p:tgtEl>
+                                          <p:spTgt spid="3">
+                                            <p:txEl>
+                                              <p:pRg st="4" end="4"/>
+                                            </p:txEl>
+                                          </p:spTgt>
+                                        </p:tgtEl>
+                                        <p:attrNameLst>
+                                          <p:attrName>style.visibility</p:attrName>
+                                        </p:attrNameLst>
+                                      </p:cBhvr>
+                                      <p:to>
+                                        <p:strVal val="visible"/>
+                                      </p:to>
+                                    </p:set>
+                                  </p:childTnLst>
+                                </p:cTn>
+                              </p:par>
+                            </p:childTnLst>
+                          </p:cTn>
+                        </p:par>
+                      </p:childTnLst>
+                    </p:cTn>
+                  </p:par>
+                  <p:par>
+                    <p:cTn id="15" fill="hold">
+                      <p:stCondLst>
+                        <p:cond delay="indefinite"/>
+                      </p:stCondLst>
+                      <p:childTnLst>
+                        <p:par>
+                          <p:cTn id="16" fill="hold">
+                            <p:stCondLst>
+                              <p:cond delay="0"/>
+                            </p:stCondLst>
+                            <p:childTnLst>
+                              <p:par>
+                                <p:cTn id="17" presetID="1" presetClass="entr" presetSubtype="0" fill="hold" nodeType="clickEffect">
+                                  <p:stCondLst>
+                                    <p:cond delay="0"/>
+                                  </p:stCondLst>
+                                  <p:childTnLst>
+                                    <p:set>
+                                      <p:cBhvr>
+                                        <p:cTn id="18" dur="1" fill="hold">
+                                          <p:stCondLst>
+                                            <p:cond delay="0"/>
+                                          </p:stCondLst>
+                                        </p:cTn>
+                                        <p:tgtEl>
+                                          <p:spTgt spid="3">
+                                            <p:txEl>
+                                              <p:pRg st="6" end="6"/>
+                                            </p:txEl>
+                                          </p:spTgt>
+                                        </p:tgtEl>
+                                        <p:attrNameLst>
+                                          <p:attrName>style.visibility</p:attrName>
+                                        </p:attrNameLst>
+                                      </p:cBhvr>
+                                      <p:to>
+                                        <p:strVal val="visible"/>
+                                      </p:to>
+                                    </p:set>
+                                  </p:childTnLst>
+                                </p:cTn>
+                              </p:par>
+                            </p:childTnLst>
+                          </p:cTn>
+                        </p:par>
+                      </p:childTnLst>
+                    </p:cTn>
+                  </p:par>
+                </p:childTnLst>
+              </p:cTn>
+              <p:prevCondLst>
+                <p:cond evt="onPrev" delay="0">
+                  <p:tgtEl>
+                    <p:sldTgt/>
+                  </p:tgtEl>
+                </p:cond>
+              </p:prevCondLst>
+              <p:nextCondLst>
+                <p:cond evt="onNext" delay="0">
+                  <p:tgtEl>
+                    <p:sldTgt/>
+                  </p:tgtEl>
+                </p:cond>
+              </p:nextCondLst>
+            </p:seq>
+          </p:childTnLst>
+        </p:cTn>
+      </p:par>
+    </p:tnLst>
+  </p:timing>
+</p:sld>
+</file>
+
+<file path=ppt/slides/slide29.xml><?xml version="1.0" encoding="utf-8"?>
+<p:sld xmlns:a="http://schemas.openxmlformats.org/drawingml/2006/main" xmlns:r="http://schemas.openxmlformats.org/officeDocument/2006/relationships" xmlns:p="http://schemas.openxmlformats.org/presentationml/2006/main">
+  <p:cSld>
+    <p:spTree>
+      <p:nvGrpSpPr>
+        <p:cNvPr id="1" name=""/>
+        <p:cNvGrpSpPr/>
+        <p:nvPr/>
+      </p:nvGrpSpPr>
+      <p:grpSpPr>
+        <a:xfrm>
+          <a:off x="0" y="0"/>
+          <a:ext cx="0" cy="0"/>
+          <a:chOff x="0" y="0"/>
+          <a:chExt cx="0" cy="0"/>
+        </a:xfrm>
+      </p:grpSpPr>
+      <p:sp>
+        <p:nvSpPr>
           <p:cNvPr id="2" name="Title 1"/>
           <p:cNvSpPr>
             <a:spLocks noGrp="1"/>
@@ -15784,7 +17304,204 @@
 </p:sld>
 </file>
 
-<file path=ppt/slides/slide29.xml><?xml version="1.0" encoding="utf-8"?>
+<file path=ppt/slides/slide3.xml><?xml version="1.0" encoding="utf-8"?>
+<p:sld xmlns:a="http://schemas.openxmlformats.org/drawingml/2006/main" xmlns:r="http://schemas.openxmlformats.org/officeDocument/2006/relationships" xmlns:p="http://schemas.openxmlformats.org/presentationml/2006/main">
+  <p:cSld>
+    <p:spTree>
+      <p:nvGrpSpPr>
+        <p:cNvPr id="1" name=""/>
+        <p:cNvGrpSpPr/>
+        <p:nvPr/>
+      </p:nvGrpSpPr>
+      <p:grpSpPr>
+        <a:xfrm>
+          <a:off x="0" y="0"/>
+          <a:ext cx="0" cy="0"/>
+          <a:chOff x="0" y="0"/>
+          <a:chExt cx="0" cy="0"/>
+        </a:xfrm>
+      </p:grpSpPr>
+      <p:sp>
+        <p:nvSpPr>
+          <p:cNvPr id="2" name="Content Placeholder 1"/>
+          <p:cNvSpPr>
+            <a:spLocks noGrp="1"/>
+          </p:cNvSpPr>
+          <p:nvPr>
+            <p:ph idx="1"/>
+          </p:nvPr>
+        </p:nvSpPr>
+        <p:spPr/>
+        <p:txBody>
+          <a:bodyPr>
+            <a:normAutofit fontScale="92500" lnSpcReduction="10000"/>
+          </a:bodyPr>
+          <a:lstStyle/>
+          <a:p>
+            <a:pPr marL="624078" indent="-514350"/>
+            <a:r>
+              <a:rPr lang="nl-BE" b="1" i="1" dirty="0" smtClean="0"/>
+              <a:t>Introduction &amp; Specification Workshop (25’)</a:t>
+            </a:r>
+            <a:endParaRPr lang="nl-BE" b="1" i="1" dirty="0" smtClean="0"/>
+          </a:p>
+          <a:p>
+            <a:pPr marL="624078" indent="-514350"/>
+            <a:endParaRPr lang="nl-BE" i="1" dirty="0" smtClean="0"/>
+          </a:p>
+          <a:p>
+            <a:pPr marL="624078" indent="-514350"/>
+            <a:r>
+              <a:rPr lang="nl-BE" dirty="0" smtClean="0"/>
+              <a:t>Setup </a:t>
+            </a:r>
+            <a:r>
+              <a:rPr lang="nl-BE" dirty="0" smtClean="0"/>
+              <a:t>Fitnesse (10’)</a:t>
+            </a:r>
+            <a:endParaRPr lang="nl-BE" dirty="0" smtClean="0"/>
+          </a:p>
+          <a:p>
+            <a:pPr marL="624078" indent="-514350"/>
+            <a:endParaRPr lang="nl-BE" i="1" dirty="0" smtClean="0"/>
+          </a:p>
+          <a:p>
+            <a:pPr marL="624078" indent="-514350"/>
+            <a:r>
+              <a:rPr lang="nl-BE" dirty="0" smtClean="0"/>
+              <a:t>Iteration </a:t>
+            </a:r>
+            <a:r>
+              <a:rPr lang="nl-BE" dirty="0" smtClean="0"/>
+              <a:t>1 (25’)</a:t>
+            </a:r>
+            <a:endParaRPr lang="nl-BE" dirty="0" smtClean="0"/>
+          </a:p>
+          <a:p>
+            <a:pPr marL="624078" indent="-514350"/>
+            <a:endParaRPr lang="nl-BE" i="1" dirty="0" smtClean="0"/>
+          </a:p>
+          <a:p>
+            <a:pPr marL="624078" indent="-514350"/>
+            <a:r>
+              <a:rPr lang="nl-BE" dirty="0" smtClean="0"/>
+              <a:t>Iteration </a:t>
+            </a:r>
+            <a:r>
+              <a:rPr lang="nl-BE" dirty="0" smtClean="0"/>
+              <a:t>2 (20’)</a:t>
+            </a:r>
+            <a:endParaRPr lang="nl-BE" dirty="0" smtClean="0"/>
+          </a:p>
+          <a:p>
+            <a:pPr marL="624078" indent="-514350"/>
+            <a:endParaRPr lang="nl-BE" i="1" dirty="0" smtClean="0"/>
+          </a:p>
+          <a:p>
+            <a:pPr marL="624078" indent="-514350"/>
+            <a:r>
+              <a:rPr lang="nl-BE" dirty="0" smtClean="0"/>
+              <a:t>What’s in it for you</a:t>
+            </a:r>
+            <a:r>
+              <a:rPr lang="nl-BE" dirty="0" smtClean="0"/>
+              <a:t>? (5’)</a:t>
+            </a:r>
+          </a:p>
+          <a:p>
+            <a:pPr marL="624078" indent="-514350"/>
+            <a:endParaRPr lang="nl-BE" dirty="0" smtClean="0"/>
+          </a:p>
+          <a:p>
+            <a:pPr marL="624078" indent="-514350"/>
+            <a:r>
+              <a:rPr lang="nl-BE" dirty="0" smtClean="0"/>
+              <a:t>Retrospective (5’)</a:t>
+            </a:r>
+            <a:endParaRPr lang="nl-BE" dirty="0" smtClean="0"/>
+          </a:p>
+          <a:p>
+            <a:pPr marL="624078" indent="-514350"/>
+            <a:endParaRPr lang="nl-BE" i="1" dirty="0" smtClean="0"/>
+          </a:p>
+        </p:txBody>
+      </p:sp>
+      <p:sp>
+        <p:nvSpPr>
+          <p:cNvPr id="3" name="Title 2"/>
+          <p:cNvSpPr>
+            <a:spLocks noGrp="1"/>
+          </p:cNvSpPr>
+          <p:nvPr>
+            <p:ph type="title"/>
+          </p:nvPr>
+        </p:nvSpPr>
+        <p:spPr>
+          <a:xfrm>
+            <a:off x="457200" y="285728"/>
+            <a:ext cx="8229600" cy="1143000"/>
+          </a:xfrm>
+        </p:spPr>
+        <p:txBody>
+          <a:bodyPr>
+            <a:normAutofit fontScale="90000"/>
+          </a:bodyPr>
+          <a:lstStyle/>
+          <a:p>
+            <a:r>
+              <a:rPr lang="nl-BE" sz="3600" dirty="0" smtClean="0"/>
+              <a:t>Agile Acceptance Testing with </a:t>
+            </a:r>
+            <a:r>
+              <a:rPr lang="nl-BE" sz="3600" dirty="0" smtClean="0"/>
+              <a:t>Fitnesse</a:t>
+            </a:r>
+            <a:endParaRPr lang="nl-BE" sz="3600" dirty="0"/>
+          </a:p>
+        </p:txBody>
+      </p:sp>
+      <p:pic>
+        <p:nvPicPr>
+          <p:cNvPr id="5" name="Picture 2" descr="C:\Users\pascmest\AppData\Local\Microsoft\Windows\Temporary Internet Files\Content.IE5\R67MQFYW\MPj04053960000[1].jpg"/>
+          <p:cNvPicPr>
+            <a:picLocks noChangeAspect="1" noChangeArrowheads="1"/>
+          </p:cNvPicPr>
+          <p:nvPr/>
+        </p:nvPicPr>
+        <p:blipFill>
+          <a:blip r:embed="rId3" cstate="print"/>
+          <a:srcRect/>
+          <a:stretch>
+            <a:fillRect/>
+          </a:stretch>
+        </p:blipFill>
+        <p:spPr bwMode="auto">
+          <a:xfrm>
+            <a:off x="5443545" y="4214818"/>
+            <a:ext cx="3700487" cy="2643206"/>
+          </a:xfrm>
+          <a:prstGeom prst="rect">
+            <a:avLst/>
+          </a:prstGeom>
+          <a:noFill/>
+        </p:spPr>
+      </p:pic>
+    </p:spTree>
+  </p:cSld>
+  <p:clrMapOvr>
+    <a:masterClrMapping/>
+  </p:clrMapOvr>
+  <p:timing>
+    <p:tnLst>
+      <p:par>
+        <p:cTn id="1" dur="indefinite" restart="never" nodeType="tmRoot"/>
+      </p:par>
+    </p:tnLst>
+  </p:timing>
+</p:sld>
+</file>
+
+<file path=ppt/slides/slide30.xml><?xml version="1.0" encoding="utf-8"?>
 <p:sld xmlns:a="http://schemas.openxmlformats.org/drawingml/2006/main" xmlns:r="http://schemas.openxmlformats.org/officeDocument/2006/relationships" xmlns:p="http://schemas.openxmlformats.org/presentationml/2006/main">
   <p:cSld>
     <p:spTree>
@@ -16683,7 +18400,7 @@
 </p:sld>
 </file>
 
-<file path=ppt/slides/slide3.xml><?xml version="1.0" encoding="utf-8"?>
+<file path=ppt/slides/slide31.xml><?xml version="1.0" encoding="utf-8"?>
 <p:sld xmlns:a="http://schemas.openxmlformats.org/drawingml/2006/main" xmlns:r="http://schemas.openxmlformats.org/officeDocument/2006/relationships" xmlns:p="http://schemas.openxmlformats.org/presentationml/2006/main">
   <p:cSld>
     <p:spTree>
@@ -16702,161 +18419,6 @@
       </p:grpSpPr>
       <p:sp>
         <p:nvSpPr>
-          <p:cNvPr id="2" name="Content Placeholder 1"/>
-          <p:cNvSpPr>
-            <a:spLocks noGrp="1"/>
-          </p:cNvSpPr>
-          <p:nvPr>
-            <p:ph idx="1"/>
-          </p:nvPr>
-        </p:nvSpPr>
-        <p:spPr/>
-        <p:txBody>
-          <a:bodyPr/>
-          <a:lstStyle/>
-          <a:p>
-            <a:pPr marL="624078" indent="-514350"/>
-            <a:r>
-              <a:rPr lang="nl-BE" b="1" i="1" dirty="0" smtClean="0"/>
-              <a:t>Specification Workshop</a:t>
-            </a:r>
-          </a:p>
-          <a:p>
-            <a:pPr marL="624078" indent="-514350"/>
-            <a:endParaRPr lang="nl-BE" i="1" dirty="0" smtClean="0"/>
-          </a:p>
-          <a:p>
-            <a:pPr marL="624078" indent="-514350"/>
-            <a:r>
-              <a:rPr lang="nl-BE" dirty="0" smtClean="0"/>
-              <a:t>Setup Fitnesse</a:t>
-            </a:r>
-          </a:p>
-          <a:p>
-            <a:pPr marL="624078" indent="-514350"/>
-            <a:endParaRPr lang="nl-BE" i="1" dirty="0" smtClean="0"/>
-          </a:p>
-          <a:p>
-            <a:pPr marL="624078" indent="-514350"/>
-            <a:r>
-              <a:rPr lang="nl-BE" dirty="0" smtClean="0"/>
-              <a:t>Iteration 1</a:t>
-            </a:r>
-          </a:p>
-          <a:p>
-            <a:pPr marL="624078" indent="-514350"/>
-            <a:endParaRPr lang="nl-BE" i="1" dirty="0" smtClean="0"/>
-          </a:p>
-          <a:p>
-            <a:pPr marL="624078" indent="-514350"/>
-            <a:r>
-              <a:rPr lang="nl-BE" dirty="0" smtClean="0"/>
-              <a:t>Iteration 2</a:t>
-            </a:r>
-          </a:p>
-          <a:p>
-            <a:pPr marL="624078" indent="-514350"/>
-            <a:endParaRPr lang="nl-BE" i="1" dirty="0" smtClean="0"/>
-          </a:p>
-          <a:p>
-            <a:pPr marL="624078" indent="-514350"/>
-            <a:r>
-              <a:rPr lang="nl-BE" dirty="0" smtClean="0"/>
-              <a:t>What’s in it for you?</a:t>
-            </a:r>
-            <a:endParaRPr lang="nl-BE" i="1" dirty="0" smtClean="0"/>
-          </a:p>
-          <a:p>
-            <a:pPr marL="624078" indent="-514350"/>
-            <a:endParaRPr lang="nl-BE" i="1" dirty="0" smtClean="0"/>
-          </a:p>
-        </p:txBody>
-      </p:sp>
-      <p:sp>
-        <p:nvSpPr>
-          <p:cNvPr id="3" name="Title 2"/>
-          <p:cNvSpPr>
-            <a:spLocks noGrp="1"/>
-          </p:cNvSpPr>
-          <p:nvPr>
-            <p:ph type="title"/>
-          </p:nvPr>
-        </p:nvSpPr>
-        <p:spPr/>
-        <p:txBody>
-          <a:bodyPr>
-            <a:normAutofit fontScale="90000"/>
-          </a:bodyPr>
-          <a:lstStyle/>
-          <a:p>
-            <a:r>
-              <a:rPr lang="nl-BE" sz="3600" dirty="0" smtClean="0"/>
-              <a:t>Agile Acceptance Testing with Fitnesse</a:t>
-            </a:r>
-            <a:endParaRPr lang="nl-BE" sz="3600" dirty="0"/>
-          </a:p>
-        </p:txBody>
-      </p:sp>
-      <p:pic>
-        <p:nvPicPr>
-          <p:cNvPr id="5" name="Picture 2" descr="C:\Users\pascmest\AppData\Local\Microsoft\Windows\Temporary Internet Files\Content.IE5\R67MQFYW\MPj04053960000[1].jpg"/>
-          <p:cNvPicPr>
-            <a:picLocks noChangeAspect="1" noChangeArrowheads="1"/>
-          </p:cNvPicPr>
-          <p:nvPr/>
-        </p:nvPicPr>
-        <p:blipFill>
-          <a:blip r:embed="rId2" cstate="print"/>
-          <a:srcRect/>
-          <a:stretch>
-            <a:fillRect/>
-          </a:stretch>
-        </p:blipFill>
-        <p:spPr bwMode="auto">
-          <a:xfrm>
-            <a:off x="5443545" y="4214818"/>
-            <a:ext cx="3700487" cy="2643206"/>
-          </a:xfrm>
-          <a:prstGeom prst="rect">
-            <a:avLst/>
-          </a:prstGeom>
-          <a:noFill/>
-        </p:spPr>
-      </p:pic>
-    </p:spTree>
-  </p:cSld>
-  <p:clrMapOvr>
-    <a:masterClrMapping/>
-  </p:clrMapOvr>
-  <p:timing>
-    <p:tnLst>
-      <p:par>
-        <p:cTn id="1" dur="indefinite" restart="never" nodeType="tmRoot"/>
-      </p:par>
-    </p:tnLst>
-  </p:timing>
-</p:sld>
-</file>
-
-<file path=ppt/slides/slide30.xml><?xml version="1.0" encoding="utf-8"?>
-<p:sld xmlns:a="http://schemas.openxmlformats.org/drawingml/2006/main" xmlns:r="http://schemas.openxmlformats.org/officeDocument/2006/relationships" xmlns:p="http://schemas.openxmlformats.org/presentationml/2006/main">
-  <p:cSld>
-    <p:spTree>
-      <p:nvGrpSpPr>
-        <p:cNvPr id="1" name=""/>
-        <p:cNvGrpSpPr/>
-        <p:nvPr/>
-      </p:nvGrpSpPr>
-      <p:grpSpPr>
-        <a:xfrm>
-          <a:off x="0" y="0"/>
-          <a:ext cx="0" cy="0"/>
-          <a:chOff x="0" y="0"/>
-          <a:chExt cx="0" cy="0"/>
-        </a:xfrm>
-      </p:grpSpPr>
-      <p:sp>
-        <p:nvSpPr>
           <p:cNvPr id="2" name="Title 1"/>
           <p:cNvSpPr>
             <a:spLocks noGrp="1"/>
@@ -16872,7 +18434,7 @@
           <a:p>
             <a:r>
               <a:rPr lang="nl-BE" dirty="0" smtClean="0"/>
-              <a:t>Questions?</a:t>
+              <a:t>Closing</a:t>
             </a:r>
             <a:endParaRPr lang="nl-BE" dirty="0"/>
           </a:p>

--- a/trunk/Slides/20090604_Ihc_AgileAcceptanceTesting.pptx
+++ b/trunk/Slides/20090604_Ihc_AgileAcceptanceTesting.pptx
@@ -632,11 +632,7 @@
             </a:pPr>
             <a:r>
               <a:rPr lang="nl-BE" dirty="0" smtClean="0"/>
-              <a:t>Lets turn those examples into executable specifications to verify that we have build the right code</a:t>
-            </a:r>
-            <a:r>
-              <a:rPr lang="nl-BE" dirty="0" smtClean="0"/>
-              <a:t>.</a:t>
+              <a:t>Lets turn those examples into executable specifications to verify that we have build the right code.</a:t>
             </a:r>
           </a:p>
           <a:p>
@@ -653,7 +649,6 @@
               <a:rPr lang="nl-BE" dirty="0" smtClean="0"/>
               <a:t>Elaborate -&gt; to describe more in detail</a:t>
             </a:r>
-            <a:endParaRPr lang="nl-BE" dirty="0" smtClean="0"/>
           </a:p>
           <a:p>
             <a:endParaRPr lang="nl-BE" dirty="0"/>
@@ -1021,7 +1016,6 @@
               <a:rPr lang="nl-BE" baseline="0" dirty="0" smtClean="0"/>
               <a:t>Detailled Setup.docx can be downloaded from Google Code</a:t>
             </a:r>
-            <a:endParaRPr lang="nl-BE" baseline="0" dirty="0" smtClean="0"/>
           </a:p>
         </p:txBody>
       </p:sp>
@@ -1612,8 +1606,17 @@
             </a:pPr>
             <a:r>
               <a:rPr lang="nl-BE" baseline="0" dirty="0" smtClean="0"/>
-              <a:t>Implement ManageCredit User Story.</a:t>
-            </a:r>
+              <a:t>Implement ManageCredit </a:t>
+            </a:r>
+            <a:r>
+              <a:rPr lang="nl-BE" baseline="0" smtClean="0"/>
+              <a:t>User </a:t>
+            </a:r>
+            <a:r>
+              <a:rPr lang="nl-BE" baseline="0" smtClean="0"/>
+              <a:t>Story via Spreadsheet to Fitnesse</a:t>
+            </a:r>
+            <a:endParaRPr lang="nl-BE" baseline="0" dirty="0" smtClean="0"/>
           </a:p>
           <a:p>
             <a:pPr lvl="0">
@@ -1919,7 +1922,6 @@
               <a:rPr lang="nl-BE" baseline="0" dirty="0" smtClean="0"/>
               <a:t>Check credits for User John is ...</a:t>
             </a:r>
-            <a:endParaRPr lang="nl-BE" baseline="0" dirty="0" smtClean="0"/>
           </a:p>
           <a:p>
             <a:pPr>
@@ -2038,11 +2040,7 @@
             </a:pPr>
             <a:r>
               <a:rPr lang="nl-BE" baseline="0" dirty="0" smtClean="0"/>
-              <a:t>Build should fail by regression tests, not by Work In Progress</a:t>
-            </a:r>
-            <a:r>
-              <a:rPr lang="nl-BE" baseline="0" dirty="0" smtClean="0"/>
-              <a:t>.</a:t>
+              <a:t>Build should fail by regression tests, not by Work In Progress.</a:t>
             </a:r>
           </a:p>
           <a:p>
@@ -2061,7 +2059,6 @@
               <a:rPr lang="nl-BE" b="1" u="sng" baseline="0" dirty="0" smtClean="0"/>
               <a:t>Ask the Audience:</a:t>
             </a:r>
-            <a:endParaRPr lang="nl-BE" b="1" u="sng" baseline="0" dirty="0" smtClean="0"/>
           </a:p>
           <a:p>
             <a:pPr>
@@ -2072,7 +2069,6 @@
               <a:rPr lang="nl-BE" baseline="0" dirty="0" smtClean="0"/>
               <a:t>Should we demo build integration? </a:t>
             </a:r>
-            <a:endParaRPr lang="nl-BE" baseline="0" dirty="0" smtClean="0"/>
           </a:p>
           <a:p>
             <a:pPr lvl="0">
@@ -3033,11 +3029,7 @@
           <a:p>
             <a:r>
               <a:rPr lang="nl-BE" u="none" baseline="0" dirty="0" smtClean="0"/>
-              <a:t>-Deze personen vragen we hun laptop nu op te starten en de inhoud van de share te kopiëren naar hun laptop</a:t>
-            </a:r>
-            <a:r>
-              <a:rPr lang="nl-BE" u="none" baseline="0" dirty="0" smtClean="0"/>
-              <a:t>. (via GetLatest.bat)</a:t>
+              <a:t>-Deze personen vragen we hun laptop nu op te starten en de inhoud van de share te kopiëren naar hun laptop. (via GetLatest.bat)</a:t>
             </a:r>
           </a:p>
           <a:p>
@@ -3045,7 +3037,6 @@
               <a:rPr lang="nl-BE" u="none" baseline="0" dirty="0" smtClean="0"/>
               <a:t>- We vermelden dat we niets installeren op de mensen hun laptops gedurende de ganse sessie (enkel xcopy deployment)</a:t>
             </a:r>
-            <a:endParaRPr lang="nl-BE" u="none" baseline="0" dirty="0" smtClean="0"/>
           </a:p>
           <a:p>
             <a:r>
@@ -3063,15 +3054,7 @@
           <a:p>
             <a:r>
               <a:rPr lang="nl-BE" u="none" baseline="0" dirty="0" smtClean="0"/>
-              <a:t>-Verdelen van de aanwezigen in groepjes van </a:t>
-            </a:r>
-            <a:r>
-              <a:rPr lang="nl-BE" u="none" baseline="0" dirty="0" smtClean="0"/>
-              <a:t>4. (liefst heterogeen</a:t>
-            </a:r>
-            <a:r>
-              <a:rPr lang="nl-BE" u="none" baseline="0" dirty="0" smtClean="0"/>
-              <a:t>)</a:t>
+              <a:t>-Verdelen van de aanwezigen in groepjes van 4. (liefst heterogeen)</a:t>
             </a:r>
             <a:endParaRPr lang="nl-BE" u="none" dirty="0" smtClean="0"/>
           </a:p>
@@ -3106,13 +3089,8 @@
             </a:pPr>
             <a:r>
               <a:rPr lang="nl-BE" baseline="0" dirty="0" smtClean="0"/>
-              <a:t>Op het ene scherm laten we deze slide zien</a:t>
-            </a:r>
-            <a:r>
-              <a:rPr lang="nl-BE" baseline="0" dirty="0" smtClean="0"/>
-              <a:t>. (Pascal)</a:t>
-            </a:r>
-            <a:endParaRPr lang="nl-BE" baseline="0" dirty="0" smtClean="0"/>
+              <a:t>Op het ene scherm laten we deze slide zien. (Pascal)</a:t>
+            </a:r>
           </a:p>
           <a:p>
             <a:pPr>
@@ -3121,13 +3099,8 @@
             </a:pPr>
             <a:r>
               <a:rPr lang="nl-BE" baseline="0" dirty="0" smtClean="0"/>
-              <a:t>Op de andere starten we de countdown timer van ZoomIt om 10 minuten wanneer de uitleg gedaan is en de groepjes gemaakt zijn</a:t>
-            </a:r>
-            <a:r>
-              <a:rPr lang="nl-BE" baseline="0" dirty="0" smtClean="0"/>
-              <a:t>. (Michel)</a:t>
-            </a:r>
-            <a:endParaRPr lang="nl-BE" baseline="0" dirty="0" smtClean="0"/>
+              <a:t>Op de andere starten we de countdown timer van ZoomIt om 10 minuten wanneer de uitleg gedaan is en de groepjes gemaakt zijn. (Michel)</a:t>
+            </a:r>
           </a:p>
           <a:p>
             <a:pPr>
@@ -9394,7 +9367,6 @@
               <a:rPr lang="nl-BE" dirty="0" smtClean="0"/>
               <a:t>Introduction &amp; Specification Workshop (25’)</a:t>
             </a:r>
-            <a:endParaRPr lang="nl-BE" dirty="0" smtClean="0"/>
           </a:p>
           <a:p>
             <a:pPr marL="624078" indent="-514350"/>
@@ -9404,13 +9376,8 @@
             <a:pPr marL="624078" indent="-514350"/>
             <a:r>
               <a:rPr lang="nl-BE" b="1" i="1" dirty="0" smtClean="0"/>
-              <a:t>Setup </a:t>
-            </a:r>
-            <a:r>
-              <a:rPr lang="nl-BE" b="1" i="1" dirty="0" smtClean="0"/>
-              <a:t>Fitnesse (10’)</a:t>
-            </a:r>
-            <a:endParaRPr lang="nl-BE" b="1" i="1" dirty="0" smtClean="0"/>
+              <a:t>Setup Fitnesse (10’)</a:t>
+            </a:r>
           </a:p>
           <a:p>
             <a:pPr marL="624078" indent="-514350"/>
@@ -9420,13 +9387,8 @@
             <a:pPr marL="624078" indent="-514350"/>
             <a:r>
               <a:rPr lang="nl-BE" dirty="0" smtClean="0"/>
-              <a:t>Iteration </a:t>
-            </a:r>
-            <a:r>
-              <a:rPr lang="nl-BE" dirty="0" smtClean="0"/>
-              <a:t>1 (25’)</a:t>
-            </a:r>
-            <a:endParaRPr lang="nl-BE" dirty="0" smtClean="0"/>
+              <a:t>Iteration 1 (25’)</a:t>
+            </a:r>
           </a:p>
           <a:p>
             <a:pPr marL="624078" indent="-514350"/>
@@ -9436,13 +9398,8 @@
             <a:pPr marL="624078" indent="-514350"/>
             <a:r>
               <a:rPr lang="nl-BE" dirty="0" smtClean="0"/>
-              <a:t>Iteration </a:t>
-            </a:r>
-            <a:r>
-              <a:rPr lang="nl-BE" dirty="0" smtClean="0"/>
-              <a:t>2 (20’)</a:t>
-            </a:r>
-            <a:endParaRPr lang="nl-BE" dirty="0" smtClean="0"/>
+              <a:t>Iteration 2 (20’)</a:t>
+            </a:r>
           </a:p>
           <a:p>
             <a:pPr marL="624078" indent="-514350"/>
@@ -9452,11 +9409,7 @@
             <a:pPr marL="624078" indent="-514350"/>
             <a:r>
               <a:rPr lang="nl-BE" dirty="0" smtClean="0"/>
-              <a:t>What’s in it for you</a:t>
-            </a:r>
-            <a:r>
-              <a:rPr lang="nl-BE" dirty="0" smtClean="0"/>
-              <a:t>? (5’)</a:t>
+              <a:t>What’s in it for you? (5’)</a:t>
             </a:r>
           </a:p>
           <a:p>
@@ -9469,7 +9422,6 @@
               <a:rPr lang="nl-BE" dirty="0" smtClean="0"/>
               <a:t>Retrospective (5’)</a:t>
             </a:r>
-            <a:endParaRPr lang="nl-BE" dirty="0" smtClean="0"/>
           </a:p>
           <a:p>
             <a:pPr marL="624078" indent="-514350"/>
@@ -9501,11 +9453,7 @@
           <a:p>
             <a:r>
               <a:rPr lang="nl-BE" sz="3600" dirty="0" smtClean="0"/>
-              <a:t>Agile Acceptance Testing with </a:t>
-            </a:r>
-            <a:r>
-              <a:rPr lang="nl-BE" sz="3600" dirty="0" smtClean="0"/>
-              <a:t>Fitnesse</a:t>
+              <a:t>Agile Acceptance Testing with Fitnesse</a:t>
             </a:r>
             <a:endParaRPr lang="nl-BE" sz="3600" dirty="0"/>
           </a:p>
@@ -10996,7 +10944,6 @@
               <a:rPr lang="nl-BE" dirty="0" smtClean="0"/>
               <a:t>Introduction &amp; Specification Workshop (25’)</a:t>
             </a:r>
-            <a:endParaRPr lang="nl-BE" dirty="0" smtClean="0"/>
           </a:p>
           <a:p>
             <a:pPr marL="624078" indent="-514350"/>
@@ -11006,13 +10953,8 @@
             <a:pPr marL="624078" indent="-514350"/>
             <a:r>
               <a:rPr lang="nl-BE" dirty="0" smtClean="0"/>
-              <a:t>Setup </a:t>
-            </a:r>
-            <a:r>
-              <a:rPr lang="nl-BE" dirty="0" smtClean="0"/>
-              <a:t>Fitnesse (10’)</a:t>
-            </a:r>
-            <a:endParaRPr lang="nl-BE" dirty="0" smtClean="0"/>
+              <a:t>Setup Fitnesse (10’)</a:t>
+            </a:r>
           </a:p>
           <a:p>
             <a:pPr marL="624078" indent="-514350"/>
@@ -11022,13 +10964,8 @@
             <a:pPr marL="624078" indent="-514350"/>
             <a:r>
               <a:rPr lang="nl-BE" b="1" i="1" dirty="0" smtClean="0"/>
-              <a:t>Iteration </a:t>
-            </a:r>
-            <a:r>
-              <a:rPr lang="nl-BE" b="1" i="1" dirty="0" smtClean="0"/>
-              <a:t>1 (25’)</a:t>
-            </a:r>
-            <a:endParaRPr lang="nl-BE" b="1" i="1" dirty="0" smtClean="0"/>
+              <a:t>Iteration 1 (25’)</a:t>
+            </a:r>
           </a:p>
           <a:p>
             <a:pPr marL="624078" indent="-514350"/>
@@ -11038,13 +10975,8 @@
             <a:pPr marL="624078" indent="-514350"/>
             <a:r>
               <a:rPr lang="nl-BE" dirty="0" smtClean="0"/>
-              <a:t>Iteration </a:t>
-            </a:r>
-            <a:r>
-              <a:rPr lang="nl-BE" dirty="0" smtClean="0"/>
-              <a:t>2 (20’)</a:t>
-            </a:r>
-            <a:endParaRPr lang="nl-BE" dirty="0" smtClean="0"/>
+              <a:t>Iteration 2 (20’)</a:t>
+            </a:r>
           </a:p>
           <a:p>
             <a:pPr marL="624078" indent="-514350"/>
@@ -11054,11 +10986,7 @@
             <a:pPr marL="624078" indent="-514350"/>
             <a:r>
               <a:rPr lang="nl-BE" dirty="0" smtClean="0"/>
-              <a:t>What’s in it for you</a:t>
-            </a:r>
-            <a:r>
-              <a:rPr lang="nl-BE" dirty="0" smtClean="0"/>
-              <a:t>? (5’)</a:t>
+              <a:t>What’s in it for you? (5’)</a:t>
             </a:r>
           </a:p>
           <a:p>
@@ -11071,7 +10999,6 @@
               <a:rPr lang="nl-BE" dirty="0" smtClean="0"/>
               <a:t>Retrospective (5’)</a:t>
             </a:r>
-            <a:endParaRPr lang="nl-BE" dirty="0" smtClean="0"/>
           </a:p>
           <a:p>
             <a:pPr marL="624078" indent="-514350"/>
@@ -11103,11 +11030,7 @@
           <a:p>
             <a:r>
               <a:rPr lang="nl-BE" sz="3600" dirty="0" smtClean="0"/>
-              <a:t>Agile Acceptance Testing with </a:t>
-            </a:r>
-            <a:r>
-              <a:rPr lang="nl-BE" sz="3600" dirty="0" smtClean="0"/>
-              <a:t>Fitnesse</a:t>
+              <a:t>Agile Acceptance Testing with Fitnesse</a:t>
             </a:r>
             <a:endParaRPr lang="nl-BE" sz="3600" dirty="0"/>
           </a:p>
@@ -14179,7 +14102,6 @@
               <a:rPr lang="nl-BE" dirty="0" smtClean="0"/>
               <a:t>Introduction &amp; Specification Workshop (25’)</a:t>
             </a:r>
-            <a:endParaRPr lang="nl-BE" dirty="0" smtClean="0"/>
           </a:p>
           <a:p>
             <a:pPr marL="624078" indent="-514350"/>
@@ -14189,13 +14111,8 @@
             <a:pPr marL="624078" indent="-514350"/>
             <a:r>
               <a:rPr lang="nl-BE" dirty="0" smtClean="0"/>
-              <a:t>Setup </a:t>
-            </a:r>
-            <a:r>
-              <a:rPr lang="nl-BE" dirty="0" smtClean="0"/>
-              <a:t>Fitnesse (10’)</a:t>
-            </a:r>
-            <a:endParaRPr lang="nl-BE" dirty="0" smtClean="0"/>
+              <a:t>Setup Fitnesse (10’)</a:t>
+            </a:r>
           </a:p>
           <a:p>
             <a:pPr marL="624078" indent="-514350"/>
@@ -14205,13 +14122,8 @@
             <a:pPr marL="624078" indent="-514350"/>
             <a:r>
               <a:rPr lang="nl-BE" dirty="0" smtClean="0"/>
-              <a:t>Iteration </a:t>
-            </a:r>
-            <a:r>
-              <a:rPr lang="nl-BE" dirty="0" smtClean="0"/>
-              <a:t>1 (25’)</a:t>
-            </a:r>
-            <a:endParaRPr lang="nl-BE" dirty="0" smtClean="0"/>
+              <a:t>Iteration 1 (25’)</a:t>
+            </a:r>
           </a:p>
           <a:p>
             <a:pPr marL="624078" indent="-514350"/>
@@ -14221,13 +14133,8 @@
             <a:pPr marL="624078" indent="-514350"/>
             <a:r>
               <a:rPr lang="nl-BE" b="1" i="1" dirty="0" smtClean="0"/>
-              <a:t>Iteration </a:t>
-            </a:r>
-            <a:r>
-              <a:rPr lang="nl-BE" b="1" i="1" dirty="0" smtClean="0"/>
-              <a:t>2 (20’)</a:t>
-            </a:r>
-            <a:endParaRPr lang="nl-BE" b="1" i="1" dirty="0" smtClean="0"/>
+              <a:t>Iteration 2 (20’)</a:t>
+            </a:r>
           </a:p>
           <a:p>
             <a:pPr marL="624078" indent="-514350"/>
@@ -14237,11 +14144,7 @@
             <a:pPr marL="624078" indent="-514350"/>
             <a:r>
               <a:rPr lang="nl-BE" dirty="0" smtClean="0"/>
-              <a:t>What’s in it for you</a:t>
-            </a:r>
-            <a:r>
-              <a:rPr lang="nl-BE" dirty="0" smtClean="0"/>
-              <a:t>? (5’)</a:t>
+              <a:t>What’s in it for you? (5’)</a:t>
             </a:r>
           </a:p>
           <a:p>
@@ -14254,7 +14157,6 @@
               <a:rPr lang="nl-BE" dirty="0" smtClean="0"/>
               <a:t>Retrospective (5’)</a:t>
             </a:r>
-            <a:endParaRPr lang="nl-BE" dirty="0" smtClean="0"/>
           </a:p>
           <a:p>
             <a:pPr marL="624078" indent="-514350"/>
@@ -14286,11 +14188,7 @@
           <a:p>
             <a:r>
               <a:rPr lang="nl-BE" sz="3600" dirty="0" smtClean="0"/>
-              <a:t>Agile Acceptance Testing with </a:t>
-            </a:r>
-            <a:r>
-              <a:rPr lang="nl-BE" sz="3600" dirty="0" smtClean="0"/>
-              <a:t>Fitnesse</a:t>
+              <a:t>Agile Acceptance Testing with Fitnesse</a:t>
             </a:r>
             <a:endParaRPr lang="nl-BE" sz="3600" dirty="0"/>
           </a:p>
@@ -15910,7 +15808,6 @@
               <a:rPr lang="nl-BE" dirty="0" smtClean="0"/>
               <a:t>Introduction &amp; Specification Workshop (25’)</a:t>
             </a:r>
-            <a:endParaRPr lang="nl-BE" dirty="0" smtClean="0"/>
           </a:p>
           <a:p>
             <a:pPr marL="624078" indent="-514350"/>
@@ -15920,13 +15817,8 @@
             <a:pPr marL="624078" indent="-514350"/>
             <a:r>
               <a:rPr lang="nl-BE" dirty="0" smtClean="0"/>
-              <a:t>Setup </a:t>
-            </a:r>
-            <a:r>
-              <a:rPr lang="nl-BE" dirty="0" smtClean="0"/>
-              <a:t>Fitnesse (10’)</a:t>
-            </a:r>
-            <a:endParaRPr lang="nl-BE" dirty="0" smtClean="0"/>
+              <a:t>Setup Fitnesse (10’)</a:t>
+            </a:r>
           </a:p>
           <a:p>
             <a:pPr marL="624078" indent="-514350"/>
@@ -15936,13 +15828,8 @@
             <a:pPr marL="624078" indent="-514350"/>
             <a:r>
               <a:rPr lang="nl-BE" dirty="0" smtClean="0"/>
-              <a:t>Iteration </a:t>
-            </a:r>
-            <a:r>
-              <a:rPr lang="nl-BE" dirty="0" smtClean="0"/>
-              <a:t>1 (25’)</a:t>
-            </a:r>
-            <a:endParaRPr lang="nl-BE" dirty="0" smtClean="0"/>
+              <a:t>Iteration 1 (25’)</a:t>
+            </a:r>
           </a:p>
           <a:p>
             <a:pPr marL="624078" indent="-514350"/>
@@ -15952,13 +15839,8 @@
             <a:pPr marL="624078" indent="-514350"/>
             <a:r>
               <a:rPr lang="nl-BE" dirty="0" smtClean="0"/>
-              <a:t>Iteration </a:t>
-            </a:r>
-            <a:r>
-              <a:rPr lang="nl-BE" dirty="0" smtClean="0"/>
-              <a:t>2 (20’)</a:t>
-            </a:r>
-            <a:endParaRPr lang="nl-BE" dirty="0" smtClean="0"/>
+              <a:t>Iteration 2 (20’)</a:t>
+            </a:r>
           </a:p>
           <a:p>
             <a:pPr marL="624078" indent="-514350"/>
@@ -15968,11 +15850,7 @@
             <a:pPr marL="624078" indent="-514350"/>
             <a:r>
               <a:rPr lang="nl-BE" b="1" i="1" dirty="0" smtClean="0"/>
-              <a:t>What’s in it for you</a:t>
-            </a:r>
-            <a:r>
-              <a:rPr lang="nl-BE" b="1" i="1" dirty="0" smtClean="0"/>
-              <a:t>? (5’)</a:t>
+              <a:t>What’s in it for you? (5’)</a:t>
             </a:r>
           </a:p>
           <a:p>
@@ -15985,7 +15863,6 @@
               <a:rPr lang="nl-BE" dirty="0" smtClean="0"/>
               <a:t>Retrospective (5’)</a:t>
             </a:r>
-            <a:endParaRPr lang="nl-BE" dirty="0" smtClean="0"/>
           </a:p>
           <a:p>
             <a:pPr marL="624078" indent="-514350"/>
@@ -16017,11 +15894,7 @@
           <a:p>
             <a:r>
               <a:rPr lang="nl-BE" sz="3600" dirty="0" smtClean="0"/>
-              <a:t>Agile Acceptance Testing with </a:t>
-            </a:r>
-            <a:r>
-              <a:rPr lang="nl-BE" sz="3600" dirty="0" smtClean="0"/>
-              <a:t>Fitnesse</a:t>
+              <a:t>Agile Acceptance Testing with Fitnesse</a:t>
             </a:r>
             <a:endParaRPr lang="nl-BE" sz="3600" dirty="0"/>
           </a:p>
@@ -17343,7 +17216,6 @@
               <a:rPr lang="nl-BE" b="1" i="1" dirty="0" smtClean="0"/>
               <a:t>Introduction &amp; Specification Workshop (25’)</a:t>
             </a:r>
-            <a:endParaRPr lang="nl-BE" b="1" i="1" dirty="0" smtClean="0"/>
           </a:p>
           <a:p>
             <a:pPr marL="624078" indent="-514350"/>
@@ -17353,13 +17225,8 @@
             <a:pPr marL="624078" indent="-514350"/>
             <a:r>
               <a:rPr lang="nl-BE" dirty="0" smtClean="0"/>
-              <a:t>Setup </a:t>
-            </a:r>
-            <a:r>
-              <a:rPr lang="nl-BE" dirty="0" smtClean="0"/>
-              <a:t>Fitnesse (10’)</a:t>
-            </a:r>
-            <a:endParaRPr lang="nl-BE" dirty="0" smtClean="0"/>
+              <a:t>Setup Fitnesse (10’)</a:t>
+            </a:r>
           </a:p>
           <a:p>
             <a:pPr marL="624078" indent="-514350"/>
@@ -17369,13 +17236,8 @@
             <a:pPr marL="624078" indent="-514350"/>
             <a:r>
               <a:rPr lang="nl-BE" dirty="0" smtClean="0"/>
-              <a:t>Iteration </a:t>
-            </a:r>
-            <a:r>
-              <a:rPr lang="nl-BE" dirty="0" smtClean="0"/>
-              <a:t>1 (25’)</a:t>
-            </a:r>
-            <a:endParaRPr lang="nl-BE" dirty="0" smtClean="0"/>
+              <a:t>Iteration 1 (25’)</a:t>
+            </a:r>
           </a:p>
           <a:p>
             <a:pPr marL="624078" indent="-514350"/>
@@ -17385,13 +17247,8 @@
             <a:pPr marL="624078" indent="-514350"/>
             <a:r>
               <a:rPr lang="nl-BE" dirty="0" smtClean="0"/>
-              <a:t>Iteration </a:t>
-            </a:r>
-            <a:r>
-              <a:rPr lang="nl-BE" dirty="0" smtClean="0"/>
-              <a:t>2 (20’)</a:t>
-            </a:r>
-            <a:endParaRPr lang="nl-BE" dirty="0" smtClean="0"/>
+              <a:t>Iteration 2 (20’)</a:t>
+            </a:r>
           </a:p>
           <a:p>
             <a:pPr marL="624078" indent="-514350"/>
@@ -17401,11 +17258,7 @@
             <a:pPr marL="624078" indent="-514350"/>
             <a:r>
               <a:rPr lang="nl-BE" dirty="0" smtClean="0"/>
-              <a:t>What’s in it for you</a:t>
-            </a:r>
-            <a:r>
-              <a:rPr lang="nl-BE" dirty="0" smtClean="0"/>
-              <a:t>? (5’)</a:t>
+              <a:t>What’s in it for you? (5’)</a:t>
             </a:r>
           </a:p>
           <a:p>
@@ -17418,7 +17271,6 @@
               <a:rPr lang="nl-BE" dirty="0" smtClean="0"/>
               <a:t>Retrospective (5’)</a:t>
             </a:r>
-            <a:endParaRPr lang="nl-BE" dirty="0" smtClean="0"/>
           </a:p>
           <a:p>
             <a:pPr marL="624078" indent="-514350"/>
@@ -17450,11 +17302,7 @@
           <a:p>
             <a:r>
               <a:rPr lang="nl-BE" sz="3600" dirty="0" smtClean="0"/>
-              <a:t>Agile Acceptance Testing with </a:t>
-            </a:r>
-            <a:r>
-              <a:rPr lang="nl-BE" sz="3600" dirty="0" smtClean="0"/>
-              <a:t>Fitnesse</a:t>
+              <a:t>Agile Acceptance Testing with Fitnesse</a:t>
             </a:r>
             <a:endParaRPr lang="nl-BE" sz="3600" dirty="0"/>
           </a:p>

--- a/trunk/Slides/20090604_Ihc_AgileAcceptanceTesting.pptx
+++ b/trunk/Slides/20090604_Ihc_AgileAcceptanceTesting.pptx
@@ -223,7 +223,7 @@
             <a:fld id="{08F0785E-033A-43CD-AF7D-1A09C6890A39}" type="datetimeFigureOut">
               <a:rPr lang="nl-BE" smtClean="0"/>
               <a:pPr/>
-              <a:t>03/06/2009</a:t>
+              <a:t>05/06/2009</a:t>
             </a:fld>
             <a:endParaRPr lang="nl-BE"/>
           </a:p>
@@ -1610,11 +1610,7 @@
             </a:r>
             <a:r>
               <a:rPr lang="nl-BE" baseline="0" smtClean="0"/>
-              <a:t>User </a:t>
-            </a:r>
-            <a:r>
-              <a:rPr lang="nl-BE" baseline="0" smtClean="0"/>
-              <a:t>Story via Spreadsheet to Fitnesse</a:t>
+              <a:t>User Story via Spreadsheet to Fitnesse</a:t>
             </a:r>
             <a:endParaRPr lang="nl-BE" baseline="0" dirty="0" smtClean="0"/>
           </a:p>
@@ -3914,7 +3910,7 @@
             <a:fld id="{FB938823-3E05-40BA-BF51-A1BB5DC0A85F}" type="datetimeFigureOut">
               <a:rPr lang="nl-BE" smtClean="0"/>
               <a:pPr/>
-              <a:t>03/06/2009</a:t>
+              <a:t>05/06/2009</a:t>
             </a:fld>
             <a:endParaRPr lang="nl-BE"/>
           </a:p>
@@ -4112,7 +4108,7 @@
             <a:fld id="{FB938823-3E05-40BA-BF51-A1BB5DC0A85F}" type="datetimeFigureOut">
               <a:rPr lang="nl-BE" smtClean="0"/>
               <a:pPr/>
-              <a:t>03/06/2009</a:t>
+              <a:t>05/06/2009</a:t>
             </a:fld>
             <a:endParaRPr lang="nl-BE"/>
           </a:p>
@@ -4299,7 +4295,7 @@
             <a:fld id="{FB938823-3E05-40BA-BF51-A1BB5DC0A85F}" type="datetimeFigureOut">
               <a:rPr lang="nl-BE" smtClean="0"/>
               <a:pPr/>
-              <a:t>03/06/2009</a:t>
+              <a:t>05/06/2009</a:t>
             </a:fld>
             <a:endParaRPr lang="nl-BE"/>
           </a:p>
@@ -4451,7 +4447,7 @@
             <a:fld id="{FB938823-3E05-40BA-BF51-A1BB5DC0A85F}" type="datetimeFigureOut">
               <a:rPr lang="nl-BE" smtClean="0"/>
               <a:pPr/>
-              <a:t>03/06/2009</a:t>
+              <a:t>05/06/2009</a:t>
             </a:fld>
             <a:endParaRPr lang="nl-BE"/>
           </a:p>
@@ -4708,7 +4704,7 @@
             <a:fld id="{FB938823-3E05-40BA-BF51-A1BB5DC0A85F}" type="datetimeFigureOut">
               <a:rPr lang="nl-BE" smtClean="0"/>
               <a:pPr/>
-              <a:t>03/06/2009</a:t>
+              <a:t>05/06/2009</a:t>
             </a:fld>
             <a:endParaRPr lang="nl-BE"/>
           </a:p>
@@ -5119,7 +5115,7 @@
             <a:fld id="{FB938823-3E05-40BA-BF51-A1BB5DC0A85F}" type="datetimeFigureOut">
               <a:rPr lang="nl-BE" smtClean="0"/>
               <a:pPr/>
-              <a:t>03/06/2009</a:t>
+              <a:t>05/06/2009</a:t>
             </a:fld>
             <a:endParaRPr lang="nl-BE"/>
           </a:p>
@@ -5567,7 +5563,7 @@
             <a:fld id="{FB938823-3E05-40BA-BF51-A1BB5DC0A85F}" type="datetimeFigureOut">
               <a:rPr lang="nl-BE" smtClean="0"/>
               <a:pPr/>
-              <a:t>03/06/2009</a:t>
+              <a:t>05/06/2009</a:t>
             </a:fld>
             <a:endParaRPr lang="nl-BE"/>
           </a:p>
@@ -5670,7 +5666,7 @@
             <a:fld id="{FB938823-3E05-40BA-BF51-A1BB5DC0A85F}" type="datetimeFigureOut">
               <a:rPr lang="nl-BE" smtClean="0"/>
               <a:pPr/>
-              <a:t>03/06/2009</a:t>
+              <a:t>05/06/2009</a:t>
             </a:fld>
             <a:endParaRPr lang="nl-BE"/>
           </a:p>
@@ -5793,7 +5789,7 @@
             <a:fld id="{FB938823-3E05-40BA-BF51-A1BB5DC0A85F}" type="datetimeFigureOut">
               <a:rPr lang="nl-BE" smtClean="0"/>
               <a:pPr/>
-              <a:t>03/06/2009</a:t>
+              <a:t>05/06/2009</a:t>
             </a:fld>
             <a:endParaRPr lang="nl-BE"/>
           </a:p>
@@ -6069,7 +6065,7 @@
             <a:fld id="{FB938823-3E05-40BA-BF51-A1BB5DC0A85F}" type="datetimeFigureOut">
               <a:rPr lang="nl-BE" smtClean="0"/>
               <a:pPr/>
-              <a:t>03/06/2009</a:t>
+              <a:t>05/06/2009</a:t>
             </a:fld>
             <a:endParaRPr lang="nl-BE"/>
           </a:p>
@@ -6276,7 +6272,7 @@
             <a:fld id="{FB938823-3E05-40BA-BF51-A1BB5DC0A85F}" type="datetimeFigureOut">
               <a:rPr lang="nl-BE" smtClean="0"/>
               <a:pPr/>
-              <a:t>03/06/2009</a:t>
+              <a:t>05/06/2009</a:t>
             </a:fld>
             <a:endParaRPr lang="nl-BE"/>
           </a:p>
@@ -7387,7 +7383,7 @@
             <a:fld id="{FB938823-3E05-40BA-BF51-A1BB5DC0A85F}" type="datetimeFigureOut">
               <a:rPr lang="nl-BE" smtClean="0"/>
               <a:pPr/>
-              <a:t>03/06/2009</a:t>
+              <a:t>05/06/2009</a:t>
             </a:fld>
             <a:endParaRPr lang="nl-BE"/>
           </a:p>
@@ -12050,13 +12046,23 @@
             <a:pPr lvl="1"/>
             <a:r>
               <a:rPr lang="nl-BE" sz="1600" dirty="0" smtClean="0"/>
-              <a:t>Checkout in svn: </a:t>
+              <a:t>Checkout in svn</a:t>
+            </a:r>
+            <a:r>
+              <a:rPr lang="nl-BE" sz="1600" smtClean="0"/>
+              <a:t>: </a:t>
+            </a:r>
+            <a:r>
+              <a:rPr lang="nl-BE" sz="1400" smtClean="0">
+                <a:hlinkClick r:id="rId10"/>
+              </a:rPr>
+              <a:t>http://</a:t>
             </a:r>
             <a:r>
               <a:rPr lang="nl-BE" sz="1400" dirty="0" smtClean="0">
                 <a:hlinkClick r:id="rId10"/>
               </a:rPr>
-              <a:t>https://agileacceptancetesting.googlecode.com/svn/trunk</a:t>
+              <a:t>agileacceptancetesting.googlecode.com/svn/trunk</a:t>
             </a:r>
             <a:r>
               <a:rPr lang="nl-BE" sz="1400" dirty="0" smtClean="0"/>
